--- a/0 발표용 파워포인트/0529 4차발표/0529 project06 - 파워포인트 - 기범.pptx
+++ b/0 발표용 파워포인트/0529 4차발표/0529 project06 - 파워포인트 - 기범.pptx
@@ -5,10 +5,16 @@
     <p:sldMasterId id="2147483648" r:id="rId1"/>
   </p:sldMasterIdLst>
   <p:notesMasterIdLst>
-    <p:notesMasterId r:id="rId3"/>
+    <p:notesMasterId r:id="rId9"/>
   </p:notesMasterIdLst>
   <p:sldIdLst>
     <p:sldId id="256" r:id="rId2"/>
+    <p:sldId id="257" r:id="rId3"/>
+    <p:sldId id="258" r:id="rId4"/>
+    <p:sldId id="259" r:id="rId5"/>
+    <p:sldId id="260" r:id="rId6"/>
+    <p:sldId id="262" r:id="rId7"/>
+    <p:sldId id="263" r:id="rId8"/>
   </p:sldIdLst>
   <p:sldSz cx="12192000" cy="6858000"/>
   <p:notesSz cx="6858000" cy="9144000"/>
@@ -209,7 +215,7 @@
             <a:fld id="{EFE7F2A0-C7D9-4DBD-AE3B-C1A712DCE501}" type="datetimeFigureOut">
               <a:rPr lang="ko-KR" altLang="en-US" smtClean="0"/>
               <a:pPr/>
-              <a:t>2020-05-04</a:t>
+              <a:t>2020-05-28</a:t>
             </a:fld>
             <a:endParaRPr lang="ko-KR" altLang="en-US"/>
           </a:p>
@@ -610,7 +616,7 @@
             <a:fld id="{272C3D53-FEDF-49EC-8F65-FFFC138B637E}" type="datetimeFigureOut">
               <a:rPr lang="ko-KR" altLang="en-US" smtClean="0"/>
               <a:pPr/>
-              <a:t>2020-05-04</a:t>
+              <a:t>2020-05-28</a:t>
             </a:fld>
             <a:endParaRPr lang="ko-KR" altLang="en-US"/>
           </a:p>
@@ -782,7 +788,7 @@
             <a:fld id="{272C3D53-FEDF-49EC-8F65-FFFC138B637E}" type="datetimeFigureOut">
               <a:rPr lang="ko-KR" altLang="en-US" smtClean="0"/>
               <a:pPr/>
-              <a:t>2020-05-04</a:t>
+              <a:t>2020-05-28</a:t>
             </a:fld>
             <a:endParaRPr lang="ko-KR" altLang="en-US"/>
           </a:p>
@@ -964,7 +970,7 @@
             <a:fld id="{272C3D53-FEDF-49EC-8F65-FFFC138B637E}" type="datetimeFigureOut">
               <a:rPr lang="ko-KR" altLang="en-US" smtClean="0"/>
               <a:pPr/>
-              <a:t>2020-05-04</a:t>
+              <a:t>2020-05-28</a:t>
             </a:fld>
             <a:endParaRPr lang="ko-KR" altLang="en-US"/>
           </a:p>
@@ -1136,7 +1142,7 @@
             <a:fld id="{272C3D53-FEDF-49EC-8F65-FFFC138B637E}" type="datetimeFigureOut">
               <a:rPr lang="ko-KR" altLang="en-US" smtClean="0"/>
               <a:pPr/>
-              <a:t>2020-05-04</a:t>
+              <a:t>2020-05-28</a:t>
             </a:fld>
             <a:endParaRPr lang="ko-KR" altLang="en-US"/>
           </a:p>
@@ -1384,7 +1390,7 @@
             <a:fld id="{272C3D53-FEDF-49EC-8F65-FFFC138B637E}" type="datetimeFigureOut">
               <a:rPr lang="ko-KR" altLang="en-US" smtClean="0"/>
               <a:pPr/>
-              <a:t>2020-05-04</a:t>
+              <a:t>2020-05-28</a:t>
             </a:fld>
             <a:endParaRPr lang="ko-KR" altLang="en-US"/>
           </a:p>
@@ -1618,7 +1624,7 @@
             <a:fld id="{272C3D53-FEDF-49EC-8F65-FFFC138B637E}" type="datetimeFigureOut">
               <a:rPr lang="ko-KR" altLang="en-US" smtClean="0"/>
               <a:pPr/>
-              <a:t>2020-05-04</a:t>
+              <a:t>2020-05-28</a:t>
             </a:fld>
             <a:endParaRPr lang="ko-KR" altLang="en-US"/>
           </a:p>
@@ -1987,7 +1993,7 @@
             <a:fld id="{272C3D53-FEDF-49EC-8F65-FFFC138B637E}" type="datetimeFigureOut">
               <a:rPr lang="ko-KR" altLang="en-US" smtClean="0"/>
               <a:pPr/>
-              <a:t>2020-05-04</a:t>
+              <a:t>2020-05-28</a:t>
             </a:fld>
             <a:endParaRPr lang="ko-KR" altLang="en-US"/>
           </a:p>
@@ -2107,7 +2113,7 @@
             <a:fld id="{272C3D53-FEDF-49EC-8F65-FFFC138B637E}" type="datetimeFigureOut">
               <a:rPr lang="ko-KR" altLang="en-US" smtClean="0"/>
               <a:pPr/>
-              <a:t>2020-05-04</a:t>
+              <a:t>2020-05-28</a:t>
             </a:fld>
             <a:endParaRPr lang="ko-KR" altLang="en-US"/>
           </a:p>
@@ -2204,7 +2210,7 @@
             <a:fld id="{272C3D53-FEDF-49EC-8F65-FFFC138B637E}" type="datetimeFigureOut">
               <a:rPr lang="ko-KR" altLang="en-US" smtClean="0"/>
               <a:pPr/>
-              <a:t>2020-05-04</a:t>
+              <a:t>2020-05-28</a:t>
             </a:fld>
             <a:endParaRPr lang="ko-KR" altLang="en-US"/>
           </a:p>
@@ -2483,7 +2489,7 @@
             <a:fld id="{272C3D53-FEDF-49EC-8F65-FFFC138B637E}" type="datetimeFigureOut">
               <a:rPr lang="ko-KR" altLang="en-US" smtClean="0"/>
               <a:pPr/>
-              <a:t>2020-05-04</a:t>
+              <a:t>2020-05-28</a:t>
             </a:fld>
             <a:endParaRPr lang="ko-KR" altLang="en-US"/>
           </a:p>
@@ -2738,7 +2744,7 @@
             <a:fld id="{272C3D53-FEDF-49EC-8F65-FFFC138B637E}" type="datetimeFigureOut">
               <a:rPr lang="ko-KR" altLang="en-US" smtClean="0"/>
               <a:pPr/>
-              <a:t>2020-05-04</a:t>
+              <a:t>2020-05-28</a:t>
             </a:fld>
             <a:endParaRPr lang="ko-KR" altLang="en-US"/>
           </a:p>
@@ -2953,7 +2959,7 @@
             <a:fld id="{272C3D53-FEDF-49EC-8F65-FFFC138B637E}" type="datetimeFigureOut">
               <a:rPr lang="ko-KR" altLang="en-US" smtClean="0"/>
               <a:pPr/>
-              <a:t>2020-05-04</a:t>
+              <a:t>2020-05-28</a:t>
             </a:fld>
             <a:endParaRPr lang="ko-KR" altLang="en-US"/>
           </a:p>
@@ -3437,6 +3443,8766 @@
     <p:extLst>
       <p:ext uri="{BB962C8B-B14F-4D97-AF65-F5344CB8AC3E}">
         <p14:creationId xmlns:p14="http://schemas.microsoft.com/office/powerpoint/2010/main" val="465175567"/>
+      </p:ext>
+    </p:extLst>
+  </p:cSld>
+  <p:clrMapOvr>
+    <a:masterClrMapping/>
+  </p:clrMapOvr>
+  <p:timing>
+    <p:tnLst>
+      <p:par>
+        <p:cTn id="1" dur="indefinite" restart="never" nodeType="tmRoot"/>
+      </p:par>
+    </p:tnLst>
+  </p:timing>
+</p:sld>
+</file>
+
+<file path=ppt/slides/slide2.xml><?xml version="1.0" encoding="utf-8"?>
+<p:sld xmlns:a="http://schemas.openxmlformats.org/drawingml/2006/main" xmlns:r="http://schemas.openxmlformats.org/officeDocument/2006/relationships" xmlns:p="http://schemas.openxmlformats.org/presentationml/2006/main">
+  <p:cSld>
+    <p:spTree>
+      <p:nvGrpSpPr>
+        <p:cNvPr id="1" name=""/>
+        <p:cNvGrpSpPr/>
+        <p:nvPr/>
+      </p:nvGrpSpPr>
+      <p:grpSpPr>
+        <a:xfrm>
+          <a:off x="0" y="0"/>
+          <a:ext cx="0" cy="0"/>
+          <a:chOff x="0" y="0"/>
+          <a:chExt cx="0" cy="0"/>
+        </a:xfrm>
+      </p:grpSpPr>
+      <p:sp>
+        <p:nvSpPr>
+          <p:cNvPr id="18" name="직사각형 17"/>
+          <p:cNvSpPr/>
+          <p:nvPr/>
+        </p:nvSpPr>
+        <p:spPr>
+          <a:xfrm rot="21409477">
+            <a:off x="832974" y="128931"/>
+            <a:ext cx="9282799" cy="6218171"/>
+          </a:xfrm>
+          <a:prstGeom prst="rect">
+            <a:avLst/>
+          </a:prstGeom>
+          <a:solidFill>
+            <a:schemeClr val="bg1">
+              <a:lumMod val="95000"/>
+            </a:schemeClr>
+          </a:solidFill>
+          <a:ln>
+            <a:noFill/>
+          </a:ln>
+        </p:spPr>
+        <p:style>
+          <a:lnRef idx="2">
+            <a:schemeClr val="accent1">
+              <a:shade val="50000"/>
+            </a:schemeClr>
+          </a:lnRef>
+          <a:fillRef idx="1">
+            <a:schemeClr val="accent1"/>
+          </a:fillRef>
+          <a:effectRef idx="0">
+            <a:schemeClr val="accent1"/>
+          </a:effectRef>
+          <a:fontRef idx="minor">
+            <a:schemeClr val="lt1"/>
+          </a:fontRef>
+        </p:style>
+        <p:txBody>
+          <a:bodyPr lIns="91440" tIns="45720" rIns="91440" bIns="45720" rtlCol="0" anchor="ctr"/>
+          <a:lstStyle/>
+          <a:p>
+            <a:pPr algn="ctr"/>
+            <a:endParaRPr lang="ko-KR" altLang="en-US" sz="2400">
+              <a:latin typeface="나눔바른고딕" panose="020B0603020101020101" pitchFamily="50" charset="-127"/>
+              <a:ea typeface="나눔바른고딕" panose="020B0603020101020101" pitchFamily="50" charset="-127"/>
+            </a:endParaRPr>
+          </a:p>
+        </p:txBody>
+      </p:sp>
+      <p:sp>
+        <p:nvSpPr>
+          <p:cNvPr id="5" name="직사각형 4"/>
+          <p:cNvSpPr/>
+          <p:nvPr/>
+        </p:nvSpPr>
+        <p:spPr>
+          <a:xfrm>
+            <a:off x="526742" y="260649"/>
+            <a:ext cx="11425909" cy="6392929"/>
+          </a:xfrm>
+          <a:prstGeom prst="rect">
+            <a:avLst/>
+          </a:prstGeom>
+          <a:gradFill flip="none" rotWithShape="1">
+            <a:gsLst>
+              <a:gs pos="100000">
+                <a:schemeClr val="bg1">
+                  <a:shade val="67500"/>
+                  <a:satMod val="115000"/>
+                </a:schemeClr>
+              </a:gs>
+              <a:gs pos="64000">
+                <a:schemeClr val="bg1">
+                  <a:shade val="100000"/>
+                  <a:satMod val="115000"/>
+                </a:schemeClr>
+              </a:gs>
+            </a:gsLst>
+            <a:lin ang="10800000" scaled="1"/>
+            <a:tileRect/>
+          </a:gradFill>
+          <a:ln>
+            <a:noFill/>
+          </a:ln>
+          <a:effectLst>
+            <a:outerShdw blurRad="228600" dist="76200" dir="16200000" rotWithShape="0">
+              <a:prstClr val="black">
+                <a:alpha val="40000"/>
+              </a:prstClr>
+            </a:outerShdw>
+          </a:effectLst>
+        </p:spPr>
+        <p:style>
+          <a:lnRef idx="2">
+            <a:schemeClr val="accent1">
+              <a:shade val="50000"/>
+            </a:schemeClr>
+          </a:lnRef>
+          <a:fillRef idx="1">
+            <a:schemeClr val="accent1"/>
+          </a:fillRef>
+          <a:effectRef idx="0">
+            <a:schemeClr val="accent1"/>
+          </a:effectRef>
+          <a:fontRef idx="minor">
+            <a:schemeClr val="lt1"/>
+          </a:fontRef>
+        </p:style>
+        <p:txBody>
+          <a:bodyPr lIns="91440" tIns="45720" rIns="91440" bIns="45720" rtlCol="0" anchor="ctr"/>
+          <a:lstStyle/>
+          <a:p>
+            <a:pPr algn="ctr"/>
+            <a:endParaRPr lang="ko-KR" altLang="en-US" sz="2400">
+              <a:latin typeface="나눔바른고딕" panose="020B0603020101020101" pitchFamily="50" charset="-127"/>
+              <a:ea typeface="나눔바른고딕" panose="020B0603020101020101" pitchFamily="50" charset="-127"/>
+            </a:endParaRPr>
+          </a:p>
+        </p:txBody>
+      </p:sp>
+      <p:grpSp>
+        <p:nvGrpSpPr>
+          <p:cNvPr id="2" name="그룹 1"/>
+          <p:cNvGrpSpPr/>
+          <p:nvPr/>
+        </p:nvGrpSpPr>
+        <p:grpSpPr>
+          <a:xfrm>
+            <a:off x="143104" y="68627"/>
+            <a:ext cx="768321" cy="6704028"/>
+            <a:chOff x="586490" y="739768"/>
+            <a:chExt cx="1017302" cy="5420168"/>
+          </a:xfrm>
+        </p:grpSpPr>
+        <p:sp>
+          <p:nvSpPr>
+            <p:cNvPr id="39" name="자유형 38"/>
+            <p:cNvSpPr/>
+            <p:nvPr/>
+          </p:nvSpPr>
+          <p:spPr>
+            <a:xfrm rot="10800000">
+              <a:off x="586490" y="1041378"/>
+              <a:ext cx="1017302" cy="4991063"/>
+            </a:xfrm>
+            <a:custGeom>
+              <a:avLst/>
+              <a:gdLst>
+                <a:gd name="connsiteX0" fmla="*/ 194310 w 388620"/>
+                <a:gd name="connsiteY0" fmla="*/ 0 h 2927235"/>
+                <a:gd name="connsiteX1" fmla="*/ 388620 w 388620"/>
+                <a:gd name="connsiteY1" fmla="*/ 194310 h 2927235"/>
+                <a:gd name="connsiteX2" fmla="*/ 388620 w 388620"/>
+                <a:gd name="connsiteY2" fmla="*/ 2927235 h 2927235"/>
+                <a:gd name="connsiteX3" fmla="*/ 379599 w 388620"/>
+                <a:gd name="connsiteY3" fmla="*/ 2898175 h 2927235"/>
+                <a:gd name="connsiteX4" fmla="*/ 194310 w 388620"/>
+                <a:gd name="connsiteY4" fmla="*/ 2775357 h 2927235"/>
+                <a:gd name="connsiteX5" fmla="*/ 9021 w 388620"/>
+                <a:gd name="connsiteY5" fmla="*/ 2898175 h 2927235"/>
+                <a:gd name="connsiteX6" fmla="*/ 0 w 388620"/>
+                <a:gd name="connsiteY6" fmla="*/ 2927235 h 2927235"/>
+                <a:gd name="connsiteX7" fmla="*/ 0 w 388620"/>
+                <a:gd name="connsiteY7" fmla="*/ 194310 h 2927235"/>
+                <a:gd name="connsiteX8" fmla="*/ 194310 w 388620"/>
+                <a:gd name="connsiteY8" fmla="*/ 0 h 2927235"/>
+              </a:gdLst>
+              <a:ahLst/>
+              <a:cxnLst>
+                <a:cxn ang="0">
+                  <a:pos x="connsiteX0" y="connsiteY0"/>
+                </a:cxn>
+                <a:cxn ang="0">
+                  <a:pos x="connsiteX1" y="connsiteY1"/>
+                </a:cxn>
+                <a:cxn ang="0">
+                  <a:pos x="connsiteX2" y="connsiteY2"/>
+                </a:cxn>
+                <a:cxn ang="0">
+                  <a:pos x="connsiteX3" y="connsiteY3"/>
+                </a:cxn>
+                <a:cxn ang="0">
+                  <a:pos x="connsiteX4" y="connsiteY4"/>
+                </a:cxn>
+                <a:cxn ang="0">
+                  <a:pos x="connsiteX5" y="connsiteY5"/>
+                </a:cxn>
+                <a:cxn ang="0">
+                  <a:pos x="connsiteX6" y="connsiteY6"/>
+                </a:cxn>
+                <a:cxn ang="0">
+                  <a:pos x="connsiteX7" y="connsiteY7"/>
+                </a:cxn>
+                <a:cxn ang="0">
+                  <a:pos x="connsiteX8" y="connsiteY8"/>
+                </a:cxn>
+              </a:cxnLst>
+              <a:rect l="l" t="t" r="r" b="b"/>
+              <a:pathLst>
+                <a:path w="388620" h="2927235">
+                  <a:moveTo>
+                    <a:pt x="194310" y="0"/>
+                  </a:moveTo>
+                  <a:cubicBezTo>
+                    <a:pt x="301624" y="0"/>
+                    <a:pt x="388620" y="86996"/>
+                    <a:pt x="388620" y="194310"/>
+                  </a:cubicBezTo>
+                  <a:lnTo>
+                    <a:pt x="388620" y="2927235"/>
+                  </a:lnTo>
+                  <a:lnTo>
+                    <a:pt x="379599" y="2898175"/>
+                  </a:lnTo>
+                  <a:cubicBezTo>
+                    <a:pt x="349072" y="2826000"/>
+                    <a:pt x="277605" y="2775357"/>
+                    <a:pt x="194310" y="2775357"/>
+                  </a:cubicBezTo>
+                  <a:cubicBezTo>
+                    <a:pt x="111015" y="2775357"/>
+                    <a:pt x="39548" y="2826000"/>
+                    <a:pt x="9021" y="2898175"/>
+                  </a:cubicBezTo>
+                  <a:lnTo>
+                    <a:pt x="0" y="2927235"/>
+                  </a:lnTo>
+                  <a:lnTo>
+                    <a:pt x="0" y="194310"/>
+                  </a:lnTo>
+                  <a:cubicBezTo>
+                    <a:pt x="0" y="86996"/>
+                    <a:pt x="86996" y="0"/>
+                    <a:pt x="194310" y="0"/>
+                  </a:cubicBezTo>
+                  <a:close/>
+                </a:path>
+              </a:pathLst>
+            </a:custGeom>
+            <a:gradFill flip="none" rotWithShape="1">
+              <a:gsLst>
+                <a:gs pos="0">
+                  <a:schemeClr val="bg1">
+                    <a:shade val="67500"/>
+                    <a:satMod val="115000"/>
+                  </a:schemeClr>
+                </a:gs>
+                <a:gs pos="100000">
+                  <a:schemeClr val="bg1">
+                    <a:shade val="100000"/>
+                    <a:satMod val="115000"/>
+                  </a:schemeClr>
+                </a:gs>
+              </a:gsLst>
+              <a:lin ang="10800000" scaled="1"/>
+              <a:tileRect/>
+            </a:gradFill>
+            <a:ln>
+              <a:noFill/>
+            </a:ln>
+            <a:effectLst>
+              <a:outerShdw blurRad="88900" dist="139700" dir="5400000" sx="98000" sy="98000" algn="t" rotWithShape="0">
+                <a:prstClr val="black">
+                  <a:alpha val="40000"/>
+                </a:prstClr>
+              </a:outerShdw>
+            </a:effectLst>
+          </p:spPr>
+          <p:style>
+            <a:lnRef idx="2">
+              <a:schemeClr val="accent1">
+                <a:shade val="50000"/>
+              </a:schemeClr>
+            </a:lnRef>
+            <a:fillRef idx="1">
+              <a:schemeClr val="accent1"/>
+            </a:fillRef>
+            <a:effectRef idx="0">
+              <a:schemeClr val="accent1"/>
+            </a:effectRef>
+            <a:fontRef idx="minor">
+              <a:schemeClr val="lt1"/>
+            </a:fontRef>
+          </p:style>
+          <p:txBody>
+            <a:bodyPr rtlCol="0" anchor="ctr"/>
+            <a:lstStyle/>
+            <a:p>
+              <a:pPr algn="ctr"/>
+              <a:endParaRPr lang="ko-KR" altLang="en-US" sz="2400">
+                <a:latin typeface="나눔바른고딕" panose="020B0603020101020101" pitchFamily="50" charset="-127"/>
+                <a:ea typeface="나눔바른고딕" panose="020B0603020101020101" pitchFamily="50" charset="-127"/>
+              </a:endParaRPr>
+            </a:p>
+          </p:txBody>
+        </p:sp>
+        <p:sp>
+          <p:nvSpPr>
+            <p:cNvPr id="40" name="자유형 39"/>
+            <p:cNvSpPr/>
+            <p:nvPr/>
+          </p:nvSpPr>
+          <p:spPr>
+            <a:xfrm rot="10800000">
+              <a:off x="754421" y="2816677"/>
+              <a:ext cx="681439" cy="3343259"/>
+            </a:xfrm>
+            <a:custGeom>
+              <a:avLst/>
+              <a:gdLst>
+                <a:gd name="connsiteX0" fmla="*/ 194310 w 388620"/>
+                <a:gd name="connsiteY0" fmla="*/ 0 h 2927235"/>
+                <a:gd name="connsiteX1" fmla="*/ 388620 w 388620"/>
+                <a:gd name="connsiteY1" fmla="*/ 194310 h 2927235"/>
+                <a:gd name="connsiteX2" fmla="*/ 388620 w 388620"/>
+                <a:gd name="connsiteY2" fmla="*/ 2927235 h 2927235"/>
+                <a:gd name="connsiteX3" fmla="*/ 379599 w 388620"/>
+                <a:gd name="connsiteY3" fmla="*/ 2898175 h 2927235"/>
+                <a:gd name="connsiteX4" fmla="*/ 194310 w 388620"/>
+                <a:gd name="connsiteY4" fmla="*/ 2775357 h 2927235"/>
+                <a:gd name="connsiteX5" fmla="*/ 9021 w 388620"/>
+                <a:gd name="connsiteY5" fmla="*/ 2898175 h 2927235"/>
+                <a:gd name="connsiteX6" fmla="*/ 0 w 388620"/>
+                <a:gd name="connsiteY6" fmla="*/ 2927235 h 2927235"/>
+                <a:gd name="connsiteX7" fmla="*/ 0 w 388620"/>
+                <a:gd name="connsiteY7" fmla="*/ 194310 h 2927235"/>
+                <a:gd name="connsiteX8" fmla="*/ 194310 w 388620"/>
+                <a:gd name="connsiteY8" fmla="*/ 0 h 2927235"/>
+              </a:gdLst>
+              <a:ahLst/>
+              <a:cxnLst>
+                <a:cxn ang="0">
+                  <a:pos x="connsiteX0" y="connsiteY0"/>
+                </a:cxn>
+                <a:cxn ang="0">
+                  <a:pos x="connsiteX1" y="connsiteY1"/>
+                </a:cxn>
+                <a:cxn ang="0">
+                  <a:pos x="connsiteX2" y="connsiteY2"/>
+                </a:cxn>
+                <a:cxn ang="0">
+                  <a:pos x="connsiteX3" y="connsiteY3"/>
+                </a:cxn>
+                <a:cxn ang="0">
+                  <a:pos x="connsiteX4" y="connsiteY4"/>
+                </a:cxn>
+                <a:cxn ang="0">
+                  <a:pos x="connsiteX5" y="connsiteY5"/>
+                </a:cxn>
+                <a:cxn ang="0">
+                  <a:pos x="connsiteX6" y="connsiteY6"/>
+                </a:cxn>
+                <a:cxn ang="0">
+                  <a:pos x="connsiteX7" y="connsiteY7"/>
+                </a:cxn>
+                <a:cxn ang="0">
+                  <a:pos x="connsiteX8" y="connsiteY8"/>
+                </a:cxn>
+              </a:cxnLst>
+              <a:rect l="l" t="t" r="r" b="b"/>
+              <a:pathLst>
+                <a:path w="388620" h="2927235">
+                  <a:moveTo>
+                    <a:pt x="194310" y="0"/>
+                  </a:moveTo>
+                  <a:cubicBezTo>
+                    <a:pt x="301624" y="0"/>
+                    <a:pt x="388620" y="86996"/>
+                    <a:pt x="388620" y="194310"/>
+                  </a:cubicBezTo>
+                  <a:lnTo>
+                    <a:pt x="388620" y="2927235"/>
+                  </a:lnTo>
+                  <a:lnTo>
+                    <a:pt x="379599" y="2898175"/>
+                  </a:lnTo>
+                  <a:cubicBezTo>
+                    <a:pt x="349072" y="2826000"/>
+                    <a:pt x="277605" y="2775357"/>
+                    <a:pt x="194310" y="2775357"/>
+                  </a:cubicBezTo>
+                  <a:cubicBezTo>
+                    <a:pt x="111015" y="2775357"/>
+                    <a:pt x="39548" y="2826000"/>
+                    <a:pt x="9021" y="2898175"/>
+                  </a:cubicBezTo>
+                  <a:lnTo>
+                    <a:pt x="0" y="2927235"/>
+                  </a:lnTo>
+                  <a:lnTo>
+                    <a:pt x="0" y="194310"/>
+                  </a:lnTo>
+                  <a:cubicBezTo>
+                    <a:pt x="0" y="86996"/>
+                    <a:pt x="86996" y="0"/>
+                    <a:pt x="194310" y="0"/>
+                  </a:cubicBezTo>
+                  <a:close/>
+                </a:path>
+              </a:pathLst>
+            </a:custGeom>
+            <a:gradFill flip="none" rotWithShape="1">
+              <a:gsLst>
+                <a:gs pos="0">
+                  <a:schemeClr val="bg1">
+                    <a:shade val="67500"/>
+                    <a:satMod val="115000"/>
+                  </a:schemeClr>
+                </a:gs>
+                <a:gs pos="100000">
+                  <a:schemeClr val="bg1">
+                    <a:shade val="100000"/>
+                    <a:satMod val="115000"/>
+                  </a:schemeClr>
+                </a:gs>
+              </a:gsLst>
+              <a:lin ang="10800000" scaled="1"/>
+              <a:tileRect/>
+            </a:gradFill>
+            <a:ln>
+              <a:noFill/>
+            </a:ln>
+            <a:effectLst>
+              <a:outerShdw blurRad="88900" dist="139700" dir="5400000" sx="98000" sy="98000" algn="t" rotWithShape="0">
+                <a:prstClr val="black">
+                  <a:alpha val="40000"/>
+                </a:prstClr>
+              </a:outerShdw>
+            </a:effectLst>
+          </p:spPr>
+          <p:style>
+            <a:lnRef idx="2">
+              <a:schemeClr val="accent1">
+                <a:shade val="50000"/>
+              </a:schemeClr>
+            </a:lnRef>
+            <a:fillRef idx="1">
+              <a:schemeClr val="accent1"/>
+            </a:fillRef>
+            <a:effectRef idx="0">
+              <a:schemeClr val="accent1"/>
+            </a:effectRef>
+            <a:fontRef idx="minor">
+              <a:schemeClr val="lt1"/>
+            </a:fontRef>
+          </p:style>
+          <p:txBody>
+            <a:bodyPr rtlCol="0" anchor="ctr"/>
+            <a:lstStyle/>
+            <a:p>
+              <a:pPr algn="ctr"/>
+              <a:endParaRPr lang="ko-KR" altLang="en-US" sz="2400">
+                <a:latin typeface="나눔바른고딕" panose="020B0603020101020101" pitchFamily="50" charset="-127"/>
+                <a:ea typeface="나눔바른고딕" panose="020B0603020101020101" pitchFamily="50" charset="-127"/>
+              </a:endParaRPr>
+            </a:p>
+          </p:txBody>
+        </p:sp>
+        <p:sp>
+          <p:nvSpPr>
+            <p:cNvPr id="41" name="자유형 40"/>
+            <p:cNvSpPr/>
+            <p:nvPr/>
+          </p:nvSpPr>
+          <p:spPr>
+            <a:xfrm>
+              <a:off x="754421" y="2614644"/>
+              <a:ext cx="681439" cy="3343259"/>
+            </a:xfrm>
+            <a:custGeom>
+              <a:avLst/>
+              <a:gdLst>
+                <a:gd name="connsiteX0" fmla="*/ 194310 w 388620"/>
+                <a:gd name="connsiteY0" fmla="*/ 0 h 2927235"/>
+                <a:gd name="connsiteX1" fmla="*/ 388620 w 388620"/>
+                <a:gd name="connsiteY1" fmla="*/ 194310 h 2927235"/>
+                <a:gd name="connsiteX2" fmla="*/ 388620 w 388620"/>
+                <a:gd name="connsiteY2" fmla="*/ 2927235 h 2927235"/>
+                <a:gd name="connsiteX3" fmla="*/ 379599 w 388620"/>
+                <a:gd name="connsiteY3" fmla="*/ 2898175 h 2927235"/>
+                <a:gd name="connsiteX4" fmla="*/ 194310 w 388620"/>
+                <a:gd name="connsiteY4" fmla="*/ 2775357 h 2927235"/>
+                <a:gd name="connsiteX5" fmla="*/ 9021 w 388620"/>
+                <a:gd name="connsiteY5" fmla="*/ 2898175 h 2927235"/>
+                <a:gd name="connsiteX6" fmla="*/ 0 w 388620"/>
+                <a:gd name="connsiteY6" fmla="*/ 2927235 h 2927235"/>
+                <a:gd name="connsiteX7" fmla="*/ 0 w 388620"/>
+                <a:gd name="connsiteY7" fmla="*/ 194310 h 2927235"/>
+                <a:gd name="connsiteX8" fmla="*/ 194310 w 388620"/>
+                <a:gd name="connsiteY8" fmla="*/ 0 h 2927235"/>
+              </a:gdLst>
+              <a:ahLst/>
+              <a:cxnLst>
+                <a:cxn ang="0">
+                  <a:pos x="connsiteX0" y="connsiteY0"/>
+                </a:cxn>
+                <a:cxn ang="0">
+                  <a:pos x="connsiteX1" y="connsiteY1"/>
+                </a:cxn>
+                <a:cxn ang="0">
+                  <a:pos x="connsiteX2" y="connsiteY2"/>
+                </a:cxn>
+                <a:cxn ang="0">
+                  <a:pos x="connsiteX3" y="connsiteY3"/>
+                </a:cxn>
+                <a:cxn ang="0">
+                  <a:pos x="connsiteX4" y="connsiteY4"/>
+                </a:cxn>
+                <a:cxn ang="0">
+                  <a:pos x="connsiteX5" y="connsiteY5"/>
+                </a:cxn>
+                <a:cxn ang="0">
+                  <a:pos x="connsiteX6" y="connsiteY6"/>
+                </a:cxn>
+                <a:cxn ang="0">
+                  <a:pos x="connsiteX7" y="connsiteY7"/>
+                </a:cxn>
+                <a:cxn ang="0">
+                  <a:pos x="connsiteX8" y="connsiteY8"/>
+                </a:cxn>
+              </a:cxnLst>
+              <a:rect l="l" t="t" r="r" b="b"/>
+              <a:pathLst>
+                <a:path w="388620" h="2927235">
+                  <a:moveTo>
+                    <a:pt x="194310" y="0"/>
+                  </a:moveTo>
+                  <a:cubicBezTo>
+                    <a:pt x="301624" y="0"/>
+                    <a:pt x="388620" y="86996"/>
+                    <a:pt x="388620" y="194310"/>
+                  </a:cubicBezTo>
+                  <a:lnTo>
+                    <a:pt x="388620" y="2927235"/>
+                  </a:lnTo>
+                  <a:lnTo>
+                    <a:pt x="379599" y="2898175"/>
+                  </a:lnTo>
+                  <a:cubicBezTo>
+                    <a:pt x="349072" y="2826000"/>
+                    <a:pt x="277605" y="2775357"/>
+                    <a:pt x="194310" y="2775357"/>
+                  </a:cubicBezTo>
+                  <a:cubicBezTo>
+                    <a:pt x="111015" y="2775357"/>
+                    <a:pt x="39548" y="2826000"/>
+                    <a:pt x="9021" y="2898175"/>
+                  </a:cubicBezTo>
+                  <a:lnTo>
+                    <a:pt x="0" y="2927235"/>
+                  </a:lnTo>
+                  <a:lnTo>
+                    <a:pt x="0" y="194310"/>
+                  </a:lnTo>
+                  <a:cubicBezTo>
+                    <a:pt x="0" y="86996"/>
+                    <a:pt x="86996" y="0"/>
+                    <a:pt x="194310" y="0"/>
+                  </a:cubicBezTo>
+                  <a:close/>
+                </a:path>
+              </a:pathLst>
+            </a:custGeom>
+            <a:gradFill flip="none" rotWithShape="1">
+              <a:gsLst>
+                <a:gs pos="0">
+                  <a:schemeClr val="bg1">
+                    <a:shade val="67500"/>
+                    <a:satMod val="115000"/>
+                  </a:schemeClr>
+                </a:gs>
+                <a:gs pos="100000">
+                  <a:schemeClr val="bg1">
+                    <a:shade val="100000"/>
+                    <a:satMod val="115000"/>
+                  </a:schemeClr>
+                </a:gs>
+              </a:gsLst>
+              <a:lin ang="10800000" scaled="1"/>
+              <a:tileRect/>
+            </a:gradFill>
+            <a:ln>
+              <a:noFill/>
+            </a:ln>
+            <a:effectLst>
+              <a:outerShdw blurRad="88900" dist="139700" dir="5400000" sx="98000" sy="98000" algn="t" rotWithShape="0">
+                <a:prstClr val="black">
+                  <a:alpha val="40000"/>
+                </a:prstClr>
+              </a:outerShdw>
+            </a:effectLst>
+          </p:spPr>
+          <p:style>
+            <a:lnRef idx="2">
+              <a:schemeClr val="accent1">
+                <a:shade val="50000"/>
+              </a:schemeClr>
+            </a:lnRef>
+            <a:fillRef idx="1">
+              <a:schemeClr val="accent1"/>
+            </a:fillRef>
+            <a:effectRef idx="0">
+              <a:schemeClr val="accent1"/>
+            </a:effectRef>
+            <a:fontRef idx="minor">
+              <a:schemeClr val="lt1"/>
+            </a:fontRef>
+          </p:style>
+          <p:txBody>
+            <a:bodyPr rtlCol="0" anchor="ctr"/>
+            <a:lstStyle/>
+            <a:p>
+              <a:pPr algn="ctr"/>
+              <a:endParaRPr lang="ko-KR" altLang="en-US" sz="2400">
+                <a:latin typeface="나눔바른고딕" panose="020B0603020101020101" pitchFamily="50" charset="-127"/>
+                <a:ea typeface="나눔바른고딕" panose="020B0603020101020101" pitchFamily="50" charset="-127"/>
+              </a:endParaRPr>
+            </a:p>
+          </p:txBody>
+        </p:sp>
+        <p:sp>
+          <p:nvSpPr>
+            <p:cNvPr id="42" name="자유형 41"/>
+            <p:cNvSpPr/>
+            <p:nvPr/>
+          </p:nvSpPr>
+          <p:spPr>
+            <a:xfrm>
+              <a:off x="586490" y="739768"/>
+              <a:ext cx="1017302" cy="4991063"/>
+            </a:xfrm>
+            <a:custGeom>
+              <a:avLst/>
+              <a:gdLst>
+                <a:gd name="connsiteX0" fmla="*/ 194310 w 388620"/>
+                <a:gd name="connsiteY0" fmla="*/ 0 h 2927235"/>
+                <a:gd name="connsiteX1" fmla="*/ 388620 w 388620"/>
+                <a:gd name="connsiteY1" fmla="*/ 194310 h 2927235"/>
+                <a:gd name="connsiteX2" fmla="*/ 388620 w 388620"/>
+                <a:gd name="connsiteY2" fmla="*/ 2927235 h 2927235"/>
+                <a:gd name="connsiteX3" fmla="*/ 379599 w 388620"/>
+                <a:gd name="connsiteY3" fmla="*/ 2898175 h 2927235"/>
+                <a:gd name="connsiteX4" fmla="*/ 194310 w 388620"/>
+                <a:gd name="connsiteY4" fmla="*/ 2775357 h 2927235"/>
+                <a:gd name="connsiteX5" fmla="*/ 9021 w 388620"/>
+                <a:gd name="connsiteY5" fmla="*/ 2898175 h 2927235"/>
+                <a:gd name="connsiteX6" fmla="*/ 0 w 388620"/>
+                <a:gd name="connsiteY6" fmla="*/ 2927235 h 2927235"/>
+                <a:gd name="connsiteX7" fmla="*/ 0 w 388620"/>
+                <a:gd name="connsiteY7" fmla="*/ 194310 h 2927235"/>
+                <a:gd name="connsiteX8" fmla="*/ 194310 w 388620"/>
+                <a:gd name="connsiteY8" fmla="*/ 0 h 2927235"/>
+              </a:gdLst>
+              <a:ahLst/>
+              <a:cxnLst>
+                <a:cxn ang="0">
+                  <a:pos x="connsiteX0" y="connsiteY0"/>
+                </a:cxn>
+                <a:cxn ang="0">
+                  <a:pos x="connsiteX1" y="connsiteY1"/>
+                </a:cxn>
+                <a:cxn ang="0">
+                  <a:pos x="connsiteX2" y="connsiteY2"/>
+                </a:cxn>
+                <a:cxn ang="0">
+                  <a:pos x="connsiteX3" y="connsiteY3"/>
+                </a:cxn>
+                <a:cxn ang="0">
+                  <a:pos x="connsiteX4" y="connsiteY4"/>
+                </a:cxn>
+                <a:cxn ang="0">
+                  <a:pos x="connsiteX5" y="connsiteY5"/>
+                </a:cxn>
+                <a:cxn ang="0">
+                  <a:pos x="connsiteX6" y="connsiteY6"/>
+                </a:cxn>
+                <a:cxn ang="0">
+                  <a:pos x="connsiteX7" y="connsiteY7"/>
+                </a:cxn>
+                <a:cxn ang="0">
+                  <a:pos x="connsiteX8" y="connsiteY8"/>
+                </a:cxn>
+              </a:cxnLst>
+              <a:rect l="l" t="t" r="r" b="b"/>
+              <a:pathLst>
+                <a:path w="388620" h="2927235">
+                  <a:moveTo>
+                    <a:pt x="194310" y="0"/>
+                  </a:moveTo>
+                  <a:cubicBezTo>
+                    <a:pt x="301624" y="0"/>
+                    <a:pt x="388620" y="86996"/>
+                    <a:pt x="388620" y="194310"/>
+                  </a:cubicBezTo>
+                  <a:lnTo>
+                    <a:pt x="388620" y="2927235"/>
+                  </a:lnTo>
+                  <a:lnTo>
+                    <a:pt x="379599" y="2898175"/>
+                  </a:lnTo>
+                  <a:cubicBezTo>
+                    <a:pt x="349072" y="2826000"/>
+                    <a:pt x="277605" y="2775357"/>
+                    <a:pt x="194310" y="2775357"/>
+                  </a:cubicBezTo>
+                  <a:cubicBezTo>
+                    <a:pt x="111015" y="2775357"/>
+                    <a:pt x="39548" y="2826000"/>
+                    <a:pt x="9021" y="2898175"/>
+                  </a:cubicBezTo>
+                  <a:lnTo>
+                    <a:pt x="0" y="2927235"/>
+                  </a:lnTo>
+                  <a:lnTo>
+                    <a:pt x="0" y="194310"/>
+                  </a:lnTo>
+                  <a:cubicBezTo>
+                    <a:pt x="0" y="86996"/>
+                    <a:pt x="86996" y="0"/>
+                    <a:pt x="194310" y="0"/>
+                  </a:cubicBezTo>
+                  <a:close/>
+                </a:path>
+              </a:pathLst>
+            </a:custGeom>
+            <a:gradFill flip="none" rotWithShape="1">
+              <a:gsLst>
+                <a:gs pos="0">
+                  <a:schemeClr val="bg1">
+                    <a:shade val="67500"/>
+                    <a:satMod val="115000"/>
+                  </a:schemeClr>
+                </a:gs>
+                <a:gs pos="100000">
+                  <a:schemeClr val="bg1">
+                    <a:shade val="100000"/>
+                    <a:satMod val="115000"/>
+                  </a:schemeClr>
+                </a:gs>
+              </a:gsLst>
+              <a:lin ang="10800000" scaled="1"/>
+              <a:tileRect/>
+            </a:gradFill>
+            <a:ln>
+              <a:noFill/>
+            </a:ln>
+            <a:effectLst>
+              <a:outerShdw blurRad="88900" dist="139700" dir="5400000" sx="98000" sy="98000" algn="t" rotWithShape="0">
+                <a:prstClr val="black">
+                  <a:alpha val="40000"/>
+                </a:prstClr>
+              </a:outerShdw>
+            </a:effectLst>
+          </p:spPr>
+          <p:style>
+            <a:lnRef idx="2">
+              <a:schemeClr val="accent1">
+                <a:shade val="50000"/>
+              </a:schemeClr>
+            </a:lnRef>
+            <a:fillRef idx="1">
+              <a:schemeClr val="accent1"/>
+            </a:fillRef>
+            <a:effectRef idx="0">
+              <a:schemeClr val="accent1"/>
+            </a:effectRef>
+            <a:fontRef idx="minor">
+              <a:schemeClr val="lt1"/>
+            </a:fontRef>
+          </p:style>
+          <p:txBody>
+            <a:bodyPr rtlCol="0" anchor="ctr"/>
+            <a:lstStyle/>
+            <a:p>
+              <a:pPr algn="ctr"/>
+              <a:endParaRPr lang="ko-KR" altLang="en-US" sz="2400">
+                <a:latin typeface="나눔바른고딕" panose="020B0603020101020101" pitchFamily="50" charset="-127"/>
+                <a:ea typeface="나눔바른고딕" panose="020B0603020101020101" pitchFamily="50" charset="-127"/>
+              </a:endParaRPr>
+            </a:p>
+          </p:txBody>
+        </p:sp>
+      </p:grpSp>
+      <p:graphicFrame>
+        <p:nvGraphicFramePr>
+          <p:cNvPr id="4" name="표 3"/>
+          <p:cNvGraphicFramePr>
+            <a:graphicFrameLocks noGrp="1"/>
+          </p:cNvGraphicFramePr>
+          <p:nvPr>
+            <p:extLst/>
+          </p:nvPr>
+        </p:nvGraphicFramePr>
+        <p:xfrm>
+          <a:off x="9168341" y="1433634"/>
+          <a:ext cx="2688299" cy="915066"/>
+        </p:xfrm>
+        <a:graphic>
+          <a:graphicData uri="http://schemas.openxmlformats.org/drawingml/2006/table">
+            <a:tbl>
+              <a:tblPr firstRow="1" bandRow="1"/>
+              <a:tblGrid>
+                <a:gridCol w="2688299"/>
+              </a:tblGrid>
+              <a:tr h="424495">
+                <a:tc>
+                  <a:txBody>
+                    <a:bodyPr/>
+                    <a:lstStyle/>
+                    <a:p>
+                      <a:pPr algn="ctr" latinLnBrk="1"/>
+                      <a:r>
+                        <a:rPr lang="ko-KR" altLang="en-US" sz="1200" b="1" dirty="0" smtClean="0">
+                          <a:solidFill>
+                            <a:schemeClr val="tx1"/>
+                          </a:solidFill>
+                          <a:latin typeface="나눔바른고딕" panose="020B0603020101020101" pitchFamily="50" charset="-127"/>
+                          <a:ea typeface="나눔바른고딕" panose="020B0603020101020101" pitchFamily="50" charset="-127"/>
+                        </a:rPr>
+                        <a:t>화면코드</a:t>
+                      </a:r>
+                      <a:endParaRPr lang="ko-KR" altLang="en-US" sz="1200" b="1" dirty="0">
+                        <a:solidFill>
+                          <a:schemeClr val="tx1"/>
+                        </a:solidFill>
+                        <a:latin typeface="나눔바른고딕" panose="020B0603020101020101" pitchFamily="50" charset="-127"/>
+                        <a:ea typeface="나눔바른고딕" panose="020B0603020101020101" pitchFamily="50" charset="-127"/>
+                      </a:endParaRPr>
+                    </a:p>
+                  </a:txBody>
+                  <a:tcPr marL="121920" marR="121920" marT="60960" marB="60960" anchor="ctr">
+                    <a:solidFill>
+                      <a:srgbClr val="FF9E00"/>
+                    </a:solidFill>
+                  </a:tcPr>
+                </a:tc>
+              </a:tr>
+              <a:tr h="490571">
+                <a:tc>
+                  <a:txBody>
+                    <a:bodyPr/>
+                    <a:lstStyle/>
+                    <a:p>
+                      <a:pPr algn="ctr" latinLnBrk="1"/>
+                      <a:r>
+                        <a:rPr lang="en-US" altLang="ko-KR" sz="1500" smtClean="0">
+                          <a:latin typeface="나눔바른고딕" panose="020B0603020101020101" pitchFamily="50" charset="-127"/>
+                          <a:ea typeface="나눔바른고딕" panose="020B0603020101020101" pitchFamily="50" charset="-127"/>
+                        </a:rPr>
+                        <a:t>Kb_w_user_StorePay</a:t>
+                      </a:r>
+                      <a:endParaRPr lang="ko-KR" altLang="en-US" sz="1500" dirty="0">
+                        <a:latin typeface="나눔바른고딕" panose="020B0603020101020101" pitchFamily="50" charset="-127"/>
+                        <a:ea typeface="나눔바른고딕" panose="020B0603020101020101" pitchFamily="50" charset="-127"/>
+                      </a:endParaRPr>
+                    </a:p>
+                  </a:txBody>
+                  <a:tcPr marL="121920" marR="121920" marT="60960" marB="60960" anchor="ctr"/>
+                </a:tc>
+              </a:tr>
+            </a:tbl>
+          </a:graphicData>
+        </a:graphic>
+      </p:graphicFrame>
+      <p:sp>
+        <p:nvSpPr>
+          <p:cNvPr id="19" name="직사각형 18"/>
+          <p:cNvSpPr/>
+          <p:nvPr/>
+        </p:nvSpPr>
+        <p:spPr>
+          <a:xfrm>
+            <a:off x="1081171" y="1433634"/>
+            <a:ext cx="7895148" cy="4875687"/>
+          </a:xfrm>
+          <a:prstGeom prst="rect">
+            <a:avLst/>
+          </a:prstGeom>
+          <a:noFill/>
+          <a:ln w="9525">
+            <a:solidFill>
+              <a:schemeClr val="tx1"/>
+            </a:solidFill>
+          </a:ln>
+        </p:spPr>
+        <p:style>
+          <a:lnRef idx="2">
+            <a:schemeClr val="accent1">
+              <a:shade val="50000"/>
+            </a:schemeClr>
+          </a:lnRef>
+          <a:fillRef idx="1">
+            <a:schemeClr val="accent1"/>
+          </a:fillRef>
+          <a:effectRef idx="0">
+            <a:schemeClr val="accent1"/>
+          </a:effectRef>
+          <a:fontRef idx="minor">
+            <a:schemeClr val="lt1"/>
+          </a:fontRef>
+        </p:style>
+        <p:txBody>
+          <a:bodyPr rtlCol="0" anchor="ctr"/>
+          <a:lstStyle/>
+          <a:p>
+            <a:pPr algn="ctr"/>
+            <a:endParaRPr lang="ko-KR" altLang="en-US" sz="2400">
+              <a:noFill/>
+              <a:latin typeface="나눔바른고딕" panose="020B0603020101020101" pitchFamily="50" charset="-127"/>
+              <a:ea typeface="나눔바른고딕" panose="020B0603020101020101" pitchFamily="50" charset="-127"/>
+            </a:endParaRPr>
+          </a:p>
+        </p:txBody>
+      </p:sp>
+      <p:graphicFrame>
+        <p:nvGraphicFramePr>
+          <p:cNvPr id="6" name="표 5"/>
+          <p:cNvGraphicFramePr>
+            <a:graphicFrameLocks noGrp="1"/>
+          </p:cNvGraphicFramePr>
+          <p:nvPr>
+            <p:extLst/>
+          </p:nvPr>
+        </p:nvGraphicFramePr>
+        <p:xfrm>
+          <a:off x="9168341" y="2479152"/>
+          <a:ext cx="2688299" cy="3570331"/>
+        </p:xfrm>
+        <a:graphic>
+          <a:graphicData uri="http://schemas.openxmlformats.org/drawingml/2006/table">
+            <a:tbl>
+              <a:tblPr firstRow="1" bandRow="1"/>
+              <a:tblGrid>
+                <a:gridCol w="280507"/>
+                <a:gridCol w="2407792"/>
+              </a:tblGrid>
+              <a:tr h="469796">
+                <a:tc>
+                  <a:txBody>
+                    <a:bodyPr/>
+                    <a:lstStyle/>
+                    <a:p>
+                      <a:pPr algn="ctr" latinLnBrk="1"/>
+                      <a:r>
+                        <a:rPr lang="en-US" altLang="ko-KR" sz="1200" b="1" dirty="0" smtClean="0">
+                          <a:latin typeface="나눔바른고딕" panose="020B0603020101020101" pitchFamily="50" charset="-127"/>
+                          <a:ea typeface="나눔바른고딕" panose="020B0603020101020101" pitchFamily="50" charset="-127"/>
+                        </a:rPr>
+                        <a:t>#</a:t>
+                      </a:r>
+                      <a:endParaRPr lang="ko-KR" altLang="en-US" sz="1200" b="1" dirty="0">
+                        <a:latin typeface="나눔바른고딕" panose="020B0603020101020101" pitchFamily="50" charset="-127"/>
+                        <a:ea typeface="나눔바른고딕" panose="020B0603020101020101" pitchFamily="50" charset="-127"/>
+                      </a:endParaRPr>
+                    </a:p>
+                  </a:txBody>
+                  <a:tcPr marL="121920" marR="121920" marT="60960" marB="60960" anchor="ctr">
+                    <a:solidFill>
+                      <a:srgbClr val="FF9E00"/>
+                    </a:solidFill>
+                  </a:tcPr>
+                </a:tc>
+                <a:tc>
+                  <a:txBody>
+                    <a:bodyPr/>
+                    <a:lstStyle/>
+                    <a:p>
+                      <a:pPr algn="ctr" latinLnBrk="0"/>
+                      <a:r>
+                        <a:rPr lang="ko-KR" altLang="en-US" sz="1200" b="1" dirty="0" smtClean="0">
+                          <a:latin typeface="나눔바른고딕" panose="020B0603020101020101" pitchFamily="50" charset="-127"/>
+                          <a:ea typeface="나눔바른고딕" panose="020B0603020101020101" pitchFamily="50" charset="-127"/>
+                        </a:rPr>
+                        <a:t>기능</a:t>
+                      </a:r>
+                      <a:endParaRPr lang="ko-KR" altLang="en-US" sz="1200" b="1" dirty="0">
+                        <a:latin typeface="나눔바른고딕" panose="020B0603020101020101" pitchFamily="50" charset="-127"/>
+                        <a:ea typeface="나눔바른고딕" panose="020B0603020101020101" pitchFamily="50" charset="-127"/>
+                      </a:endParaRPr>
+                    </a:p>
+                  </a:txBody>
+                  <a:tcPr marL="121920" marR="121920" marT="60960" marB="60960" anchor="ctr">
+                    <a:solidFill>
+                      <a:srgbClr val="FF9E00"/>
+                    </a:solidFill>
+                  </a:tcPr>
+                </a:tc>
+              </a:tr>
+              <a:tr h="620107">
+                <a:tc>
+                  <a:txBody>
+                    <a:bodyPr/>
+                    <a:lstStyle/>
+                    <a:p>
+                      <a:pPr algn="ctr" latinLnBrk="1"/>
+                      <a:r>
+                        <a:rPr lang="en-US" altLang="ko-KR" sz="1300" dirty="0" smtClean="0">
+                          <a:latin typeface="나눔바른고딕" panose="020B0603020101020101" pitchFamily="50" charset="-127"/>
+                          <a:ea typeface="나눔바른고딕" panose="020B0603020101020101" pitchFamily="50" charset="-127"/>
+                        </a:rPr>
+                        <a:t>1</a:t>
+                      </a:r>
+                      <a:endParaRPr lang="ko-KR" altLang="en-US" sz="1300" dirty="0">
+                        <a:latin typeface="나눔바른고딕" panose="020B0603020101020101" pitchFamily="50" charset="-127"/>
+                        <a:ea typeface="나눔바른고딕" panose="020B0603020101020101" pitchFamily="50" charset="-127"/>
+                      </a:endParaRPr>
+                    </a:p>
+                  </a:txBody>
+                  <a:tcPr marL="121920" marR="121920" marT="60960" marB="60960" anchor="ctr"/>
+                </a:tc>
+                <a:tc>
+                  <a:txBody>
+                    <a:bodyPr/>
+                    <a:lstStyle/>
+                    <a:p>
+                      <a:pPr algn="l" latinLnBrk="1">
+                        <a:lnSpc>
+                          <a:spcPts val="1300"/>
+                        </a:lnSpc>
+                      </a:pPr>
+                      <a:r>
+                        <a:rPr lang="ko-KR" altLang="en-US" sz="1200" smtClean="0">
+                          <a:latin typeface="나눔바른고딕" panose="020B0603020101020101" pitchFamily="50" charset="-127"/>
+                          <a:ea typeface="나눔바른고딕" panose="020B0603020101020101" pitchFamily="50" charset="-127"/>
+                        </a:rPr>
+                        <a:t>사용자 기본 정보 보여주게됨</a:t>
+                      </a:r>
+                      <a:endParaRPr lang="ko-KR" altLang="en-US" sz="1200" dirty="0">
+                        <a:latin typeface="나눔바른고딕" panose="020B0603020101020101" pitchFamily="50" charset="-127"/>
+                        <a:ea typeface="나눔바른고딕" panose="020B0603020101020101" pitchFamily="50" charset="-127"/>
+                      </a:endParaRPr>
+                    </a:p>
+                  </a:txBody>
+                  <a:tcPr marL="121920" marR="121920" marT="60960" marB="60960"/>
+                </a:tc>
+              </a:tr>
+              <a:tr h="620107">
+                <a:tc>
+                  <a:txBody>
+                    <a:bodyPr/>
+                    <a:lstStyle/>
+                    <a:p>
+                      <a:pPr algn="ctr" latinLnBrk="1"/>
+                      <a:r>
+                        <a:rPr lang="en-US" altLang="ko-KR" sz="1300" dirty="0" smtClean="0">
+                          <a:latin typeface="나눔바른고딕" panose="020B0603020101020101" pitchFamily="50" charset="-127"/>
+                          <a:ea typeface="나눔바른고딕" panose="020B0603020101020101" pitchFamily="50" charset="-127"/>
+                        </a:rPr>
+                        <a:t>2</a:t>
+                      </a:r>
+                      <a:endParaRPr lang="ko-KR" altLang="en-US" sz="1300" dirty="0">
+                        <a:latin typeface="나눔바른고딕" panose="020B0603020101020101" pitchFamily="50" charset="-127"/>
+                        <a:ea typeface="나눔바른고딕" panose="020B0603020101020101" pitchFamily="50" charset="-127"/>
+                      </a:endParaRPr>
+                    </a:p>
+                  </a:txBody>
+                  <a:tcPr marL="121920" marR="121920" marT="60960" marB="60960" anchor="ctr"/>
+                </a:tc>
+                <a:tc>
+                  <a:txBody>
+                    <a:bodyPr/>
+                    <a:lstStyle/>
+                    <a:p>
+                      <a:pPr algn="l" latinLnBrk="1">
+                        <a:lnSpc>
+                          <a:spcPts val="1300"/>
+                        </a:lnSpc>
+                      </a:pPr>
+                      <a:r>
+                        <a:rPr lang="ko-KR" altLang="en-US" sz="1200" b="1" i="0" u="none" strike="noStrike" cap="none" smtClean="0">
+                          <a:solidFill>
+                            <a:srgbClr val="000000"/>
+                          </a:solidFill>
+                          <a:latin typeface="나눔바른고딕" panose="020B0603020101020101" pitchFamily="50" charset="-127"/>
+                          <a:ea typeface="나눔바른고딕" panose="020B0603020101020101" pitchFamily="50" charset="-127"/>
+                          <a:cs typeface="Arial"/>
+                          <a:sym typeface="Arial"/>
+                        </a:rPr>
+                        <a:t>배송지 정보</a:t>
+                      </a:r>
+                      <a:r>
+                        <a:rPr lang="ko-KR" altLang="en-US" sz="1200" b="1" i="0" u="none" strike="noStrike" cap="none" baseline="0" smtClean="0">
+                          <a:solidFill>
+                            <a:srgbClr val="000000"/>
+                          </a:solidFill>
+                          <a:latin typeface="나눔바른고딕" panose="020B0603020101020101" pitchFamily="50" charset="-127"/>
+                          <a:ea typeface="나눔바른고딕" panose="020B0603020101020101" pitchFamily="50" charset="-127"/>
+                          <a:cs typeface="Arial"/>
+                          <a:sym typeface="Arial"/>
+                        </a:rPr>
+                        <a:t> 입력</a:t>
+                      </a:r>
+                      <a:endParaRPr lang="ko-KR" altLang="en-US" sz="1200" b="0" i="0" u="none" strike="noStrike" cap="none" dirty="0" smtClean="0">
+                        <a:solidFill>
+                          <a:srgbClr val="000000"/>
+                        </a:solidFill>
+                        <a:latin typeface="나눔바른고딕" panose="020B0603020101020101" pitchFamily="50" charset="-127"/>
+                        <a:ea typeface="나눔바른고딕" panose="020B0603020101020101" pitchFamily="50" charset="-127"/>
+                        <a:cs typeface="Arial"/>
+                        <a:sym typeface="Arial"/>
+                      </a:endParaRPr>
+                    </a:p>
+                  </a:txBody>
+                  <a:tcPr marL="121920" marR="121920" marT="60960" marB="60960"/>
+                </a:tc>
+              </a:tr>
+              <a:tr h="620107">
+                <a:tc>
+                  <a:txBody>
+                    <a:bodyPr/>
+                    <a:lstStyle/>
+                    <a:p>
+                      <a:pPr algn="ctr" latinLnBrk="1"/>
+                      <a:r>
+                        <a:rPr lang="en-US" altLang="ko-KR" sz="1300" dirty="0" smtClean="0">
+                          <a:latin typeface="나눔바른고딕" panose="020B0603020101020101" pitchFamily="50" charset="-127"/>
+                          <a:ea typeface="나눔바른고딕" panose="020B0603020101020101" pitchFamily="50" charset="-127"/>
+                        </a:rPr>
+                        <a:t>3</a:t>
+                      </a:r>
+                      <a:endParaRPr lang="ko-KR" altLang="en-US" sz="1300" dirty="0">
+                        <a:latin typeface="나눔바른고딕" panose="020B0603020101020101" pitchFamily="50" charset="-127"/>
+                        <a:ea typeface="나눔바른고딕" panose="020B0603020101020101" pitchFamily="50" charset="-127"/>
+                      </a:endParaRPr>
+                    </a:p>
+                  </a:txBody>
+                  <a:tcPr marL="121920" marR="121920" marT="60960" marB="60960" anchor="ctr"/>
+                </a:tc>
+                <a:tc>
+                  <a:txBody>
+                    <a:bodyPr/>
+                    <a:lstStyle/>
+                    <a:p>
+                      <a:pPr algn="l" latinLnBrk="1">
+                        <a:lnSpc>
+                          <a:spcPts val="1300"/>
+                        </a:lnSpc>
+                      </a:pPr>
+                      <a:r>
+                        <a:rPr lang="ko-KR" altLang="en-US" sz="1200" smtClean="0">
+                          <a:latin typeface="나눔바른고딕" panose="020B0603020101020101" pitchFamily="50" charset="-127"/>
+                          <a:ea typeface="나눔바른고딕" panose="020B0603020101020101" pitchFamily="50" charset="-127"/>
+                        </a:rPr>
+                        <a:t>상품정보 보여줌</a:t>
+                      </a:r>
+                      <a:endParaRPr lang="ko-KR" altLang="en-US" sz="1200" dirty="0">
+                        <a:latin typeface="나눔바른고딕" panose="020B0603020101020101" pitchFamily="50" charset="-127"/>
+                        <a:ea typeface="나눔바른고딕" panose="020B0603020101020101" pitchFamily="50" charset="-127"/>
+                      </a:endParaRPr>
+                    </a:p>
+                  </a:txBody>
+                  <a:tcPr marL="121920" marR="121920" marT="60960" marB="60960"/>
+                </a:tc>
+              </a:tr>
+              <a:tr h="620107">
+                <a:tc>
+                  <a:txBody>
+                    <a:bodyPr/>
+                    <a:lstStyle/>
+                    <a:p>
+                      <a:pPr algn="ctr" latinLnBrk="1"/>
+                      <a:r>
+                        <a:rPr lang="en-US" altLang="ko-KR" sz="1300" dirty="0" smtClean="0">
+                          <a:latin typeface="나눔바른고딕" panose="020B0603020101020101" pitchFamily="50" charset="-127"/>
+                          <a:ea typeface="나눔바른고딕" panose="020B0603020101020101" pitchFamily="50" charset="-127"/>
+                        </a:rPr>
+                        <a:t>4</a:t>
+                      </a:r>
+                      <a:endParaRPr lang="ko-KR" altLang="en-US" sz="1300" dirty="0">
+                        <a:latin typeface="나눔바른고딕" panose="020B0603020101020101" pitchFamily="50" charset="-127"/>
+                        <a:ea typeface="나눔바른고딕" panose="020B0603020101020101" pitchFamily="50" charset="-127"/>
+                      </a:endParaRPr>
+                    </a:p>
+                  </a:txBody>
+                  <a:tcPr marL="121920" marR="121920" marT="60960" marB="60960" anchor="ctr"/>
+                </a:tc>
+                <a:tc>
+                  <a:txBody>
+                    <a:bodyPr/>
+                    <a:lstStyle/>
+                    <a:p>
+                      <a:pPr algn="l" latinLnBrk="1">
+                        <a:lnSpc>
+                          <a:spcPts val="1300"/>
+                        </a:lnSpc>
+                      </a:pPr>
+                      <a:endParaRPr lang="ko-KR" altLang="en-US" sz="1200" dirty="0">
+                        <a:latin typeface="나눔바른고딕" panose="020B0603020101020101" pitchFamily="50" charset="-127"/>
+                        <a:ea typeface="나눔바른고딕" panose="020B0603020101020101" pitchFamily="50" charset="-127"/>
+                      </a:endParaRPr>
+                    </a:p>
+                  </a:txBody>
+                  <a:tcPr marL="121920" marR="121920" marT="60960" marB="60960"/>
+                </a:tc>
+              </a:tr>
+              <a:tr h="620107">
+                <a:tc>
+                  <a:txBody>
+                    <a:bodyPr/>
+                    <a:lstStyle/>
+                    <a:p>
+                      <a:pPr algn="ctr" latinLnBrk="1"/>
+                      <a:r>
+                        <a:rPr lang="en-US" altLang="ko-KR" sz="1300" dirty="0" smtClean="0">
+                          <a:latin typeface="나눔바른고딕" panose="020B0603020101020101" pitchFamily="50" charset="-127"/>
+                          <a:ea typeface="나눔바른고딕" panose="020B0603020101020101" pitchFamily="50" charset="-127"/>
+                        </a:rPr>
+                        <a:t>5</a:t>
+                      </a:r>
+                      <a:endParaRPr lang="ko-KR" altLang="en-US" sz="1300" dirty="0">
+                        <a:latin typeface="나눔바른고딕" panose="020B0603020101020101" pitchFamily="50" charset="-127"/>
+                        <a:ea typeface="나눔바른고딕" panose="020B0603020101020101" pitchFamily="50" charset="-127"/>
+                      </a:endParaRPr>
+                    </a:p>
+                  </a:txBody>
+                  <a:tcPr marL="121920" marR="121920" marT="60960" marB="60960" anchor="ctr"/>
+                </a:tc>
+                <a:tc>
+                  <a:txBody>
+                    <a:bodyPr/>
+                    <a:lstStyle/>
+                    <a:p>
+                      <a:pPr algn="l" latinLnBrk="1">
+                        <a:lnSpc>
+                          <a:spcPts val="1300"/>
+                        </a:lnSpc>
+                      </a:pPr>
+                      <a:endParaRPr lang="ko-KR" altLang="en-US" sz="1200" dirty="0">
+                        <a:latin typeface="나눔바른고딕" panose="020B0603020101020101" pitchFamily="50" charset="-127"/>
+                        <a:ea typeface="나눔바른고딕" panose="020B0603020101020101" pitchFamily="50" charset="-127"/>
+                      </a:endParaRPr>
+                    </a:p>
+                  </a:txBody>
+                  <a:tcPr marL="121920" marR="121920" marT="60960" marB="60960"/>
+                </a:tc>
+              </a:tr>
+            </a:tbl>
+          </a:graphicData>
+        </a:graphic>
+      </p:graphicFrame>
+      <p:sp>
+        <p:nvSpPr>
+          <p:cNvPr id="15" name="직사각형 14"/>
+          <p:cNvSpPr/>
+          <p:nvPr/>
+        </p:nvSpPr>
+        <p:spPr>
+          <a:xfrm>
+            <a:off x="1740911" y="723660"/>
+            <a:ext cx="6592433" cy="450123"/>
+          </a:xfrm>
+          <a:prstGeom prst="rect">
+            <a:avLst/>
+          </a:prstGeom>
+        </p:spPr>
+        <p:txBody>
+          <a:bodyPr wrap="square" lIns="68580" tIns="34290" rIns="68580" bIns="34290">
+            <a:spAutoFit/>
+          </a:bodyPr>
+          <a:lstStyle/>
+          <a:p>
+            <a:pPr>
+              <a:lnSpc>
+                <a:spcPct val="150000"/>
+              </a:lnSpc>
+            </a:pPr>
+            <a:r>
+              <a:rPr lang="en-US" altLang="ko-KR" sz="1800" b="1" dirty="0">
+                <a:solidFill>
+                  <a:schemeClr val="tx1">
+                    <a:lumMod val="75000"/>
+                    <a:lumOff val="25000"/>
+                  </a:schemeClr>
+                </a:solidFill>
+                <a:latin typeface="나눔바른고딕" panose="020B0603020101020101" pitchFamily="50" charset="-127"/>
+                <a:ea typeface="나눔바른고딕" panose="020B0603020101020101" pitchFamily="50" charset="-127"/>
+              </a:rPr>
+              <a:t>[ </a:t>
+            </a:r>
+            <a:r>
+              <a:rPr lang="ko-KR" altLang="en-US" sz="1800" b="1" dirty="0">
+                <a:solidFill>
+                  <a:schemeClr val="tx1">
+                    <a:lumMod val="75000"/>
+                    <a:lumOff val="25000"/>
+                  </a:schemeClr>
+                </a:solidFill>
+                <a:latin typeface="나눔바른고딕" panose="020B0603020101020101" pitchFamily="50" charset="-127"/>
+                <a:ea typeface="나눔바른고딕" panose="020B0603020101020101" pitchFamily="50" charset="-127"/>
+              </a:rPr>
+              <a:t>화면설계 </a:t>
+            </a:r>
+            <a:r>
+              <a:rPr lang="en-US" altLang="ko-KR" sz="1800" b="1">
+                <a:solidFill>
+                  <a:schemeClr val="tx1">
+                    <a:lumMod val="75000"/>
+                    <a:lumOff val="25000"/>
+                  </a:schemeClr>
+                </a:solidFill>
+                <a:latin typeface="나눔바른고딕" panose="020B0603020101020101" pitchFamily="50" charset="-127"/>
+                <a:ea typeface="나눔바른고딕" panose="020B0603020101020101" pitchFamily="50" charset="-127"/>
+              </a:rPr>
+              <a:t>] </a:t>
+            </a:r>
+            <a:r>
+              <a:rPr lang="ko-KR" altLang="en-US" sz="1800" b="1" smtClean="0">
+                <a:solidFill>
+                  <a:schemeClr val="tx1">
+                    <a:lumMod val="75000"/>
+                    <a:lumOff val="25000"/>
+                  </a:schemeClr>
+                </a:solidFill>
+                <a:latin typeface="나눔바른고딕" panose="020B0603020101020101" pitchFamily="50" charset="-127"/>
+                <a:ea typeface="나눔바른고딕" panose="020B0603020101020101" pitchFamily="50" charset="-127"/>
+              </a:rPr>
+              <a:t>상품주문 </a:t>
+            </a:r>
+            <a:r>
+              <a:rPr lang="en-US" altLang="ko-KR" sz="1800" b="1" dirty="0" smtClean="0">
+                <a:solidFill>
+                  <a:schemeClr val="tx1">
+                    <a:lumMod val="75000"/>
+                    <a:lumOff val="25000"/>
+                  </a:schemeClr>
+                </a:solidFill>
+                <a:latin typeface="나눔바른고딕" panose="020B0603020101020101" pitchFamily="50" charset="-127"/>
+                <a:ea typeface="나눔바른고딕" panose="020B0603020101020101" pitchFamily="50" charset="-127"/>
+              </a:rPr>
+              <a:t>– </a:t>
+            </a:r>
+            <a:r>
+              <a:rPr lang="ko-KR" altLang="en-US" sz="1800" b="1" dirty="0" err="1">
+                <a:solidFill>
+                  <a:schemeClr val="tx1">
+                    <a:lumMod val="75000"/>
+                    <a:lumOff val="25000"/>
+                  </a:schemeClr>
+                </a:solidFill>
+                <a:latin typeface="나눔바른고딕" panose="020B0603020101020101" pitchFamily="50" charset="-127"/>
+                <a:ea typeface="나눔바른고딕" panose="020B0603020101020101" pitchFamily="50" charset="-127"/>
+              </a:rPr>
+              <a:t>리워드</a:t>
+            </a:r>
+            <a:r>
+              <a:rPr lang="ko-KR" altLang="en-US" sz="1800" b="1" dirty="0">
+                <a:solidFill>
+                  <a:schemeClr val="tx1">
+                    <a:lumMod val="75000"/>
+                    <a:lumOff val="25000"/>
+                  </a:schemeClr>
+                </a:solidFill>
+                <a:latin typeface="나눔바른고딕" panose="020B0603020101020101" pitchFamily="50" charset="-127"/>
+                <a:ea typeface="나눔바른고딕" panose="020B0603020101020101" pitchFamily="50" charset="-127"/>
+              </a:rPr>
+              <a:t> 스토어 </a:t>
+            </a:r>
+            <a:r>
+              <a:rPr lang="en-US" altLang="ko-KR" sz="1800" b="1" dirty="0">
+                <a:solidFill>
+                  <a:schemeClr val="tx1">
+                    <a:lumMod val="75000"/>
+                    <a:lumOff val="25000"/>
+                  </a:schemeClr>
+                </a:solidFill>
+                <a:latin typeface="나눔바른고딕" panose="020B0603020101020101" pitchFamily="50" charset="-127"/>
+                <a:ea typeface="나눔바른고딕" panose="020B0603020101020101" pitchFamily="50" charset="-127"/>
+              </a:rPr>
+              <a:t>- </a:t>
+            </a:r>
+            <a:r>
+              <a:rPr lang="ko-KR" altLang="en-US" sz="1800" b="1" dirty="0" smtClean="0">
+                <a:solidFill>
+                  <a:schemeClr val="tx1">
+                    <a:lumMod val="75000"/>
+                    <a:lumOff val="25000"/>
+                  </a:schemeClr>
+                </a:solidFill>
+                <a:latin typeface="나눔바른고딕" panose="020B0603020101020101" pitchFamily="50" charset="-127"/>
+                <a:ea typeface="나눔바른고딕" panose="020B0603020101020101" pitchFamily="50" charset="-127"/>
+              </a:rPr>
+              <a:t>사용</a:t>
+            </a:r>
+            <a:r>
+              <a:rPr lang="ko-KR" altLang="en-US" sz="1800" b="1" dirty="0">
+                <a:solidFill>
+                  <a:schemeClr val="tx1">
+                    <a:lumMod val="75000"/>
+                    <a:lumOff val="25000"/>
+                  </a:schemeClr>
+                </a:solidFill>
+                <a:latin typeface="나눔바른고딕" panose="020B0603020101020101" pitchFamily="50" charset="-127"/>
+                <a:ea typeface="나눔바른고딕" panose="020B0603020101020101" pitchFamily="50" charset="-127"/>
+              </a:rPr>
+              <a:t>자</a:t>
+            </a:r>
+          </a:p>
+        </p:txBody>
+      </p:sp>
+      <p:pic>
+        <p:nvPicPr>
+          <p:cNvPr id="16" name="그림 15"/>
+          <p:cNvPicPr>
+            <a:picLocks noChangeAspect="1"/>
+          </p:cNvPicPr>
+          <p:nvPr/>
+        </p:nvPicPr>
+        <p:blipFill>
+          <a:blip r:embed="rId2" cstate="print">
+            <a:extLst>
+              <a:ext uri="{28A0092B-C50C-407E-A947-70E740481C1C}">
+                <a14:useLocalDpi xmlns:a14="http://schemas.microsoft.com/office/drawing/2010/main" val="0"/>
+              </a:ext>
+            </a:extLst>
+          </a:blip>
+          <a:stretch>
+            <a:fillRect/>
+          </a:stretch>
+        </p:blipFill>
+        <p:spPr>
+          <a:xfrm>
+            <a:off x="1168233" y="723660"/>
+            <a:ext cx="500395" cy="500395"/>
+          </a:xfrm>
+          <a:prstGeom prst="rect">
+            <a:avLst/>
+          </a:prstGeom>
+        </p:spPr>
+      </p:pic>
+      <p:sp>
+        <p:nvSpPr>
+          <p:cNvPr id="3" name="직사각형 2"/>
+          <p:cNvSpPr/>
+          <p:nvPr/>
+        </p:nvSpPr>
+        <p:spPr>
+          <a:xfrm>
+            <a:off x="1491049" y="1622854"/>
+            <a:ext cx="6842295" cy="584887"/>
+          </a:xfrm>
+          <a:prstGeom prst="rect">
+            <a:avLst/>
+          </a:prstGeom>
+          <a:noFill/>
+          <a:ln>
+            <a:solidFill>
+              <a:schemeClr val="tx1"/>
+            </a:solidFill>
+          </a:ln>
+        </p:spPr>
+        <p:style>
+          <a:lnRef idx="2">
+            <a:schemeClr val="accent1">
+              <a:shade val="50000"/>
+            </a:schemeClr>
+          </a:lnRef>
+          <a:fillRef idx="1">
+            <a:schemeClr val="accent1"/>
+          </a:fillRef>
+          <a:effectRef idx="0">
+            <a:schemeClr val="accent1"/>
+          </a:effectRef>
+          <a:fontRef idx="minor">
+            <a:schemeClr val="lt1"/>
+          </a:fontRef>
+        </p:style>
+        <p:txBody>
+          <a:bodyPr rtlCol="0" anchor="ctr"/>
+          <a:lstStyle/>
+          <a:p>
+            <a:pPr algn="ctr"/>
+            <a:r>
+              <a:rPr lang="ko-KR" altLang="en-US" smtClean="0">
+                <a:solidFill>
+                  <a:schemeClr val="tx1"/>
+                </a:solidFill>
+              </a:rPr>
+              <a:t>구매자 정보</a:t>
+            </a:r>
+            <a:endParaRPr lang="ko-KR" altLang="en-US">
+              <a:solidFill>
+                <a:schemeClr val="tx1"/>
+              </a:solidFill>
+            </a:endParaRPr>
+          </a:p>
+        </p:txBody>
+      </p:sp>
+      <p:sp>
+        <p:nvSpPr>
+          <p:cNvPr id="7" name="직사각형 6"/>
+          <p:cNvSpPr/>
+          <p:nvPr/>
+        </p:nvSpPr>
+        <p:spPr>
+          <a:xfrm>
+            <a:off x="1491048" y="2479152"/>
+            <a:ext cx="6842295" cy="954513"/>
+          </a:xfrm>
+          <a:prstGeom prst="rect">
+            <a:avLst/>
+          </a:prstGeom>
+          <a:noFill/>
+          <a:ln>
+            <a:solidFill>
+              <a:schemeClr val="tx1"/>
+            </a:solidFill>
+          </a:ln>
+        </p:spPr>
+        <p:style>
+          <a:lnRef idx="2">
+            <a:schemeClr val="accent1">
+              <a:shade val="50000"/>
+            </a:schemeClr>
+          </a:lnRef>
+          <a:fillRef idx="1">
+            <a:schemeClr val="accent1"/>
+          </a:fillRef>
+          <a:effectRef idx="0">
+            <a:schemeClr val="accent1"/>
+          </a:effectRef>
+          <a:fontRef idx="minor">
+            <a:schemeClr val="lt1"/>
+          </a:fontRef>
+        </p:style>
+        <p:txBody>
+          <a:bodyPr rtlCol="0" anchor="ctr"/>
+          <a:lstStyle/>
+          <a:p>
+            <a:pPr algn="ctr"/>
+            <a:r>
+              <a:rPr lang="ko-KR" altLang="en-US" smtClean="0">
+                <a:solidFill>
+                  <a:schemeClr val="tx1"/>
+                </a:solidFill>
+              </a:rPr>
+              <a:t>배송지 정보</a:t>
+            </a:r>
+            <a:endParaRPr lang="ko-KR" altLang="en-US">
+              <a:solidFill>
+                <a:schemeClr val="tx1"/>
+              </a:solidFill>
+            </a:endParaRPr>
+          </a:p>
+        </p:txBody>
+      </p:sp>
+      <p:sp>
+        <p:nvSpPr>
+          <p:cNvPr id="8" name="직사각형 7"/>
+          <p:cNvSpPr/>
+          <p:nvPr/>
+        </p:nvSpPr>
+        <p:spPr>
+          <a:xfrm>
+            <a:off x="1491048" y="3638939"/>
+            <a:ext cx="6842295" cy="550506"/>
+          </a:xfrm>
+          <a:prstGeom prst="rect">
+            <a:avLst/>
+          </a:prstGeom>
+          <a:noFill/>
+          <a:ln>
+            <a:solidFill>
+              <a:schemeClr val="tx1"/>
+            </a:solidFill>
+          </a:ln>
+        </p:spPr>
+        <p:style>
+          <a:lnRef idx="2">
+            <a:schemeClr val="accent1">
+              <a:shade val="50000"/>
+            </a:schemeClr>
+          </a:lnRef>
+          <a:fillRef idx="1">
+            <a:schemeClr val="accent1"/>
+          </a:fillRef>
+          <a:effectRef idx="0">
+            <a:schemeClr val="accent1"/>
+          </a:effectRef>
+          <a:fontRef idx="minor">
+            <a:schemeClr val="lt1"/>
+          </a:fontRef>
+        </p:style>
+        <p:txBody>
+          <a:bodyPr rtlCol="0" anchor="ctr"/>
+          <a:lstStyle/>
+          <a:p>
+            <a:pPr algn="ctr"/>
+            <a:r>
+              <a:rPr lang="ko-KR" altLang="en-US" smtClean="0">
+                <a:solidFill>
+                  <a:schemeClr val="tx1"/>
+                </a:solidFill>
+              </a:rPr>
+              <a:t>상품정보</a:t>
+            </a:r>
+            <a:endParaRPr lang="ko-KR" altLang="en-US">
+              <a:solidFill>
+                <a:schemeClr val="tx1"/>
+              </a:solidFill>
+            </a:endParaRPr>
+          </a:p>
+        </p:txBody>
+      </p:sp>
+      <p:sp>
+        <p:nvSpPr>
+          <p:cNvPr id="22" name="직사각형 21"/>
+          <p:cNvSpPr/>
+          <p:nvPr/>
+        </p:nvSpPr>
+        <p:spPr>
+          <a:xfrm>
+            <a:off x="1491048" y="4385388"/>
+            <a:ext cx="6842295" cy="977042"/>
+          </a:xfrm>
+          <a:prstGeom prst="rect">
+            <a:avLst/>
+          </a:prstGeom>
+          <a:noFill/>
+          <a:ln>
+            <a:solidFill>
+              <a:schemeClr val="tx1"/>
+            </a:solidFill>
+          </a:ln>
+        </p:spPr>
+        <p:style>
+          <a:lnRef idx="2">
+            <a:schemeClr val="accent1">
+              <a:shade val="50000"/>
+            </a:schemeClr>
+          </a:lnRef>
+          <a:fillRef idx="1">
+            <a:schemeClr val="accent1"/>
+          </a:fillRef>
+          <a:effectRef idx="0">
+            <a:schemeClr val="accent1"/>
+          </a:effectRef>
+          <a:fontRef idx="minor">
+            <a:schemeClr val="lt1"/>
+          </a:fontRef>
+        </p:style>
+        <p:txBody>
+          <a:bodyPr rtlCol="0" anchor="ctr"/>
+          <a:lstStyle/>
+          <a:p>
+            <a:pPr algn="ctr"/>
+            <a:r>
+              <a:rPr lang="ko-KR" altLang="en-US" smtClean="0">
+                <a:solidFill>
+                  <a:schemeClr val="tx1"/>
+                </a:solidFill>
+              </a:rPr>
+              <a:t>금액정보</a:t>
+            </a:r>
+            <a:endParaRPr lang="ko-KR" altLang="en-US">
+              <a:solidFill>
+                <a:schemeClr val="tx1"/>
+              </a:solidFill>
+            </a:endParaRPr>
+          </a:p>
+        </p:txBody>
+      </p:sp>
+      <p:sp>
+        <p:nvSpPr>
+          <p:cNvPr id="23" name="직사각형 22"/>
+          <p:cNvSpPr/>
+          <p:nvPr/>
+        </p:nvSpPr>
+        <p:spPr>
+          <a:xfrm>
+            <a:off x="3031069" y="5477206"/>
+            <a:ext cx="3995351" cy="609600"/>
+          </a:xfrm>
+          <a:prstGeom prst="rect">
+            <a:avLst/>
+          </a:prstGeom>
+          <a:solidFill>
+            <a:srgbClr val="FF9E00"/>
+          </a:solidFill>
+          <a:ln>
+            <a:noFill/>
+          </a:ln>
+        </p:spPr>
+        <p:style>
+          <a:lnRef idx="2">
+            <a:schemeClr val="accent1">
+              <a:shade val="50000"/>
+            </a:schemeClr>
+          </a:lnRef>
+          <a:fillRef idx="1">
+            <a:schemeClr val="accent1"/>
+          </a:fillRef>
+          <a:effectRef idx="0">
+            <a:schemeClr val="accent1"/>
+          </a:effectRef>
+          <a:fontRef idx="minor">
+            <a:schemeClr val="lt1"/>
+          </a:fontRef>
+        </p:style>
+        <p:txBody>
+          <a:bodyPr rtlCol="0" anchor="ctr"/>
+          <a:lstStyle/>
+          <a:p>
+            <a:pPr algn="ctr"/>
+            <a:r>
+              <a:rPr lang="ko-KR" altLang="en-US" dirty="0" smtClean="0">
+                <a:latin typeface="나눔바른고딕" panose="020B0603020101020101" pitchFamily="50" charset="-127"/>
+                <a:ea typeface="나눔바른고딕" panose="020B0603020101020101" pitchFamily="50" charset="-127"/>
+              </a:rPr>
+              <a:t>결제하기</a:t>
+            </a:r>
+            <a:endParaRPr lang="ko-KR" altLang="en-US" dirty="0">
+              <a:latin typeface="나눔바른고딕" panose="020B0603020101020101" pitchFamily="50" charset="-127"/>
+              <a:ea typeface="나눔바른고딕" panose="020B0603020101020101" pitchFamily="50" charset="-127"/>
+            </a:endParaRPr>
+          </a:p>
+        </p:txBody>
+      </p:sp>
+    </p:spTree>
+    <p:extLst>
+      <p:ext uri="{BB962C8B-B14F-4D97-AF65-F5344CB8AC3E}">
+        <p14:creationId xmlns:p14="http://schemas.microsoft.com/office/powerpoint/2010/main" val="1639619959"/>
+      </p:ext>
+    </p:extLst>
+  </p:cSld>
+  <p:clrMapOvr>
+    <a:masterClrMapping/>
+  </p:clrMapOvr>
+  <p:timing>
+    <p:tnLst>
+      <p:par>
+        <p:cTn id="1" dur="indefinite" restart="never" nodeType="tmRoot"/>
+      </p:par>
+    </p:tnLst>
+  </p:timing>
+</p:sld>
+</file>
+
+<file path=ppt/slides/slide3.xml><?xml version="1.0" encoding="utf-8"?>
+<p:sld xmlns:a="http://schemas.openxmlformats.org/drawingml/2006/main" xmlns:r="http://schemas.openxmlformats.org/officeDocument/2006/relationships" xmlns:p="http://schemas.openxmlformats.org/presentationml/2006/main">
+  <p:cSld>
+    <p:spTree>
+      <p:nvGrpSpPr>
+        <p:cNvPr id="1" name=""/>
+        <p:cNvGrpSpPr/>
+        <p:nvPr/>
+      </p:nvGrpSpPr>
+      <p:grpSpPr>
+        <a:xfrm>
+          <a:off x="0" y="0"/>
+          <a:ext cx="0" cy="0"/>
+          <a:chOff x="0" y="0"/>
+          <a:chExt cx="0" cy="0"/>
+        </a:xfrm>
+      </p:grpSpPr>
+      <p:sp>
+        <p:nvSpPr>
+          <p:cNvPr id="6" name="양쪽 모서리가 둥근 사각형 5"/>
+          <p:cNvSpPr/>
+          <p:nvPr/>
+        </p:nvSpPr>
+        <p:spPr>
+          <a:xfrm>
+            <a:off x="143339" y="548680"/>
+            <a:ext cx="11905323" cy="6144683"/>
+          </a:xfrm>
+          <a:prstGeom prst="round2SameRect">
+            <a:avLst>
+              <a:gd name="adj1" fmla="val 0"/>
+              <a:gd name="adj2" fmla="val 2405"/>
+            </a:avLst>
+          </a:prstGeom>
+          <a:solidFill>
+            <a:schemeClr val="bg1"/>
+          </a:solidFill>
+          <a:ln>
+            <a:noFill/>
+          </a:ln>
+          <a:effectLst>
+            <a:outerShdw dist="254000" dir="5400000" sx="97000" sy="97000" algn="t" rotWithShape="0">
+              <a:prstClr val="black">
+                <a:alpha val="40000"/>
+              </a:prstClr>
+            </a:outerShdw>
+          </a:effectLst>
+        </p:spPr>
+        <p:style>
+          <a:lnRef idx="2">
+            <a:schemeClr val="accent1">
+              <a:shade val="50000"/>
+            </a:schemeClr>
+          </a:lnRef>
+          <a:fillRef idx="1">
+            <a:schemeClr val="accent1"/>
+          </a:fillRef>
+          <a:effectRef idx="0">
+            <a:schemeClr val="accent1"/>
+          </a:effectRef>
+          <a:fontRef idx="minor">
+            <a:schemeClr val="lt1"/>
+          </a:fontRef>
+        </p:style>
+        <p:txBody>
+          <a:bodyPr lIns="91440" tIns="45720" rIns="91440" bIns="45720" rtlCol="0" anchor="ctr"/>
+          <a:lstStyle/>
+          <a:p>
+            <a:pPr algn="ctr"/>
+            <a:endParaRPr lang="ko-KR" altLang="en-US" sz="2400">
+              <a:solidFill>
+                <a:prstClr val="white"/>
+              </a:solidFill>
+            </a:endParaRPr>
+          </a:p>
+        </p:txBody>
+      </p:sp>
+      <p:sp>
+        <p:nvSpPr>
+          <p:cNvPr id="5" name="양쪽 모서리가 둥근 사각형 4"/>
+          <p:cNvSpPr/>
+          <p:nvPr/>
+        </p:nvSpPr>
+        <p:spPr>
+          <a:xfrm>
+            <a:off x="143339" y="243880"/>
+            <a:ext cx="11905323" cy="304800"/>
+          </a:xfrm>
+          <a:prstGeom prst="round2SameRect">
+            <a:avLst>
+              <a:gd name="adj1" fmla="val 44667"/>
+              <a:gd name="adj2" fmla="val 0"/>
+            </a:avLst>
+          </a:prstGeom>
+          <a:solidFill>
+            <a:srgbClr val="411F42"/>
+          </a:solidFill>
+          <a:ln>
+            <a:noFill/>
+          </a:ln>
+          <a:effectLst>
+            <a:outerShdw dist="76200" dir="16200000" sx="97000" sy="97000" rotWithShape="0">
+              <a:prstClr val="black">
+                <a:alpha val="40000"/>
+              </a:prstClr>
+            </a:outerShdw>
+          </a:effectLst>
+        </p:spPr>
+        <p:style>
+          <a:lnRef idx="2">
+            <a:schemeClr val="accent1">
+              <a:shade val="50000"/>
+            </a:schemeClr>
+          </a:lnRef>
+          <a:fillRef idx="1">
+            <a:schemeClr val="accent1"/>
+          </a:fillRef>
+          <a:effectRef idx="0">
+            <a:schemeClr val="accent1"/>
+          </a:effectRef>
+          <a:fontRef idx="minor">
+            <a:schemeClr val="lt1"/>
+          </a:fontRef>
+        </p:style>
+        <p:txBody>
+          <a:bodyPr lIns="91440" tIns="45720" rIns="91440" bIns="45720" rtlCol="0" anchor="ctr"/>
+          <a:lstStyle/>
+          <a:p>
+            <a:pPr algn="ctr"/>
+            <a:endParaRPr lang="ko-KR" altLang="en-US" sz="2400">
+              <a:solidFill>
+                <a:prstClr val="white"/>
+              </a:solidFill>
+            </a:endParaRPr>
+          </a:p>
+        </p:txBody>
+      </p:sp>
+      <p:sp>
+        <p:nvSpPr>
+          <p:cNvPr id="7" name="직사각형 6"/>
+          <p:cNvSpPr/>
+          <p:nvPr/>
+        </p:nvSpPr>
+        <p:spPr>
+          <a:xfrm>
+            <a:off x="935120" y="366664"/>
+            <a:ext cx="10613801" cy="72000"/>
+          </a:xfrm>
+          <a:prstGeom prst="rect">
+            <a:avLst/>
+          </a:prstGeom>
+          <a:solidFill>
+            <a:schemeClr val="bg1"/>
+          </a:solidFill>
+          <a:ln>
+            <a:noFill/>
+          </a:ln>
+        </p:spPr>
+        <p:style>
+          <a:lnRef idx="2">
+            <a:schemeClr val="accent1">
+              <a:shade val="50000"/>
+            </a:schemeClr>
+          </a:lnRef>
+          <a:fillRef idx="1">
+            <a:schemeClr val="accent1"/>
+          </a:fillRef>
+          <a:effectRef idx="0">
+            <a:schemeClr val="accent1"/>
+          </a:effectRef>
+          <a:fontRef idx="minor">
+            <a:schemeClr val="lt1"/>
+          </a:fontRef>
+        </p:style>
+        <p:txBody>
+          <a:bodyPr lIns="91440" tIns="45720" rIns="91440" bIns="45720" rtlCol="0" anchor="ctr"/>
+          <a:lstStyle/>
+          <a:p>
+            <a:pPr algn="ctr"/>
+            <a:endParaRPr lang="ko-KR" altLang="en-US" sz="2400">
+              <a:solidFill>
+                <a:prstClr val="white"/>
+              </a:solidFill>
+            </a:endParaRPr>
+          </a:p>
+        </p:txBody>
+      </p:sp>
+      <p:sp>
+        <p:nvSpPr>
+          <p:cNvPr id="8" name="타원 7"/>
+          <p:cNvSpPr/>
+          <p:nvPr/>
+        </p:nvSpPr>
+        <p:spPr>
+          <a:xfrm>
+            <a:off x="576949" y="366664"/>
+            <a:ext cx="75276" cy="72000"/>
+          </a:xfrm>
+          <a:prstGeom prst="ellipse">
+            <a:avLst/>
+          </a:prstGeom>
+          <a:solidFill>
+            <a:srgbClr val="FF6189"/>
+          </a:solidFill>
+          <a:ln>
+            <a:noFill/>
+          </a:ln>
+        </p:spPr>
+        <p:style>
+          <a:lnRef idx="2">
+            <a:schemeClr val="accent1">
+              <a:shade val="50000"/>
+            </a:schemeClr>
+          </a:lnRef>
+          <a:fillRef idx="1">
+            <a:schemeClr val="accent1"/>
+          </a:fillRef>
+          <a:effectRef idx="0">
+            <a:schemeClr val="accent1"/>
+          </a:effectRef>
+          <a:fontRef idx="minor">
+            <a:schemeClr val="lt1"/>
+          </a:fontRef>
+        </p:style>
+        <p:txBody>
+          <a:bodyPr lIns="91440" tIns="45720" rIns="91440" bIns="45720" rtlCol="0" anchor="ctr"/>
+          <a:lstStyle/>
+          <a:p>
+            <a:pPr algn="ctr"/>
+            <a:endParaRPr lang="ko-KR" altLang="en-US" sz="2400">
+              <a:solidFill>
+                <a:prstClr val="white"/>
+              </a:solidFill>
+            </a:endParaRPr>
+          </a:p>
+        </p:txBody>
+      </p:sp>
+      <p:sp>
+        <p:nvSpPr>
+          <p:cNvPr id="9" name="타원 8"/>
+          <p:cNvSpPr/>
+          <p:nvPr/>
+        </p:nvSpPr>
+        <p:spPr>
+          <a:xfrm>
+            <a:off x="766826" y="366664"/>
+            <a:ext cx="75276" cy="72000"/>
+          </a:xfrm>
+          <a:prstGeom prst="ellipse">
+            <a:avLst/>
+          </a:prstGeom>
+          <a:solidFill>
+            <a:srgbClr val="00B0F0"/>
+          </a:solidFill>
+          <a:ln>
+            <a:noFill/>
+          </a:ln>
+        </p:spPr>
+        <p:style>
+          <a:lnRef idx="2">
+            <a:schemeClr val="accent1">
+              <a:shade val="50000"/>
+            </a:schemeClr>
+          </a:lnRef>
+          <a:fillRef idx="1">
+            <a:schemeClr val="accent1"/>
+          </a:fillRef>
+          <a:effectRef idx="0">
+            <a:schemeClr val="accent1"/>
+          </a:effectRef>
+          <a:fontRef idx="minor">
+            <a:schemeClr val="lt1"/>
+          </a:fontRef>
+        </p:style>
+        <p:txBody>
+          <a:bodyPr lIns="91440" tIns="45720" rIns="91440" bIns="45720" rtlCol="0" anchor="ctr"/>
+          <a:lstStyle/>
+          <a:p>
+            <a:pPr algn="ctr"/>
+            <a:endParaRPr lang="ko-KR" altLang="en-US" sz="2400">
+              <a:solidFill>
+                <a:prstClr val="white"/>
+              </a:solidFill>
+            </a:endParaRPr>
+          </a:p>
+        </p:txBody>
+      </p:sp>
+      <p:sp>
+        <p:nvSpPr>
+          <p:cNvPr id="10" name="타원 9"/>
+          <p:cNvSpPr/>
+          <p:nvPr/>
+        </p:nvSpPr>
+        <p:spPr>
+          <a:xfrm>
+            <a:off x="956703" y="366664"/>
+            <a:ext cx="75276" cy="72000"/>
+          </a:xfrm>
+          <a:prstGeom prst="ellipse">
+            <a:avLst/>
+          </a:prstGeom>
+          <a:solidFill>
+            <a:schemeClr val="accent4"/>
+          </a:solidFill>
+          <a:ln>
+            <a:noFill/>
+          </a:ln>
+        </p:spPr>
+        <p:style>
+          <a:lnRef idx="2">
+            <a:schemeClr val="accent1">
+              <a:shade val="50000"/>
+            </a:schemeClr>
+          </a:lnRef>
+          <a:fillRef idx="1">
+            <a:schemeClr val="accent1"/>
+          </a:fillRef>
+          <a:effectRef idx="0">
+            <a:schemeClr val="accent1"/>
+          </a:effectRef>
+          <a:fontRef idx="minor">
+            <a:schemeClr val="lt1"/>
+          </a:fontRef>
+        </p:style>
+        <p:txBody>
+          <a:bodyPr lIns="91440" tIns="45720" rIns="91440" bIns="45720" rtlCol="0" anchor="ctr"/>
+          <a:lstStyle/>
+          <a:p>
+            <a:pPr algn="ctr"/>
+            <a:endParaRPr lang="ko-KR" altLang="en-US" sz="2400">
+              <a:solidFill>
+                <a:prstClr val="white"/>
+              </a:solidFill>
+            </a:endParaRPr>
+          </a:p>
+        </p:txBody>
+      </p:sp>
+      <p:sp>
+        <p:nvSpPr>
+          <p:cNvPr id="15" name="직사각형 14"/>
+          <p:cNvSpPr/>
+          <p:nvPr/>
+        </p:nvSpPr>
+        <p:spPr>
+          <a:xfrm>
+            <a:off x="935120" y="743464"/>
+            <a:ext cx="6592433" cy="484748"/>
+          </a:xfrm>
+          <a:prstGeom prst="rect">
+            <a:avLst/>
+          </a:prstGeom>
+        </p:spPr>
+        <p:txBody>
+          <a:bodyPr wrap="square" lIns="68580" tIns="34290" rIns="68580" bIns="34290">
+            <a:spAutoFit/>
+          </a:bodyPr>
+          <a:lstStyle/>
+          <a:p>
+            <a:pPr>
+              <a:lnSpc>
+                <a:spcPct val="150000"/>
+              </a:lnSpc>
+            </a:pPr>
+            <a:r>
+              <a:rPr lang="en-US" altLang="ko-KR" sz="1800" b="1">
+                <a:solidFill>
+                  <a:schemeClr val="tx1">
+                    <a:lumMod val="75000"/>
+                    <a:lumOff val="25000"/>
+                  </a:schemeClr>
+                </a:solidFill>
+                <a:latin typeface="나눔고딕" panose="020D0604000000000000" pitchFamily="50" charset="-127"/>
+                <a:ea typeface="나눔고딕" panose="020D0604000000000000" pitchFamily="50" charset="-127"/>
+              </a:rPr>
+              <a:t>[ </a:t>
+            </a:r>
+            <a:r>
+              <a:rPr lang="ko-KR" altLang="en-US" sz="1800" b="1" smtClean="0">
+                <a:solidFill>
+                  <a:schemeClr val="tx1">
+                    <a:lumMod val="75000"/>
+                    <a:lumOff val="25000"/>
+                  </a:schemeClr>
+                </a:solidFill>
+                <a:latin typeface="나눔고딕" panose="020D0604000000000000" pitchFamily="50" charset="-127"/>
+                <a:ea typeface="나눔고딕" panose="020D0604000000000000" pitchFamily="50" charset="-127"/>
+              </a:rPr>
+              <a:t>화면구현 </a:t>
+            </a:r>
+            <a:r>
+              <a:rPr lang="en-US" altLang="ko-KR" sz="1800" b="1">
+                <a:solidFill>
+                  <a:schemeClr val="tx1">
+                    <a:lumMod val="75000"/>
+                    <a:lumOff val="25000"/>
+                  </a:schemeClr>
+                </a:solidFill>
+                <a:latin typeface="나눔고딕" panose="020D0604000000000000" pitchFamily="50" charset="-127"/>
+                <a:ea typeface="나눔고딕" panose="020D0604000000000000" pitchFamily="50" charset="-127"/>
+              </a:rPr>
+              <a:t>] </a:t>
+            </a:r>
+            <a:r>
+              <a:rPr lang="ko-KR" altLang="en-US" sz="1800" b="1" smtClean="0">
+                <a:solidFill>
+                  <a:schemeClr val="tx1">
+                    <a:lumMod val="75000"/>
+                    <a:lumOff val="25000"/>
+                  </a:schemeClr>
+                </a:solidFill>
+                <a:latin typeface="나눔고딕" panose="020D0604000000000000" pitchFamily="50" charset="-127"/>
+                <a:ea typeface="나눔고딕" panose="020D0604000000000000" pitchFamily="50" charset="-127"/>
+              </a:rPr>
+              <a:t>상품주문 </a:t>
+            </a:r>
+            <a:r>
+              <a:rPr lang="en-US" altLang="ko-KR" sz="1800" b="1" dirty="0" smtClean="0">
+                <a:solidFill>
+                  <a:schemeClr val="tx1">
+                    <a:lumMod val="75000"/>
+                    <a:lumOff val="25000"/>
+                  </a:schemeClr>
+                </a:solidFill>
+                <a:latin typeface="나눔고딕" panose="020D0604000000000000" pitchFamily="50" charset="-127"/>
+                <a:ea typeface="나눔고딕" panose="020D0604000000000000" pitchFamily="50" charset="-127"/>
+              </a:rPr>
+              <a:t>– </a:t>
+            </a:r>
+            <a:r>
+              <a:rPr lang="ko-KR" altLang="en-US" sz="1800" b="1" dirty="0" err="1">
+                <a:solidFill>
+                  <a:schemeClr val="tx1">
+                    <a:lumMod val="75000"/>
+                    <a:lumOff val="25000"/>
+                  </a:schemeClr>
+                </a:solidFill>
+                <a:latin typeface="나눔고딕" panose="020D0604000000000000" pitchFamily="50" charset="-127"/>
+                <a:ea typeface="나눔고딕" panose="020D0604000000000000" pitchFamily="50" charset="-127"/>
+              </a:rPr>
+              <a:t>리워드</a:t>
+            </a:r>
+            <a:r>
+              <a:rPr lang="ko-KR" altLang="en-US" sz="1800" b="1" dirty="0">
+                <a:solidFill>
+                  <a:schemeClr val="tx1">
+                    <a:lumMod val="75000"/>
+                    <a:lumOff val="25000"/>
+                  </a:schemeClr>
+                </a:solidFill>
+                <a:latin typeface="나눔고딕" panose="020D0604000000000000" pitchFamily="50" charset="-127"/>
+                <a:ea typeface="나눔고딕" panose="020D0604000000000000" pitchFamily="50" charset="-127"/>
+              </a:rPr>
+              <a:t> 스토어 </a:t>
+            </a:r>
+            <a:r>
+              <a:rPr lang="en-US" altLang="ko-KR" sz="1800" b="1" dirty="0">
+                <a:solidFill>
+                  <a:schemeClr val="tx1">
+                    <a:lumMod val="75000"/>
+                    <a:lumOff val="25000"/>
+                  </a:schemeClr>
+                </a:solidFill>
+                <a:latin typeface="나눔고딕" panose="020D0604000000000000" pitchFamily="50" charset="-127"/>
+                <a:ea typeface="나눔고딕" panose="020D0604000000000000" pitchFamily="50" charset="-127"/>
+              </a:rPr>
+              <a:t>- </a:t>
+            </a:r>
+            <a:r>
+              <a:rPr lang="ko-KR" altLang="en-US" sz="1800" b="1" dirty="0" smtClean="0">
+                <a:solidFill>
+                  <a:schemeClr val="tx1">
+                    <a:lumMod val="75000"/>
+                    <a:lumOff val="25000"/>
+                  </a:schemeClr>
+                </a:solidFill>
+                <a:latin typeface="나눔고딕" panose="020D0604000000000000" pitchFamily="50" charset="-127"/>
+                <a:ea typeface="나눔고딕" panose="020D0604000000000000" pitchFamily="50" charset="-127"/>
+              </a:rPr>
+              <a:t>사용</a:t>
+            </a:r>
+            <a:r>
+              <a:rPr lang="ko-KR" altLang="en-US" sz="1800" b="1" dirty="0">
+                <a:solidFill>
+                  <a:schemeClr val="tx1">
+                    <a:lumMod val="75000"/>
+                    <a:lumOff val="25000"/>
+                  </a:schemeClr>
+                </a:solidFill>
+                <a:latin typeface="나눔고딕" panose="020D0604000000000000" pitchFamily="50" charset="-127"/>
+                <a:ea typeface="나눔고딕" panose="020D0604000000000000" pitchFamily="50" charset="-127"/>
+              </a:rPr>
+              <a:t>자</a:t>
+            </a:r>
+          </a:p>
+        </p:txBody>
+      </p:sp>
+      <p:pic>
+        <p:nvPicPr>
+          <p:cNvPr id="16" name="그림 15"/>
+          <p:cNvPicPr>
+            <a:picLocks noChangeAspect="1"/>
+          </p:cNvPicPr>
+          <p:nvPr/>
+        </p:nvPicPr>
+        <p:blipFill>
+          <a:blip r:embed="rId2" cstate="print">
+            <a:extLst>
+              <a:ext uri="{28A0092B-C50C-407E-A947-70E740481C1C}">
+                <a14:useLocalDpi xmlns:a14="http://schemas.microsoft.com/office/drawing/2010/main" val="0"/>
+              </a:ext>
+            </a:extLst>
+          </a:blip>
+          <a:stretch>
+            <a:fillRect/>
+          </a:stretch>
+        </p:blipFill>
+        <p:spPr>
+          <a:xfrm>
+            <a:off x="362442" y="743464"/>
+            <a:ext cx="500395" cy="500395"/>
+          </a:xfrm>
+          <a:prstGeom prst="rect">
+            <a:avLst/>
+          </a:prstGeom>
+        </p:spPr>
+      </p:pic>
+      <p:pic>
+        <p:nvPicPr>
+          <p:cNvPr id="3" name="그림 2"/>
+          <p:cNvPicPr>
+            <a:picLocks noChangeAspect="1"/>
+          </p:cNvPicPr>
+          <p:nvPr/>
+        </p:nvPicPr>
+        <p:blipFill>
+          <a:blip r:embed="rId3"/>
+          <a:stretch>
+            <a:fillRect/>
+          </a:stretch>
+        </p:blipFill>
+        <p:spPr>
+          <a:xfrm>
+            <a:off x="143339" y="1422996"/>
+            <a:ext cx="6731074" cy="2891555"/>
+          </a:xfrm>
+          <a:prstGeom prst="rect">
+            <a:avLst/>
+          </a:prstGeom>
+        </p:spPr>
+      </p:pic>
+      <p:pic>
+        <p:nvPicPr>
+          <p:cNvPr id="11" name="그림 10"/>
+          <p:cNvPicPr>
+            <a:picLocks noChangeAspect="1"/>
+          </p:cNvPicPr>
+          <p:nvPr/>
+        </p:nvPicPr>
+        <p:blipFill>
+          <a:blip r:embed="rId4"/>
+          <a:stretch>
+            <a:fillRect/>
+          </a:stretch>
+        </p:blipFill>
+        <p:spPr>
+          <a:xfrm>
+            <a:off x="362442" y="4314550"/>
+            <a:ext cx="6965284" cy="2111301"/>
+          </a:xfrm>
+          <a:prstGeom prst="rect">
+            <a:avLst/>
+          </a:prstGeom>
+        </p:spPr>
+      </p:pic>
+      <p:graphicFrame>
+        <p:nvGraphicFramePr>
+          <p:cNvPr id="14" name="표 13"/>
+          <p:cNvGraphicFramePr>
+            <a:graphicFrameLocks noGrp="1"/>
+          </p:cNvGraphicFramePr>
+          <p:nvPr>
+            <p:extLst>
+              <p:ext uri="{D42A27DB-BD31-4B8C-83A1-F6EECF244321}">
+                <p14:modId xmlns:p14="http://schemas.microsoft.com/office/powerpoint/2010/main" val="1283482081"/>
+              </p:ext>
+            </p:extLst>
+          </p:nvPr>
+        </p:nvGraphicFramePr>
+        <p:xfrm>
+          <a:off x="7183609" y="1919184"/>
+          <a:ext cx="4555856" cy="1918015"/>
+        </p:xfrm>
+        <a:graphic>
+          <a:graphicData uri="http://schemas.openxmlformats.org/drawingml/2006/table">
+            <a:tbl>
+              <a:tblPr firstRow="1" bandRow="1"/>
+              <a:tblGrid>
+                <a:gridCol w="4555856"/>
+              </a:tblGrid>
+              <a:tr h="424495">
+                <a:tc>
+                  <a:txBody>
+                    <a:bodyPr/>
+                    <a:lstStyle/>
+                    <a:p>
+                      <a:pPr algn="ctr" latinLnBrk="1"/>
+                      <a:r>
+                        <a:rPr lang="ko-KR" altLang="en-US" sz="1200" b="1" smtClean="0">
+                          <a:solidFill>
+                            <a:schemeClr val="tx1"/>
+                          </a:solidFill>
+                          <a:latin typeface="나눔바른고딕" panose="020B0603020101020101" pitchFamily="50" charset="-127"/>
+                          <a:ea typeface="나눔바른고딕" panose="020B0603020101020101" pitchFamily="50" charset="-127"/>
+                        </a:rPr>
+                        <a:t>사용 기술</a:t>
+                      </a:r>
+                      <a:endParaRPr lang="ko-KR" altLang="en-US" sz="1200" b="1" dirty="0">
+                        <a:solidFill>
+                          <a:schemeClr val="tx1"/>
+                        </a:solidFill>
+                        <a:latin typeface="나눔바른고딕" panose="020B0603020101020101" pitchFamily="50" charset="-127"/>
+                        <a:ea typeface="나눔바른고딕" panose="020B0603020101020101" pitchFamily="50" charset="-127"/>
+                      </a:endParaRPr>
+                    </a:p>
+                  </a:txBody>
+                  <a:tcPr marL="121920" marR="121920" marT="60960" marB="60960" anchor="ctr">
+                    <a:solidFill>
+                      <a:srgbClr val="FF9E00"/>
+                    </a:solidFill>
+                  </a:tcPr>
+                </a:tc>
+              </a:tr>
+              <a:tr h="490571">
+                <a:tc>
+                  <a:txBody>
+                    <a:bodyPr/>
+                    <a:lstStyle/>
+                    <a:p>
+                      <a:pPr marL="285750" indent="-285750" algn="ctr" latinLnBrk="1">
+                        <a:buFontTx/>
+                        <a:buChar char="-"/>
+                      </a:pPr>
+                      <a:r>
+                        <a:rPr lang="en-US" altLang="ko-KR" sz="1500" smtClean="0">
+                          <a:latin typeface="나눔바른고딕" panose="020B0603020101020101" pitchFamily="50" charset="-127"/>
+                          <a:ea typeface="나눔바른고딕" panose="020B0603020101020101" pitchFamily="50" charset="-127"/>
+                        </a:rPr>
+                        <a:t>Oracle</a:t>
+                      </a:r>
+                      <a:r>
+                        <a:rPr lang="en-US" altLang="ko-KR" sz="1500" baseline="0" smtClean="0">
+                          <a:latin typeface="나눔바른고딕" panose="020B0603020101020101" pitchFamily="50" charset="-127"/>
+                          <a:ea typeface="나눔바른고딕" panose="020B0603020101020101" pitchFamily="50" charset="-127"/>
+                        </a:rPr>
+                        <a:t> DB + Spring Framework</a:t>
+                      </a:r>
+                      <a:r>
+                        <a:rPr lang="ko-KR" altLang="en-US" sz="1500" baseline="0" smtClean="0">
+                          <a:latin typeface="나눔바른고딕" panose="020B0603020101020101" pitchFamily="50" charset="-127"/>
+                          <a:ea typeface="나눔바른고딕" panose="020B0603020101020101" pitchFamily="50" charset="-127"/>
+                        </a:rPr>
+                        <a:t>의 </a:t>
+                      </a:r>
+                      <a:r>
+                        <a:rPr lang="en-US" altLang="ko-KR" sz="1500" baseline="0" smtClean="0">
+                          <a:latin typeface="나눔바른고딕" panose="020B0603020101020101" pitchFamily="50" charset="-127"/>
+                          <a:ea typeface="나눔바른고딕" panose="020B0603020101020101" pitchFamily="50" charset="-127"/>
+                        </a:rPr>
+                        <a:t>CRUD </a:t>
+                      </a:r>
+                      <a:r>
+                        <a:rPr lang="ko-KR" altLang="en-US" sz="1500" baseline="0" smtClean="0">
+                          <a:latin typeface="나눔바른고딕" panose="020B0603020101020101" pitchFamily="50" charset="-127"/>
+                          <a:ea typeface="나눔바른고딕" panose="020B0603020101020101" pitchFamily="50" charset="-127"/>
+                        </a:rPr>
+                        <a:t>구현</a:t>
+                      </a:r>
+                      <a:endParaRPr lang="en-US" altLang="ko-KR" sz="1500" baseline="0" smtClean="0">
+                        <a:latin typeface="나눔바른고딕" panose="020B0603020101020101" pitchFamily="50" charset="-127"/>
+                        <a:ea typeface="나눔바른고딕" panose="020B0603020101020101" pitchFamily="50" charset="-127"/>
+                      </a:endParaRPr>
+                    </a:p>
+                    <a:p>
+                      <a:pPr marL="285750" indent="-285750" algn="ctr" latinLnBrk="1">
+                        <a:buFontTx/>
+                        <a:buChar char="-"/>
+                      </a:pPr>
+                      <a:endParaRPr lang="en-US" altLang="ko-KR" sz="1500" baseline="0" smtClean="0">
+                        <a:latin typeface="나눔바른고딕" panose="020B0603020101020101" pitchFamily="50" charset="-127"/>
+                        <a:ea typeface="나눔바른고딕" panose="020B0603020101020101" pitchFamily="50" charset="-127"/>
+                      </a:endParaRPr>
+                    </a:p>
+                    <a:p>
+                      <a:pPr marL="285750" indent="-285750" algn="ctr" latinLnBrk="1">
+                        <a:buFontTx/>
+                        <a:buChar char="-"/>
+                      </a:pPr>
+                      <a:r>
+                        <a:rPr lang="en-US" altLang="ko-KR" sz="1500" baseline="0" smtClean="0">
+                          <a:latin typeface="나눔바른고딕" panose="020B0603020101020101" pitchFamily="50" charset="-127"/>
+                          <a:ea typeface="나눔바른고딕" panose="020B0603020101020101" pitchFamily="50" charset="-127"/>
+                        </a:rPr>
+                        <a:t>JSTL</a:t>
+                      </a:r>
+                      <a:r>
+                        <a:rPr lang="ko-KR" altLang="en-US" sz="1500" baseline="0" smtClean="0">
+                          <a:latin typeface="나눔바른고딕" panose="020B0603020101020101" pitchFamily="50" charset="-127"/>
+                          <a:ea typeface="나눔바른고딕" panose="020B0603020101020101" pitchFamily="50" charset="-127"/>
+                        </a:rPr>
+                        <a:t>로 비즈니스 로직 구현</a:t>
+                      </a:r>
+                      <a:endParaRPr lang="en-US" altLang="ko-KR" sz="1500" baseline="0" smtClean="0">
+                        <a:latin typeface="나눔바른고딕" panose="020B0603020101020101" pitchFamily="50" charset="-127"/>
+                        <a:ea typeface="나눔바른고딕" panose="020B0603020101020101" pitchFamily="50" charset="-127"/>
+                      </a:endParaRPr>
+                    </a:p>
+                    <a:p>
+                      <a:pPr marL="285750" indent="-285750" algn="ctr" latinLnBrk="1">
+                        <a:buFontTx/>
+                        <a:buChar char="-"/>
+                      </a:pPr>
+                      <a:endParaRPr lang="en-US" altLang="ko-KR" sz="1500" baseline="0" smtClean="0">
+                        <a:latin typeface="나눔바른고딕" panose="020B0603020101020101" pitchFamily="50" charset="-127"/>
+                        <a:ea typeface="나눔바른고딕" panose="020B0603020101020101" pitchFamily="50" charset="-127"/>
+                      </a:endParaRPr>
+                    </a:p>
+                    <a:p>
+                      <a:pPr marL="285750" indent="-285750" algn="ctr" latinLnBrk="1">
+                        <a:buFontTx/>
+                        <a:buChar char="-"/>
+                      </a:pPr>
+                      <a:r>
+                        <a:rPr lang="ko-KR" altLang="en-US" sz="1500" baseline="0" smtClean="0">
+                          <a:latin typeface="나눔바른고딕" panose="020B0603020101020101" pitchFamily="50" charset="-127"/>
+                          <a:ea typeface="나눔바른고딕" panose="020B0603020101020101" pitchFamily="50" charset="-127"/>
+                        </a:rPr>
+                        <a:t>행정안전부 우편번호 찾기 </a:t>
+                      </a:r>
+                      <a:r>
+                        <a:rPr lang="en-US" altLang="ko-KR" sz="1500" baseline="0" smtClean="0">
+                          <a:latin typeface="나눔바른고딕" panose="020B0603020101020101" pitchFamily="50" charset="-127"/>
+                          <a:ea typeface="나눔바른고딕" panose="020B0603020101020101" pitchFamily="50" charset="-127"/>
+                        </a:rPr>
+                        <a:t>API</a:t>
+                      </a:r>
+                      <a:r>
+                        <a:rPr lang="ko-KR" altLang="en-US" sz="1500" baseline="0" smtClean="0">
+                          <a:latin typeface="나눔바른고딕" panose="020B0603020101020101" pitchFamily="50" charset="-127"/>
+                          <a:ea typeface="나눔바른고딕" panose="020B0603020101020101" pitchFamily="50" charset="-127"/>
+                        </a:rPr>
+                        <a:t>를 이용한 우편번호     찾기</a:t>
+                      </a:r>
+                      <a:r>
+                        <a:rPr lang="en-US" altLang="ko-KR" sz="1500" baseline="0" smtClean="0">
+                          <a:latin typeface="나눔바른고딕" panose="020B0603020101020101" pitchFamily="50" charset="-127"/>
+                          <a:ea typeface="나눔바른고딕" panose="020B0603020101020101" pitchFamily="50" charset="-127"/>
+                        </a:rPr>
+                        <a:t> </a:t>
+                      </a:r>
+                      <a:r>
+                        <a:rPr lang="ko-KR" altLang="en-US" sz="1500" baseline="0" smtClean="0">
+                          <a:latin typeface="나눔바른고딕" panose="020B0603020101020101" pitchFamily="50" charset="-127"/>
+                          <a:ea typeface="나눔바른고딕" panose="020B0603020101020101" pitchFamily="50" charset="-127"/>
+                        </a:rPr>
+                        <a:t>구현 </a:t>
+                      </a:r>
+                      <a:endParaRPr lang="ko-KR" altLang="en-US" sz="1500" dirty="0">
+                        <a:latin typeface="나눔바른고딕" panose="020B0603020101020101" pitchFamily="50" charset="-127"/>
+                        <a:ea typeface="나눔바른고딕" panose="020B0603020101020101" pitchFamily="50" charset="-127"/>
+                      </a:endParaRPr>
+                    </a:p>
+                  </a:txBody>
+                  <a:tcPr marL="121920" marR="121920" marT="60960" marB="60960" anchor="ctr"/>
+                </a:tc>
+              </a:tr>
+            </a:tbl>
+          </a:graphicData>
+        </a:graphic>
+      </p:graphicFrame>
+      <p:graphicFrame>
+        <p:nvGraphicFramePr>
+          <p:cNvPr id="17" name="표 16"/>
+          <p:cNvGraphicFramePr>
+            <a:graphicFrameLocks noGrp="1"/>
+          </p:cNvGraphicFramePr>
+          <p:nvPr>
+            <p:extLst>
+              <p:ext uri="{D42A27DB-BD31-4B8C-83A1-F6EECF244321}">
+                <p14:modId xmlns:p14="http://schemas.microsoft.com/office/powerpoint/2010/main" val="745438208"/>
+              </p:ext>
+            </p:extLst>
+          </p:nvPr>
+        </p:nvGraphicFramePr>
+        <p:xfrm>
+          <a:off x="7183609" y="3947215"/>
+          <a:ext cx="4555856" cy="2055175"/>
+        </p:xfrm>
+        <a:graphic>
+          <a:graphicData uri="http://schemas.openxmlformats.org/drawingml/2006/table">
+            <a:tbl>
+              <a:tblPr firstRow="1" bandRow="1"/>
+              <a:tblGrid>
+                <a:gridCol w="4555856"/>
+              </a:tblGrid>
+              <a:tr h="424495">
+                <a:tc>
+                  <a:txBody>
+                    <a:bodyPr/>
+                    <a:lstStyle/>
+                    <a:p>
+                      <a:pPr algn="ctr" latinLnBrk="1"/>
+                      <a:r>
+                        <a:rPr lang="ko-KR" altLang="en-US" sz="1200" b="1" smtClean="0">
+                          <a:solidFill>
+                            <a:schemeClr val="tx1"/>
+                          </a:solidFill>
+                          <a:latin typeface="나눔바른고딕" panose="020B0603020101020101" pitchFamily="50" charset="-127"/>
+                          <a:ea typeface="나눔바른고딕" panose="020B0603020101020101" pitchFamily="50" charset="-127"/>
+                        </a:rPr>
+                        <a:t>비즈니스 로직</a:t>
+                      </a:r>
+                      <a:endParaRPr lang="ko-KR" altLang="en-US" sz="1200" b="1" dirty="0">
+                        <a:solidFill>
+                          <a:schemeClr val="tx1"/>
+                        </a:solidFill>
+                        <a:latin typeface="나눔바른고딕" panose="020B0603020101020101" pitchFamily="50" charset="-127"/>
+                        <a:ea typeface="나눔바른고딕" panose="020B0603020101020101" pitchFamily="50" charset="-127"/>
+                      </a:endParaRPr>
+                    </a:p>
+                  </a:txBody>
+                  <a:tcPr marL="121920" marR="121920" marT="60960" marB="60960" anchor="ctr">
+                    <a:solidFill>
+                      <a:srgbClr val="FF9E00"/>
+                    </a:solidFill>
+                  </a:tcPr>
+                </a:tc>
+              </a:tr>
+              <a:tr h="490571">
+                <a:tc>
+                  <a:txBody>
+                    <a:bodyPr/>
+                    <a:lstStyle/>
+                    <a:p>
+                      <a:pPr marL="285750" indent="-285750" algn="ctr" latinLnBrk="1">
+                        <a:buFontTx/>
+                        <a:buChar char="-"/>
+                      </a:pPr>
+                      <a:r>
+                        <a:rPr lang="ko-KR" altLang="en-US" sz="1500" smtClean="0">
+                          <a:latin typeface="나눔바른고딕" panose="020B0603020101020101" pitchFamily="50" charset="-127"/>
+                          <a:ea typeface="나눔바른고딕" panose="020B0603020101020101" pitchFamily="50" charset="-127"/>
+                        </a:rPr>
+                        <a:t>스토어 목록 </a:t>
+                      </a:r>
+                      <a:r>
+                        <a:rPr lang="en-US" altLang="ko-KR" sz="1500" smtClean="0">
+                          <a:latin typeface="나눔바른고딕" panose="020B0603020101020101" pitchFamily="50" charset="-127"/>
+                          <a:ea typeface="나눔바른고딕" panose="020B0603020101020101" pitchFamily="50" charset="-127"/>
+                        </a:rPr>
+                        <a:t>-&gt; </a:t>
+                      </a:r>
+                      <a:r>
+                        <a:rPr lang="ko-KR" altLang="en-US" sz="1500" smtClean="0">
+                          <a:latin typeface="나눔바른고딕" panose="020B0603020101020101" pitchFamily="50" charset="-127"/>
+                          <a:ea typeface="나눔바른고딕" panose="020B0603020101020101" pitchFamily="50" charset="-127"/>
+                        </a:rPr>
+                        <a:t>스토어 상세페이지 </a:t>
+                      </a:r>
+                      <a:r>
+                        <a:rPr lang="en-US" altLang="ko-KR" sz="1500" smtClean="0">
+                          <a:latin typeface="나눔바른고딕" panose="020B0603020101020101" pitchFamily="50" charset="-127"/>
+                          <a:ea typeface="나눔바른고딕" panose="020B0603020101020101" pitchFamily="50" charset="-127"/>
+                        </a:rPr>
+                        <a:t>-&gt; </a:t>
+                      </a:r>
+                      <a:r>
+                        <a:rPr lang="ko-KR" altLang="en-US" sz="1500" smtClean="0">
+                          <a:latin typeface="나눔바른고딕" panose="020B0603020101020101" pitchFamily="50" charset="-127"/>
+                          <a:ea typeface="나눔바른고딕" panose="020B0603020101020101" pitchFamily="50" charset="-127"/>
+                        </a:rPr>
+                        <a:t>결제페이지</a:t>
+                      </a:r>
+                      <a:endParaRPr lang="en-US" altLang="ko-KR" sz="1400" smtClean="0">
+                        <a:latin typeface="나눔바른고딕" panose="020B0603020101020101" pitchFamily="50" charset="-127"/>
+                        <a:ea typeface="나눔바른고딕" panose="020B0603020101020101" pitchFamily="50" charset="-127"/>
+                      </a:endParaRPr>
+                    </a:p>
+                    <a:p>
+                      <a:pPr marL="285750" indent="-285750" algn="ctr" latinLnBrk="1">
+                        <a:buFontTx/>
+                        <a:buChar char="-"/>
+                      </a:pPr>
+                      <a:r>
+                        <a:rPr lang="ko-KR" altLang="en-US" sz="1200" smtClean="0">
+                          <a:latin typeface="나눔바른고딕" panose="020B0603020101020101" pitchFamily="50" charset="-127"/>
+                          <a:ea typeface="나눔바른고딕" panose="020B0603020101020101" pitchFamily="50" charset="-127"/>
+                        </a:rPr>
+                        <a:t>로그인된 유저</a:t>
+                      </a:r>
+                      <a:r>
+                        <a:rPr lang="ko-KR" altLang="en-US" sz="1200" baseline="0" smtClean="0">
+                          <a:latin typeface="나눔바른고딕" panose="020B0603020101020101" pitchFamily="50" charset="-127"/>
+                          <a:ea typeface="나눔바른고딕" panose="020B0603020101020101" pitchFamily="50" charset="-127"/>
+                        </a:rPr>
+                        <a:t>의 세션 객체를 받아와서 </a:t>
+                      </a:r>
+                      <a:r>
+                        <a:rPr lang="en-US" altLang="ko-KR" sz="1200" baseline="0" smtClean="0">
+                          <a:latin typeface="나눔바른고딕" panose="020B0603020101020101" pitchFamily="50" charset="-127"/>
+                          <a:ea typeface="나눔바른고딕" panose="020B0603020101020101" pitchFamily="50" charset="-127"/>
+                        </a:rPr>
+                        <a:t>View </a:t>
+                      </a:r>
+                      <a:r>
+                        <a:rPr lang="ko-KR" altLang="en-US" sz="1200" baseline="0" smtClean="0">
+                          <a:latin typeface="나눔바른고딕" panose="020B0603020101020101" pitchFamily="50" charset="-127"/>
+                          <a:ea typeface="나눔바른고딕" panose="020B0603020101020101" pitchFamily="50" charset="-127"/>
+                        </a:rPr>
+                        <a:t>단에 나타나게 하고 상세페이지에서 받아온 데이터를 </a:t>
+                      </a:r>
+                      <a:r>
+                        <a:rPr lang="en-US" altLang="ko-KR" sz="1200" baseline="0" smtClean="0">
+                          <a:latin typeface="나눔바른고딕" panose="020B0603020101020101" pitchFamily="50" charset="-127"/>
+                          <a:ea typeface="나눔바른고딕" panose="020B0603020101020101" pitchFamily="50" charset="-127"/>
+                        </a:rPr>
+                        <a:t>View</a:t>
+                      </a:r>
+                      <a:r>
+                        <a:rPr lang="ko-KR" altLang="en-US" sz="1200" baseline="0" smtClean="0">
+                          <a:latin typeface="나눔바른고딕" panose="020B0603020101020101" pitchFamily="50" charset="-127"/>
+                          <a:ea typeface="나눔바른고딕" panose="020B0603020101020101" pitchFamily="50" charset="-127"/>
+                        </a:rPr>
+                        <a:t>단에 나타나게 함</a:t>
+                      </a:r>
+                      <a:r>
+                        <a:rPr lang="en-US" altLang="ko-KR" sz="1200" baseline="0" smtClean="0">
+                          <a:latin typeface="나눔바른고딕" panose="020B0603020101020101" pitchFamily="50" charset="-127"/>
+                          <a:ea typeface="나눔바른고딕" panose="020B0603020101020101" pitchFamily="50" charset="-127"/>
+                        </a:rPr>
+                        <a:t>.</a:t>
+                      </a:r>
+                    </a:p>
+                    <a:p>
+                      <a:pPr marL="285750" indent="-285750" algn="ctr" latinLnBrk="1">
+                        <a:buFontTx/>
+                        <a:buChar char="-"/>
+                      </a:pPr>
+                      <a:r>
+                        <a:rPr lang="ko-KR" altLang="en-US" sz="1200" baseline="0" smtClean="0">
+                          <a:latin typeface="나눔바른고딕" panose="020B0603020101020101" pitchFamily="50" charset="-127"/>
+                          <a:ea typeface="나눔바른고딕" panose="020B0603020101020101" pitchFamily="50" charset="-127"/>
+                        </a:rPr>
+                        <a:t>행정안전부 우편번호 찾기 </a:t>
+                      </a:r>
+                      <a:r>
+                        <a:rPr lang="en-US" altLang="ko-KR" sz="1200" baseline="0" smtClean="0">
+                          <a:latin typeface="나눔바른고딕" panose="020B0603020101020101" pitchFamily="50" charset="-127"/>
+                          <a:ea typeface="나눔바른고딕" panose="020B0603020101020101" pitchFamily="50" charset="-127"/>
+                        </a:rPr>
+                        <a:t>API</a:t>
+                      </a:r>
+                      <a:r>
+                        <a:rPr lang="ko-KR" altLang="en-US" sz="1200" baseline="0" smtClean="0">
+                          <a:latin typeface="나눔바른고딕" panose="020B0603020101020101" pitchFamily="50" charset="-127"/>
+                          <a:ea typeface="나눔바른고딕" panose="020B0603020101020101" pitchFamily="50" charset="-127"/>
+                        </a:rPr>
+                        <a:t>를 이용하여 우편번호를 검색 후</a:t>
+                      </a:r>
+                      <a:r>
+                        <a:rPr lang="en-US" altLang="ko-KR" sz="1200" baseline="0" smtClean="0">
+                          <a:latin typeface="나눔바른고딕" panose="020B0603020101020101" pitchFamily="50" charset="-127"/>
+                          <a:ea typeface="나눔바른고딕" panose="020B0603020101020101" pitchFamily="50" charset="-127"/>
+                        </a:rPr>
+                        <a:t>          </a:t>
+                      </a:r>
+                      <a:r>
+                        <a:rPr lang="ko-KR" altLang="en-US" sz="1200" baseline="0" smtClean="0">
+                          <a:latin typeface="나눔바른고딕" panose="020B0603020101020101" pitchFamily="50" charset="-127"/>
+                          <a:ea typeface="나눔바른고딕" panose="020B0603020101020101" pitchFamily="50" charset="-127"/>
+                        </a:rPr>
+                        <a:t>우편번호와 상세주소 나타나게 함</a:t>
+                      </a:r>
+                      <a:endParaRPr lang="en-US" altLang="ko-KR" sz="1200" baseline="0" smtClean="0">
+                        <a:latin typeface="나눔바른고딕" panose="020B0603020101020101" pitchFamily="50" charset="-127"/>
+                        <a:ea typeface="나눔바른고딕" panose="020B0603020101020101" pitchFamily="50" charset="-127"/>
+                      </a:endParaRPr>
+                    </a:p>
+                    <a:p>
+                      <a:pPr marL="285750" indent="-285750" algn="ctr" latinLnBrk="1">
+                        <a:buFontTx/>
+                        <a:buChar char="-"/>
+                      </a:pPr>
+                      <a:r>
+                        <a:rPr lang="ko-KR" altLang="en-US" sz="1200" baseline="0" smtClean="0">
+                          <a:latin typeface="나눔바른고딕" panose="020B0603020101020101" pitchFamily="50" charset="-127"/>
+                          <a:ea typeface="나눔바른고딕" panose="020B0603020101020101" pitchFamily="50" charset="-127"/>
+                        </a:rPr>
+                        <a:t>결제하기 버튼 누른 후 상품 결제 처리 완료</a:t>
+                      </a:r>
+                      <a:r>
+                        <a:rPr lang="en-US" altLang="ko-KR" sz="1200" baseline="0" smtClean="0">
+                          <a:latin typeface="나눔바른고딕" panose="020B0603020101020101" pitchFamily="50" charset="-127"/>
+                          <a:ea typeface="나눔바른고딕" panose="020B0603020101020101" pitchFamily="50" charset="-127"/>
+                        </a:rPr>
+                        <a:t>(</a:t>
+                      </a:r>
+                      <a:r>
+                        <a:rPr lang="ko-KR" altLang="en-US" sz="1200" baseline="0" smtClean="0">
+                          <a:latin typeface="나눔바른고딕" panose="020B0603020101020101" pitchFamily="50" charset="-127"/>
+                          <a:ea typeface="나눔바른고딕" panose="020B0603020101020101" pitchFamily="50" charset="-127"/>
+                        </a:rPr>
+                        <a:t>주문테이블</a:t>
+                      </a:r>
+                      <a:r>
+                        <a:rPr lang="en-US" altLang="ko-KR" sz="1200" baseline="0" smtClean="0">
+                          <a:latin typeface="나눔바른고딕" panose="020B0603020101020101" pitchFamily="50" charset="-127"/>
+                          <a:ea typeface="나눔바른고딕" panose="020B0603020101020101" pitchFamily="50" charset="-127"/>
+                        </a:rPr>
+                        <a:t> Insert, </a:t>
+                      </a:r>
+                      <a:r>
+                        <a:rPr lang="ko-KR" altLang="en-US" sz="1200" baseline="0" smtClean="0">
+                          <a:latin typeface="나눔바른고딕" panose="020B0603020101020101" pitchFamily="50" charset="-127"/>
+                          <a:ea typeface="나눔바른고딕" panose="020B0603020101020101" pitchFamily="50" charset="-127"/>
+                        </a:rPr>
+                        <a:t>회원테이블 예치금 </a:t>
+                      </a:r>
+                      <a:r>
+                        <a:rPr lang="en-US" altLang="ko-KR" sz="1200" baseline="0" smtClean="0">
+                          <a:latin typeface="나눔바른고딕" panose="020B0603020101020101" pitchFamily="50" charset="-127"/>
+                          <a:ea typeface="나눔바른고딕" panose="020B0603020101020101" pitchFamily="50" charset="-127"/>
+                        </a:rPr>
+                        <a:t>Update, </a:t>
+                      </a:r>
+                      <a:r>
+                        <a:rPr lang="ko-KR" altLang="en-US" sz="1200" baseline="0" smtClean="0">
+                          <a:latin typeface="나눔바른고딕" panose="020B0603020101020101" pitchFamily="50" charset="-127"/>
+                          <a:ea typeface="나눔바른고딕" panose="020B0603020101020101" pitchFamily="50" charset="-127"/>
+                        </a:rPr>
+                        <a:t>예치금 사용목록 테이블 </a:t>
+                      </a:r>
+                      <a:r>
+                        <a:rPr lang="en-US" altLang="ko-KR" sz="1200" baseline="0" smtClean="0">
+                          <a:latin typeface="나눔바른고딕" panose="020B0603020101020101" pitchFamily="50" charset="-127"/>
+                          <a:ea typeface="나눔바른고딕" panose="020B0603020101020101" pitchFamily="50" charset="-127"/>
+                        </a:rPr>
+                        <a:t>Insert)</a:t>
+                      </a:r>
+                      <a:r>
+                        <a:rPr lang="ko-KR" altLang="en-US" sz="1200" baseline="0" smtClean="0">
+                          <a:latin typeface="나눔바른고딕" panose="020B0603020101020101" pitchFamily="50" charset="-127"/>
+                          <a:ea typeface="나눔바른고딕" panose="020B0603020101020101" pitchFamily="50" charset="-127"/>
+                        </a:rPr>
+                        <a:t> </a:t>
+                      </a:r>
+                      <a:endParaRPr lang="en-US" altLang="ko-KR" sz="1200" baseline="0" smtClean="0">
+                        <a:latin typeface="나눔바른고딕" panose="020B0603020101020101" pitchFamily="50" charset="-127"/>
+                        <a:ea typeface="나눔바른고딕" panose="020B0603020101020101" pitchFamily="50" charset="-127"/>
+                      </a:endParaRPr>
+                    </a:p>
+                    <a:p>
+                      <a:pPr marL="285750" indent="-285750" algn="ctr" latinLnBrk="1">
+                        <a:buFontTx/>
+                        <a:buChar char="-"/>
+                      </a:pPr>
+                      <a:endParaRPr lang="en-US" altLang="ko-KR" sz="1200" smtClean="0">
+                        <a:latin typeface="나눔바른고딕" panose="020B0603020101020101" pitchFamily="50" charset="-127"/>
+                        <a:ea typeface="나눔바른고딕" panose="020B0603020101020101" pitchFamily="50" charset="-127"/>
+                      </a:endParaRPr>
+                    </a:p>
+                  </a:txBody>
+                  <a:tcPr marL="121920" marR="121920" marT="60960" marB="60960" anchor="ctr"/>
+                </a:tc>
+              </a:tr>
+            </a:tbl>
+          </a:graphicData>
+        </a:graphic>
+      </p:graphicFrame>
+    </p:spTree>
+    <p:extLst>
+      <p:ext uri="{BB962C8B-B14F-4D97-AF65-F5344CB8AC3E}">
+        <p14:creationId xmlns:p14="http://schemas.microsoft.com/office/powerpoint/2010/main" val="961547925"/>
+      </p:ext>
+    </p:extLst>
+  </p:cSld>
+  <p:clrMapOvr>
+    <a:masterClrMapping/>
+  </p:clrMapOvr>
+  <p:timing>
+    <p:tnLst>
+      <p:par>
+        <p:cTn id="1" dur="indefinite" restart="never" nodeType="tmRoot"/>
+      </p:par>
+    </p:tnLst>
+  </p:timing>
+</p:sld>
+</file>
+
+<file path=ppt/slides/slide4.xml><?xml version="1.0" encoding="utf-8"?>
+<p:sld xmlns:a="http://schemas.openxmlformats.org/drawingml/2006/main" xmlns:r="http://schemas.openxmlformats.org/officeDocument/2006/relationships" xmlns:p="http://schemas.openxmlformats.org/presentationml/2006/main">
+  <p:cSld>
+    <p:spTree>
+      <p:nvGrpSpPr>
+        <p:cNvPr id="1" name=""/>
+        <p:cNvGrpSpPr/>
+        <p:nvPr/>
+      </p:nvGrpSpPr>
+      <p:grpSpPr>
+        <a:xfrm>
+          <a:off x="0" y="0"/>
+          <a:ext cx="0" cy="0"/>
+          <a:chOff x="0" y="0"/>
+          <a:chExt cx="0" cy="0"/>
+        </a:xfrm>
+      </p:grpSpPr>
+      <p:sp>
+        <p:nvSpPr>
+          <p:cNvPr id="18" name="직사각형 17"/>
+          <p:cNvSpPr/>
+          <p:nvPr/>
+        </p:nvSpPr>
+        <p:spPr>
+          <a:xfrm rot="21409477">
+            <a:off x="832974" y="128931"/>
+            <a:ext cx="9282799" cy="6218171"/>
+          </a:xfrm>
+          <a:prstGeom prst="rect">
+            <a:avLst/>
+          </a:prstGeom>
+          <a:solidFill>
+            <a:schemeClr val="bg1">
+              <a:lumMod val="95000"/>
+            </a:schemeClr>
+          </a:solidFill>
+          <a:ln>
+            <a:noFill/>
+          </a:ln>
+        </p:spPr>
+        <p:style>
+          <a:lnRef idx="2">
+            <a:schemeClr val="accent1">
+              <a:shade val="50000"/>
+            </a:schemeClr>
+          </a:lnRef>
+          <a:fillRef idx="1">
+            <a:schemeClr val="accent1"/>
+          </a:fillRef>
+          <a:effectRef idx="0">
+            <a:schemeClr val="accent1"/>
+          </a:effectRef>
+          <a:fontRef idx="minor">
+            <a:schemeClr val="lt1"/>
+          </a:fontRef>
+        </p:style>
+        <p:txBody>
+          <a:bodyPr lIns="91440" tIns="45720" rIns="91440" bIns="45720" rtlCol="0" anchor="ctr"/>
+          <a:lstStyle/>
+          <a:p>
+            <a:pPr algn="ctr"/>
+            <a:endParaRPr lang="ko-KR" altLang="en-US" sz="2400">
+              <a:latin typeface="나눔바른고딕" panose="020B0603020101020101" pitchFamily="50" charset="-127"/>
+              <a:ea typeface="나눔바른고딕" panose="020B0603020101020101" pitchFamily="50" charset="-127"/>
+            </a:endParaRPr>
+          </a:p>
+        </p:txBody>
+      </p:sp>
+      <p:sp>
+        <p:nvSpPr>
+          <p:cNvPr id="5" name="직사각형 4"/>
+          <p:cNvSpPr/>
+          <p:nvPr/>
+        </p:nvSpPr>
+        <p:spPr>
+          <a:xfrm>
+            <a:off x="527263" y="398521"/>
+            <a:ext cx="11425909" cy="6392929"/>
+          </a:xfrm>
+          <a:prstGeom prst="rect">
+            <a:avLst/>
+          </a:prstGeom>
+          <a:gradFill flip="none" rotWithShape="1">
+            <a:gsLst>
+              <a:gs pos="100000">
+                <a:schemeClr val="bg1">
+                  <a:shade val="67500"/>
+                  <a:satMod val="115000"/>
+                </a:schemeClr>
+              </a:gs>
+              <a:gs pos="64000">
+                <a:schemeClr val="bg1">
+                  <a:shade val="100000"/>
+                  <a:satMod val="115000"/>
+                </a:schemeClr>
+              </a:gs>
+            </a:gsLst>
+            <a:lin ang="10800000" scaled="1"/>
+            <a:tileRect/>
+          </a:gradFill>
+          <a:ln>
+            <a:noFill/>
+          </a:ln>
+          <a:effectLst>
+            <a:outerShdw blurRad="228600" dist="76200" dir="16200000" rotWithShape="0">
+              <a:prstClr val="black">
+                <a:alpha val="40000"/>
+              </a:prstClr>
+            </a:outerShdw>
+          </a:effectLst>
+        </p:spPr>
+        <p:style>
+          <a:lnRef idx="2">
+            <a:schemeClr val="accent1">
+              <a:shade val="50000"/>
+            </a:schemeClr>
+          </a:lnRef>
+          <a:fillRef idx="1">
+            <a:schemeClr val="accent1"/>
+          </a:fillRef>
+          <a:effectRef idx="0">
+            <a:schemeClr val="accent1"/>
+          </a:effectRef>
+          <a:fontRef idx="minor">
+            <a:schemeClr val="lt1"/>
+          </a:fontRef>
+        </p:style>
+        <p:txBody>
+          <a:bodyPr lIns="91440" tIns="45720" rIns="91440" bIns="45720" rtlCol="0" anchor="ctr"/>
+          <a:lstStyle/>
+          <a:p>
+            <a:pPr algn="ctr"/>
+            <a:endParaRPr lang="ko-KR" altLang="en-US" sz="2400">
+              <a:latin typeface="나눔바른고딕" panose="020B0603020101020101" pitchFamily="50" charset="-127"/>
+              <a:ea typeface="나눔바른고딕" panose="020B0603020101020101" pitchFamily="50" charset="-127"/>
+            </a:endParaRPr>
+          </a:p>
+        </p:txBody>
+      </p:sp>
+      <p:grpSp>
+        <p:nvGrpSpPr>
+          <p:cNvPr id="2" name="그룹 1"/>
+          <p:cNvGrpSpPr/>
+          <p:nvPr/>
+        </p:nvGrpSpPr>
+        <p:grpSpPr>
+          <a:xfrm>
+            <a:off x="143104" y="68627"/>
+            <a:ext cx="768321" cy="6704028"/>
+            <a:chOff x="586490" y="739768"/>
+            <a:chExt cx="1017302" cy="5420168"/>
+          </a:xfrm>
+        </p:grpSpPr>
+        <p:sp>
+          <p:nvSpPr>
+            <p:cNvPr id="39" name="자유형 38"/>
+            <p:cNvSpPr/>
+            <p:nvPr/>
+          </p:nvSpPr>
+          <p:spPr>
+            <a:xfrm rot="10800000">
+              <a:off x="586490" y="1041378"/>
+              <a:ext cx="1017302" cy="4991063"/>
+            </a:xfrm>
+            <a:custGeom>
+              <a:avLst/>
+              <a:gdLst>
+                <a:gd name="connsiteX0" fmla="*/ 194310 w 388620"/>
+                <a:gd name="connsiteY0" fmla="*/ 0 h 2927235"/>
+                <a:gd name="connsiteX1" fmla="*/ 388620 w 388620"/>
+                <a:gd name="connsiteY1" fmla="*/ 194310 h 2927235"/>
+                <a:gd name="connsiteX2" fmla="*/ 388620 w 388620"/>
+                <a:gd name="connsiteY2" fmla="*/ 2927235 h 2927235"/>
+                <a:gd name="connsiteX3" fmla="*/ 379599 w 388620"/>
+                <a:gd name="connsiteY3" fmla="*/ 2898175 h 2927235"/>
+                <a:gd name="connsiteX4" fmla="*/ 194310 w 388620"/>
+                <a:gd name="connsiteY4" fmla="*/ 2775357 h 2927235"/>
+                <a:gd name="connsiteX5" fmla="*/ 9021 w 388620"/>
+                <a:gd name="connsiteY5" fmla="*/ 2898175 h 2927235"/>
+                <a:gd name="connsiteX6" fmla="*/ 0 w 388620"/>
+                <a:gd name="connsiteY6" fmla="*/ 2927235 h 2927235"/>
+                <a:gd name="connsiteX7" fmla="*/ 0 w 388620"/>
+                <a:gd name="connsiteY7" fmla="*/ 194310 h 2927235"/>
+                <a:gd name="connsiteX8" fmla="*/ 194310 w 388620"/>
+                <a:gd name="connsiteY8" fmla="*/ 0 h 2927235"/>
+              </a:gdLst>
+              <a:ahLst/>
+              <a:cxnLst>
+                <a:cxn ang="0">
+                  <a:pos x="connsiteX0" y="connsiteY0"/>
+                </a:cxn>
+                <a:cxn ang="0">
+                  <a:pos x="connsiteX1" y="connsiteY1"/>
+                </a:cxn>
+                <a:cxn ang="0">
+                  <a:pos x="connsiteX2" y="connsiteY2"/>
+                </a:cxn>
+                <a:cxn ang="0">
+                  <a:pos x="connsiteX3" y="connsiteY3"/>
+                </a:cxn>
+                <a:cxn ang="0">
+                  <a:pos x="connsiteX4" y="connsiteY4"/>
+                </a:cxn>
+                <a:cxn ang="0">
+                  <a:pos x="connsiteX5" y="connsiteY5"/>
+                </a:cxn>
+                <a:cxn ang="0">
+                  <a:pos x="connsiteX6" y="connsiteY6"/>
+                </a:cxn>
+                <a:cxn ang="0">
+                  <a:pos x="connsiteX7" y="connsiteY7"/>
+                </a:cxn>
+                <a:cxn ang="0">
+                  <a:pos x="connsiteX8" y="connsiteY8"/>
+                </a:cxn>
+              </a:cxnLst>
+              <a:rect l="l" t="t" r="r" b="b"/>
+              <a:pathLst>
+                <a:path w="388620" h="2927235">
+                  <a:moveTo>
+                    <a:pt x="194310" y="0"/>
+                  </a:moveTo>
+                  <a:cubicBezTo>
+                    <a:pt x="301624" y="0"/>
+                    <a:pt x="388620" y="86996"/>
+                    <a:pt x="388620" y="194310"/>
+                  </a:cubicBezTo>
+                  <a:lnTo>
+                    <a:pt x="388620" y="2927235"/>
+                  </a:lnTo>
+                  <a:lnTo>
+                    <a:pt x="379599" y="2898175"/>
+                  </a:lnTo>
+                  <a:cubicBezTo>
+                    <a:pt x="349072" y="2826000"/>
+                    <a:pt x="277605" y="2775357"/>
+                    <a:pt x="194310" y="2775357"/>
+                  </a:cubicBezTo>
+                  <a:cubicBezTo>
+                    <a:pt x="111015" y="2775357"/>
+                    <a:pt x="39548" y="2826000"/>
+                    <a:pt x="9021" y="2898175"/>
+                  </a:cubicBezTo>
+                  <a:lnTo>
+                    <a:pt x="0" y="2927235"/>
+                  </a:lnTo>
+                  <a:lnTo>
+                    <a:pt x="0" y="194310"/>
+                  </a:lnTo>
+                  <a:cubicBezTo>
+                    <a:pt x="0" y="86996"/>
+                    <a:pt x="86996" y="0"/>
+                    <a:pt x="194310" y="0"/>
+                  </a:cubicBezTo>
+                  <a:close/>
+                </a:path>
+              </a:pathLst>
+            </a:custGeom>
+            <a:gradFill flip="none" rotWithShape="1">
+              <a:gsLst>
+                <a:gs pos="0">
+                  <a:schemeClr val="bg1">
+                    <a:shade val="67500"/>
+                    <a:satMod val="115000"/>
+                  </a:schemeClr>
+                </a:gs>
+                <a:gs pos="100000">
+                  <a:schemeClr val="bg1">
+                    <a:shade val="100000"/>
+                    <a:satMod val="115000"/>
+                  </a:schemeClr>
+                </a:gs>
+              </a:gsLst>
+              <a:lin ang="10800000" scaled="1"/>
+              <a:tileRect/>
+            </a:gradFill>
+            <a:ln>
+              <a:noFill/>
+            </a:ln>
+            <a:effectLst>
+              <a:outerShdw blurRad="88900" dist="139700" dir="5400000" sx="98000" sy="98000" algn="t" rotWithShape="0">
+                <a:prstClr val="black">
+                  <a:alpha val="40000"/>
+                </a:prstClr>
+              </a:outerShdw>
+            </a:effectLst>
+          </p:spPr>
+          <p:style>
+            <a:lnRef idx="2">
+              <a:schemeClr val="accent1">
+                <a:shade val="50000"/>
+              </a:schemeClr>
+            </a:lnRef>
+            <a:fillRef idx="1">
+              <a:schemeClr val="accent1"/>
+            </a:fillRef>
+            <a:effectRef idx="0">
+              <a:schemeClr val="accent1"/>
+            </a:effectRef>
+            <a:fontRef idx="minor">
+              <a:schemeClr val="lt1"/>
+            </a:fontRef>
+          </p:style>
+          <p:txBody>
+            <a:bodyPr rtlCol="0" anchor="ctr"/>
+            <a:lstStyle/>
+            <a:p>
+              <a:pPr algn="ctr"/>
+              <a:endParaRPr lang="ko-KR" altLang="en-US" sz="2400">
+                <a:latin typeface="나눔바른고딕" panose="020B0603020101020101" pitchFamily="50" charset="-127"/>
+                <a:ea typeface="나눔바른고딕" panose="020B0603020101020101" pitchFamily="50" charset="-127"/>
+              </a:endParaRPr>
+            </a:p>
+          </p:txBody>
+        </p:sp>
+        <p:sp>
+          <p:nvSpPr>
+            <p:cNvPr id="40" name="자유형 39"/>
+            <p:cNvSpPr/>
+            <p:nvPr/>
+          </p:nvSpPr>
+          <p:spPr>
+            <a:xfrm rot="10800000">
+              <a:off x="754421" y="2816677"/>
+              <a:ext cx="681439" cy="3343259"/>
+            </a:xfrm>
+            <a:custGeom>
+              <a:avLst/>
+              <a:gdLst>
+                <a:gd name="connsiteX0" fmla="*/ 194310 w 388620"/>
+                <a:gd name="connsiteY0" fmla="*/ 0 h 2927235"/>
+                <a:gd name="connsiteX1" fmla="*/ 388620 w 388620"/>
+                <a:gd name="connsiteY1" fmla="*/ 194310 h 2927235"/>
+                <a:gd name="connsiteX2" fmla="*/ 388620 w 388620"/>
+                <a:gd name="connsiteY2" fmla="*/ 2927235 h 2927235"/>
+                <a:gd name="connsiteX3" fmla="*/ 379599 w 388620"/>
+                <a:gd name="connsiteY3" fmla="*/ 2898175 h 2927235"/>
+                <a:gd name="connsiteX4" fmla="*/ 194310 w 388620"/>
+                <a:gd name="connsiteY4" fmla="*/ 2775357 h 2927235"/>
+                <a:gd name="connsiteX5" fmla="*/ 9021 w 388620"/>
+                <a:gd name="connsiteY5" fmla="*/ 2898175 h 2927235"/>
+                <a:gd name="connsiteX6" fmla="*/ 0 w 388620"/>
+                <a:gd name="connsiteY6" fmla="*/ 2927235 h 2927235"/>
+                <a:gd name="connsiteX7" fmla="*/ 0 w 388620"/>
+                <a:gd name="connsiteY7" fmla="*/ 194310 h 2927235"/>
+                <a:gd name="connsiteX8" fmla="*/ 194310 w 388620"/>
+                <a:gd name="connsiteY8" fmla="*/ 0 h 2927235"/>
+              </a:gdLst>
+              <a:ahLst/>
+              <a:cxnLst>
+                <a:cxn ang="0">
+                  <a:pos x="connsiteX0" y="connsiteY0"/>
+                </a:cxn>
+                <a:cxn ang="0">
+                  <a:pos x="connsiteX1" y="connsiteY1"/>
+                </a:cxn>
+                <a:cxn ang="0">
+                  <a:pos x="connsiteX2" y="connsiteY2"/>
+                </a:cxn>
+                <a:cxn ang="0">
+                  <a:pos x="connsiteX3" y="connsiteY3"/>
+                </a:cxn>
+                <a:cxn ang="0">
+                  <a:pos x="connsiteX4" y="connsiteY4"/>
+                </a:cxn>
+                <a:cxn ang="0">
+                  <a:pos x="connsiteX5" y="connsiteY5"/>
+                </a:cxn>
+                <a:cxn ang="0">
+                  <a:pos x="connsiteX6" y="connsiteY6"/>
+                </a:cxn>
+                <a:cxn ang="0">
+                  <a:pos x="connsiteX7" y="connsiteY7"/>
+                </a:cxn>
+                <a:cxn ang="0">
+                  <a:pos x="connsiteX8" y="connsiteY8"/>
+                </a:cxn>
+              </a:cxnLst>
+              <a:rect l="l" t="t" r="r" b="b"/>
+              <a:pathLst>
+                <a:path w="388620" h="2927235">
+                  <a:moveTo>
+                    <a:pt x="194310" y="0"/>
+                  </a:moveTo>
+                  <a:cubicBezTo>
+                    <a:pt x="301624" y="0"/>
+                    <a:pt x="388620" y="86996"/>
+                    <a:pt x="388620" y="194310"/>
+                  </a:cubicBezTo>
+                  <a:lnTo>
+                    <a:pt x="388620" y="2927235"/>
+                  </a:lnTo>
+                  <a:lnTo>
+                    <a:pt x="379599" y="2898175"/>
+                  </a:lnTo>
+                  <a:cubicBezTo>
+                    <a:pt x="349072" y="2826000"/>
+                    <a:pt x="277605" y="2775357"/>
+                    <a:pt x="194310" y="2775357"/>
+                  </a:cubicBezTo>
+                  <a:cubicBezTo>
+                    <a:pt x="111015" y="2775357"/>
+                    <a:pt x="39548" y="2826000"/>
+                    <a:pt x="9021" y="2898175"/>
+                  </a:cubicBezTo>
+                  <a:lnTo>
+                    <a:pt x="0" y="2927235"/>
+                  </a:lnTo>
+                  <a:lnTo>
+                    <a:pt x="0" y="194310"/>
+                  </a:lnTo>
+                  <a:cubicBezTo>
+                    <a:pt x="0" y="86996"/>
+                    <a:pt x="86996" y="0"/>
+                    <a:pt x="194310" y="0"/>
+                  </a:cubicBezTo>
+                  <a:close/>
+                </a:path>
+              </a:pathLst>
+            </a:custGeom>
+            <a:gradFill flip="none" rotWithShape="1">
+              <a:gsLst>
+                <a:gs pos="0">
+                  <a:schemeClr val="bg1">
+                    <a:shade val="67500"/>
+                    <a:satMod val="115000"/>
+                  </a:schemeClr>
+                </a:gs>
+                <a:gs pos="100000">
+                  <a:schemeClr val="bg1">
+                    <a:shade val="100000"/>
+                    <a:satMod val="115000"/>
+                  </a:schemeClr>
+                </a:gs>
+              </a:gsLst>
+              <a:lin ang="10800000" scaled="1"/>
+              <a:tileRect/>
+            </a:gradFill>
+            <a:ln>
+              <a:noFill/>
+            </a:ln>
+            <a:effectLst>
+              <a:outerShdw blurRad="88900" dist="139700" dir="5400000" sx="98000" sy="98000" algn="t" rotWithShape="0">
+                <a:prstClr val="black">
+                  <a:alpha val="40000"/>
+                </a:prstClr>
+              </a:outerShdw>
+            </a:effectLst>
+          </p:spPr>
+          <p:style>
+            <a:lnRef idx="2">
+              <a:schemeClr val="accent1">
+                <a:shade val="50000"/>
+              </a:schemeClr>
+            </a:lnRef>
+            <a:fillRef idx="1">
+              <a:schemeClr val="accent1"/>
+            </a:fillRef>
+            <a:effectRef idx="0">
+              <a:schemeClr val="accent1"/>
+            </a:effectRef>
+            <a:fontRef idx="minor">
+              <a:schemeClr val="lt1"/>
+            </a:fontRef>
+          </p:style>
+          <p:txBody>
+            <a:bodyPr rtlCol="0" anchor="ctr"/>
+            <a:lstStyle/>
+            <a:p>
+              <a:pPr algn="ctr"/>
+              <a:endParaRPr lang="ko-KR" altLang="en-US" sz="2400">
+                <a:latin typeface="나눔바른고딕" panose="020B0603020101020101" pitchFamily="50" charset="-127"/>
+                <a:ea typeface="나눔바른고딕" panose="020B0603020101020101" pitchFamily="50" charset="-127"/>
+              </a:endParaRPr>
+            </a:p>
+          </p:txBody>
+        </p:sp>
+        <p:sp>
+          <p:nvSpPr>
+            <p:cNvPr id="41" name="자유형 40"/>
+            <p:cNvSpPr/>
+            <p:nvPr/>
+          </p:nvSpPr>
+          <p:spPr>
+            <a:xfrm>
+              <a:off x="754421" y="2614644"/>
+              <a:ext cx="681439" cy="3343259"/>
+            </a:xfrm>
+            <a:custGeom>
+              <a:avLst/>
+              <a:gdLst>
+                <a:gd name="connsiteX0" fmla="*/ 194310 w 388620"/>
+                <a:gd name="connsiteY0" fmla="*/ 0 h 2927235"/>
+                <a:gd name="connsiteX1" fmla="*/ 388620 w 388620"/>
+                <a:gd name="connsiteY1" fmla="*/ 194310 h 2927235"/>
+                <a:gd name="connsiteX2" fmla="*/ 388620 w 388620"/>
+                <a:gd name="connsiteY2" fmla="*/ 2927235 h 2927235"/>
+                <a:gd name="connsiteX3" fmla="*/ 379599 w 388620"/>
+                <a:gd name="connsiteY3" fmla="*/ 2898175 h 2927235"/>
+                <a:gd name="connsiteX4" fmla="*/ 194310 w 388620"/>
+                <a:gd name="connsiteY4" fmla="*/ 2775357 h 2927235"/>
+                <a:gd name="connsiteX5" fmla="*/ 9021 w 388620"/>
+                <a:gd name="connsiteY5" fmla="*/ 2898175 h 2927235"/>
+                <a:gd name="connsiteX6" fmla="*/ 0 w 388620"/>
+                <a:gd name="connsiteY6" fmla="*/ 2927235 h 2927235"/>
+                <a:gd name="connsiteX7" fmla="*/ 0 w 388620"/>
+                <a:gd name="connsiteY7" fmla="*/ 194310 h 2927235"/>
+                <a:gd name="connsiteX8" fmla="*/ 194310 w 388620"/>
+                <a:gd name="connsiteY8" fmla="*/ 0 h 2927235"/>
+              </a:gdLst>
+              <a:ahLst/>
+              <a:cxnLst>
+                <a:cxn ang="0">
+                  <a:pos x="connsiteX0" y="connsiteY0"/>
+                </a:cxn>
+                <a:cxn ang="0">
+                  <a:pos x="connsiteX1" y="connsiteY1"/>
+                </a:cxn>
+                <a:cxn ang="0">
+                  <a:pos x="connsiteX2" y="connsiteY2"/>
+                </a:cxn>
+                <a:cxn ang="0">
+                  <a:pos x="connsiteX3" y="connsiteY3"/>
+                </a:cxn>
+                <a:cxn ang="0">
+                  <a:pos x="connsiteX4" y="connsiteY4"/>
+                </a:cxn>
+                <a:cxn ang="0">
+                  <a:pos x="connsiteX5" y="connsiteY5"/>
+                </a:cxn>
+                <a:cxn ang="0">
+                  <a:pos x="connsiteX6" y="connsiteY6"/>
+                </a:cxn>
+                <a:cxn ang="0">
+                  <a:pos x="connsiteX7" y="connsiteY7"/>
+                </a:cxn>
+                <a:cxn ang="0">
+                  <a:pos x="connsiteX8" y="connsiteY8"/>
+                </a:cxn>
+              </a:cxnLst>
+              <a:rect l="l" t="t" r="r" b="b"/>
+              <a:pathLst>
+                <a:path w="388620" h="2927235">
+                  <a:moveTo>
+                    <a:pt x="194310" y="0"/>
+                  </a:moveTo>
+                  <a:cubicBezTo>
+                    <a:pt x="301624" y="0"/>
+                    <a:pt x="388620" y="86996"/>
+                    <a:pt x="388620" y="194310"/>
+                  </a:cubicBezTo>
+                  <a:lnTo>
+                    <a:pt x="388620" y="2927235"/>
+                  </a:lnTo>
+                  <a:lnTo>
+                    <a:pt x="379599" y="2898175"/>
+                  </a:lnTo>
+                  <a:cubicBezTo>
+                    <a:pt x="349072" y="2826000"/>
+                    <a:pt x="277605" y="2775357"/>
+                    <a:pt x="194310" y="2775357"/>
+                  </a:cubicBezTo>
+                  <a:cubicBezTo>
+                    <a:pt x="111015" y="2775357"/>
+                    <a:pt x="39548" y="2826000"/>
+                    <a:pt x="9021" y="2898175"/>
+                  </a:cubicBezTo>
+                  <a:lnTo>
+                    <a:pt x="0" y="2927235"/>
+                  </a:lnTo>
+                  <a:lnTo>
+                    <a:pt x="0" y="194310"/>
+                  </a:lnTo>
+                  <a:cubicBezTo>
+                    <a:pt x="0" y="86996"/>
+                    <a:pt x="86996" y="0"/>
+                    <a:pt x="194310" y="0"/>
+                  </a:cubicBezTo>
+                  <a:close/>
+                </a:path>
+              </a:pathLst>
+            </a:custGeom>
+            <a:gradFill flip="none" rotWithShape="1">
+              <a:gsLst>
+                <a:gs pos="0">
+                  <a:schemeClr val="bg1">
+                    <a:shade val="67500"/>
+                    <a:satMod val="115000"/>
+                  </a:schemeClr>
+                </a:gs>
+                <a:gs pos="100000">
+                  <a:schemeClr val="bg1">
+                    <a:shade val="100000"/>
+                    <a:satMod val="115000"/>
+                  </a:schemeClr>
+                </a:gs>
+              </a:gsLst>
+              <a:lin ang="10800000" scaled="1"/>
+              <a:tileRect/>
+            </a:gradFill>
+            <a:ln>
+              <a:noFill/>
+            </a:ln>
+            <a:effectLst>
+              <a:outerShdw blurRad="88900" dist="139700" dir="5400000" sx="98000" sy="98000" algn="t" rotWithShape="0">
+                <a:prstClr val="black">
+                  <a:alpha val="40000"/>
+                </a:prstClr>
+              </a:outerShdw>
+            </a:effectLst>
+          </p:spPr>
+          <p:style>
+            <a:lnRef idx="2">
+              <a:schemeClr val="accent1">
+                <a:shade val="50000"/>
+              </a:schemeClr>
+            </a:lnRef>
+            <a:fillRef idx="1">
+              <a:schemeClr val="accent1"/>
+            </a:fillRef>
+            <a:effectRef idx="0">
+              <a:schemeClr val="accent1"/>
+            </a:effectRef>
+            <a:fontRef idx="minor">
+              <a:schemeClr val="lt1"/>
+            </a:fontRef>
+          </p:style>
+          <p:txBody>
+            <a:bodyPr rtlCol="0" anchor="ctr"/>
+            <a:lstStyle/>
+            <a:p>
+              <a:pPr algn="ctr"/>
+              <a:endParaRPr lang="ko-KR" altLang="en-US" sz="2400">
+                <a:latin typeface="나눔바른고딕" panose="020B0603020101020101" pitchFamily="50" charset="-127"/>
+                <a:ea typeface="나눔바른고딕" panose="020B0603020101020101" pitchFamily="50" charset="-127"/>
+              </a:endParaRPr>
+            </a:p>
+          </p:txBody>
+        </p:sp>
+        <p:sp>
+          <p:nvSpPr>
+            <p:cNvPr id="42" name="자유형 41"/>
+            <p:cNvSpPr/>
+            <p:nvPr/>
+          </p:nvSpPr>
+          <p:spPr>
+            <a:xfrm>
+              <a:off x="586490" y="739768"/>
+              <a:ext cx="1017302" cy="4991063"/>
+            </a:xfrm>
+            <a:custGeom>
+              <a:avLst/>
+              <a:gdLst>
+                <a:gd name="connsiteX0" fmla="*/ 194310 w 388620"/>
+                <a:gd name="connsiteY0" fmla="*/ 0 h 2927235"/>
+                <a:gd name="connsiteX1" fmla="*/ 388620 w 388620"/>
+                <a:gd name="connsiteY1" fmla="*/ 194310 h 2927235"/>
+                <a:gd name="connsiteX2" fmla="*/ 388620 w 388620"/>
+                <a:gd name="connsiteY2" fmla="*/ 2927235 h 2927235"/>
+                <a:gd name="connsiteX3" fmla="*/ 379599 w 388620"/>
+                <a:gd name="connsiteY3" fmla="*/ 2898175 h 2927235"/>
+                <a:gd name="connsiteX4" fmla="*/ 194310 w 388620"/>
+                <a:gd name="connsiteY4" fmla="*/ 2775357 h 2927235"/>
+                <a:gd name="connsiteX5" fmla="*/ 9021 w 388620"/>
+                <a:gd name="connsiteY5" fmla="*/ 2898175 h 2927235"/>
+                <a:gd name="connsiteX6" fmla="*/ 0 w 388620"/>
+                <a:gd name="connsiteY6" fmla="*/ 2927235 h 2927235"/>
+                <a:gd name="connsiteX7" fmla="*/ 0 w 388620"/>
+                <a:gd name="connsiteY7" fmla="*/ 194310 h 2927235"/>
+                <a:gd name="connsiteX8" fmla="*/ 194310 w 388620"/>
+                <a:gd name="connsiteY8" fmla="*/ 0 h 2927235"/>
+              </a:gdLst>
+              <a:ahLst/>
+              <a:cxnLst>
+                <a:cxn ang="0">
+                  <a:pos x="connsiteX0" y="connsiteY0"/>
+                </a:cxn>
+                <a:cxn ang="0">
+                  <a:pos x="connsiteX1" y="connsiteY1"/>
+                </a:cxn>
+                <a:cxn ang="0">
+                  <a:pos x="connsiteX2" y="connsiteY2"/>
+                </a:cxn>
+                <a:cxn ang="0">
+                  <a:pos x="connsiteX3" y="connsiteY3"/>
+                </a:cxn>
+                <a:cxn ang="0">
+                  <a:pos x="connsiteX4" y="connsiteY4"/>
+                </a:cxn>
+                <a:cxn ang="0">
+                  <a:pos x="connsiteX5" y="connsiteY5"/>
+                </a:cxn>
+                <a:cxn ang="0">
+                  <a:pos x="connsiteX6" y="connsiteY6"/>
+                </a:cxn>
+                <a:cxn ang="0">
+                  <a:pos x="connsiteX7" y="connsiteY7"/>
+                </a:cxn>
+                <a:cxn ang="0">
+                  <a:pos x="connsiteX8" y="connsiteY8"/>
+                </a:cxn>
+              </a:cxnLst>
+              <a:rect l="l" t="t" r="r" b="b"/>
+              <a:pathLst>
+                <a:path w="388620" h="2927235">
+                  <a:moveTo>
+                    <a:pt x="194310" y="0"/>
+                  </a:moveTo>
+                  <a:cubicBezTo>
+                    <a:pt x="301624" y="0"/>
+                    <a:pt x="388620" y="86996"/>
+                    <a:pt x="388620" y="194310"/>
+                  </a:cubicBezTo>
+                  <a:lnTo>
+                    <a:pt x="388620" y="2927235"/>
+                  </a:lnTo>
+                  <a:lnTo>
+                    <a:pt x="379599" y="2898175"/>
+                  </a:lnTo>
+                  <a:cubicBezTo>
+                    <a:pt x="349072" y="2826000"/>
+                    <a:pt x="277605" y="2775357"/>
+                    <a:pt x="194310" y="2775357"/>
+                  </a:cubicBezTo>
+                  <a:cubicBezTo>
+                    <a:pt x="111015" y="2775357"/>
+                    <a:pt x="39548" y="2826000"/>
+                    <a:pt x="9021" y="2898175"/>
+                  </a:cubicBezTo>
+                  <a:lnTo>
+                    <a:pt x="0" y="2927235"/>
+                  </a:lnTo>
+                  <a:lnTo>
+                    <a:pt x="0" y="194310"/>
+                  </a:lnTo>
+                  <a:cubicBezTo>
+                    <a:pt x="0" y="86996"/>
+                    <a:pt x="86996" y="0"/>
+                    <a:pt x="194310" y="0"/>
+                  </a:cubicBezTo>
+                  <a:close/>
+                </a:path>
+              </a:pathLst>
+            </a:custGeom>
+            <a:gradFill flip="none" rotWithShape="1">
+              <a:gsLst>
+                <a:gs pos="0">
+                  <a:schemeClr val="bg1">
+                    <a:shade val="67500"/>
+                    <a:satMod val="115000"/>
+                  </a:schemeClr>
+                </a:gs>
+                <a:gs pos="100000">
+                  <a:schemeClr val="bg1">
+                    <a:shade val="100000"/>
+                    <a:satMod val="115000"/>
+                  </a:schemeClr>
+                </a:gs>
+              </a:gsLst>
+              <a:lin ang="10800000" scaled="1"/>
+              <a:tileRect/>
+            </a:gradFill>
+            <a:ln>
+              <a:noFill/>
+            </a:ln>
+            <a:effectLst>
+              <a:outerShdw blurRad="88900" dist="139700" dir="5400000" sx="98000" sy="98000" algn="t" rotWithShape="0">
+                <a:prstClr val="black">
+                  <a:alpha val="40000"/>
+                </a:prstClr>
+              </a:outerShdw>
+            </a:effectLst>
+          </p:spPr>
+          <p:style>
+            <a:lnRef idx="2">
+              <a:schemeClr val="accent1">
+                <a:shade val="50000"/>
+              </a:schemeClr>
+            </a:lnRef>
+            <a:fillRef idx="1">
+              <a:schemeClr val="accent1"/>
+            </a:fillRef>
+            <a:effectRef idx="0">
+              <a:schemeClr val="accent1"/>
+            </a:effectRef>
+            <a:fontRef idx="minor">
+              <a:schemeClr val="lt1"/>
+            </a:fontRef>
+          </p:style>
+          <p:txBody>
+            <a:bodyPr rtlCol="0" anchor="ctr"/>
+            <a:lstStyle/>
+            <a:p>
+              <a:pPr algn="ctr"/>
+              <a:endParaRPr lang="ko-KR" altLang="en-US" sz="2400">
+                <a:latin typeface="나눔바른고딕" panose="020B0603020101020101" pitchFamily="50" charset="-127"/>
+                <a:ea typeface="나눔바른고딕" panose="020B0603020101020101" pitchFamily="50" charset="-127"/>
+              </a:endParaRPr>
+            </a:p>
+          </p:txBody>
+        </p:sp>
+      </p:grpSp>
+      <p:graphicFrame>
+        <p:nvGraphicFramePr>
+          <p:cNvPr id="4" name="표 3"/>
+          <p:cNvGraphicFramePr>
+            <a:graphicFrameLocks noGrp="1"/>
+          </p:cNvGraphicFramePr>
+          <p:nvPr>
+            <p:extLst/>
+          </p:nvPr>
+        </p:nvGraphicFramePr>
+        <p:xfrm>
+          <a:off x="9168341" y="1433634"/>
+          <a:ext cx="2688299" cy="915066"/>
+        </p:xfrm>
+        <a:graphic>
+          <a:graphicData uri="http://schemas.openxmlformats.org/drawingml/2006/table">
+            <a:tbl>
+              <a:tblPr firstRow="1" bandRow="1"/>
+              <a:tblGrid>
+                <a:gridCol w="2688299"/>
+              </a:tblGrid>
+              <a:tr h="424495">
+                <a:tc>
+                  <a:txBody>
+                    <a:bodyPr/>
+                    <a:lstStyle/>
+                    <a:p>
+                      <a:pPr algn="ctr" latinLnBrk="1"/>
+                      <a:r>
+                        <a:rPr lang="ko-KR" altLang="en-US" sz="1200" b="1" dirty="0" smtClean="0">
+                          <a:solidFill>
+                            <a:schemeClr val="tx1"/>
+                          </a:solidFill>
+                          <a:latin typeface="나눔바른고딕" panose="020B0603020101020101" pitchFamily="50" charset="-127"/>
+                          <a:ea typeface="나눔바른고딕" panose="020B0603020101020101" pitchFamily="50" charset="-127"/>
+                        </a:rPr>
+                        <a:t>화면코드</a:t>
+                      </a:r>
+                      <a:endParaRPr lang="ko-KR" altLang="en-US" sz="1200" b="1" dirty="0">
+                        <a:solidFill>
+                          <a:schemeClr val="tx1"/>
+                        </a:solidFill>
+                        <a:latin typeface="나눔바른고딕" panose="020B0603020101020101" pitchFamily="50" charset="-127"/>
+                        <a:ea typeface="나눔바른고딕" panose="020B0603020101020101" pitchFamily="50" charset="-127"/>
+                      </a:endParaRPr>
+                    </a:p>
+                  </a:txBody>
+                  <a:tcPr marL="121920" marR="121920" marT="60960" marB="60960" anchor="ctr">
+                    <a:solidFill>
+                      <a:srgbClr val="FF9E00"/>
+                    </a:solidFill>
+                  </a:tcPr>
+                </a:tc>
+              </a:tr>
+              <a:tr h="490571">
+                <a:tc>
+                  <a:txBody>
+                    <a:bodyPr/>
+                    <a:lstStyle/>
+                    <a:p>
+                      <a:pPr algn="ctr" latinLnBrk="1"/>
+                      <a:r>
+                        <a:rPr lang="en-US" altLang="ko-KR" sz="1500" smtClean="0">
+                          <a:latin typeface="나눔바른고딕" panose="020B0603020101020101" pitchFamily="50" charset="-127"/>
+                          <a:ea typeface="나눔바른고딕" panose="020B0603020101020101" pitchFamily="50" charset="-127"/>
+                        </a:rPr>
+                        <a:t>Kb_w_admin_StoreList</a:t>
+                      </a:r>
+                      <a:endParaRPr lang="ko-KR" altLang="en-US" sz="1500" dirty="0">
+                        <a:latin typeface="나눔바른고딕" panose="020B0603020101020101" pitchFamily="50" charset="-127"/>
+                        <a:ea typeface="나눔바른고딕" panose="020B0603020101020101" pitchFamily="50" charset="-127"/>
+                      </a:endParaRPr>
+                    </a:p>
+                  </a:txBody>
+                  <a:tcPr marL="121920" marR="121920" marT="60960" marB="60960" anchor="ctr"/>
+                </a:tc>
+              </a:tr>
+            </a:tbl>
+          </a:graphicData>
+        </a:graphic>
+      </p:graphicFrame>
+      <p:sp>
+        <p:nvSpPr>
+          <p:cNvPr id="19" name="직사각형 18"/>
+          <p:cNvSpPr/>
+          <p:nvPr/>
+        </p:nvSpPr>
+        <p:spPr>
+          <a:xfrm>
+            <a:off x="1081171" y="1433634"/>
+            <a:ext cx="7895148" cy="4875687"/>
+          </a:xfrm>
+          <a:prstGeom prst="rect">
+            <a:avLst/>
+          </a:prstGeom>
+          <a:noFill/>
+          <a:ln w="9525">
+            <a:solidFill>
+              <a:schemeClr val="tx1"/>
+            </a:solidFill>
+          </a:ln>
+        </p:spPr>
+        <p:style>
+          <a:lnRef idx="2">
+            <a:schemeClr val="accent1">
+              <a:shade val="50000"/>
+            </a:schemeClr>
+          </a:lnRef>
+          <a:fillRef idx="1">
+            <a:schemeClr val="accent1"/>
+          </a:fillRef>
+          <a:effectRef idx="0">
+            <a:schemeClr val="accent1"/>
+          </a:effectRef>
+          <a:fontRef idx="minor">
+            <a:schemeClr val="lt1"/>
+          </a:fontRef>
+        </p:style>
+        <p:txBody>
+          <a:bodyPr rtlCol="0" anchor="ctr"/>
+          <a:lstStyle/>
+          <a:p>
+            <a:pPr algn="ctr"/>
+            <a:endParaRPr lang="ko-KR" altLang="en-US" sz="2400">
+              <a:noFill/>
+              <a:latin typeface="나눔바른고딕" panose="020B0603020101020101" pitchFamily="50" charset="-127"/>
+              <a:ea typeface="나눔바른고딕" panose="020B0603020101020101" pitchFamily="50" charset="-127"/>
+            </a:endParaRPr>
+          </a:p>
+        </p:txBody>
+      </p:sp>
+      <p:graphicFrame>
+        <p:nvGraphicFramePr>
+          <p:cNvPr id="6" name="표 5"/>
+          <p:cNvGraphicFramePr>
+            <a:graphicFrameLocks noGrp="1"/>
+          </p:cNvGraphicFramePr>
+          <p:nvPr>
+            <p:extLst/>
+          </p:nvPr>
+        </p:nvGraphicFramePr>
+        <p:xfrm>
+          <a:off x="9168341" y="2479152"/>
+          <a:ext cx="2688299" cy="3570331"/>
+        </p:xfrm>
+        <a:graphic>
+          <a:graphicData uri="http://schemas.openxmlformats.org/drawingml/2006/table">
+            <a:tbl>
+              <a:tblPr firstRow="1" bandRow="1"/>
+              <a:tblGrid>
+                <a:gridCol w="280507"/>
+                <a:gridCol w="2407792"/>
+              </a:tblGrid>
+              <a:tr h="469796">
+                <a:tc>
+                  <a:txBody>
+                    <a:bodyPr/>
+                    <a:lstStyle/>
+                    <a:p>
+                      <a:pPr algn="ctr" latinLnBrk="0"/>
+                      <a:r>
+                        <a:rPr lang="en-US" altLang="ko-KR" sz="1200" b="1" dirty="0" smtClean="0">
+                          <a:latin typeface="나눔바른고딕" panose="020B0603020101020101" pitchFamily="50" charset="-127"/>
+                          <a:ea typeface="나눔바른고딕" panose="020B0603020101020101" pitchFamily="50" charset="-127"/>
+                        </a:rPr>
+                        <a:t>#</a:t>
+                      </a:r>
+                      <a:endParaRPr lang="ko-KR" altLang="en-US" sz="1200" b="1" dirty="0">
+                        <a:latin typeface="나눔바른고딕" panose="020B0603020101020101" pitchFamily="50" charset="-127"/>
+                        <a:ea typeface="나눔바른고딕" panose="020B0603020101020101" pitchFamily="50" charset="-127"/>
+                      </a:endParaRPr>
+                    </a:p>
+                  </a:txBody>
+                  <a:tcPr marL="121920" marR="121920" marT="60960" marB="60960" anchor="ctr">
+                    <a:solidFill>
+                      <a:srgbClr val="FF9E00"/>
+                    </a:solidFill>
+                  </a:tcPr>
+                </a:tc>
+                <a:tc>
+                  <a:txBody>
+                    <a:bodyPr/>
+                    <a:lstStyle/>
+                    <a:p>
+                      <a:pPr algn="ctr" latinLnBrk="0"/>
+                      <a:r>
+                        <a:rPr lang="ko-KR" altLang="en-US" sz="1200" b="1" dirty="0" smtClean="0">
+                          <a:latin typeface="나눔바른고딕" panose="020B0603020101020101" pitchFamily="50" charset="-127"/>
+                          <a:ea typeface="나눔바른고딕" panose="020B0603020101020101" pitchFamily="50" charset="-127"/>
+                        </a:rPr>
+                        <a:t>기능</a:t>
+                      </a:r>
+                      <a:endParaRPr lang="ko-KR" altLang="en-US" sz="1200" b="1" dirty="0">
+                        <a:latin typeface="나눔바른고딕" panose="020B0603020101020101" pitchFamily="50" charset="-127"/>
+                        <a:ea typeface="나눔바른고딕" panose="020B0603020101020101" pitchFamily="50" charset="-127"/>
+                      </a:endParaRPr>
+                    </a:p>
+                  </a:txBody>
+                  <a:tcPr marL="121920" marR="121920" marT="60960" marB="60960" anchor="ctr">
+                    <a:solidFill>
+                      <a:srgbClr val="FF9E00"/>
+                    </a:solidFill>
+                  </a:tcPr>
+                </a:tc>
+              </a:tr>
+              <a:tr h="620107">
+                <a:tc>
+                  <a:txBody>
+                    <a:bodyPr/>
+                    <a:lstStyle/>
+                    <a:p>
+                      <a:pPr algn="ctr" latinLnBrk="0"/>
+                      <a:r>
+                        <a:rPr lang="en-US" altLang="ko-KR" sz="1300" dirty="0" smtClean="0">
+                          <a:latin typeface="나눔바른고딕" panose="020B0603020101020101" pitchFamily="50" charset="-127"/>
+                          <a:ea typeface="나눔바른고딕" panose="020B0603020101020101" pitchFamily="50" charset="-127"/>
+                        </a:rPr>
+                        <a:t>1</a:t>
+                      </a:r>
+                      <a:endParaRPr lang="ko-KR" altLang="en-US" sz="1300" dirty="0">
+                        <a:latin typeface="나눔바른고딕" panose="020B0603020101020101" pitchFamily="50" charset="-127"/>
+                        <a:ea typeface="나눔바른고딕" panose="020B0603020101020101" pitchFamily="50" charset="-127"/>
+                      </a:endParaRPr>
+                    </a:p>
+                  </a:txBody>
+                  <a:tcPr marL="121920" marR="121920" marT="60960" marB="60960" anchor="ctr"/>
+                </a:tc>
+                <a:tc>
+                  <a:txBody>
+                    <a:bodyPr/>
+                    <a:lstStyle/>
+                    <a:p>
+                      <a:pPr algn="l" latinLnBrk="0">
+                        <a:lnSpc>
+                          <a:spcPts val="1300"/>
+                        </a:lnSpc>
+                      </a:pPr>
+                      <a:r>
+                        <a:rPr lang="ko-KR" altLang="en-US" sz="1200" b="1" smtClean="0">
+                          <a:latin typeface="나눔바른고딕" panose="020B0603020101020101" pitchFamily="50" charset="-127"/>
+                          <a:ea typeface="나눔바른고딕" panose="020B0603020101020101" pitchFamily="50" charset="-127"/>
+                        </a:rPr>
+                        <a:t>등록되거나 등록 신청한</a:t>
+                      </a:r>
+                      <a:r>
+                        <a:rPr lang="ko-KR" altLang="en-US" sz="1200" b="1" baseline="0" smtClean="0">
+                          <a:latin typeface="나눔바른고딕" panose="020B0603020101020101" pitchFamily="50" charset="-127"/>
+                          <a:ea typeface="나눔바른고딕" panose="020B0603020101020101" pitchFamily="50" charset="-127"/>
+                        </a:rPr>
+                        <a:t> 스토어 목록을 보여줌</a:t>
+                      </a:r>
+                      <a:endParaRPr lang="ko-KR" altLang="en-US" sz="1200" dirty="0">
+                        <a:latin typeface="나눔바른고딕" panose="020B0603020101020101" pitchFamily="50" charset="-127"/>
+                        <a:ea typeface="나눔바른고딕" panose="020B0603020101020101" pitchFamily="50" charset="-127"/>
+                      </a:endParaRPr>
+                    </a:p>
+                  </a:txBody>
+                  <a:tcPr marL="121920" marR="121920" marT="60960" marB="60960"/>
+                </a:tc>
+              </a:tr>
+              <a:tr h="620107">
+                <a:tc>
+                  <a:txBody>
+                    <a:bodyPr/>
+                    <a:lstStyle/>
+                    <a:p>
+                      <a:pPr algn="ctr" latinLnBrk="0"/>
+                      <a:r>
+                        <a:rPr lang="en-US" altLang="ko-KR" sz="1300" dirty="0" smtClean="0">
+                          <a:latin typeface="나눔바른고딕" panose="020B0603020101020101" pitchFamily="50" charset="-127"/>
+                          <a:ea typeface="나눔바른고딕" panose="020B0603020101020101" pitchFamily="50" charset="-127"/>
+                        </a:rPr>
+                        <a:t>2</a:t>
+                      </a:r>
+                      <a:endParaRPr lang="ko-KR" altLang="en-US" sz="1300" dirty="0">
+                        <a:latin typeface="나눔바른고딕" panose="020B0603020101020101" pitchFamily="50" charset="-127"/>
+                        <a:ea typeface="나눔바른고딕" panose="020B0603020101020101" pitchFamily="50" charset="-127"/>
+                      </a:endParaRPr>
+                    </a:p>
+                  </a:txBody>
+                  <a:tcPr marL="121920" marR="121920" marT="60960" marB="60960" anchor="ctr"/>
+                </a:tc>
+                <a:tc>
+                  <a:txBody>
+                    <a:bodyPr/>
+                    <a:lstStyle/>
+                    <a:p>
+                      <a:pPr algn="l" latinLnBrk="0">
+                        <a:lnSpc>
+                          <a:spcPts val="1300"/>
+                        </a:lnSpc>
+                      </a:pPr>
+                      <a:r>
+                        <a:rPr lang="ko-KR" altLang="en-US" sz="1200" b="1" i="0" u="none" strike="noStrike" cap="none" smtClean="0">
+                          <a:solidFill>
+                            <a:srgbClr val="000000"/>
+                          </a:solidFill>
+                          <a:latin typeface="나눔바른고딕" panose="020B0603020101020101" pitchFamily="50" charset="-127"/>
+                          <a:ea typeface="나눔바른고딕" panose="020B0603020101020101" pitchFamily="50" charset="-127"/>
+                          <a:cs typeface="Arial"/>
+                          <a:sym typeface="Arial"/>
+                        </a:rPr>
+                        <a:t>등록된 프로젝트가 </a:t>
+                      </a:r>
+                      <a:r>
+                        <a:rPr lang="en-US" altLang="ko-KR" sz="1200" b="1" i="0" u="none" strike="noStrike" cap="none" smtClean="0">
+                          <a:solidFill>
+                            <a:srgbClr val="000000"/>
+                          </a:solidFill>
+                          <a:latin typeface="나눔바른고딕" panose="020B0603020101020101" pitchFamily="50" charset="-127"/>
+                          <a:ea typeface="나눔바른고딕" panose="020B0603020101020101" pitchFamily="50" charset="-127"/>
+                          <a:cs typeface="Arial"/>
+                          <a:sym typeface="Arial"/>
+                        </a:rPr>
+                        <a:t>10</a:t>
+                      </a:r>
+                      <a:r>
+                        <a:rPr lang="ko-KR" altLang="en-US" sz="1200" b="1" i="0" u="none" strike="noStrike" cap="none" smtClean="0">
+                          <a:solidFill>
+                            <a:srgbClr val="000000"/>
+                          </a:solidFill>
+                          <a:latin typeface="나눔바른고딕" panose="020B0603020101020101" pitchFamily="50" charset="-127"/>
+                          <a:ea typeface="나눔바른고딕" panose="020B0603020101020101" pitchFamily="50" charset="-127"/>
+                          <a:cs typeface="Arial"/>
+                          <a:sym typeface="Arial"/>
+                        </a:rPr>
+                        <a:t>개씩 나눠서 페이지네이션</a:t>
+                      </a:r>
+                      <a:r>
+                        <a:rPr lang="ko-KR" altLang="en-US" sz="1200" b="1" i="0" u="none" strike="noStrike" cap="none" baseline="0" smtClean="0">
+                          <a:solidFill>
+                            <a:srgbClr val="000000"/>
+                          </a:solidFill>
+                          <a:latin typeface="나눔바른고딕" panose="020B0603020101020101" pitchFamily="50" charset="-127"/>
+                          <a:ea typeface="나눔바른고딕" panose="020B0603020101020101" pitchFamily="50" charset="-127"/>
+                          <a:cs typeface="Arial"/>
+                          <a:sym typeface="Arial"/>
+                        </a:rPr>
+                        <a:t> 기능</a:t>
+                      </a:r>
+                      <a:endParaRPr lang="ko-KR" altLang="en-US" sz="1200" b="0" i="0" u="none" strike="noStrike" cap="none" dirty="0" smtClean="0">
+                        <a:solidFill>
+                          <a:srgbClr val="000000"/>
+                        </a:solidFill>
+                        <a:latin typeface="나눔바른고딕" panose="020B0603020101020101" pitchFamily="50" charset="-127"/>
+                        <a:ea typeface="나눔바른고딕" panose="020B0603020101020101" pitchFamily="50" charset="-127"/>
+                        <a:cs typeface="Arial"/>
+                        <a:sym typeface="Arial"/>
+                      </a:endParaRPr>
+                    </a:p>
+                  </a:txBody>
+                  <a:tcPr marL="121920" marR="121920" marT="60960" marB="60960"/>
+                </a:tc>
+              </a:tr>
+              <a:tr h="620107">
+                <a:tc>
+                  <a:txBody>
+                    <a:bodyPr/>
+                    <a:lstStyle/>
+                    <a:p>
+                      <a:pPr algn="ctr" latinLnBrk="0"/>
+                      <a:r>
+                        <a:rPr lang="en-US" altLang="ko-KR" sz="1300" dirty="0" smtClean="0">
+                          <a:latin typeface="나눔바른고딕" panose="020B0603020101020101" pitchFamily="50" charset="-127"/>
+                          <a:ea typeface="나눔바른고딕" panose="020B0603020101020101" pitchFamily="50" charset="-127"/>
+                        </a:rPr>
+                        <a:t>3</a:t>
+                      </a:r>
+                      <a:endParaRPr lang="ko-KR" altLang="en-US" sz="1300" dirty="0">
+                        <a:latin typeface="나눔바른고딕" panose="020B0603020101020101" pitchFamily="50" charset="-127"/>
+                        <a:ea typeface="나눔바른고딕" panose="020B0603020101020101" pitchFamily="50" charset="-127"/>
+                      </a:endParaRPr>
+                    </a:p>
+                  </a:txBody>
+                  <a:tcPr marL="121920" marR="121920" marT="60960" marB="60960" anchor="ctr"/>
+                </a:tc>
+                <a:tc>
+                  <a:txBody>
+                    <a:bodyPr/>
+                    <a:lstStyle/>
+                    <a:p>
+                      <a:pPr algn="l" latinLnBrk="0">
+                        <a:lnSpc>
+                          <a:spcPts val="1300"/>
+                        </a:lnSpc>
+                      </a:pPr>
+                      <a:endParaRPr lang="ko-KR" altLang="en-US" sz="1200" dirty="0">
+                        <a:latin typeface="나눔바른고딕" panose="020B0603020101020101" pitchFamily="50" charset="-127"/>
+                        <a:ea typeface="나눔바른고딕" panose="020B0603020101020101" pitchFamily="50" charset="-127"/>
+                      </a:endParaRPr>
+                    </a:p>
+                  </a:txBody>
+                  <a:tcPr marL="121920" marR="121920" marT="60960" marB="60960"/>
+                </a:tc>
+              </a:tr>
+              <a:tr h="620107">
+                <a:tc>
+                  <a:txBody>
+                    <a:bodyPr/>
+                    <a:lstStyle/>
+                    <a:p>
+                      <a:pPr algn="ctr" latinLnBrk="0"/>
+                      <a:r>
+                        <a:rPr lang="en-US" altLang="ko-KR" sz="1300" dirty="0" smtClean="0">
+                          <a:latin typeface="나눔바른고딕" panose="020B0603020101020101" pitchFamily="50" charset="-127"/>
+                          <a:ea typeface="나눔바른고딕" panose="020B0603020101020101" pitchFamily="50" charset="-127"/>
+                        </a:rPr>
+                        <a:t>4</a:t>
+                      </a:r>
+                      <a:endParaRPr lang="ko-KR" altLang="en-US" sz="1300" dirty="0">
+                        <a:latin typeface="나눔바른고딕" panose="020B0603020101020101" pitchFamily="50" charset="-127"/>
+                        <a:ea typeface="나눔바른고딕" panose="020B0603020101020101" pitchFamily="50" charset="-127"/>
+                      </a:endParaRPr>
+                    </a:p>
+                  </a:txBody>
+                  <a:tcPr marL="121920" marR="121920" marT="60960" marB="60960" anchor="ctr"/>
+                </a:tc>
+                <a:tc>
+                  <a:txBody>
+                    <a:bodyPr/>
+                    <a:lstStyle/>
+                    <a:p>
+                      <a:pPr algn="l" latinLnBrk="0">
+                        <a:lnSpc>
+                          <a:spcPts val="1300"/>
+                        </a:lnSpc>
+                      </a:pPr>
+                      <a:endParaRPr lang="ko-KR" altLang="en-US" sz="1200" dirty="0">
+                        <a:latin typeface="나눔바른고딕" panose="020B0603020101020101" pitchFamily="50" charset="-127"/>
+                        <a:ea typeface="나눔바른고딕" panose="020B0603020101020101" pitchFamily="50" charset="-127"/>
+                      </a:endParaRPr>
+                    </a:p>
+                  </a:txBody>
+                  <a:tcPr marL="121920" marR="121920" marT="60960" marB="60960"/>
+                </a:tc>
+              </a:tr>
+              <a:tr h="620107">
+                <a:tc>
+                  <a:txBody>
+                    <a:bodyPr/>
+                    <a:lstStyle/>
+                    <a:p>
+                      <a:pPr algn="ctr" latinLnBrk="0"/>
+                      <a:r>
+                        <a:rPr lang="en-US" altLang="ko-KR" sz="1300" dirty="0" smtClean="0">
+                          <a:latin typeface="나눔바른고딕" panose="020B0603020101020101" pitchFamily="50" charset="-127"/>
+                          <a:ea typeface="나눔바른고딕" panose="020B0603020101020101" pitchFamily="50" charset="-127"/>
+                        </a:rPr>
+                        <a:t>5</a:t>
+                      </a:r>
+                      <a:endParaRPr lang="ko-KR" altLang="en-US" sz="1300" dirty="0">
+                        <a:latin typeface="나눔바른고딕" panose="020B0603020101020101" pitchFamily="50" charset="-127"/>
+                        <a:ea typeface="나눔바른고딕" panose="020B0603020101020101" pitchFamily="50" charset="-127"/>
+                      </a:endParaRPr>
+                    </a:p>
+                  </a:txBody>
+                  <a:tcPr marL="121920" marR="121920" marT="60960" marB="60960" anchor="ctr"/>
+                </a:tc>
+                <a:tc>
+                  <a:txBody>
+                    <a:bodyPr/>
+                    <a:lstStyle/>
+                    <a:p>
+                      <a:pPr algn="l" latinLnBrk="0">
+                        <a:lnSpc>
+                          <a:spcPts val="1300"/>
+                        </a:lnSpc>
+                      </a:pPr>
+                      <a:endParaRPr lang="ko-KR" altLang="en-US" sz="1200" dirty="0">
+                        <a:latin typeface="나눔바른고딕" panose="020B0603020101020101" pitchFamily="50" charset="-127"/>
+                        <a:ea typeface="나눔바른고딕" panose="020B0603020101020101" pitchFamily="50" charset="-127"/>
+                      </a:endParaRPr>
+                    </a:p>
+                  </a:txBody>
+                  <a:tcPr marL="121920" marR="121920" marT="60960" marB="60960"/>
+                </a:tc>
+              </a:tr>
+            </a:tbl>
+          </a:graphicData>
+        </a:graphic>
+      </p:graphicFrame>
+      <p:graphicFrame>
+        <p:nvGraphicFramePr>
+          <p:cNvPr id="3" name="표 2"/>
+          <p:cNvGraphicFramePr>
+            <a:graphicFrameLocks noGrp="1"/>
+          </p:cNvGraphicFramePr>
+          <p:nvPr>
+            <p:extLst/>
+          </p:nvPr>
+        </p:nvGraphicFramePr>
+        <p:xfrm>
+          <a:off x="2495779" y="1681618"/>
+          <a:ext cx="5065932" cy="2580640"/>
+        </p:xfrm>
+        <a:graphic>
+          <a:graphicData uri="http://schemas.openxmlformats.org/drawingml/2006/table">
+            <a:tbl>
+              <a:tblPr firstRow="1" bandRow="1">
+                <a:tableStyleId>{F5AB1C69-6EDB-4FF4-983F-18BD219EF322}</a:tableStyleId>
+              </a:tblPr>
+              <a:tblGrid>
+                <a:gridCol w="1266483"/>
+                <a:gridCol w="1266483"/>
+                <a:gridCol w="1266483"/>
+                <a:gridCol w="1266483"/>
+              </a:tblGrid>
+              <a:tr h="370840">
+                <a:tc>
+                  <a:txBody>
+                    <a:bodyPr/>
+                    <a:lstStyle/>
+                    <a:p>
+                      <a:pPr algn="ctr" latinLnBrk="1"/>
+                      <a:r>
+                        <a:rPr lang="ko-KR" altLang="en-US" smtClean="0">
+                          <a:latin typeface="나눔바른고딕" panose="020B0603020101020101" pitchFamily="50" charset="-127"/>
+                          <a:ea typeface="나눔바른고딕" panose="020B0603020101020101" pitchFamily="50" charset="-127"/>
+                        </a:rPr>
+                        <a:t>상품번호</a:t>
+                      </a:r>
+                      <a:endParaRPr lang="ko-KR" altLang="en-US">
+                        <a:latin typeface="나눔바른고딕" panose="020B0603020101020101" pitchFamily="50" charset="-127"/>
+                        <a:ea typeface="나눔바른고딕" panose="020B0603020101020101" pitchFamily="50" charset="-127"/>
+                      </a:endParaRPr>
+                    </a:p>
+                  </a:txBody>
+                  <a:tcPr/>
+                </a:tc>
+                <a:tc>
+                  <a:txBody>
+                    <a:bodyPr/>
+                    <a:lstStyle/>
+                    <a:p>
+                      <a:pPr algn="ctr" latinLnBrk="1"/>
+                      <a:r>
+                        <a:rPr lang="ko-KR" altLang="en-US" smtClean="0">
+                          <a:latin typeface="나눔바른고딕" panose="020B0603020101020101" pitchFamily="50" charset="-127"/>
+                          <a:ea typeface="나눔바른고딕" panose="020B0603020101020101" pitchFamily="50" charset="-127"/>
+                        </a:rPr>
+                        <a:t>상품명</a:t>
+                      </a:r>
+                      <a:endParaRPr lang="ko-KR" altLang="en-US">
+                        <a:latin typeface="나눔바른고딕" panose="020B0603020101020101" pitchFamily="50" charset="-127"/>
+                        <a:ea typeface="나눔바른고딕" panose="020B0603020101020101" pitchFamily="50" charset="-127"/>
+                      </a:endParaRPr>
+                    </a:p>
+                  </a:txBody>
+                  <a:tcPr/>
+                </a:tc>
+                <a:tc>
+                  <a:txBody>
+                    <a:bodyPr/>
+                    <a:lstStyle/>
+                    <a:p>
+                      <a:pPr algn="ctr" latinLnBrk="1"/>
+                      <a:r>
+                        <a:rPr lang="ko-KR" altLang="en-US" smtClean="0">
+                          <a:latin typeface="나눔바른고딕" panose="020B0603020101020101" pitchFamily="50" charset="-127"/>
+                          <a:ea typeface="나눔바른고딕" panose="020B0603020101020101" pitchFamily="50" charset="-127"/>
+                        </a:rPr>
+                        <a:t>신청자</a:t>
+                      </a:r>
+                      <a:endParaRPr lang="ko-KR" altLang="en-US">
+                        <a:latin typeface="나눔바른고딕" panose="020B0603020101020101" pitchFamily="50" charset="-127"/>
+                        <a:ea typeface="나눔바른고딕" panose="020B0603020101020101" pitchFamily="50" charset="-127"/>
+                      </a:endParaRPr>
+                    </a:p>
+                  </a:txBody>
+                  <a:tcPr/>
+                </a:tc>
+                <a:tc>
+                  <a:txBody>
+                    <a:bodyPr/>
+                    <a:lstStyle/>
+                    <a:p>
+                      <a:pPr algn="ctr" latinLnBrk="1"/>
+                      <a:r>
+                        <a:rPr lang="ko-KR" altLang="en-US" smtClean="0">
+                          <a:latin typeface="나눔바른고딕" panose="020B0603020101020101" pitchFamily="50" charset="-127"/>
+                          <a:ea typeface="나눔바른고딕" panose="020B0603020101020101" pitchFamily="50" charset="-127"/>
+                        </a:rPr>
+                        <a:t>등록날짜</a:t>
+                      </a:r>
+                      <a:endParaRPr lang="ko-KR" altLang="en-US">
+                        <a:latin typeface="나눔바른고딕" panose="020B0603020101020101" pitchFamily="50" charset="-127"/>
+                        <a:ea typeface="나눔바른고딕" panose="020B0603020101020101" pitchFamily="50" charset="-127"/>
+                      </a:endParaRPr>
+                    </a:p>
+                  </a:txBody>
+                  <a:tcPr/>
+                </a:tc>
+              </a:tr>
+              <a:tr h="343171">
+                <a:tc>
+                  <a:txBody>
+                    <a:bodyPr/>
+                    <a:lstStyle/>
+                    <a:p>
+                      <a:pPr algn="ctr" latinLnBrk="1"/>
+                      <a:r>
+                        <a:rPr lang="en-US" altLang="ko-KR" smtClean="0">
+                          <a:latin typeface="나눔바른고딕" panose="020B0603020101020101" pitchFamily="50" charset="-127"/>
+                          <a:ea typeface="나눔바른고딕" panose="020B0603020101020101" pitchFamily="50" charset="-127"/>
+                        </a:rPr>
+                        <a:t>1</a:t>
+                      </a:r>
+                      <a:endParaRPr lang="ko-KR" altLang="en-US">
+                        <a:latin typeface="나눔바른고딕" panose="020B0603020101020101" pitchFamily="50" charset="-127"/>
+                        <a:ea typeface="나눔바른고딕" panose="020B0603020101020101" pitchFamily="50" charset="-127"/>
+                      </a:endParaRPr>
+                    </a:p>
+                  </a:txBody>
+                  <a:tcPr/>
+                </a:tc>
+                <a:tc>
+                  <a:txBody>
+                    <a:bodyPr/>
+                    <a:lstStyle/>
+                    <a:p>
+                      <a:pPr algn="ctr" latinLnBrk="1"/>
+                      <a:r>
+                        <a:rPr lang="ko-KR" altLang="en-US" smtClean="0">
+                          <a:latin typeface="나눔바른고딕" panose="020B0603020101020101" pitchFamily="50" charset="-127"/>
+                          <a:ea typeface="나눔바른고딕" panose="020B0603020101020101" pitchFamily="50" charset="-127"/>
+                        </a:rPr>
+                        <a:t>상품</a:t>
+                      </a:r>
+                      <a:r>
+                        <a:rPr lang="en-US" altLang="ko-KR" smtClean="0">
+                          <a:latin typeface="나눔바른고딕" panose="020B0603020101020101" pitchFamily="50" charset="-127"/>
+                          <a:ea typeface="나눔바른고딕" panose="020B0603020101020101" pitchFamily="50" charset="-127"/>
+                        </a:rPr>
+                        <a:t>1</a:t>
+                      </a:r>
+                      <a:endParaRPr lang="ko-KR" altLang="en-US">
+                        <a:latin typeface="나눔바른고딕" panose="020B0603020101020101" pitchFamily="50" charset="-127"/>
+                        <a:ea typeface="나눔바른고딕" panose="020B0603020101020101" pitchFamily="50" charset="-127"/>
+                      </a:endParaRPr>
+                    </a:p>
+                  </a:txBody>
+                  <a:tcPr/>
+                </a:tc>
+                <a:tc>
+                  <a:txBody>
+                    <a:bodyPr/>
+                    <a:lstStyle/>
+                    <a:p>
+                      <a:pPr algn="ctr" latinLnBrk="1"/>
+                      <a:r>
+                        <a:rPr lang="ko-KR" altLang="en-US" smtClean="0">
+                          <a:latin typeface="나눔바른고딕" panose="020B0603020101020101" pitchFamily="50" charset="-127"/>
+                          <a:ea typeface="나눔바른고딕" panose="020B0603020101020101" pitchFamily="50" charset="-127"/>
+                        </a:rPr>
+                        <a:t>권기범</a:t>
+                      </a:r>
+                      <a:endParaRPr lang="ko-KR" altLang="en-US">
+                        <a:latin typeface="나눔바른고딕" panose="020B0603020101020101" pitchFamily="50" charset="-127"/>
+                        <a:ea typeface="나눔바른고딕" panose="020B0603020101020101" pitchFamily="50" charset="-127"/>
+                      </a:endParaRPr>
+                    </a:p>
+                  </a:txBody>
+                  <a:tcPr/>
+                </a:tc>
+                <a:tc>
+                  <a:txBody>
+                    <a:bodyPr/>
+                    <a:lstStyle/>
+                    <a:p>
+                      <a:pPr algn="ctr" latinLnBrk="1"/>
+                      <a:r>
+                        <a:rPr lang="en-US" altLang="ko-KR" sz="1600" smtClean="0">
+                          <a:latin typeface="나눔바른고딕" panose="020B0603020101020101" pitchFamily="50" charset="-127"/>
+                          <a:ea typeface="나눔바른고딕" panose="020B0603020101020101" pitchFamily="50" charset="-127"/>
+                        </a:rPr>
+                        <a:t>2020.05.06</a:t>
+                      </a:r>
+                      <a:endParaRPr lang="ko-KR" altLang="en-US" sz="1600">
+                        <a:latin typeface="나눔바른고딕" panose="020B0603020101020101" pitchFamily="50" charset="-127"/>
+                        <a:ea typeface="나눔바른고딕" panose="020B0603020101020101" pitchFamily="50" charset="-127"/>
+                      </a:endParaRPr>
+                    </a:p>
+                  </a:txBody>
+                  <a:tcPr/>
+                </a:tc>
+              </a:tr>
+              <a:tr h="370840">
+                <a:tc>
+                  <a:txBody>
+                    <a:bodyPr/>
+                    <a:lstStyle/>
+                    <a:p>
+                      <a:pPr algn="ctr" latinLnBrk="1"/>
+                      <a:r>
+                        <a:rPr lang="en-US" altLang="ko-KR" smtClean="0">
+                          <a:latin typeface="나눔바른고딕" panose="020B0603020101020101" pitchFamily="50" charset="-127"/>
+                          <a:ea typeface="나눔바른고딕" panose="020B0603020101020101" pitchFamily="50" charset="-127"/>
+                        </a:rPr>
+                        <a:t>2</a:t>
+                      </a:r>
+                      <a:endParaRPr lang="ko-KR" altLang="en-US">
+                        <a:latin typeface="나눔바른고딕" panose="020B0603020101020101" pitchFamily="50" charset="-127"/>
+                        <a:ea typeface="나눔바른고딕" panose="020B0603020101020101" pitchFamily="50" charset="-127"/>
+                      </a:endParaRPr>
+                    </a:p>
+                  </a:txBody>
+                  <a:tcPr/>
+                </a:tc>
+                <a:tc>
+                  <a:txBody>
+                    <a:bodyPr/>
+                    <a:lstStyle/>
+                    <a:p>
+                      <a:pPr algn="ctr" latinLnBrk="1"/>
+                      <a:r>
+                        <a:rPr lang="ko-KR" altLang="en-US" smtClean="0">
+                          <a:latin typeface="나눔바른고딕" panose="020B0603020101020101" pitchFamily="50" charset="-127"/>
+                          <a:ea typeface="나눔바른고딕" panose="020B0603020101020101" pitchFamily="50" charset="-127"/>
+                        </a:rPr>
+                        <a:t>상품</a:t>
+                      </a:r>
+                      <a:r>
+                        <a:rPr lang="en-US" altLang="ko-KR" smtClean="0">
+                          <a:latin typeface="나눔바른고딕" panose="020B0603020101020101" pitchFamily="50" charset="-127"/>
+                          <a:ea typeface="나눔바른고딕" panose="020B0603020101020101" pitchFamily="50" charset="-127"/>
+                        </a:rPr>
+                        <a:t>2</a:t>
+                      </a:r>
+                      <a:endParaRPr lang="ko-KR" altLang="en-US">
+                        <a:latin typeface="나눔바른고딕" panose="020B0603020101020101" pitchFamily="50" charset="-127"/>
+                        <a:ea typeface="나눔바른고딕" panose="020B0603020101020101" pitchFamily="50" charset="-127"/>
+                      </a:endParaRPr>
+                    </a:p>
+                  </a:txBody>
+                  <a:tcPr/>
+                </a:tc>
+                <a:tc>
+                  <a:txBody>
+                    <a:bodyPr/>
+                    <a:lstStyle/>
+                    <a:p>
+                      <a:pPr algn="ctr" latinLnBrk="1"/>
+                      <a:r>
+                        <a:rPr lang="ko-KR" altLang="en-US" smtClean="0">
+                          <a:latin typeface="나눔바른고딕" panose="020B0603020101020101" pitchFamily="50" charset="-127"/>
+                          <a:ea typeface="나눔바른고딕" panose="020B0603020101020101" pitchFamily="50" charset="-127"/>
+                        </a:rPr>
+                        <a:t>이형준</a:t>
+                      </a:r>
+                      <a:endParaRPr lang="ko-KR" altLang="en-US">
+                        <a:latin typeface="나눔바른고딕" panose="020B0603020101020101" pitchFamily="50" charset="-127"/>
+                        <a:ea typeface="나눔바른고딕" panose="020B0603020101020101" pitchFamily="50" charset="-127"/>
+                      </a:endParaRPr>
+                    </a:p>
+                  </a:txBody>
+                  <a:tcPr/>
+                </a:tc>
+                <a:tc>
+                  <a:txBody>
+                    <a:bodyPr/>
+                    <a:lstStyle/>
+                    <a:p>
+                      <a:pPr algn="ctr" latinLnBrk="1"/>
+                      <a:r>
+                        <a:rPr lang="en-US" altLang="ko-KR" sz="1600" smtClean="0">
+                          <a:latin typeface="나눔바른고딕" panose="020B0603020101020101" pitchFamily="50" charset="-127"/>
+                          <a:ea typeface="나눔바른고딕" panose="020B0603020101020101" pitchFamily="50" charset="-127"/>
+                        </a:rPr>
+                        <a:t>2020.05.06</a:t>
+                      </a:r>
+                      <a:endParaRPr lang="ko-KR" altLang="en-US" sz="1600">
+                        <a:latin typeface="나눔바른고딕" panose="020B0603020101020101" pitchFamily="50" charset="-127"/>
+                        <a:ea typeface="나눔바른고딕" panose="020B0603020101020101" pitchFamily="50" charset="-127"/>
+                      </a:endParaRPr>
+                    </a:p>
+                  </a:txBody>
+                  <a:tcPr/>
+                </a:tc>
+              </a:tr>
+              <a:tr h="370840">
+                <a:tc>
+                  <a:txBody>
+                    <a:bodyPr/>
+                    <a:lstStyle/>
+                    <a:p>
+                      <a:pPr algn="ctr" latinLnBrk="1"/>
+                      <a:r>
+                        <a:rPr lang="en-US" altLang="ko-KR" smtClean="0">
+                          <a:latin typeface="나눔바른고딕" panose="020B0603020101020101" pitchFamily="50" charset="-127"/>
+                          <a:ea typeface="나눔바른고딕" panose="020B0603020101020101" pitchFamily="50" charset="-127"/>
+                        </a:rPr>
+                        <a:t>3</a:t>
+                      </a:r>
+                      <a:endParaRPr lang="ko-KR" altLang="en-US">
+                        <a:latin typeface="나눔바른고딕" panose="020B0603020101020101" pitchFamily="50" charset="-127"/>
+                        <a:ea typeface="나눔바른고딕" panose="020B0603020101020101" pitchFamily="50" charset="-127"/>
+                      </a:endParaRPr>
+                    </a:p>
+                  </a:txBody>
+                  <a:tcPr/>
+                </a:tc>
+                <a:tc>
+                  <a:txBody>
+                    <a:bodyPr/>
+                    <a:lstStyle/>
+                    <a:p>
+                      <a:pPr algn="ctr" latinLnBrk="1"/>
+                      <a:r>
+                        <a:rPr lang="ko-KR" altLang="en-US" smtClean="0">
+                          <a:latin typeface="나눔바른고딕" panose="020B0603020101020101" pitchFamily="50" charset="-127"/>
+                          <a:ea typeface="나눔바른고딕" panose="020B0603020101020101" pitchFamily="50" charset="-127"/>
+                        </a:rPr>
+                        <a:t>상품</a:t>
+                      </a:r>
+                      <a:r>
+                        <a:rPr lang="en-US" altLang="ko-KR" smtClean="0">
+                          <a:latin typeface="나눔바른고딕" panose="020B0603020101020101" pitchFamily="50" charset="-127"/>
+                          <a:ea typeface="나눔바른고딕" panose="020B0603020101020101" pitchFamily="50" charset="-127"/>
+                        </a:rPr>
+                        <a:t>3</a:t>
+                      </a:r>
+                      <a:endParaRPr lang="ko-KR" altLang="en-US">
+                        <a:latin typeface="나눔바른고딕" panose="020B0603020101020101" pitchFamily="50" charset="-127"/>
+                        <a:ea typeface="나눔바른고딕" panose="020B0603020101020101" pitchFamily="50" charset="-127"/>
+                      </a:endParaRPr>
+                    </a:p>
+                  </a:txBody>
+                  <a:tcPr/>
+                </a:tc>
+                <a:tc>
+                  <a:txBody>
+                    <a:bodyPr/>
+                    <a:lstStyle/>
+                    <a:p>
+                      <a:pPr algn="ctr" latinLnBrk="1"/>
+                      <a:r>
+                        <a:rPr lang="ko-KR" altLang="en-US" smtClean="0">
+                          <a:latin typeface="나눔바른고딕" panose="020B0603020101020101" pitchFamily="50" charset="-127"/>
+                          <a:ea typeface="나눔바른고딕" panose="020B0603020101020101" pitchFamily="50" charset="-127"/>
+                        </a:rPr>
+                        <a:t>김현태</a:t>
+                      </a:r>
+                      <a:endParaRPr lang="ko-KR" altLang="en-US">
+                        <a:latin typeface="나눔바른고딕" panose="020B0603020101020101" pitchFamily="50" charset="-127"/>
+                        <a:ea typeface="나눔바른고딕" panose="020B0603020101020101" pitchFamily="50" charset="-127"/>
+                      </a:endParaRPr>
+                    </a:p>
+                  </a:txBody>
+                  <a:tcPr/>
+                </a:tc>
+                <a:tc>
+                  <a:txBody>
+                    <a:bodyPr/>
+                    <a:lstStyle/>
+                    <a:p>
+                      <a:pPr algn="ctr" latinLnBrk="1"/>
+                      <a:r>
+                        <a:rPr lang="en-US" altLang="ko-KR" sz="1600" smtClean="0">
+                          <a:latin typeface="나눔바른고딕" panose="020B0603020101020101" pitchFamily="50" charset="-127"/>
+                          <a:ea typeface="나눔바른고딕" panose="020B0603020101020101" pitchFamily="50" charset="-127"/>
+                        </a:rPr>
+                        <a:t>2020.05.07</a:t>
+                      </a:r>
+                      <a:endParaRPr lang="ko-KR" altLang="en-US" sz="1600">
+                        <a:latin typeface="나눔바른고딕" panose="020B0603020101020101" pitchFamily="50" charset="-127"/>
+                        <a:ea typeface="나눔바른고딕" panose="020B0603020101020101" pitchFamily="50" charset="-127"/>
+                      </a:endParaRPr>
+                    </a:p>
+                  </a:txBody>
+                  <a:tcPr/>
+                </a:tc>
+              </a:tr>
+              <a:tr h="370840">
+                <a:tc>
+                  <a:txBody>
+                    <a:bodyPr/>
+                    <a:lstStyle/>
+                    <a:p>
+                      <a:pPr algn="ctr" latinLnBrk="1"/>
+                      <a:r>
+                        <a:rPr lang="en-US" altLang="ko-KR" smtClean="0">
+                          <a:latin typeface="나눔바른고딕" panose="020B0603020101020101" pitchFamily="50" charset="-127"/>
+                          <a:ea typeface="나눔바른고딕" panose="020B0603020101020101" pitchFamily="50" charset="-127"/>
+                        </a:rPr>
+                        <a:t>4</a:t>
+                      </a:r>
+                      <a:endParaRPr lang="ko-KR" altLang="en-US">
+                        <a:latin typeface="나눔바른고딕" panose="020B0603020101020101" pitchFamily="50" charset="-127"/>
+                        <a:ea typeface="나눔바른고딕" panose="020B0603020101020101" pitchFamily="50" charset="-127"/>
+                      </a:endParaRPr>
+                    </a:p>
+                  </a:txBody>
+                  <a:tcPr/>
+                </a:tc>
+                <a:tc>
+                  <a:txBody>
+                    <a:bodyPr/>
+                    <a:lstStyle/>
+                    <a:p>
+                      <a:pPr algn="ctr" latinLnBrk="1"/>
+                      <a:r>
+                        <a:rPr lang="ko-KR" altLang="en-US" smtClean="0">
+                          <a:latin typeface="나눔바른고딕" panose="020B0603020101020101" pitchFamily="50" charset="-127"/>
+                          <a:ea typeface="나눔바른고딕" panose="020B0603020101020101" pitchFamily="50" charset="-127"/>
+                        </a:rPr>
+                        <a:t>상품</a:t>
+                      </a:r>
+                      <a:r>
+                        <a:rPr lang="en-US" altLang="ko-KR" smtClean="0">
+                          <a:latin typeface="나눔바른고딕" panose="020B0603020101020101" pitchFamily="50" charset="-127"/>
+                          <a:ea typeface="나눔바른고딕" panose="020B0603020101020101" pitchFamily="50" charset="-127"/>
+                        </a:rPr>
+                        <a:t>4</a:t>
+                      </a:r>
+                      <a:endParaRPr lang="ko-KR" altLang="en-US">
+                        <a:latin typeface="나눔바른고딕" panose="020B0603020101020101" pitchFamily="50" charset="-127"/>
+                        <a:ea typeface="나눔바른고딕" panose="020B0603020101020101" pitchFamily="50" charset="-127"/>
+                      </a:endParaRPr>
+                    </a:p>
+                  </a:txBody>
+                  <a:tcPr/>
+                </a:tc>
+                <a:tc>
+                  <a:txBody>
+                    <a:bodyPr/>
+                    <a:lstStyle/>
+                    <a:p>
+                      <a:pPr algn="ctr" latinLnBrk="1"/>
+                      <a:r>
+                        <a:rPr lang="ko-KR" altLang="en-US" smtClean="0">
+                          <a:latin typeface="나눔바른고딕" panose="020B0603020101020101" pitchFamily="50" charset="-127"/>
+                          <a:ea typeface="나눔바른고딕" panose="020B0603020101020101" pitchFamily="50" charset="-127"/>
+                        </a:rPr>
+                        <a:t>유서희</a:t>
+                      </a:r>
+                      <a:endParaRPr lang="ko-KR" altLang="en-US">
+                        <a:latin typeface="나눔바른고딕" panose="020B0603020101020101" pitchFamily="50" charset="-127"/>
+                        <a:ea typeface="나눔바른고딕" panose="020B0603020101020101" pitchFamily="50" charset="-127"/>
+                      </a:endParaRPr>
+                    </a:p>
+                  </a:txBody>
+                  <a:tcPr/>
+                </a:tc>
+                <a:tc>
+                  <a:txBody>
+                    <a:bodyPr/>
+                    <a:lstStyle/>
+                    <a:p>
+                      <a:pPr algn="ctr" latinLnBrk="1"/>
+                      <a:r>
+                        <a:rPr lang="en-US" altLang="ko-KR" sz="1600" smtClean="0">
+                          <a:latin typeface="나눔바른고딕" panose="020B0603020101020101" pitchFamily="50" charset="-127"/>
+                          <a:ea typeface="나눔바른고딕" panose="020B0603020101020101" pitchFamily="50" charset="-127"/>
+                        </a:rPr>
+                        <a:t>2020.05.07</a:t>
+                      </a:r>
+                      <a:endParaRPr lang="ko-KR" altLang="en-US" sz="1600">
+                        <a:latin typeface="나눔바른고딕" panose="020B0603020101020101" pitchFamily="50" charset="-127"/>
+                        <a:ea typeface="나눔바른고딕" panose="020B0603020101020101" pitchFamily="50" charset="-127"/>
+                      </a:endParaRPr>
+                    </a:p>
+                  </a:txBody>
+                  <a:tcPr/>
+                </a:tc>
+              </a:tr>
+              <a:tr h="338579">
+                <a:tc>
+                  <a:txBody>
+                    <a:bodyPr/>
+                    <a:lstStyle/>
+                    <a:p>
+                      <a:pPr algn="ctr" latinLnBrk="1"/>
+                      <a:r>
+                        <a:rPr lang="en-US" altLang="ko-KR" smtClean="0">
+                          <a:latin typeface="나눔바른고딕" panose="020B0603020101020101" pitchFamily="50" charset="-127"/>
+                          <a:ea typeface="나눔바른고딕" panose="020B0603020101020101" pitchFamily="50" charset="-127"/>
+                        </a:rPr>
+                        <a:t>5</a:t>
+                      </a:r>
+                      <a:endParaRPr lang="ko-KR" altLang="en-US">
+                        <a:latin typeface="나눔바른고딕" panose="020B0603020101020101" pitchFamily="50" charset="-127"/>
+                        <a:ea typeface="나눔바른고딕" panose="020B0603020101020101" pitchFamily="50" charset="-127"/>
+                      </a:endParaRPr>
+                    </a:p>
+                  </a:txBody>
+                  <a:tcPr/>
+                </a:tc>
+                <a:tc>
+                  <a:txBody>
+                    <a:bodyPr/>
+                    <a:lstStyle/>
+                    <a:p>
+                      <a:pPr algn="ctr" latinLnBrk="1"/>
+                      <a:r>
+                        <a:rPr lang="ko-KR" altLang="en-US" smtClean="0">
+                          <a:latin typeface="나눔바른고딕" panose="020B0603020101020101" pitchFamily="50" charset="-127"/>
+                          <a:ea typeface="나눔바른고딕" panose="020B0603020101020101" pitchFamily="50" charset="-127"/>
+                        </a:rPr>
+                        <a:t>상품</a:t>
+                      </a:r>
+                      <a:r>
+                        <a:rPr lang="en-US" altLang="ko-KR" smtClean="0">
+                          <a:latin typeface="나눔바른고딕" panose="020B0603020101020101" pitchFamily="50" charset="-127"/>
+                          <a:ea typeface="나눔바른고딕" panose="020B0603020101020101" pitchFamily="50" charset="-127"/>
+                        </a:rPr>
+                        <a:t>5</a:t>
+                      </a:r>
+                      <a:endParaRPr lang="ko-KR" altLang="en-US">
+                        <a:latin typeface="나눔바른고딕" panose="020B0603020101020101" pitchFamily="50" charset="-127"/>
+                        <a:ea typeface="나눔바른고딕" panose="020B0603020101020101" pitchFamily="50" charset="-127"/>
+                      </a:endParaRPr>
+                    </a:p>
+                  </a:txBody>
+                  <a:tcPr/>
+                </a:tc>
+                <a:tc>
+                  <a:txBody>
+                    <a:bodyPr/>
+                    <a:lstStyle/>
+                    <a:p>
+                      <a:pPr algn="ctr" latinLnBrk="1"/>
+                      <a:r>
+                        <a:rPr lang="ko-KR" altLang="en-US" smtClean="0">
+                          <a:latin typeface="나눔바른고딕" panose="020B0603020101020101" pitchFamily="50" charset="-127"/>
+                          <a:ea typeface="나눔바른고딕" panose="020B0603020101020101" pitchFamily="50" charset="-127"/>
+                        </a:rPr>
+                        <a:t>한송우</a:t>
+                      </a:r>
+                      <a:endParaRPr lang="ko-KR" altLang="en-US">
+                        <a:latin typeface="나눔바른고딕" panose="020B0603020101020101" pitchFamily="50" charset="-127"/>
+                        <a:ea typeface="나눔바른고딕" panose="020B0603020101020101" pitchFamily="50" charset="-127"/>
+                      </a:endParaRPr>
+                    </a:p>
+                  </a:txBody>
+                  <a:tcPr/>
+                </a:tc>
+                <a:tc>
+                  <a:txBody>
+                    <a:bodyPr/>
+                    <a:lstStyle/>
+                    <a:p>
+                      <a:pPr algn="ctr" latinLnBrk="1"/>
+                      <a:r>
+                        <a:rPr lang="en-US" altLang="ko-KR" sz="1600" smtClean="0">
+                          <a:latin typeface="나눔바른고딕" panose="020B0603020101020101" pitchFamily="50" charset="-127"/>
+                          <a:ea typeface="나눔바른고딕" panose="020B0603020101020101" pitchFamily="50" charset="-127"/>
+                        </a:rPr>
+                        <a:t>2020.05.08</a:t>
+                      </a:r>
+                      <a:endParaRPr lang="ko-KR" altLang="en-US" sz="1600">
+                        <a:latin typeface="나눔바른고딕" panose="020B0603020101020101" pitchFamily="50" charset="-127"/>
+                        <a:ea typeface="나눔바른고딕" panose="020B0603020101020101" pitchFamily="50" charset="-127"/>
+                      </a:endParaRPr>
+                    </a:p>
+                  </a:txBody>
+                  <a:tcPr/>
+                </a:tc>
+              </a:tr>
+              <a:tr h="338579">
+                <a:tc>
+                  <a:txBody>
+                    <a:bodyPr/>
+                    <a:lstStyle/>
+                    <a:p>
+                      <a:pPr algn="ctr" latinLnBrk="1"/>
+                      <a:r>
+                        <a:rPr lang="en-US" altLang="ko-KR" smtClean="0">
+                          <a:latin typeface="나눔바른고딕" panose="020B0603020101020101" pitchFamily="50" charset="-127"/>
+                          <a:ea typeface="나눔바른고딕" panose="020B0603020101020101" pitchFamily="50" charset="-127"/>
+                        </a:rPr>
+                        <a:t>6</a:t>
+                      </a:r>
+                      <a:endParaRPr lang="ko-KR" altLang="en-US">
+                        <a:latin typeface="나눔바른고딕" panose="020B0603020101020101" pitchFamily="50" charset="-127"/>
+                        <a:ea typeface="나눔바른고딕" panose="020B0603020101020101" pitchFamily="50" charset="-127"/>
+                      </a:endParaRPr>
+                    </a:p>
+                  </a:txBody>
+                  <a:tcPr/>
+                </a:tc>
+                <a:tc>
+                  <a:txBody>
+                    <a:bodyPr/>
+                    <a:lstStyle/>
+                    <a:p>
+                      <a:pPr algn="ctr" latinLnBrk="1"/>
+                      <a:r>
+                        <a:rPr lang="ko-KR" altLang="en-US" smtClean="0">
+                          <a:latin typeface="나눔바른고딕" panose="020B0603020101020101" pitchFamily="50" charset="-127"/>
+                          <a:ea typeface="나눔바른고딕" panose="020B0603020101020101" pitchFamily="50" charset="-127"/>
+                        </a:rPr>
+                        <a:t>상품</a:t>
+                      </a:r>
+                      <a:r>
+                        <a:rPr lang="en-US" altLang="ko-KR" smtClean="0">
+                          <a:latin typeface="나눔바른고딕" panose="020B0603020101020101" pitchFamily="50" charset="-127"/>
+                          <a:ea typeface="나눔바른고딕" panose="020B0603020101020101" pitchFamily="50" charset="-127"/>
+                        </a:rPr>
+                        <a:t>6</a:t>
+                      </a:r>
+                      <a:endParaRPr lang="ko-KR" altLang="en-US">
+                        <a:latin typeface="나눔바른고딕" panose="020B0603020101020101" pitchFamily="50" charset="-127"/>
+                        <a:ea typeface="나눔바른고딕" panose="020B0603020101020101" pitchFamily="50" charset="-127"/>
+                      </a:endParaRPr>
+                    </a:p>
+                  </a:txBody>
+                  <a:tcPr/>
+                </a:tc>
+                <a:tc>
+                  <a:txBody>
+                    <a:bodyPr/>
+                    <a:lstStyle/>
+                    <a:p>
+                      <a:pPr algn="ctr" latinLnBrk="1"/>
+                      <a:r>
+                        <a:rPr lang="ko-KR" altLang="en-US" smtClean="0">
+                          <a:latin typeface="나눔바른고딕" panose="020B0603020101020101" pitchFamily="50" charset="-127"/>
+                          <a:ea typeface="나눔바른고딕" panose="020B0603020101020101" pitchFamily="50" charset="-127"/>
+                        </a:rPr>
+                        <a:t>최민기</a:t>
+                      </a:r>
+                      <a:endParaRPr lang="ko-KR" altLang="en-US">
+                        <a:latin typeface="나눔바른고딕" panose="020B0603020101020101" pitchFamily="50" charset="-127"/>
+                        <a:ea typeface="나눔바른고딕" panose="020B0603020101020101" pitchFamily="50" charset="-127"/>
+                      </a:endParaRPr>
+                    </a:p>
+                  </a:txBody>
+                  <a:tcPr/>
+                </a:tc>
+                <a:tc>
+                  <a:txBody>
+                    <a:bodyPr/>
+                    <a:lstStyle/>
+                    <a:p>
+                      <a:pPr algn="ctr" latinLnBrk="1"/>
+                      <a:r>
+                        <a:rPr lang="en-US" altLang="ko-KR" sz="1600" smtClean="0">
+                          <a:latin typeface="나눔바른고딕" panose="020B0603020101020101" pitchFamily="50" charset="-127"/>
+                          <a:ea typeface="나눔바른고딕" panose="020B0603020101020101" pitchFamily="50" charset="-127"/>
+                        </a:rPr>
+                        <a:t>2020.05.08</a:t>
+                      </a:r>
+                      <a:endParaRPr lang="ko-KR" altLang="en-US" sz="1600">
+                        <a:latin typeface="나눔바른고딕" panose="020B0603020101020101" pitchFamily="50" charset="-127"/>
+                        <a:ea typeface="나눔바른고딕" panose="020B0603020101020101" pitchFamily="50" charset="-127"/>
+                      </a:endParaRPr>
+                    </a:p>
+                  </a:txBody>
+                  <a:tcPr/>
+                </a:tc>
+              </a:tr>
+            </a:tbl>
+          </a:graphicData>
+        </a:graphic>
+      </p:graphicFrame>
+      <p:sp>
+        <p:nvSpPr>
+          <p:cNvPr id="7" name="직사각형 6"/>
+          <p:cNvSpPr/>
+          <p:nvPr/>
+        </p:nvSpPr>
+        <p:spPr>
+          <a:xfrm>
+            <a:off x="2776151" y="4613189"/>
+            <a:ext cx="411892" cy="370703"/>
+          </a:xfrm>
+          <a:prstGeom prst="rect">
+            <a:avLst/>
+          </a:prstGeom>
+        </p:spPr>
+        <p:style>
+          <a:lnRef idx="2">
+            <a:schemeClr val="accent1">
+              <a:shade val="50000"/>
+            </a:schemeClr>
+          </a:lnRef>
+          <a:fillRef idx="1">
+            <a:schemeClr val="accent1"/>
+          </a:fillRef>
+          <a:effectRef idx="0">
+            <a:schemeClr val="accent1"/>
+          </a:effectRef>
+          <a:fontRef idx="minor">
+            <a:schemeClr val="lt1"/>
+          </a:fontRef>
+        </p:style>
+        <p:txBody>
+          <a:bodyPr rtlCol="0" anchor="ctr"/>
+          <a:lstStyle/>
+          <a:p>
+            <a:pPr algn="ctr"/>
+            <a:r>
+              <a:rPr lang="en-US" altLang="ko-KR" smtClean="0">
+                <a:latin typeface="나눔바른고딕" panose="020B0603020101020101" pitchFamily="50" charset="-127"/>
+                <a:ea typeface="나눔바른고딕" panose="020B0603020101020101" pitchFamily="50" charset="-127"/>
+              </a:rPr>
+              <a:t>&lt;</a:t>
+            </a:r>
+            <a:endParaRPr lang="ko-KR" altLang="en-US">
+              <a:latin typeface="나눔바른고딕" panose="020B0603020101020101" pitchFamily="50" charset="-127"/>
+              <a:ea typeface="나눔바른고딕" panose="020B0603020101020101" pitchFamily="50" charset="-127"/>
+            </a:endParaRPr>
+          </a:p>
+        </p:txBody>
+      </p:sp>
+      <p:sp>
+        <p:nvSpPr>
+          <p:cNvPr id="21" name="직사각형 20"/>
+          <p:cNvSpPr/>
+          <p:nvPr/>
+        </p:nvSpPr>
+        <p:spPr>
+          <a:xfrm>
+            <a:off x="3428425" y="4613189"/>
+            <a:ext cx="411892" cy="370703"/>
+          </a:xfrm>
+          <a:prstGeom prst="rect">
+            <a:avLst/>
+          </a:prstGeom>
+        </p:spPr>
+        <p:style>
+          <a:lnRef idx="2">
+            <a:schemeClr val="accent1">
+              <a:shade val="50000"/>
+            </a:schemeClr>
+          </a:lnRef>
+          <a:fillRef idx="1">
+            <a:schemeClr val="accent1"/>
+          </a:fillRef>
+          <a:effectRef idx="0">
+            <a:schemeClr val="accent1"/>
+          </a:effectRef>
+          <a:fontRef idx="minor">
+            <a:schemeClr val="lt1"/>
+          </a:fontRef>
+        </p:style>
+        <p:txBody>
+          <a:bodyPr rtlCol="0" anchor="ctr"/>
+          <a:lstStyle/>
+          <a:p>
+            <a:pPr algn="ctr"/>
+            <a:r>
+              <a:rPr lang="en-US" altLang="ko-KR" smtClean="0">
+                <a:latin typeface="나눔바른고딕" panose="020B0603020101020101" pitchFamily="50" charset="-127"/>
+                <a:ea typeface="나눔바른고딕" panose="020B0603020101020101" pitchFamily="50" charset="-127"/>
+              </a:rPr>
+              <a:t>1</a:t>
+            </a:r>
+            <a:endParaRPr lang="ko-KR" altLang="en-US">
+              <a:latin typeface="나눔바른고딕" panose="020B0603020101020101" pitchFamily="50" charset="-127"/>
+              <a:ea typeface="나눔바른고딕" panose="020B0603020101020101" pitchFamily="50" charset="-127"/>
+            </a:endParaRPr>
+          </a:p>
+        </p:txBody>
+      </p:sp>
+      <p:sp>
+        <p:nvSpPr>
+          <p:cNvPr id="22" name="직사각형 21"/>
+          <p:cNvSpPr/>
+          <p:nvPr/>
+        </p:nvSpPr>
+        <p:spPr>
+          <a:xfrm>
+            <a:off x="4126145" y="4613189"/>
+            <a:ext cx="411892" cy="370703"/>
+          </a:xfrm>
+          <a:prstGeom prst="rect">
+            <a:avLst/>
+          </a:prstGeom>
+        </p:spPr>
+        <p:style>
+          <a:lnRef idx="2">
+            <a:schemeClr val="accent1">
+              <a:shade val="50000"/>
+            </a:schemeClr>
+          </a:lnRef>
+          <a:fillRef idx="1">
+            <a:schemeClr val="accent1"/>
+          </a:fillRef>
+          <a:effectRef idx="0">
+            <a:schemeClr val="accent1"/>
+          </a:effectRef>
+          <a:fontRef idx="minor">
+            <a:schemeClr val="lt1"/>
+          </a:fontRef>
+        </p:style>
+        <p:txBody>
+          <a:bodyPr rtlCol="0" anchor="ctr"/>
+          <a:lstStyle/>
+          <a:p>
+            <a:pPr algn="ctr"/>
+            <a:r>
+              <a:rPr lang="en-US" altLang="ko-KR" smtClean="0">
+                <a:latin typeface="나눔바른고딕" panose="020B0603020101020101" pitchFamily="50" charset="-127"/>
+                <a:ea typeface="나눔바른고딕" panose="020B0603020101020101" pitchFamily="50" charset="-127"/>
+              </a:rPr>
+              <a:t>2</a:t>
+            </a:r>
+            <a:endParaRPr lang="ko-KR" altLang="en-US">
+              <a:latin typeface="나눔바른고딕" panose="020B0603020101020101" pitchFamily="50" charset="-127"/>
+              <a:ea typeface="나눔바른고딕" panose="020B0603020101020101" pitchFamily="50" charset="-127"/>
+            </a:endParaRPr>
+          </a:p>
+        </p:txBody>
+      </p:sp>
+      <p:sp>
+        <p:nvSpPr>
+          <p:cNvPr id="23" name="직사각형 22"/>
+          <p:cNvSpPr/>
+          <p:nvPr/>
+        </p:nvSpPr>
+        <p:spPr>
+          <a:xfrm>
+            <a:off x="4746952" y="4613189"/>
+            <a:ext cx="411892" cy="370703"/>
+          </a:xfrm>
+          <a:prstGeom prst="rect">
+            <a:avLst/>
+          </a:prstGeom>
+        </p:spPr>
+        <p:style>
+          <a:lnRef idx="2">
+            <a:schemeClr val="accent1">
+              <a:shade val="50000"/>
+            </a:schemeClr>
+          </a:lnRef>
+          <a:fillRef idx="1">
+            <a:schemeClr val="accent1"/>
+          </a:fillRef>
+          <a:effectRef idx="0">
+            <a:schemeClr val="accent1"/>
+          </a:effectRef>
+          <a:fontRef idx="minor">
+            <a:schemeClr val="lt1"/>
+          </a:fontRef>
+        </p:style>
+        <p:txBody>
+          <a:bodyPr rtlCol="0" anchor="ctr"/>
+          <a:lstStyle/>
+          <a:p>
+            <a:pPr algn="ctr"/>
+            <a:r>
+              <a:rPr lang="en-US" altLang="ko-KR" smtClean="0">
+                <a:latin typeface="나눔바른고딕" panose="020B0603020101020101" pitchFamily="50" charset="-127"/>
+                <a:ea typeface="나눔바른고딕" panose="020B0603020101020101" pitchFamily="50" charset="-127"/>
+              </a:rPr>
+              <a:t>3</a:t>
+            </a:r>
+            <a:endParaRPr lang="ko-KR" altLang="en-US">
+              <a:latin typeface="나눔바른고딕" panose="020B0603020101020101" pitchFamily="50" charset="-127"/>
+              <a:ea typeface="나눔바른고딕" panose="020B0603020101020101" pitchFamily="50" charset="-127"/>
+            </a:endParaRPr>
+          </a:p>
+        </p:txBody>
+      </p:sp>
+      <p:sp>
+        <p:nvSpPr>
+          <p:cNvPr id="24" name="직사각형 23"/>
+          <p:cNvSpPr/>
+          <p:nvPr/>
+        </p:nvSpPr>
+        <p:spPr>
+          <a:xfrm>
+            <a:off x="5430693" y="4613189"/>
+            <a:ext cx="411892" cy="370703"/>
+          </a:xfrm>
+          <a:prstGeom prst="rect">
+            <a:avLst/>
+          </a:prstGeom>
+        </p:spPr>
+        <p:style>
+          <a:lnRef idx="2">
+            <a:schemeClr val="accent1">
+              <a:shade val="50000"/>
+            </a:schemeClr>
+          </a:lnRef>
+          <a:fillRef idx="1">
+            <a:schemeClr val="accent1"/>
+          </a:fillRef>
+          <a:effectRef idx="0">
+            <a:schemeClr val="accent1"/>
+          </a:effectRef>
+          <a:fontRef idx="minor">
+            <a:schemeClr val="lt1"/>
+          </a:fontRef>
+        </p:style>
+        <p:txBody>
+          <a:bodyPr rtlCol="0" anchor="ctr"/>
+          <a:lstStyle/>
+          <a:p>
+            <a:pPr algn="ctr"/>
+            <a:r>
+              <a:rPr lang="en-US" altLang="ko-KR">
+                <a:latin typeface="나눔바른고딕" panose="020B0603020101020101" pitchFamily="50" charset="-127"/>
+                <a:ea typeface="나눔바른고딕" panose="020B0603020101020101" pitchFamily="50" charset="-127"/>
+              </a:rPr>
+              <a:t>4</a:t>
+            </a:r>
+            <a:endParaRPr lang="ko-KR" altLang="en-US">
+              <a:latin typeface="나눔바른고딕" panose="020B0603020101020101" pitchFamily="50" charset="-127"/>
+              <a:ea typeface="나눔바른고딕" panose="020B0603020101020101" pitchFamily="50" charset="-127"/>
+            </a:endParaRPr>
+          </a:p>
+        </p:txBody>
+      </p:sp>
+      <p:sp>
+        <p:nvSpPr>
+          <p:cNvPr id="25" name="직사각형 24"/>
+          <p:cNvSpPr/>
+          <p:nvPr/>
+        </p:nvSpPr>
+        <p:spPr>
+          <a:xfrm>
+            <a:off x="6114434" y="4613189"/>
+            <a:ext cx="411892" cy="370703"/>
+          </a:xfrm>
+          <a:prstGeom prst="rect">
+            <a:avLst/>
+          </a:prstGeom>
+        </p:spPr>
+        <p:style>
+          <a:lnRef idx="2">
+            <a:schemeClr val="accent1">
+              <a:shade val="50000"/>
+            </a:schemeClr>
+          </a:lnRef>
+          <a:fillRef idx="1">
+            <a:schemeClr val="accent1"/>
+          </a:fillRef>
+          <a:effectRef idx="0">
+            <a:schemeClr val="accent1"/>
+          </a:effectRef>
+          <a:fontRef idx="minor">
+            <a:schemeClr val="lt1"/>
+          </a:fontRef>
+        </p:style>
+        <p:txBody>
+          <a:bodyPr rtlCol="0" anchor="ctr"/>
+          <a:lstStyle/>
+          <a:p>
+            <a:pPr algn="ctr"/>
+            <a:r>
+              <a:rPr lang="en-US" altLang="ko-KR" smtClean="0">
+                <a:latin typeface="나눔바른고딕" panose="020B0603020101020101" pitchFamily="50" charset="-127"/>
+                <a:ea typeface="나눔바른고딕" panose="020B0603020101020101" pitchFamily="50" charset="-127"/>
+              </a:rPr>
+              <a:t>5</a:t>
+            </a:r>
+            <a:endParaRPr lang="ko-KR" altLang="en-US">
+              <a:latin typeface="나눔바른고딕" panose="020B0603020101020101" pitchFamily="50" charset="-127"/>
+              <a:ea typeface="나눔바른고딕" panose="020B0603020101020101" pitchFamily="50" charset="-127"/>
+            </a:endParaRPr>
+          </a:p>
+        </p:txBody>
+      </p:sp>
+      <p:sp>
+        <p:nvSpPr>
+          <p:cNvPr id="26" name="직사각형 25"/>
+          <p:cNvSpPr/>
+          <p:nvPr/>
+        </p:nvSpPr>
+        <p:spPr>
+          <a:xfrm>
+            <a:off x="6798175" y="4598822"/>
+            <a:ext cx="411892" cy="370703"/>
+          </a:xfrm>
+          <a:prstGeom prst="rect">
+            <a:avLst/>
+          </a:prstGeom>
+        </p:spPr>
+        <p:style>
+          <a:lnRef idx="2">
+            <a:schemeClr val="accent1">
+              <a:shade val="50000"/>
+            </a:schemeClr>
+          </a:lnRef>
+          <a:fillRef idx="1">
+            <a:schemeClr val="accent1"/>
+          </a:fillRef>
+          <a:effectRef idx="0">
+            <a:schemeClr val="accent1"/>
+          </a:effectRef>
+          <a:fontRef idx="minor">
+            <a:schemeClr val="lt1"/>
+          </a:fontRef>
+        </p:style>
+        <p:txBody>
+          <a:bodyPr rtlCol="0" anchor="ctr"/>
+          <a:lstStyle/>
+          <a:p>
+            <a:pPr algn="ctr"/>
+            <a:r>
+              <a:rPr lang="en-US" altLang="ko-KR">
+                <a:latin typeface="나눔바른고딕" panose="020B0603020101020101" pitchFamily="50" charset="-127"/>
+                <a:ea typeface="나눔바른고딕" panose="020B0603020101020101" pitchFamily="50" charset="-127"/>
+              </a:rPr>
+              <a:t>&gt;</a:t>
+            </a:r>
+            <a:endParaRPr lang="ko-KR" altLang="en-US">
+              <a:latin typeface="나눔바른고딕" panose="020B0603020101020101" pitchFamily="50" charset="-127"/>
+              <a:ea typeface="나눔바른고딕" panose="020B0603020101020101" pitchFamily="50" charset="-127"/>
+            </a:endParaRPr>
+          </a:p>
+        </p:txBody>
+      </p:sp>
+      <p:sp>
+        <p:nvSpPr>
+          <p:cNvPr id="27" name="직사각형 26"/>
+          <p:cNvSpPr/>
+          <p:nvPr/>
+        </p:nvSpPr>
+        <p:spPr>
+          <a:xfrm>
+            <a:off x="1653849" y="755560"/>
+            <a:ext cx="6592433" cy="450123"/>
+          </a:xfrm>
+          <a:prstGeom prst="rect">
+            <a:avLst/>
+          </a:prstGeom>
+        </p:spPr>
+        <p:txBody>
+          <a:bodyPr wrap="square" lIns="68580" tIns="34290" rIns="68580" bIns="34290">
+            <a:spAutoFit/>
+          </a:bodyPr>
+          <a:lstStyle/>
+          <a:p>
+            <a:pPr>
+              <a:lnSpc>
+                <a:spcPct val="150000"/>
+              </a:lnSpc>
+            </a:pPr>
+            <a:r>
+              <a:rPr lang="en-US" altLang="ko-KR" sz="1800" b="1" dirty="0">
+                <a:solidFill>
+                  <a:schemeClr val="tx1">
+                    <a:lumMod val="75000"/>
+                    <a:lumOff val="25000"/>
+                  </a:schemeClr>
+                </a:solidFill>
+                <a:latin typeface="나눔바른고딕" panose="020B0603020101020101" pitchFamily="50" charset="-127"/>
+                <a:ea typeface="나눔바른고딕" panose="020B0603020101020101" pitchFamily="50" charset="-127"/>
+              </a:rPr>
+              <a:t>[ </a:t>
+            </a:r>
+            <a:r>
+              <a:rPr lang="ko-KR" altLang="en-US" sz="1800" b="1" dirty="0">
+                <a:solidFill>
+                  <a:schemeClr val="tx1">
+                    <a:lumMod val="75000"/>
+                    <a:lumOff val="25000"/>
+                  </a:schemeClr>
+                </a:solidFill>
+                <a:latin typeface="나눔바른고딕" panose="020B0603020101020101" pitchFamily="50" charset="-127"/>
+                <a:ea typeface="나눔바른고딕" panose="020B0603020101020101" pitchFamily="50" charset="-127"/>
+              </a:rPr>
+              <a:t>화면설계 </a:t>
+            </a:r>
+            <a:r>
+              <a:rPr lang="en-US" altLang="ko-KR" sz="1800" b="1">
+                <a:solidFill>
+                  <a:schemeClr val="tx1">
+                    <a:lumMod val="75000"/>
+                    <a:lumOff val="25000"/>
+                  </a:schemeClr>
+                </a:solidFill>
+                <a:latin typeface="나눔바른고딕" panose="020B0603020101020101" pitchFamily="50" charset="-127"/>
+                <a:ea typeface="나눔바른고딕" panose="020B0603020101020101" pitchFamily="50" charset="-127"/>
+              </a:rPr>
+              <a:t>] </a:t>
+            </a:r>
+            <a:r>
+              <a:rPr lang="ko-KR" altLang="en-US" b="1" smtClean="0">
+                <a:solidFill>
+                  <a:schemeClr val="tx1">
+                    <a:lumMod val="75000"/>
+                    <a:lumOff val="25000"/>
+                  </a:schemeClr>
+                </a:solidFill>
+                <a:latin typeface="나눔바른고딕" panose="020B0603020101020101" pitchFamily="50" charset="-127"/>
+                <a:ea typeface="나눔바른고딕" panose="020B0603020101020101" pitchFamily="50" charset="-127"/>
+              </a:rPr>
+              <a:t>리워드 스토어 목록</a:t>
+            </a:r>
+            <a:r>
+              <a:rPr lang="ko-KR" altLang="en-US" sz="1800" b="1" smtClean="0">
+                <a:solidFill>
+                  <a:schemeClr val="tx1">
+                    <a:lumMod val="75000"/>
+                    <a:lumOff val="25000"/>
+                  </a:schemeClr>
+                </a:solidFill>
+                <a:latin typeface="나눔바른고딕" panose="020B0603020101020101" pitchFamily="50" charset="-127"/>
+                <a:ea typeface="나눔바른고딕" panose="020B0603020101020101" pitchFamily="50" charset="-127"/>
+              </a:rPr>
+              <a:t> </a:t>
+            </a:r>
+            <a:r>
+              <a:rPr lang="en-US" altLang="ko-KR" sz="1800" b="1" dirty="0" smtClean="0">
+                <a:solidFill>
+                  <a:schemeClr val="tx1">
+                    <a:lumMod val="75000"/>
+                    <a:lumOff val="25000"/>
+                  </a:schemeClr>
+                </a:solidFill>
+                <a:latin typeface="나눔바른고딕" panose="020B0603020101020101" pitchFamily="50" charset="-127"/>
+                <a:ea typeface="나눔바른고딕" panose="020B0603020101020101" pitchFamily="50" charset="-127"/>
+              </a:rPr>
+              <a:t>– </a:t>
+            </a:r>
+            <a:r>
+              <a:rPr lang="ko-KR" altLang="en-US" sz="1800" b="1" dirty="0" err="1">
+                <a:solidFill>
+                  <a:schemeClr val="tx1">
+                    <a:lumMod val="75000"/>
+                    <a:lumOff val="25000"/>
+                  </a:schemeClr>
+                </a:solidFill>
+                <a:latin typeface="나눔바른고딕" panose="020B0603020101020101" pitchFamily="50" charset="-127"/>
+                <a:ea typeface="나눔바른고딕" panose="020B0603020101020101" pitchFamily="50" charset="-127"/>
+              </a:rPr>
+              <a:t>리워드</a:t>
+            </a:r>
+            <a:r>
+              <a:rPr lang="ko-KR" altLang="en-US" sz="1800" b="1" dirty="0">
+                <a:solidFill>
+                  <a:schemeClr val="tx1">
+                    <a:lumMod val="75000"/>
+                    <a:lumOff val="25000"/>
+                  </a:schemeClr>
+                </a:solidFill>
+                <a:latin typeface="나눔바른고딕" panose="020B0603020101020101" pitchFamily="50" charset="-127"/>
+                <a:ea typeface="나눔바른고딕" panose="020B0603020101020101" pitchFamily="50" charset="-127"/>
+              </a:rPr>
+              <a:t> 스토어 </a:t>
+            </a:r>
+            <a:r>
+              <a:rPr lang="en-US" altLang="ko-KR" sz="1800" b="1">
+                <a:solidFill>
+                  <a:schemeClr val="tx1">
+                    <a:lumMod val="75000"/>
+                    <a:lumOff val="25000"/>
+                  </a:schemeClr>
+                </a:solidFill>
+                <a:latin typeface="나눔바른고딕" panose="020B0603020101020101" pitchFamily="50" charset="-127"/>
+                <a:ea typeface="나눔바른고딕" panose="020B0603020101020101" pitchFamily="50" charset="-127"/>
+              </a:rPr>
+              <a:t>- </a:t>
+            </a:r>
+            <a:r>
+              <a:rPr lang="ko-KR" altLang="en-US" b="1" smtClean="0">
+                <a:solidFill>
+                  <a:schemeClr val="tx1">
+                    <a:lumMod val="75000"/>
+                    <a:lumOff val="25000"/>
+                  </a:schemeClr>
+                </a:solidFill>
+                <a:latin typeface="나눔바른고딕" panose="020B0603020101020101" pitchFamily="50" charset="-127"/>
+                <a:ea typeface="나눔바른고딕" panose="020B0603020101020101" pitchFamily="50" charset="-127"/>
+              </a:rPr>
+              <a:t>관리</a:t>
+            </a:r>
+            <a:r>
+              <a:rPr lang="ko-KR" altLang="en-US" sz="1800" b="1" smtClean="0">
+                <a:solidFill>
+                  <a:schemeClr val="tx1">
+                    <a:lumMod val="75000"/>
+                    <a:lumOff val="25000"/>
+                  </a:schemeClr>
+                </a:solidFill>
+                <a:latin typeface="나눔바른고딕" panose="020B0603020101020101" pitchFamily="50" charset="-127"/>
+                <a:ea typeface="나눔바른고딕" panose="020B0603020101020101" pitchFamily="50" charset="-127"/>
+              </a:rPr>
+              <a:t>자</a:t>
+            </a:r>
+            <a:endParaRPr lang="ko-KR" altLang="en-US" sz="1800" b="1" dirty="0">
+              <a:solidFill>
+                <a:schemeClr val="tx1">
+                  <a:lumMod val="75000"/>
+                  <a:lumOff val="25000"/>
+                </a:schemeClr>
+              </a:solidFill>
+              <a:latin typeface="나눔바른고딕" panose="020B0603020101020101" pitchFamily="50" charset="-127"/>
+              <a:ea typeface="나눔바른고딕" panose="020B0603020101020101" pitchFamily="50" charset="-127"/>
+            </a:endParaRPr>
+          </a:p>
+        </p:txBody>
+      </p:sp>
+      <p:pic>
+        <p:nvPicPr>
+          <p:cNvPr id="28" name="그림 27"/>
+          <p:cNvPicPr>
+            <a:picLocks noChangeAspect="1"/>
+          </p:cNvPicPr>
+          <p:nvPr/>
+        </p:nvPicPr>
+        <p:blipFill>
+          <a:blip r:embed="rId2" cstate="print">
+            <a:extLst>
+              <a:ext uri="{28A0092B-C50C-407E-A947-70E740481C1C}">
+                <a14:useLocalDpi xmlns:a14="http://schemas.microsoft.com/office/drawing/2010/main" val="0"/>
+              </a:ext>
+            </a:extLst>
+          </a:blip>
+          <a:stretch>
+            <a:fillRect/>
+          </a:stretch>
+        </p:blipFill>
+        <p:spPr>
+          <a:xfrm>
+            <a:off x="1081171" y="755560"/>
+            <a:ext cx="500395" cy="500395"/>
+          </a:xfrm>
+          <a:prstGeom prst="rect">
+            <a:avLst/>
+          </a:prstGeom>
+        </p:spPr>
+      </p:pic>
+    </p:spTree>
+    <p:extLst>
+      <p:ext uri="{BB962C8B-B14F-4D97-AF65-F5344CB8AC3E}">
+        <p14:creationId xmlns:p14="http://schemas.microsoft.com/office/powerpoint/2010/main" val="2710222374"/>
+      </p:ext>
+    </p:extLst>
+  </p:cSld>
+  <p:clrMapOvr>
+    <a:masterClrMapping/>
+  </p:clrMapOvr>
+  <p:timing>
+    <p:tnLst>
+      <p:par>
+        <p:cTn id="1" dur="indefinite" restart="never" nodeType="tmRoot"/>
+      </p:par>
+    </p:tnLst>
+  </p:timing>
+</p:sld>
+</file>
+
+<file path=ppt/slides/slide5.xml><?xml version="1.0" encoding="utf-8"?>
+<p:sld xmlns:a="http://schemas.openxmlformats.org/drawingml/2006/main" xmlns:r="http://schemas.openxmlformats.org/officeDocument/2006/relationships" xmlns:p="http://schemas.openxmlformats.org/presentationml/2006/main">
+  <p:cSld>
+    <p:spTree>
+      <p:nvGrpSpPr>
+        <p:cNvPr id="1" name=""/>
+        <p:cNvGrpSpPr/>
+        <p:nvPr/>
+      </p:nvGrpSpPr>
+      <p:grpSpPr>
+        <a:xfrm>
+          <a:off x="0" y="0"/>
+          <a:ext cx="0" cy="0"/>
+          <a:chOff x="0" y="0"/>
+          <a:chExt cx="0" cy="0"/>
+        </a:xfrm>
+      </p:grpSpPr>
+      <p:sp>
+        <p:nvSpPr>
+          <p:cNvPr id="6" name="양쪽 모서리가 둥근 사각형 5"/>
+          <p:cNvSpPr/>
+          <p:nvPr/>
+        </p:nvSpPr>
+        <p:spPr>
+          <a:xfrm>
+            <a:off x="143339" y="548680"/>
+            <a:ext cx="11905323" cy="6144683"/>
+          </a:xfrm>
+          <a:prstGeom prst="round2SameRect">
+            <a:avLst>
+              <a:gd name="adj1" fmla="val 0"/>
+              <a:gd name="adj2" fmla="val 2405"/>
+            </a:avLst>
+          </a:prstGeom>
+          <a:solidFill>
+            <a:schemeClr val="bg1"/>
+          </a:solidFill>
+          <a:ln>
+            <a:noFill/>
+          </a:ln>
+          <a:effectLst>
+            <a:outerShdw dist="254000" dir="5400000" sx="97000" sy="97000" algn="t" rotWithShape="0">
+              <a:prstClr val="black">
+                <a:alpha val="40000"/>
+              </a:prstClr>
+            </a:outerShdw>
+          </a:effectLst>
+        </p:spPr>
+        <p:style>
+          <a:lnRef idx="2">
+            <a:schemeClr val="accent1">
+              <a:shade val="50000"/>
+            </a:schemeClr>
+          </a:lnRef>
+          <a:fillRef idx="1">
+            <a:schemeClr val="accent1"/>
+          </a:fillRef>
+          <a:effectRef idx="0">
+            <a:schemeClr val="accent1"/>
+          </a:effectRef>
+          <a:fontRef idx="minor">
+            <a:schemeClr val="lt1"/>
+          </a:fontRef>
+        </p:style>
+        <p:txBody>
+          <a:bodyPr lIns="91440" tIns="45720" rIns="91440" bIns="45720" rtlCol="0" anchor="ctr"/>
+          <a:lstStyle/>
+          <a:p>
+            <a:pPr algn="ctr"/>
+            <a:endParaRPr lang="ko-KR" altLang="en-US" sz="2400">
+              <a:solidFill>
+                <a:prstClr val="white"/>
+              </a:solidFill>
+            </a:endParaRPr>
+          </a:p>
+        </p:txBody>
+      </p:sp>
+      <p:sp>
+        <p:nvSpPr>
+          <p:cNvPr id="5" name="양쪽 모서리가 둥근 사각형 4"/>
+          <p:cNvSpPr/>
+          <p:nvPr/>
+        </p:nvSpPr>
+        <p:spPr>
+          <a:xfrm>
+            <a:off x="143339" y="243880"/>
+            <a:ext cx="11905323" cy="304800"/>
+          </a:xfrm>
+          <a:prstGeom prst="round2SameRect">
+            <a:avLst>
+              <a:gd name="adj1" fmla="val 44667"/>
+              <a:gd name="adj2" fmla="val 0"/>
+            </a:avLst>
+          </a:prstGeom>
+          <a:solidFill>
+            <a:srgbClr val="411F42"/>
+          </a:solidFill>
+          <a:ln>
+            <a:noFill/>
+          </a:ln>
+          <a:effectLst>
+            <a:outerShdw dist="76200" dir="16200000" sx="97000" sy="97000" rotWithShape="0">
+              <a:prstClr val="black">
+                <a:alpha val="40000"/>
+              </a:prstClr>
+            </a:outerShdw>
+          </a:effectLst>
+        </p:spPr>
+        <p:style>
+          <a:lnRef idx="2">
+            <a:schemeClr val="accent1">
+              <a:shade val="50000"/>
+            </a:schemeClr>
+          </a:lnRef>
+          <a:fillRef idx="1">
+            <a:schemeClr val="accent1"/>
+          </a:fillRef>
+          <a:effectRef idx="0">
+            <a:schemeClr val="accent1"/>
+          </a:effectRef>
+          <a:fontRef idx="minor">
+            <a:schemeClr val="lt1"/>
+          </a:fontRef>
+        </p:style>
+        <p:txBody>
+          <a:bodyPr lIns="91440" tIns="45720" rIns="91440" bIns="45720" rtlCol="0" anchor="ctr"/>
+          <a:lstStyle/>
+          <a:p>
+            <a:pPr algn="ctr"/>
+            <a:endParaRPr lang="ko-KR" altLang="en-US" sz="2400">
+              <a:solidFill>
+                <a:prstClr val="white"/>
+              </a:solidFill>
+            </a:endParaRPr>
+          </a:p>
+        </p:txBody>
+      </p:sp>
+      <p:sp>
+        <p:nvSpPr>
+          <p:cNvPr id="7" name="직사각형 6"/>
+          <p:cNvSpPr/>
+          <p:nvPr/>
+        </p:nvSpPr>
+        <p:spPr>
+          <a:xfrm>
+            <a:off x="935120" y="366664"/>
+            <a:ext cx="10613801" cy="72000"/>
+          </a:xfrm>
+          <a:prstGeom prst="rect">
+            <a:avLst/>
+          </a:prstGeom>
+          <a:solidFill>
+            <a:schemeClr val="bg1"/>
+          </a:solidFill>
+          <a:ln>
+            <a:noFill/>
+          </a:ln>
+        </p:spPr>
+        <p:style>
+          <a:lnRef idx="2">
+            <a:schemeClr val="accent1">
+              <a:shade val="50000"/>
+            </a:schemeClr>
+          </a:lnRef>
+          <a:fillRef idx="1">
+            <a:schemeClr val="accent1"/>
+          </a:fillRef>
+          <a:effectRef idx="0">
+            <a:schemeClr val="accent1"/>
+          </a:effectRef>
+          <a:fontRef idx="minor">
+            <a:schemeClr val="lt1"/>
+          </a:fontRef>
+        </p:style>
+        <p:txBody>
+          <a:bodyPr lIns="91440" tIns="45720" rIns="91440" bIns="45720" rtlCol="0" anchor="ctr"/>
+          <a:lstStyle/>
+          <a:p>
+            <a:pPr algn="ctr"/>
+            <a:endParaRPr lang="ko-KR" altLang="en-US" sz="2400">
+              <a:solidFill>
+                <a:prstClr val="white"/>
+              </a:solidFill>
+            </a:endParaRPr>
+          </a:p>
+        </p:txBody>
+      </p:sp>
+      <p:sp>
+        <p:nvSpPr>
+          <p:cNvPr id="8" name="타원 7"/>
+          <p:cNvSpPr/>
+          <p:nvPr/>
+        </p:nvSpPr>
+        <p:spPr>
+          <a:xfrm>
+            <a:off x="576949" y="366664"/>
+            <a:ext cx="75276" cy="72000"/>
+          </a:xfrm>
+          <a:prstGeom prst="ellipse">
+            <a:avLst/>
+          </a:prstGeom>
+          <a:solidFill>
+            <a:srgbClr val="FF6189"/>
+          </a:solidFill>
+          <a:ln>
+            <a:noFill/>
+          </a:ln>
+        </p:spPr>
+        <p:style>
+          <a:lnRef idx="2">
+            <a:schemeClr val="accent1">
+              <a:shade val="50000"/>
+            </a:schemeClr>
+          </a:lnRef>
+          <a:fillRef idx="1">
+            <a:schemeClr val="accent1"/>
+          </a:fillRef>
+          <a:effectRef idx="0">
+            <a:schemeClr val="accent1"/>
+          </a:effectRef>
+          <a:fontRef idx="minor">
+            <a:schemeClr val="lt1"/>
+          </a:fontRef>
+        </p:style>
+        <p:txBody>
+          <a:bodyPr lIns="91440" tIns="45720" rIns="91440" bIns="45720" rtlCol="0" anchor="ctr"/>
+          <a:lstStyle/>
+          <a:p>
+            <a:pPr algn="ctr"/>
+            <a:endParaRPr lang="ko-KR" altLang="en-US" sz="2400">
+              <a:solidFill>
+                <a:prstClr val="white"/>
+              </a:solidFill>
+            </a:endParaRPr>
+          </a:p>
+        </p:txBody>
+      </p:sp>
+      <p:sp>
+        <p:nvSpPr>
+          <p:cNvPr id="9" name="타원 8"/>
+          <p:cNvSpPr/>
+          <p:nvPr/>
+        </p:nvSpPr>
+        <p:spPr>
+          <a:xfrm>
+            <a:off x="766826" y="366664"/>
+            <a:ext cx="75276" cy="72000"/>
+          </a:xfrm>
+          <a:prstGeom prst="ellipse">
+            <a:avLst/>
+          </a:prstGeom>
+          <a:solidFill>
+            <a:srgbClr val="00B0F0"/>
+          </a:solidFill>
+          <a:ln>
+            <a:noFill/>
+          </a:ln>
+        </p:spPr>
+        <p:style>
+          <a:lnRef idx="2">
+            <a:schemeClr val="accent1">
+              <a:shade val="50000"/>
+            </a:schemeClr>
+          </a:lnRef>
+          <a:fillRef idx="1">
+            <a:schemeClr val="accent1"/>
+          </a:fillRef>
+          <a:effectRef idx="0">
+            <a:schemeClr val="accent1"/>
+          </a:effectRef>
+          <a:fontRef idx="minor">
+            <a:schemeClr val="lt1"/>
+          </a:fontRef>
+        </p:style>
+        <p:txBody>
+          <a:bodyPr lIns="91440" tIns="45720" rIns="91440" bIns="45720" rtlCol="0" anchor="ctr"/>
+          <a:lstStyle/>
+          <a:p>
+            <a:pPr algn="ctr"/>
+            <a:endParaRPr lang="ko-KR" altLang="en-US" sz="2400">
+              <a:solidFill>
+                <a:prstClr val="white"/>
+              </a:solidFill>
+            </a:endParaRPr>
+          </a:p>
+        </p:txBody>
+      </p:sp>
+      <p:sp>
+        <p:nvSpPr>
+          <p:cNvPr id="10" name="타원 9"/>
+          <p:cNvSpPr/>
+          <p:nvPr/>
+        </p:nvSpPr>
+        <p:spPr>
+          <a:xfrm>
+            <a:off x="956703" y="366664"/>
+            <a:ext cx="75276" cy="72000"/>
+          </a:xfrm>
+          <a:prstGeom prst="ellipse">
+            <a:avLst/>
+          </a:prstGeom>
+          <a:solidFill>
+            <a:schemeClr val="accent4"/>
+          </a:solidFill>
+          <a:ln>
+            <a:noFill/>
+          </a:ln>
+        </p:spPr>
+        <p:style>
+          <a:lnRef idx="2">
+            <a:schemeClr val="accent1">
+              <a:shade val="50000"/>
+            </a:schemeClr>
+          </a:lnRef>
+          <a:fillRef idx="1">
+            <a:schemeClr val="accent1"/>
+          </a:fillRef>
+          <a:effectRef idx="0">
+            <a:schemeClr val="accent1"/>
+          </a:effectRef>
+          <a:fontRef idx="minor">
+            <a:schemeClr val="lt1"/>
+          </a:fontRef>
+        </p:style>
+        <p:txBody>
+          <a:bodyPr lIns="91440" tIns="45720" rIns="91440" bIns="45720" rtlCol="0" anchor="ctr"/>
+          <a:lstStyle/>
+          <a:p>
+            <a:pPr algn="ctr"/>
+            <a:endParaRPr lang="ko-KR" altLang="en-US" sz="2400">
+              <a:solidFill>
+                <a:prstClr val="white"/>
+              </a:solidFill>
+            </a:endParaRPr>
+          </a:p>
+        </p:txBody>
+      </p:sp>
+      <p:sp>
+        <p:nvSpPr>
+          <p:cNvPr id="15" name="직사각형 14"/>
+          <p:cNvSpPr/>
+          <p:nvPr/>
+        </p:nvSpPr>
+        <p:spPr>
+          <a:xfrm>
+            <a:off x="935120" y="743464"/>
+            <a:ext cx="6592433" cy="484748"/>
+          </a:xfrm>
+          <a:prstGeom prst="rect">
+            <a:avLst/>
+          </a:prstGeom>
+        </p:spPr>
+        <p:txBody>
+          <a:bodyPr wrap="square" lIns="68580" tIns="34290" rIns="68580" bIns="34290">
+            <a:spAutoFit/>
+          </a:bodyPr>
+          <a:lstStyle/>
+          <a:p>
+            <a:pPr>
+              <a:lnSpc>
+                <a:spcPct val="150000"/>
+              </a:lnSpc>
+            </a:pPr>
+            <a:r>
+              <a:rPr lang="en-US" altLang="ko-KR" sz="1800" b="1">
+                <a:solidFill>
+                  <a:schemeClr val="tx1">
+                    <a:lumMod val="75000"/>
+                    <a:lumOff val="25000"/>
+                  </a:schemeClr>
+                </a:solidFill>
+                <a:latin typeface="나눔고딕" panose="020D0604000000000000" pitchFamily="50" charset="-127"/>
+                <a:ea typeface="나눔고딕" panose="020D0604000000000000" pitchFamily="50" charset="-127"/>
+              </a:rPr>
+              <a:t>[ </a:t>
+            </a:r>
+            <a:r>
+              <a:rPr lang="ko-KR" altLang="en-US" sz="1800" b="1" smtClean="0">
+                <a:solidFill>
+                  <a:schemeClr val="tx1">
+                    <a:lumMod val="75000"/>
+                    <a:lumOff val="25000"/>
+                  </a:schemeClr>
+                </a:solidFill>
+                <a:latin typeface="나눔고딕" panose="020D0604000000000000" pitchFamily="50" charset="-127"/>
+                <a:ea typeface="나눔고딕" panose="020D0604000000000000" pitchFamily="50" charset="-127"/>
+              </a:rPr>
+              <a:t>화면구현 </a:t>
+            </a:r>
+            <a:r>
+              <a:rPr lang="en-US" altLang="ko-KR" sz="1800" b="1">
+                <a:solidFill>
+                  <a:schemeClr val="tx1">
+                    <a:lumMod val="75000"/>
+                    <a:lumOff val="25000"/>
+                  </a:schemeClr>
+                </a:solidFill>
+                <a:latin typeface="나눔고딕" panose="020D0604000000000000" pitchFamily="50" charset="-127"/>
+                <a:ea typeface="나눔고딕" panose="020D0604000000000000" pitchFamily="50" charset="-127"/>
+              </a:rPr>
+              <a:t>] </a:t>
+            </a:r>
+            <a:r>
+              <a:rPr lang="ko-KR" altLang="en-US" sz="1800" b="1" smtClean="0">
+                <a:solidFill>
+                  <a:schemeClr val="tx1">
+                    <a:lumMod val="75000"/>
+                    <a:lumOff val="25000"/>
+                  </a:schemeClr>
+                </a:solidFill>
+                <a:latin typeface="나눔고딕" panose="020D0604000000000000" pitchFamily="50" charset="-127"/>
+                <a:ea typeface="나눔고딕" panose="020D0604000000000000" pitchFamily="50" charset="-127"/>
+              </a:rPr>
+              <a:t>상품목록 </a:t>
+            </a:r>
+            <a:r>
+              <a:rPr lang="en-US" altLang="ko-KR" sz="1800" b="1" dirty="0" smtClean="0">
+                <a:solidFill>
+                  <a:schemeClr val="tx1">
+                    <a:lumMod val="75000"/>
+                    <a:lumOff val="25000"/>
+                  </a:schemeClr>
+                </a:solidFill>
+                <a:latin typeface="나눔고딕" panose="020D0604000000000000" pitchFamily="50" charset="-127"/>
+                <a:ea typeface="나눔고딕" panose="020D0604000000000000" pitchFamily="50" charset="-127"/>
+              </a:rPr>
+              <a:t>– </a:t>
+            </a:r>
+            <a:r>
+              <a:rPr lang="ko-KR" altLang="en-US" sz="1800" b="1" dirty="0" err="1">
+                <a:solidFill>
+                  <a:schemeClr val="tx1">
+                    <a:lumMod val="75000"/>
+                    <a:lumOff val="25000"/>
+                  </a:schemeClr>
+                </a:solidFill>
+                <a:latin typeface="나눔고딕" panose="020D0604000000000000" pitchFamily="50" charset="-127"/>
+                <a:ea typeface="나눔고딕" panose="020D0604000000000000" pitchFamily="50" charset="-127"/>
+              </a:rPr>
+              <a:t>리워드</a:t>
+            </a:r>
+            <a:r>
+              <a:rPr lang="ko-KR" altLang="en-US" sz="1800" b="1" dirty="0">
+                <a:solidFill>
+                  <a:schemeClr val="tx1">
+                    <a:lumMod val="75000"/>
+                    <a:lumOff val="25000"/>
+                  </a:schemeClr>
+                </a:solidFill>
+                <a:latin typeface="나눔고딕" panose="020D0604000000000000" pitchFamily="50" charset="-127"/>
+                <a:ea typeface="나눔고딕" panose="020D0604000000000000" pitchFamily="50" charset="-127"/>
+              </a:rPr>
+              <a:t> 스토어 </a:t>
+            </a:r>
+            <a:r>
+              <a:rPr lang="en-US" altLang="ko-KR" sz="1800" b="1">
+                <a:solidFill>
+                  <a:schemeClr val="tx1">
+                    <a:lumMod val="75000"/>
+                    <a:lumOff val="25000"/>
+                  </a:schemeClr>
+                </a:solidFill>
+                <a:latin typeface="나눔고딕" panose="020D0604000000000000" pitchFamily="50" charset="-127"/>
+                <a:ea typeface="나눔고딕" panose="020D0604000000000000" pitchFamily="50" charset="-127"/>
+              </a:rPr>
+              <a:t>- </a:t>
+            </a:r>
+            <a:r>
+              <a:rPr lang="ko-KR" altLang="en-US" b="1" smtClean="0">
+                <a:solidFill>
+                  <a:schemeClr val="tx1">
+                    <a:lumMod val="75000"/>
+                    <a:lumOff val="25000"/>
+                  </a:schemeClr>
+                </a:solidFill>
+                <a:latin typeface="나눔고딕" panose="020D0604000000000000" pitchFamily="50" charset="-127"/>
+                <a:ea typeface="나눔고딕" panose="020D0604000000000000" pitchFamily="50" charset="-127"/>
+              </a:rPr>
+              <a:t>관리자</a:t>
+            </a:r>
+            <a:endParaRPr lang="ko-KR" altLang="en-US" sz="1800" b="1" dirty="0">
+              <a:solidFill>
+                <a:schemeClr val="tx1">
+                  <a:lumMod val="75000"/>
+                  <a:lumOff val="25000"/>
+                </a:schemeClr>
+              </a:solidFill>
+              <a:latin typeface="나눔고딕" panose="020D0604000000000000" pitchFamily="50" charset="-127"/>
+              <a:ea typeface="나눔고딕" panose="020D0604000000000000" pitchFamily="50" charset="-127"/>
+            </a:endParaRPr>
+          </a:p>
+        </p:txBody>
+      </p:sp>
+      <p:pic>
+        <p:nvPicPr>
+          <p:cNvPr id="16" name="그림 15"/>
+          <p:cNvPicPr>
+            <a:picLocks noChangeAspect="1"/>
+          </p:cNvPicPr>
+          <p:nvPr/>
+        </p:nvPicPr>
+        <p:blipFill>
+          <a:blip r:embed="rId2" cstate="print">
+            <a:extLst>
+              <a:ext uri="{28A0092B-C50C-407E-A947-70E740481C1C}">
+                <a14:useLocalDpi xmlns:a14="http://schemas.microsoft.com/office/drawing/2010/main" val="0"/>
+              </a:ext>
+            </a:extLst>
+          </a:blip>
+          <a:stretch>
+            <a:fillRect/>
+          </a:stretch>
+        </p:blipFill>
+        <p:spPr>
+          <a:xfrm>
+            <a:off x="362442" y="743464"/>
+            <a:ext cx="500395" cy="500395"/>
+          </a:xfrm>
+          <a:prstGeom prst="rect">
+            <a:avLst/>
+          </a:prstGeom>
+        </p:spPr>
+      </p:pic>
+      <p:graphicFrame>
+        <p:nvGraphicFramePr>
+          <p:cNvPr id="14" name="표 13"/>
+          <p:cNvGraphicFramePr>
+            <a:graphicFrameLocks noGrp="1"/>
+          </p:cNvGraphicFramePr>
+          <p:nvPr>
+            <p:extLst>
+              <p:ext uri="{D42A27DB-BD31-4B8C-83A1-F6EECF244321}">
+                <p14:modId xmlns:p14="http://schemas.microsoft.com/office/powerpoint/2010/main" val="3491448729"/>
+              </p:ext>
+            </p:extLst>
+          </p:nvPr>
+        </p:nvGraphicFramePr>
+        <p:xfrm>
+          <a:off x="7183609" y="1919184"/>
+          <a:ext cx="4555856" cy="1232215"/>
+        </p:xfrm>
+        <a:graphic>
+          <a:graphicData uri="http://schemas.openxmlformats.org/drawingml/2006/table">
+            <a:tbl>
+              <a:tblPr firstRow="1" bandRow="1"/>
+              <a:tblGrid>
+                <a:gridCol w="4555856"/>
+              </a:tblGrid>
+              <a:tr h="424495">
+                <a:tc>
+                  <a:txBody>
+                    <a:bodyPr/>
+                    <a:lstStyle/>
+                    <a:p>
+                      <a:pPr algn="ctr" latinLnBrk="1"/>
+                      <a:r>
+                        <a:rPr lang="ko-KR" altLang="en-US" sz="1200" b="1" smtClean="0">
+                          <a:solidFill>
+                            <a:schemeClr val="tx1"/>
+                          </a:solidFill>
+                          <a:latin typeface="나눔바른고딕" panose="020B0603020101020101" pitchFamily="50" charset="-127"/>
+                          <a:ea typeface="나눔바른고딕" panose="020B0603020101020101" pitchFamily="50" charset="-127"/>
+                        </a:rPr>
+                        <a:t>사용 기술</a:t>
+                      </a:r>
+                      <a:endParaRPr lang="ko-KR" altLang="en-US" sz="1200" b="1" dirty="0">
+                        <a:solidFill>
+                          <a:schemeClr val="tx1"/>
+                        </a:solidFill>
+                        <a:latin typeface="나눔바른고딕" panose="020B0603020101020101" pitchFamily="50" charset="-127"/>
+                        <a:ea typeface="나눔바른고딕" panose="020B0603020101020101" pitchFamily="50" charset="-127"/>
+                      </a:endParaRPr>
+                    </a:p>
+                  </a:txBody>
+                  <a:tcPr marL="121920" marR="121920" marT="60960" marB="60960" anchor="ctr">
+                    <a:solidFill>
+                      <a:srgbClr val="FF9E00"/>
+                    </a:solidFill>
+                  </a:tcPr>
+                </a:tc>
+              </a:tr>
+              <a:tr h="490571">
+                <a:tc>
+                  <a:txBody>
+                    <a:bodyPr/>
+                    <a:lstStyle/>
+                    <a:p>
+                      <a:pPr marL="285750" indent="-285750" algn="ctr" latinLnBrk="1">
+                        <a:buFontTx/>
+                        <a:buChar char="-"/>
+                      </a:pPr>
+                      <a:r>
+                        <a:rPr lang="en-US" altLang="ko-KR" sz="1500" smtClean="0">
+                          <a:latin typeface="나눔바른고딕" panose="020B0603020101020101" pitchFamily="50" charset="-127"/>
+                          <a:ea typeface="나눔바른고딕" panose="020B0603020101020101" pitchFamily="50" charset="-127"/>
+                        </a:rPr>
+                        <a:t>Oracle</a:t>
+                      </a:r>
+                      <a:r>
+                        <a:rPr lang="en-US" altLang="ko-KR" sz="1500" baseline="0" smtClean="0">
+                          <a:latin typeface="나눔바른고딕" panose="020B0603020101020101" pitchFamily="50" charset="-127"/>
+                          <a:ea typeface="나눔바른고딕" panose="020B0603020101020101" pitchFamily="50" charset="-127"/>
+                        </a:rPr>
+                        <a:t> DB + Spring Framework</a:t>
+                      </a:r>
+                      <a:r>
+                        <a:rPr lang="ko-KR" altLang="en-US" sz="1500" baseline="0" smtClean="0">
+                          <a:latin typeface="나눔바른고딕" panose="020B0603020101020101" pitchFamily="50" charset="-127"/>
+                          <a:ea typeface="나눔바른고딕" panose="020B0603020101020101" pitchFamily="50" charset="-127"/>
+                        </a:rPr>
+                        <a:t>의 </a:t>
+                      </a:r>
+                      <a:r>
+                        <a:rPr lang="en-US" altLang="ko-KR" sz="1500" baseline="0" smtClean="0">
+                          <a:latin typeface="나눔바른고딕" panose="020B0603020101020101" pitchFamily="50" charset="-127"/>
+                          <a:ea typeface="나눔바른고딕" panose="020B0603020101020101" pitchFamily="50" charset="-127"/>
+                        </a:rPr>
+                        <a:t>CRUD </a:t>
+                      </a:r>
+                      <a:r>
+                        <a:rPr lang="ko-KR" altLang="en-US" sz="1500" baseline="0" smtClean="0">
+                          <a:latin typeface="나눔바른고딕" panose="020B0603020101020101" pitchFamily="50" charset="-127"/>
+                          <a:ea typeface="나눔바른고딕" panose="020B0603020101020101" pitchFamily="50" charset="-127"/>
+                        </a:rPr>
+                        <a:t>구현</a:t>
+                      </a:r>
+                      <a:endParaRPr lang="en-US" altLang="ko-KR" sz="1500" baseline="0" smtClean="0">
+                        <a:latin typeface="나눔바른고딕" panose="020B0603020101020101" pitchFamily="50" charset="-127"/>
+                        <a:ea typeface="나눔바른고딕" panose="020B0603020101020101" pitchFamily="50" charset="-127"/>
+                      </a:endParaRPr>
+                    </a:p>
+                    <a:p>
+                      <a:pPr marL="285750" indent="-285750" algn="ctr" latinLnBrk="1">
+                        <a:buFontTx/>
+                        <a:buChar char="-"/>
+                      </a:pPr>
+                      <a:endParaRPr lang="en-US" altLang="ko-KR" sz="1500" baseline="0" smtClean="0">
+                        <a:latin typeface="나눔바른고딕" panose="020B0603020101020101" pitchFamily="50" charset="-127"/>
+                        <a:ea typeface="나눔바른고딕" panose="020B0603020101020101" pitchFamily="50" charset="-127"/>
+                      </a:endParaRPr>
+                    </a:p>
+                    <a:p>
+                      <a:pPr marL="285750" indent="-285750" algn="ctr" latinLnBrk="1">
+                        <a:buFontTx/>
+                        <a:buChar char="-"/>
+                      </a:pPr>
+                      <a:endParaRPr lang="en-US" altLang="ko-KR" sz="1500" baseline="0" smtClean="0">
+                        <a:latin typeface="나눔바른고딕" panose="020B0603020101020101" pitchFamily="50" charset="-127"/>
+                        <a:ea typeface="나눔바른고딕" panose="020B0603020101020101" pitchFamily="50" charset="-127"/>
+                      </a:endParaRPr>
+                    </a:p>
+                  </a:txBody>
+                  <a:tcPr marL="121920" marR="121920" marT="60960" marB="60960" anchor="ctr"/>
+                </a:tc>
+              </a:tr>
+            </a:tbl>
+          </a:graphicData>
+        </a:graphic>
+      </p:graphicFrame>
+      <p:graphicFrame>
+        <p:nvGraphicFramePr>
+          <p:cNvPr id="17" name="표 16"/>
+          <p:cNvGraphicFramePr>
+            <a:graphicFrameLocks noGrp="1"/>
+          </p:cNvGraphicFramePr>
+          <p:nvPr>
+            <p:extLst>
+              <p:ext uri="{D42A27DB-BD31-4B8C-83A1-F6EECF244321}">
+                <p14:modId xmlns:p14="http://schemas.microsoft.com/office/powerpoint/2010/main" val="963421510"/>
+              </p:ext>
+            </p:extLst>
+          </p:nvPr>
+        </p:nvGraphicFramePr>
+        <p:xfrm>
+          <a:off x="7183609" y="3947215"/>
+          <a:ext cx="4555856" cy="1399855"/>
+        </p:xfrm>
+        <a:graphic>
+          <a:graphicData uri="http://schemas.openxmlformats.org/drawingml/2006/table">
+            <a:tbl>
+              <a:tblPr firstRow="1" bandRow="1"/>
+              <a:tblGrid>
+                <a:gridCol w="4555856"/>
+              </a:tblGrid>
+              <a:tr h="424495">
+                <a:tc>
+                  <a:txBody>
+                    <a:bodyPr/>
+                    <a:lstStyle/>
+                    <a:p>
+                      <a:pPr algn="ctr" latinLnBrk="1"/>
+                      <a:r>
+                        <a:rPr lang="ko-KR" altLang="en-US" sz="1200" b="1" smtClean="0">
+                          <a:solidFill>
+                            <a:schemeClr val="tx1"/>
+                          </a:solidFill>
+                          <a:latin typeface="나눔바른고딕" panose="020B0603020101020101" pitchFamily="50" charset="-127"/>
+                          <a:ea typeface="나눔바른고딕" panose="020B0603020101020101" pitchFamily="50" charset="-127"/>
+                        </a:rPr>
+                        <a:t>비즈니스 로직</a:t>
+                      </a:r>
+                      <a:endParaRPr lang="ko-KR" altLang="en-US" sz="1200" b="1" dirty="0">
+                        <a:solidFill>
+                          <a:schemeClr val="tx1"/>
+                        </a:solidFill>
+                        <a:latin typeface="나눔바른고딕" panose="020B0603020101020101" pitchFamily="50" charset="-127"/>
+                        <a:ea typeface="나눔바른고딕" panose="020B0603020101020101" pitchFamily="50" charset="-127"/>
+                      </a:endParaRPr>
+                    </a:p>
+                  </a:txBody>
+                  <a:tcPr marL="121920" marR="121920" marT="60960" marB="60960" anchor="ctr">
+                    <a:solidFill>
+                      <a:srgbClr val="FF9E00"/>
+                    </a:solidFill>
+                  </a:tcPr>
+                </a:tc>
+              </a:tr>
+              <a:tr h="490571">
+                <a:tc>
+                  <a:txBody>
+                    <a:bodyPr/>
+                    <a:lstStyle/>
+                    <a:p>
+                      <a:pPr marL="285750" indent="-285750" algn="ctr" latinLnBrk="1">
+                        <a:buFontTx/>
+                        <a:buChar char="-"/>
+                      </a:pPr>
+                      <a:r>
+                        <a:rPr lang="ko-KR" altLang="en-US" sz="1600" smtClean="0">
+                          <a:latin typeface="나눔바른고딕" panose="020B0603020101020101" pitchFamily="50" charset="-127"/>
+                          <a:ea typeface="나눔바른고딕" panose="020B0603020101020101" pitchFamily="50" charset="-127"/>
+                        </a:rPr>
+                        <a:t>관리자 메인페이지 </a:t>
+                      </a:r>
+                      <a:r>
+                        <a:rPr lang="en-US" altLang="ko-KR" sz="1600" smtClean="0">
+                          <a:latin typeface="나눔바른고딕" panose="020B0603020101020101" pitchFamily="50" charset="-127"/>
+                          <a:ea typeface="나눔바른고딕" panose="020B0603020101020101" pitchFamily="50" charset="-127"/>
+                        </a:rPr>
+                        <a:t>–&gt;</a:t>
+                      </a:r>
+                      <a:r>
+                        <a:rPr lang="en-US" altLang="ko-KR" sz="1600" baseline="0" smtClean="0">
+                          <a:latin typeface="나눔바른고딕" panose="020B0603020101020101" pitchFamily="50" charset="-127"/>
+                          <a:ea typeface="나눔바른고딕" panose="020B0603020101020101" pitchFamily="50" charset="-127"/>
+                        </a:rPr>
+                        <a:t> </a:t>
+                      </a:r>
+                      <a:r>
+                        <a:rPr lang="ko-KR" altLang="en-US" sz="1600" baseline="0" smtClean="0">
+                          <a:latin typeface="나눔바른고딕" panose="020B0603020101020101" pitchFamily="50" charset="-127"/>
+                          <a:ea typeface="나눔바른고딕" panose="020B0603020101020101" pitchFamily="50" charset="-127"/>
+                        </a:rPr>
+                        <a:t>스토어 상품목록</a:t>
+                      </a:r>
+                      <a:endParaRPr lang="en-US" altLang="ko-KR" sz="1600" baseline="0" smtClean="0">
+                        <a:latin typeface="나눔바른고딕" panose="020B0603020101020101" pitchFamily="50" charset="-127"/>
+                        <a:ea typeface="나눔바른고딕" panose="020B0603020101020101" pitchFamily="50" charset="-127"/>
+                      </a:endParaRPr>
+                    </a:p>
+                    <a:p>
+                      <a:pPr marL="285750" indent="-285750" algn="ctr" latinLnBrk="1">
+                        <a:buFontTx/>
+                        <a:buChar char="-"/>
+                      </a:pPr>
+                      <a:endParaRPr lang="en-US" altLang="ko-KR" sz="1600" baseline="0" smtClean="0">
+                        <a:latin typeface="나눔바른고딕" panose="020B0603020101020101" pitchFamily="50" charset="-127"/>
+                        <a:ea typeface="나눔바른고딕" panose="020B0603020101020101" pitchFamily="50" charset="-127"/>
+                      </a:endParaRPr>
+                    </a:p>
+                    <a:p>
+                      <a:pPr marL="0" indent="0" algn="ctr" latinLnBrk="1">
+                        <a:buFontTx/>
+                        <a:buNone/>
+                      </a:pPr>
+                      <a:r>
+                        <a:rPr lang="ko-KR" altLang="en-US" sz="1200" b="0" smtClean="0">
+                          <a:latin typeface="나눔바른고딕" panose="020B0603020101020101" pitchFamily="50" charset="-127"/>
+                          <a:ea typeface="나눔바른고딕" panose="020B0603020101020101" pitchFamily="50" charset="-127"/>
+                        </a:rPr>
+                        <a:t>한페이지 당 </a:t>
+                      </a:r>
+                      <a:r>
+                        <a:rPr lang="en-US" altLang="ko-KR" sz="1200" b="0" smtClean="0">
+                          <a:latin typeface="나눔바른고딕" panose="020B0603020101020101" pitchFamily="50" charset="-127"/>
+                          <a:ea typeface="나눔바른고딕" panose="020B0603020101020101" pitchFamily="50" charset="-127"/>
+                        </a:rPr>
+                        <a:t>7</a:t>
+                      </a:r>
+                      <a:r>
+                        <a:rPr lang="ko-KR" altLang="en-US" sz="1200" b="0" smtClean="0">
+                          <a:latin typeface="나눔바른고딕" panose="020B0603020101020101" pitchFamily="50" charset="-127"/>
+                          <a:ea typeface="나눔바른고딕" panose="020B0603020101020101" pitchFamily="50" charset="-127"/>
+                        </a:rPr>
+                        <a:t>개의 스토어 상품 등록 목록</a:t>
+                      </a:r>
+                      <a:r>
+                        <a:rPr lang="ko-KR" altLang="en-US" sz="1200" b="0" baseline="0" smtClean="0">
+                          <a:latin typeface="나눔바른고딕" panose="020B0603020101020101" pitchFamily="50" charset="-127"/>
+                          <a:ea typeface="나눔바른고딕" panose="020B0603020101020101" pitchFamily="50" charset="-127"/>
+                        </a:rPr>
+                        <a:t> 노출 및 페이징 처리</a:t>
+                      </a:r>
+                      <a:endParaRPr lang="en-US" altLang="ko-KR" sz="1200" b="0" baseline="0" smtClean="0">
+                        <a:latin typeface="나눔바른고딕" panose="020B0603020101020101" pitchFamily="50" charset="-127"/>
+                        <a:ea typeface="나눔바른고딕" panose="020B0603020101020101" pitchFamily="50" charset="-127"/>
+                      </a:endParaRPr>
+                    </a:p>
+                    <a:p>
+                      <a:pPr marL="0" indent="0" algn="ctr" latinLnBrk="1">
+                        <a:buFontTx/>
+                        <a:buNone/>
+                      </a:pPr>
+                      <a:r>
+                        <a:rPr lang="ko-KR" altLang="en-US" sz="1200" b="0" smtClean="0">
+                          <a:latin typeface="나눔바른고딕" panose="020B0603020101020101" pitchFamily="50" charset="-127"/>
+                          <a:ea typeface="나눔바른고딕" panose="020B0603020101020101" pitchFamily="50" charset="-127"/>
+                        </a:rPr>
+                        <a:t>해당</a:t>
+                      </a:r>
+                      <a:r>
+                        <a:rPr lang="ko-KR" altLang="en-US" sz="1200" b="0" baseline="0" smtClean="0">
+                          <a:latin typeface="나눔바른고딕" panose="020B0603020101020101" pitchFamily="50" charset="-127"/>
+                          <a:ea typeface="나눔바른고딕" panose="020B0603020101020101" pitchFamily="50" charset="-127"/>
+                        </a:rPr>
+                        <a:t> 신청 상품을 클릭하면 해당 상품 상세내용을 볼수 있는 모달창 노출</a:t>
+                      </a:r>
+                      <a:endParaRPr lang="en-US" altLang="ko-KR" sz="1200" b="0" smtClean="0">
+                        <a:latin typeface="나눔바른고딕" panose="020B0603020101020101" pitchFamily="50" charset="-127"/>
+                        <a:ea typeface="나눔바른고딕" panose="020B0603020101020101" pitchFamily="50" charset="-127"/>
+                      </a:endParaRPr>
+                    </a:p>
+                  </a:txBody>
+                  <a:tcPr marL="121920" marR="121920" marT="60960" marB="60960" anchor="ctr"/>
+                </a:tc>
+              </a:tr>
+            </a:tbl>
+          </a:graphicData>
+        </a:graphic>
+      </p:graphicFrame>
+      <p:pic>
+        <p:nvPicPr>
+          <p:cNvPr id="2" name="그림 1"/>
+          <p:cNvPicPr>
+            <a:picLocks noChangeAspect="1"/>
+          </p:cNvPicPr>
+          <p:nvPr/>
+        </p:nvPicPr>
+        <p:blipFill>
+          <a:blip r:embed="rId3"/>
+          <a:stretch>
+            <a:fillRect/>
+          </a:stretch>
+        </p:blipFill>
+        <p:spPr>
+          <a:xfrm>
+            <a:off x="652225" y="1730595"/>
+            <a:ext cx="5964195" cy="4476032"/>
+          </a:xfrm>
+          <a:prstGeom prst="rect">
+            <a:avLst/>
+          </a:prstGeom>
+        </p:spPr>
+      </p:pic>
+    </p:spTree>
+    <p:extLst>
+      <p:ext uri="{BB962C8B-B14F-4D97-AF65-F5344CB8AC3E}">
+        <p14:creationId xmlns:p14="http://schemas.microsoft.com/office/powerpoint/2010/main" val="1758698269"/>
+      </p:ext>
+    </p:extLst>
+  </p:cSld>
+  <p:clrMapOvr>
+    <a:masterClrMapping/>
+  </p:clrMapOvr>
+  <p:timing>
+    <p:tnLst>
+      <p:par>
+        <p:cTn id="1" dur="indefinite" restart="never" nodeType="tmRoot"/>
+      </p:par>
+    </p:tnLst>
+  </p:timing>
+</p:sld>
+</file>
+
+<file path=ppt/slides/slide6.xml><?xml version="1.0" encoding="utf-8"?>
+<p:sld xmlns:a="http://schemas.openxmlformats.org/drawingml/2006/main" xmlns:r="http://schemas.openxmlformats.org/officeDocument/2006/relationships" xmlns:p="http://schemas.openxmlformats.org/presentationml/2006/main">
+  <p:cSld>
+    <p:spTree>
+      <p:nvGrpSpPr>
+        <p:cNvPr id="1" name=""/>
+        <p:cNvGrpSpPr/>
+        <p:nvPr/>
+      </p:nvGrpSpPr>
+      <p:grpSpPr>
+        <a:xfrm>
+          <a:off x="0" y="0"/>
+          <a:ext cx="0" cy="0"/>
+          <a:chOff x="0" y="0"/>
+          <a:chExt cx="0" cy="0"/>
+        </a:xfrm>
+      </p:grpSpPr>
+      <p:sp>
+        <p:nvSpPr>
+          <p:cNvPr id="18" name="직사각형 17"/>
+          <p:cNvSpPr/>
+          <p:nvPr/>
+        </p:nvSpPr>
+        <p:spPr>
+          <a:xfrm rot="21409477">
+            <a:off x="832974" y="128931"/>
+            <a:ext cx="9282799" cy="6218171"/>
+          </a:xfrm>
+          <a:prstGeom prst="rect">
+            <a:avLst/>
+          </a:prstGeom>
+          <a:solidFill>
+            <a:schemeClr val="bg1">
+              <a:lumMod val="95000"/>
+            </a:schemeClr>
+          </a:solidFill>
+          <a:ln>
+            <a:noFill/>
+          </a:ln>
+        </p:spPr>
+        <p:style>
+          <a:lnRef idx="2">
+            <a:schemeClr val="accent1">
+              <a:shade val="50000"/>
+            </a:schemeClr>
+          </a:lnRef>
+          <a:fillRef idx="1">
+            <a:schemeClr val="accent1"/>
+          </a:fillRef>
+          <a:effectRef idx="0">
+            <a:schemeClr val="accent1"/>
+          </a:effectRef>
+          <a:fontRef idx="minor">
+            <a:schemeClr val="lt1"/>
+          </a:fontRef>
+        </p:style>
+        <p:txBody>
+          <a:bodyPr lIns="91440" tIns="45720" rIns="91440" bIns="45720" rtlCol="0" anchor="ctr"/>
+          <a:lstStyle/>
+          <a:p>
+            <a:pPr algn="ctr"/>
+            <a:endParaRPr lang="ko-KR" altLang="en-US" sz="2400">
+              <a:latin typeface="나눔바른고딕" panose="020B0603020101020101" pitchFamily="50" charset="-127"/>
+              <a:ea typeface="나눔바른고딕" panose="020B0603020101020101" pitchFamily="50" charset="-127"/>
+            </a:endParaRPr>
+          </a:p>
+        </p:txBody>
+      </p:sp>
+      <p:sp>
+        <p:nvSpPr>
+          <p:cNvPr id="5" name="직사각형 4"/>
+          <p:cNvSpPr/>
+          <p:nvPr/>
+        </p:nvSpPr>
+        <p:spPr>
+          <a:xfrm>
+            <a:off x="667880" y="331855"/>
+            <a:ext cx="11425909" cy="6392929"/>
+          </a:xfrm>
+          <a:prstGeom prst="rect">
+            <a:avLst/>
+          </a:prstGeom>
+          <a:gradFill flip="none" rotWithShape="1">
+            <a:gsLst>
+              <a:gs pos="100000">
+                <a:schemeClr val="bg1">
+                  <a:shade val="67500"/>
+                  <a:satMod val="115000"/>
+                </a:schemeClr>
+              </a:gs>
+              <a:gs pos="64000">
+                <a:schemeClr val="bg1">
+                  <a:shade val="100000"/>
+                  <a:satMod val="115000"/>
+                </a:schemeClr>
+              </a:gs>
+            </a:gsLst>
+            <a:lin ang="10800000" scaled="1"/>
+            <a:tileRect/>
+          </a:gradFill>
+          <a:ln>
+            <a:noFill/>
+          </a:ln>
+          <a:effectLst>
+            <a:outerShdw blurRad="228600" dist="76200" dir="16200000" rotWithShape="0">
+              <a:prstClr val="black">
+                <a:alpha val="40000"/>
+              </a:prstClr>
+            </a:outerShdw>
+          </a:effectLst>
+        </p:spPr>
+        <p:style>
+          <a:lnRef idx="2">
+            <a:schemeClr val="accent1">
+              <a:shade val="50000"/>
+            </a:schemeClr>
+          </a:lnRef>
+          <a:fillRef idx="1">
+            <a:schemeClr val="accent1"/>
+          </a:fillRef>
+          <a:effectRef idx="0">
+            <a:schemeClr val="accent1"/>
+          </a:effectRef>
+          <a:fontRef idx="minor">
+            <a:schemeClr val="lt1"/>
+          </a:fontRef>
+        </p:style>
+        <p:txBody>
+          <a:bodyPr lIns="91440" tIns="45720" rIns="91440" bIns="45720" rtlCol="0" anchor="ctr"/>
+          <a:lstStyle/>
+          <a:p>
+            <a:pPr algn="ctr"/>
+            <a:endParaRPr lang="ko-KR" altLang="en-US" sz="2400">
+              <a:latin typeface="나눔바른고딕" panose="020B0603020101020101" pitchFamily="50" charset="-127"/>
+              <a:ea typeface="나눔바른고딕" panose="020B0603020101020101" pitchFamily="50" charset="-127"/>
+            </a:endParaRPr>
+          </a:p>
+        </p:txBody>
+      </p:sp>
+      <p:grpSp>
+        <p:nvGrpSpPr>
+          <p:cNvPr id="2" name="그룹 1"/>
+          <p:cNvGrpSpPr/>
+          <p:nvPr/>
+        </p:nvGrpSpPr>
+        <p:grpSpPr>
+          <a:xfrm>
+            <a:off x="143104" y="68627"/>
+            <a:ext cx="768321" cy="6704028"/>
+            <a:chOff x="586490" y="739768"/>
+            <a:chExt cx="1017302" cy="5420168"/>
+          </a:xfrm>
+        </p:grpSpPr>
+        <p:sp>
+          <p:nvSpPr>
+            <p:cNvPr id="39" name="자유형 38"/>
+            <p:cNvSpPr/>
+            <p:nvPr/>
+          </p:nvSpPr>
+          <p:spPr>
+            <a:xfrm rot="10800000">
+              <a:off x="586490" y="1041378"/>
+              <a:ext cx="1017302" cy="4991063"/>
+            </a:xfrm>
+            <a:custGeom>
+              <a:avLst/>
+              <a:gdLst>
+                <a:gd name="connsiteX0" fmla="*/ 194310 w 388620"/>
+                <a:gd name="connsiteY0" fmla="*/ 0 h 2927235"/>
+                <a:gd name="connsiteX1" fmla="*/ 388620 w 388620"/>
+                <a:gd name="connsiteY1" fmla="*/ 194310 h 2927235"/>
+                <a:gd name="connsiteX2" fmla="*/ 388620 w 388620"/>
+                <a:gd name="connsiteY2" fmla="*/ 2927235 h 2927235"/>
+                <a:gd name="connsiteX3" fmla="*/ 379599 w 388620"/>
+                <a:gd name="connsiteY3" fmla="*/ 2898175 h 2927235"/>
+                <a:gd name="connsiteX4" fmla="*/ 194310 w 388620"/>
+                <a:gd name="connsiteY4" fmla="*/ 2775357 h 2927235"/>
+                <a:gd name="connsiteX5" fmla="*/ 9021 w 388620"/>
+                <a:gd name="connsiteY5" fmla="*/ 2898175 h 2927235"/>
+                <a:gd name="connsiteX6" fmla="*/ 0 w 388620"/>
+                <a:gd name="connsiteY6" fmla="*/ 2927235 h 2927235"/>
+                <a:gd name="connsiteX7" fmla="*/ 0 w 388620"/>
+                <a:gd name="connsiteY7" fmla="*/ 194310 h 2927235"/>
+                <a:gd name="connsiteX8" fmla="*/ 194310 w 388620"/>
+                <a:gd name="connsiteY8" fmla="*/ 0 h 2927235"/>
+              </a:gdLst>
+              <a:ahLst/>
+              <a:cxnLst>
+                <a:cxn ang="0">
+                  <a:pos x="connsiteX0" y="connsiteY0"/>
+                </a:cxn>
+                <a:cxn ang="0">
+                  <a:pos x="connsiteX1" y="connsiteY1"/>
+                </a:cxn>
+                <a:cxn ang="0">
+                  <a:pos x="connsiteX2" y="connsiteY2"/>
+                </a:cxn>
+                <a:cxn ang="0">
+                  <a:pos x="connsiteX3" y="connsiteY3"/>
+                </a:cxn>
+                <a:cxn ang="0">
+                  <a:pos x="connsiteX4" y="connsiteY4"/>
+                </a:cxn>
+                <a:cxn ang="0">
+                  <a:pos x="connsiteX5" y="connsiteY5"/>
+                </a:cxn>
+                <a:cxn ang="0">
+                  <a:pos x="connsiteX6" y="connsiteY6"/>
+                </a:cxn>
+                <a:cxn ang="0">
+                  <a:pos x="connsiteX7" y="connsiteY7"/>
+                </a:cxn>
+                <a:cxn ang="0">
+                  <a:pos x="connsiteX8" y="connsiteY8"/>
+                </a:cxn>
+              </a:cxnLst>
+              <a:rect l="l" t="t" r="r" b="b"/>
+              <a:pathLst>
+                <a:path w="388620" h="2927235">
+                  <a:moveTo>
+                    <a:pt x="194310" y="0"/>
+                  </a:moveTo>
+                  <a:cubicBezTo>
+                    <a:pt x="301624" y="0"/>
+                    <a:pt x="388620" y="86996"/>
+                    <a:pt x="388620" y="194310"/>
+                  </a:cubicBezTo>
+                  <a:lnTo>
+                    <a:pt x="388620" y="2927235"/>
+                  </a:lnTo>
+                  <a:lnTo>
+                    <a:pt x="379599" y="2898175"/>
+                  </a:lnTo>
+                  <a:cubicBezTo>
+                    <a:pt x="349072" y="2826000"/>
+                    <a:pt x="277605" y="2775357"/>
+                    <a:pt x="194310" y="2775357"/>
+                  </a:cubicBezTo>
+                  <a:cubicBezTo>
+                    <a:pt x="111015" y="2775357"/>
+                    <a:pt x="39548" y="2826000"/>
+                    <a:pt x="9021" y="2898175"/>
+                  </a:cubicBezTo>
+                  <a:lnTo>
+                    <a:pt x="0" y="2927235"/>
+                  </a:lnTo>
+                  <a:lnTo>
+                    <a:pt x="0" y="194310"/>
+                  </a:lnTo>
+                  <a:cubicBezTo>
+                    <a:pt x="0" y="86996"/>
+                    <a:pt x="86996" y="0"/>
+                    <a:pt x="194310" y="0"/>
+                  </a:cubicBezTo>
+                  <a:close/>
+                </a:path>
+              </a:pathLst>
+            </a:custGeom>
+            <a:gradFill flip="none" rotWithShape="1">
+              <a:gsLst>
+                <a:gs pos="0">
+                  <a:schemeClr val="bg1">
+                    <a:shade val="67500"/>
+                    <a:satMod val="115000"/>
+                  </a:schemeClr>
+                </a:gs>
+                <a:gs pos="100000">
+                  <a:schemeClr val="bg1">
+                    <a:shade val="100000"/>
+                    <a:satMod val="115000"/>
+                  </a:schemeClr>
+                </a:gs>
+              </a:gsLst>
+              <a:lin ang="10800000" scaled="1"/>
+              <a:tileRect/>
+            </a:gradFill>
+            <a:ln>
+              <a:noFill/>
+            </a:ln>
+            <a:effectLst>
+              <a:outerShdw blurRad="88900" dist="139700" dir="5400000" sx="98000" sy="98000" algn="t" rotWithShape="0">
+                <a:prstClr val="black">
+                  <a:alpha val="40000"/>
+                </a:prstClr>
+              </a:outerShdw>
+            </a:effectLst>
+          </p:spPr>
+          <p:style>
+            <a:lnRef idx="2">
+              <a:schemeClr val="accent1">
+                <a:shade val="50000"/>
+              </a:schemeClr>
+            </a:lnRef>
+            <a:fillRef idx="1">
+              <a:schemeClr val="accent1"/>
+            </a:fillRef>
+            <a:effectRef idx="0">
+              <a:schemeClr val="accent1"/>
+            </a:effectRef>
+            <a:fontRef idx="minor">
+              <a:schemeClr val="lt1"/>
+            </a:fontRef>
+          </p:style>
+          <p:txBody>
+            <a:bodyPr rtlCol="0" anchor="ctr"/>
+            <a:lstStyle/>
+            <a:p>
+              <a:pPr algn="ctr"/>
+              <a:endParaRPr lang="ko-KR" altLang="en-US" sz="2400">
+                <a:latin typeface="나눔바른고딕" panose="020B0603020101020101" pitchFamily="50" charset="-127"/>
+                <a:ea typeface="나눔바른고딕" panose="020B0603020101020101" pitchFamily="50" charset="-127"/>
+              </a:endParaRPr>
+            </a:p>
+          </p:txBody>
+        </p:sp>
+        <p:sp>
+          <p:nvSpPr>
+            <p:cNvPr id="40" name="자유형 39"/>
+            <p:cNvSpPr/>
+            <p:nvPr/>
+          </p:nvSpPr>
+          <p:spPr>
+            <a:xfrm rot="10800000">
+              <a:off x="754421" y="2816677"/>
+              <a:ext cx="681439" cy="3343259"/>
+            </a:xfrm>
+            <a:custGeom>
+              <a:avLst/>
+              <a:gdLst>
+                <a:gd name="connsiteX0" fmla="*/ 194310 w 388620"/>
+                <a:gd name="connsiteY0" fmla="*/ 0 h 2927235"/>
+                <a:gd name="connsiteX1" fmla="*/ 388620 w 388620"/>
+                <a:gd name="connsiteY1" fmla="*/ 194310 h 2927235"/>
+                <a:gd name="connsiteX2" fmla="*/ 388620 w 388620"/>
+                <a:gd name="connsiteY2" fmla="*/ 2927235 h 2927235"/>
+                <a:gd name="connsiteX3" fmla="*/ 379599 w 388620"/>
+                <a:gd name="connsiteY3" fmla="*/ 2898175 h 2927235"/>
+                <a:gd name="connsiteX4" fmla="*/ 194310 w 388620"/>
+                <a:gd name="connsiteY4" fmla="*/ 2775357 h 2927235"/>
+                <a:gd name="connsiteX5" fmla="*/ 9021 w 388620"/>
+                <a:gd name="connsiteY5" fmla="*/ 2898175 h 2927235"/>
+                <a:gd name="connsiteX6" fmla="*/ 0 w 388620"/>
+                <a:gd name="connsiteY6" fmla="*/ 2927235 h 2927235"/>
+                <a:gd name="connsiteX7" fmla="*/ 0 w 388620"/>
+                <a:gd name="connsiteY7" fmla="*/ 194310 h 2927235"/>
+                <a:gd name="connsiteX8" fmla="*/ 194310 w 388620"/>
+                <a:gd name="connsiteY8" fmla="*/ 0 h 2927235"/>
+              </a:gdLst>
+              <a:ahLst/>
+              <a:cxnLst>
+                <a:cxn ang="0">
+                  <a:pos x="connsiteX0" y="connsiteY0"/>
+                </a:cxn>
+                <a:cxn ang="0">
+                  <a:pos x="connsiteX1" y="connsiteY1"/>
+                </a:cxn>
+                <a:cxn ang="0">
+                  <a:pos x="connsiteX2" y="connsiteY2"/>
+                </a:cxn>
+                <a:cxn ang="0">
+                  <a:pos x="connsiteX3" y="connsiteY3"/>
+                </a:cxn>
+                <a:cxn ang="0">
+                  <a:pos x="connsiteX4" y="connsiteY4"/>
+                </a:cxn>
+                <a:cxn ang="0">
+                  <a:pos x="connsiteX5" y="connsiteY5"/>
+                </a:cxn>
+                <a:cxn ang="0">
+                  <a:pos x="connsiteX6" y="connsiteY6"/>
+                </a:cxn>
+                <a:cxn ang="0">
+                  <a:pos x="connsiteX7" y="connsiteY7"/>
+                </a:cxn>
+                <a:cxn ang="0">
+                  <a:pos x="connsiteX8" y="connsiteY8"/>
+                </a:cxn>
+              </a:cxnLst>
+              <a:rect l="l" t="t" r="r" b="b"/>
+              <a:pathLst>
+                <a:path w="388620" h="2927235">
+                  <a:moveTo>
+                    <a:pt x="194310" y="0"/>
+                  </a:moveTo>
+                  <a:cubicBezTo>
+                    <a:pt x="301624" y="0"/>
+                    <a:pt x="388620" y="86996"/>
+                    <a:pt x="388620" y="194310"/>
+                  </a:cubicBezTo>
+                  <a:lnTo>
+                    <a:pt x="388620" y="2927235"/>
+                  </a:lnTo>
+                  <a:lnTo>
+                    <a:pt x="379599" y="2898175"/>
+                  </a:lnTo>
+                  <a:cubicBezTo>
+                    <a:pt x="349072" y="2826000"/>
+                    <a:pt x="277605" y="2775357"/>
+                    <a:pt x="194310" y="2775357"/>
+                  </a:cubicBezTo>
+                  <a:cubicBezTo>
+                    <a:pt x="111015" y="2775357"/>
+                    <a:pt x="39548" y="2826000"/>
+                    <a:pt x="9021" y="2898175"/>
+                  </a:cubicBezTo>
+                  <a:lnTo>
+                    <a:pt x="0" y="2927235"/>
+                  </a:lnTo>
+                  <a:lnTo>
+                    <a:pt x="0" y="194310"/>
+                  </a:lnTo>
+                  <a:cubicBezTo>
+                    <a:pt x="0" y="86996"/>
+                    <a:pt x="86996" y="0"/>
+                    <a:pt x="194310" y="0"/>
+                  </a:cubicBezTo>
+                  <a:close/>
+                </a:path>
+              </a:pathLst>
+            </a:custGeom>
+            <a:gradFill flip="none" rotWithShape="1">
+              <a:gsLst>
+                <a:gs pos="0">
+                  <a:schemeClr val="bg1">
+                    <a:shade val="67500"/>
+                    <a:satMod val="115000"/>
+                  </a:schemeClr>
+                </a:gs>
+                <a:gs pos="100000">
+                  <a:schemeClr val="bg1">
+                    <a:shade val="100000"/>
+                    <a:satMod val="115000"/>
+                  </a:schemeClr>
+                </a:gs>
+              </a:gsLst>
+              <a:lin ang="10800000" scaled="1"/>
+              <a:tileRect/>
+            </a:gradFill>
+            <a:ln>
+              <a:noFill/>
+            </a:ln>
+            <a:effectLst>
+              <a:outerShdw blurRad="88900" dist="139700" dir="5400000" sx="98000" sy="98000" algn="t" rotWithShape="0">
+                <a:prstClr val="black">
+                  <a:alpha val="40000"/>
+                </a:prstClr>
+              </a:outerShdw>
+            </a:effectLst>
+          </p:spPr>
+          <p:style>
+            <a:lnRef idx="2">
+              <a:schemeClr val="accent1">
+                <a:shade val="50000"/>
+              </a:schemeClr>
+            </a:lnRef>
+            <a:fillRef idx="1">
+              <a:schemeClr val="accent1"/>
+            </a:fillRef>
+            <a:effectRef idx="0">
+              <a:schemeClr val="accent1"/>
+            </a:effectRef>
+            <a:fontRef idx="minor">
+              <a:schemeClr val="lt1"/>
+            </a:fontRef>
+          </p:style>
+          <p:txBody>
+            <a:bodyPr rtlCol="0" anchor="ctr"/>
+            <a:lstStyle/>
+            <a:p>
+              <a:pPr algn="ctr"/>
+              <a:endParaRPr lang="ko-KR" altLang="en-US" sz="2400">
+                <a:latin typeface="나눔바른고딕" panose="020B0603020101020101" pitchFamily="50" charset="-127"/>
+                <a:ea typeface="나눔바른고딕" panose="020B0603020101020101" pitchFamily="50" charset="-127"/>
+              </a:endParaRPr>
+            </a:p>
+          </p:txBody>
+        </p:sp>
+        <p:sp>
+          <p:nvSpPr>
+            <p:cNvPr id="41" name="자유형 40"/>
+            <p:cNvSpPr/>
+            <p:nvPr/>
+          </p:nvSpPr>
+          <p:spPr>
+            <a:xfrm>
+              <a:off x="754421" y="2614644"/>
+              <a:ext cx="681439" cy="3343259"/>
+            </a:xfrm>
+            <a:custGeom>
+              <a:avLst/>
+              <a:gdLst>
+                <a:gd name="connsiteX0" fmla="*/ 194310 w 388620"/>
+                <a:gd name="connsiteY0" fmla="*/ 0 h 2927235"/>
+                <a:gd name="connsiteX1" fmla="*/ 388620 w 388620"/>
+                <a:gd name="connsiteY1" fmla="*/ 194310 h 2927235"/>
+                <a:gd name="connsiteX2" fmla="*/ 388620 w 388620"/>
+                <a:gd name="connsiteY2" fmla="*/ 2927235 h 2927235"/>
+                <a:gd name="connsiteX3" fmla="*/ 379599 w 388620"/>
+                <a:gd name="connsiteY3" fmla="*/ 2898175 h 2927235"/>
+                <a:gd name="connsiteX4" fmla="*/ 194310 w 388620"/>
+                <a:gd name="connsiteY4" fmla="*/ 2775357 h 2927235"/>
+                <a:gd name="connsiteX5" fmla="*/ 9021 w 388620"/>
+                <a:gd name="connsiteY5" fmla="*/ 2898175 h 2927235"/>
+                <a:gd name="connsiteX6" fmla="*/ 0 w 388620"/>
+                <a:gd name="connsiteY6" fmla="*/ 2927235 h 2927235"/>
+                <a:gd name="connsiteX7" fmla="*/ 0 w 388620"/>
+                <a:gd name="connsiteY7" fmla="*/ 194310 h 2927235"/>
+                <a:gd name="connsiteX8" fmla="*/ 194310 w 388620"/>
+                <a:gd name="connsiteY8" fmla="*/ 0 h 2927235"/>
+              </a:gdLst>
+              <a:ahLst/>
+              <a:cxnLst>
+                <a:cxn ang="0">
+                  <a:pos x="connsiteX0" y="connsiteY0"/>
+                </a:cxn>
+                <a:cxn ang="0">
+                  <a:pos x="connsiteX1" y="connsiteY1"/>
+                </a:cxn>
+                <a:cxn ang="0">
+                  <a:pos x="connsiteX2" y="connsiteY2"/>
+                </a:cxn>
+                <a:cxn ang="0">
+                  <a:pos x="connsiteX3" y="connsiteY3"/>
+                </a:cxn>
+                <a:cxn ang="0">
+                  <a:pos x="connsiteX4" y="connsiteY4"/>
+                </a:cxn>
+                <a:cxn ang="0">
+                  <a:pos x="connsiteX5" y="connsiteY5"/>
+                </a:cxn>
+                <a:cxn ang="0">
+                  <a:pos x="connsiteX6" y="connsiteY6"/>
+                </a:cxn>
+                <a:cxn ang="0">
+                  <a:pos x="connsiteX7" y="connsiteY7"/>
+                </a:cxn>
+                <a:cxn ang="0">
+                  <a:pos x="connsiteX8" y="connsiteY8"/>
+                </a:cxn>
+              </a:cxnLst>
+              <a:rect l="l" t="t" r="r" b="b"/>
+              <a:pathLst>
+                <a:path w="388620" h="2927235">
+                  <a:moveTo>
+                    <a:pt x="194310" y="0"/>
+                  </a:moveTo>
+                  <a:cubicBezTo>
+                    <a:pt x="301624" y="0"/>
+                    <a:pt x="388620" y="86996"/>
+                    <a:pt x="388620" y="194310"/>
+                  </a:cubicBezTo>
+                  <a:lnTo>
+                    <a:pt x="388620" y="2927235"/>
+                  </a:lnTo>
+                  <a:lnTo>
+                    <a:pt x="379599" y="2898175"/>
+                  </a:lnTo>
+                  <a:cubicBezTo>
+                    <a:pt x="349072" y="2826000"/>
+                    <a:pt x="277605" y="2775357"/>
+                    <a:pt x="194310" y="2775357"/>
+                  </a:cubicBezTo>
+                  <a:cubicBezTo>
+                    <a:pt x="111015" y="2775357"/>
+                    <a:pt x="39548" y="2826000"/>
+                    <a:pt x="9021" y="2898175"/>
+                  </a:cubicBezTo>
+                  <a:lnTo>
+                    <a:pt x="0" y="2927235"/>
+                  </a:lnTo>
+                  <a:lnTo>
+                    <a:pt x="0" y="194310"/>
+                  </a:lnTo>
+                  <a:cubicBezTo>
+                    <a:pt x="0" y="86996"/>
+                    <a:pt x="86996" y="0"/>
+                    <a:pt x="194310" y="0"/>
+                  </a:cubicBezTo>
+                  <a:close/>
+                </a:path>
+              </a:pathLst>
+            </a:custGeom>
+            <a:gradFill flip="none" rotWithShape="1">
+              <a:gsLst>
+                <a:gs pos="0">
+                  <a:schemeClr val="bg1">
+                    <a:shade val="67500"/>
+                    <a:satMod val="115000"/>
+                  </a:schemeClr>
+                </a:gs>
+                <a:gs pos="100000">
+                  <a:schemeClr val="bg1">
+                    <a:shade val="100000"/>
+                    <a:satMod val="115000"/>
+                  </a:schemeClr>
+                </a:gs>
+              </a:gsLst>
+              <a:lin ang="10800000" scaled="1"/>
+              <a:tileRect/>
+            </a:gradFill>
+            <a:ln>
+              <a:noFill/>
+            </a:ln>
+            <a:effectLst>
+              <a:outerShdw blurRad="88900" dist="139700" dir="5400000" sx="98000" sy="98000" algn="t" rotWithShape="0">
+                <a:prstClr val="black">
+                  <a:alpha val="40000"/>
+                </a:prstClr>
+              </a:outerShdw>
+            </a:effectLst>
+          </p:spPr>
+          <p:style>
+            <a:lnRef idx="2">
+              <a:schemeClr val="accent1">
+                <a:shade val="50000"/>
+              </a:schemeClr>
+            </a:lnRef>
+            <a:fillRef idx="1">
+              <a:schemeClr val="accent1"/>
+            </a:fillRef>
+            <a:effectRef idx="0">
+              <a:schemeClr val="accent1"/>
+            </a:effectRef>
+            <a:fontRef idx="minor">
+              <a:schemeClr val="lt1"/>
+            </a:fontRef>
+          </p:style>
+          <p:txBody>
+            <a:bodyPr rtlCol="0" anchor="ctr"/>
+            <a:lstStyle/>
+            <a:p>
+              <a:pPr algn="ctr"/>
+              <a:endParaRPr lang="ko-KR" altLang="en-US" sz="2400">
+                <a:latin typeface="나눔바른고딕" panose="020B0603020101020101" pitchFamily="50" charset="-127"/>
+                <a:ea typeface="나눔바른고딕" panose="020B0603020101020101" pitchFamily="50" charset="-127"/>
+              </a:endParaRPr>
+            </a:p>
+          </p:txBody>
+        </p:sp>
+        <p:sp>
+          <p:nvSpPr>
+            <p:cNvPr id="42" name="자유형 41"/>
+            <p:cNvSpPr/>
+            <p:nvPr/>
+          </p:nvSpPr>
+          <p:spPr>
+            <a:xfrm>
+              <a:off x="586490" y="739768"/>
+              <a:ext cx="1017302" cy="4991063"/>
+            </a:xfrm>
+            <a:custGeom>
+              <a:avLst/>
+              <a:gdLst>
+                <a:gd name="connsiteX0" fmla="*/ 194310 w 388620"/>
+                <a:gd name="connsiteY0" fmla="*/ 0 h 2927235"/>
+                <a:gd name="connsiteX1" fmla="*/ 388620 w 388620"/>
+                <a:gd name="connsiteY1" fmla="*/ 194310 h 2927235"/>
+                <a:gd name="connsiteX2" fmla="*/ 388620 w 388620"/>
+                <a:gd name="connsiteY2" fmla="*/ 2927235 h 2927235"/>
+                <a:gd name="connsiteX3" fmla="*/ 379599 w 388620"/>
+                <a:gd name="connsiteY3" fmla="*/ 2898175 h 2927235"/>
+                <a:gd name="connsiteX4" fmla="*/ 194310 w 388620"/>
+                <a:gd name="connsiteY4" fmla="*/ 2775357 h 2927235"/>
+                <a:gd name="connsiteX5" fmla="*/ 9021 w 388620"/>
+                <a:gd name="connsiteY5" fmla="*/ 2898175 h 2927235"/>
+                <a:gd name="connsiteX6" fmla="*/ 0 w 388620"/>
+                <a:gd name="connsiteY6" fmla="*/ 2927235 h 2927235"/>
+                <a:gd name="connsiteX7" fmla="*/ 0 w 388620"/>
+                <a:gd name="connsiteY7" fmla="*/ 194310 h 2927235"/>
+                <a:gd name="connsiteX8" fmla="*/ 194310 w 388620"/>
+                <a:gd name="connsiteY8" fmla="*/ 0 h 2927235"/>
+              </a:gdLst>
+              <a:ahLst/>
+              <a:cxnLst>
+                <a:cxn ang="0">
+                  <a:pos x="connsiteX0" y="connsiteY0"/>
+                </a:cxn>
+                <a:cxn ang="0">
+                  <a:pos x="connsiteX1" y="connsiteY1"/>
+                </a:cxn>
+                <a:cxn ang="0">
+                  <a:pos x="connsiteX2" y="connsiteY2"/>
+                </a:cxn>
+                <a:cxn ang="0">
+                  <a:pos x="connsiteX3" y="connsiteY3"/>
+                </a:cxn>
+                <a:cxn ang="0">
+                  <a:pos x="connsiteX4" y="connsiteY4"/>
+                </a:cxn>
+                <a:cxn ang="0">
+                  <a:pos x="connsiteX5" y="connsiteY5"/>
+                </a:cxn>
+                <a:cxn ang="0">
+                  <a:pos x="connsiteX6" y="connsiteY6"/>
+                </a:cxn>
+                <a:cxn ang="0">
+                  <a:pos x="connsiteX7" y="connsiteY7"/>
+                </a:cxn>
+                <a:cxn ang="0">
+                  <a:pos x="connsiteX8" y="connsiteY8"/>
+                </a:cxn>
+              </a:cxnLst>
+              <a:rect l="l" t="t" r="r" b="b"/>
+              <a:pathLst>
+                <a:path w="388620" h="2927235">
+                  <a:moveTo>
+                    <a:pt x="194310" y="0"/>
+                  </a:moveTo>
+                  <a:cubicBezTo>
+                    <a:pt x="301624" y="0"/>
+                    <a:pt x="388620" y="86996"/>
+                    <a:pt x="388620" y="194310"/>
+                  </a:cubicBezTo>
+                  <a:lnTo>
+                    <a:pt x="388620" y="2927235"/>
+                  </a:lnTo>
+                  <a:lnTo>
+                    <a:pt x="379599" y="2898175"/>
+                  </a:lnTo>
+                  <a:cubicBezTo>
+                    <a:pt x="349072" y="2826000"/>
+                    <a:pt x="277605" y="2775357"/>
+                    <a:pt x="194310" y="2775357"/>
+                  </a:cubicBezTo>
+                  <a:cubicBezTo>
+                    <a:pt x="111015" y="2775357"/>
+                    <a:pt x="39548" y="2826000"/>
+                    <a:pt x="9021" y="2898175"/>
+                  </a:cubicBezTo>
+                  <a:lnTo>
+                    <a:pt x="0" y="2927235"/>
+                  </a:lnTo>
+                  <a:lnTo>
+                    <a:pt x="0" y="194310"/>
+                  </a:lnTo>
+                  <a:cubicBezTo>
+                    <a:pt x="0" y="86996"/>
+                    <a:pt x="86996" y="0"/>
+                    <a:pt x="194310" y="0"/>
+                  </a:cubicBezTo>
+                  <a:close/>
+                </a:path>
+              </a:pathLst>
+            </a:custGeom>
+            <a:gradFill flip="none" rotWithShape="1">
+              <a:gsLst>
+                <a:gs pos="0">
+                  <a:schemeClr val="bg1">
+                    <a:shade val="67500"/>
+                    <a:satMod val="115000"/>
+                  </a:schemeClr>
+                </a:gs>
+                <a:gs pos="100000">
+                  <a:schemeClr val="bg1">
+                    <a:shade val="100000"/>
+                    <a:satMod val="115000"/>
+                  </a:schemeClr>
+                </a:gs>
+              </a:gsLst>
+              <a:lin ang="10800000" scaled="1"/>
+              <a:tileRect/>
+            </a:gradFill>
+            <a:ln>
+              <a:noFill/>
+            </a:ln>
+            <a:effectLst>
+              <a:outerShdw blurRad="88900" dist="139700" dir="5400000" sx="98000" sy="98000" algn="t" rotWithShape="0">
+                <a:prstClr val="black">
+                  <a:alpha val="40000"/>
+                </a:prstClr>
+              </a:outerShdw>
+            </a:effectLst>
+          </p:spPr>
+          <p:style>
+            <a:lnRef idx="2">
+              <a:schemeClr val="accent1">
+                <a:shade val="50000"/>
+              </a:schemeClr>
+            </a:lnRef>
+            <a:fillRef idx="1">
+              <a:schemeClr val="accent1"/>
+            </a:fillRef>
+            <a:effectRef idx="0">
+              <a:schemeClr val="accent1"/>
+            </a:effectRef>
+            <a:fontRef idx="minor">
+              <a:schemeClr val="lt1"/>
+            </a:fontRef>
+          </p:style>
+          <p:txBody>
+            <a:bodyPr rtlCol="0" anchor="ctr"/>
+            <a:lstStyle/>
+            <a:p>
+              <a:pPr algn="ctr"/>
+              <a:endParaRPr lang="ko-KR" altLang="en-US" sz="2400">
+                <a:latin typeface="나눔바른고딕" panose="020B0603020101020101" pitchFamily="50" charset="-127"/>
+                <a:ea typeface="나눔바른고딕" panose="020B0603020101020101" pitchFamily="50" charset="-127"/>
+              </a:endParaRPr>
+            </a:p>
+          </p:txBody>
+        </p:sp>
+      </p:grpSp>
+      <p:graphicFrame>
+        <p:nvGraphicFramePr>
+          <p:cNvPr id="4" name="표 3"/>
+          <p:cNvGraphicFramePr>
+            <a:graphicFrameLocks noGrp="1"/>
+          </p:cNvGraphicFramePr>
+          <p:nvPr>
+            <p:extLst/>
+          </p:nvPr>
+        </p:nvGraphicFramePr>
+        <p:xfrm>
+          <a:off x="9168341" y="1433634"/>
+          <a:ext cx="2688299" cy="915066"/>
+        </p:xfrm>
+        <a:graphic>
+          <a:graphicData uri="http://schemas.openxmlformats.org/drawingml/2006/table">
+            <a:tbl>
+              <a:tblPr firstRow="1" bandRow="1"/>
+              <a:tblGrid>
+                <a:gridCol w="2688299"/>
+              </a:tblGrid>
+              <a:tr h="424495">
+                <a:tc>
+                  <a:txBody>
+                    <a:bodyPr/>
+                    <a:lstStyle/>
+                    <a:p>
+                      <a:pPr algn="ctr" latinLnBrk="1"/>
+                      <a:r>
+                        <a:rPr lang="ko-KR" altLang="en-US" sz="1200" b="1" dirty="0" smtClean="0">
+                          <a:solidFill>
+                            <a:schemeClr val="tx1"/>
+                          </a:solidFill>
+                          <a:latin typeface="나눔바른고딕" panose="020B0603020101020101" pitchFamily="50" charset="-127"/>
+                          <a:ea typeface="나눔바른고딕" panose="020B0603020101020101" pitchFamily="50" charset="-127"/>
+                        </a:rPr>
+                        <a:t>화면코드</a:t>
+                      </a:r>
+                      <a:endParaRPr lang="ko-KR" altLang="en-US" sz="1200" b="1" dirty="0">
+                        <a:solidFill>
+                          <a:schemeClr val="tx1"/>
+                        </a:solidFill>
+                        <a:latin typeface="나눔바른고딕" panose="020B0603020101020101" pitchFamily="50" charset="-127"/>
+                        <a:ea typeface="나눔바른고딕" panose="020B0603020101020101" pitchFamily="50" charset="-127"/>
+                      </a:endParaRPr>
+                    </a:p>
+                  </a:txBody>
+                  <a:tcPr marL="121920" marR="121920" marT="60960" marB="60960" anchor="ctr">
+                    <a:solidFill>
+                      <a:srgbClr val="FF9E00"/>
+                    </a:solidFill>
+                  </a:tcPr>
+                </a:tc>
+              </a:tr>
+              <a:tr h="490571">
+                <a:tc>
+                  <a:txBody>
+                    <a:bodyPr/>
+                    <a:lstStyle/>
+                    <a:p>
+                      <a:pPr algn="ctr" latinLnBrk="1"/>
+                      <a:endParaRPr lang="ko-KR" altLang="en-US" sz="1500" dirty="0">
+                        <a:latin typeface="나눔바른고딕" panose="020B0603020101020101" pitchFamily="50" charset="-127"/>
+                        <a:ea typeface="나눔바른고딕" panose="020B0603020101020101" pitchFamily="50" charset="-127"/>
+                      </a:endParaRPr>
+                    </a:p>
+                  </a:txBody>
+                  <a:tcPr marL="121920" marR="121920" marT="60960" marB="60960" anchor="ctr"/>
+                </a:tc>
+              </a:tr>
+            </a:tbl>
+          </a:graphicData>
+        </a:graphic>
+      </p:graphicFrame>
+      <p:sp>
+        <p:nvSpPr>
+          <p:cNvPr id="19" name="직사각형 18"/>
+          <p:cNvSpPr/>
+          <p:nvPr/>
+        </p:nvSpPr>
+        <p:spPr>
+          <a:xfrm>
+            <a:off x="1081171" y="1433634"/>
+            <a:ext cx="7895148" cy="4875687"/>
+          </a:xfrm>
+          <a:prstGeom prst="rect">
+            <a:avLst/>
+          </a:prstGeom>
+          <a:noFill/>
+          <a:ln w="9525">
+            <a:solidFill>
+              <a:schemeClr val="tx1"/>
+            </a:solidFill>
+          </a:ln>
+        </p:spPr>
+        <p:style>
+          <a:lnRef idx="2">
+            <a:schemeClr val="accent1">
+              <a:shade val="50000"/>
+            </a:schemeClr>
+          </a:lnRef>
+          <a:fillRef idx="1">
+            <a:schemeClr val="accent1"/>
+          </a:fillRef>
+          <a:effectRef idx="0">
+            <a:schemeClr val="accent1"/>
+          </a:effectRef>
+          <a:fontRef idx="minor">
+            <a:schemeClr val="lt1"/>
+          </a:fontRef>
+        </p:style>
+        <p:txBody>
+          <a:bodyPr rtlCol="0" anchor="ctr"/>
+          <a:lstStyle/>
+          <a:p>
+            <a:pPr algn="ctr"/>
+            <a:endParaRPr lang="ko-KR" altLang="en-US" sz="2400">
+              <a:noFill/>
+              <a:latin typeface="나눔바른고딕" panose="020B0603020101020101" pitchFamily="50" charset="-127"/>
+              <a:ea typeface="나눔바른고딕" panose="020B0603020101020101" pitchFamily="50" charset="-127"/>
+            </a:endParaRPr>
+          </a:p>
+        </p:txBody>
+      </p:sp>
+      <p:graphicFrame>
+        <p:nvGraphicFramePr>
+          <p:cNvPr id="6" name="표 5"/>
+          <p:cNvGraphicFramePr>
+            <a:graphicFrameLocks noGrp="1"/>
+          </p:cNvGraphicFramePr>
+          <p:nvPr>
+            <p:extLst/>
+          </p:nvPr>
+        </p:nvGraphicFramePr>
+        <p:xfrm>
+          <a:off x="9168341" y="2479152"/>
+          <a:ext cx="2688299" cy="3570331"/>
+        </p:xfrm>
+        <a:graphic>
+          <a:graphicData uri="http://schemas.openxmlformats.org/drawingml/2006/table">
+            <a:tbl>
+              <a:tblPr firstRow="1" bandRow="1"/>
+              <a:tblGrid>
+                <a:gridCol w="280507"/>
+                <a:gridCol w="2407792"/>
+              </a:tblGrid>
+              <a:tr h="469796">
+                <a:tc>
+                  <a:txBody>
+                    <a:bodyPr/>
+                    <a:lstStyle/>
+                    <a:p>
+                      <a:pPr algn="ctr" latinLnBrk="0"/>
+                      <a:r>
+                        <a:rPr lang="en-US" altLang="ko-KR" sz="1200" b="1" dirty="0" smtClean="0">
+                          <a:latin typeface="나눔바른고딕" panose="020B0603020101020101" pitchFamily="50" charset="-127"/>
+                          <a:ea typeface="나눔바른고딕" panose="020B0603020101020101" pitchFamily="50" charset="-127"/>
+                        </a:rPr>
+                        <a:t>#</a:t>
+                      </a:r>
+                      <a:endParaRPr lang="ko-KR" altLang="en-US" sz="1200" b="1" dirty="0">
+                        <a:latin typeface="나눔바른고딕" panose="020B0603020101020101" pitchFamily="50" charset="-127"/>
+                        <a:ea typeface="나눔바른고딕" panose="020B0603020101020101" pitchFamily="50" charset="-127"/>
+                      </a:endParaRPr>
+                    </a:p>
+                  </a:txBody>
+                  <a:tcPr marL="121920" marR="121920" marT="60960" marB="60960" anchor="ctr">
+                    <a:solidFill>
+                      <a:srgbClr val="FF9E00"/>
+                    </a:solidFill>
+                  </a:tcPr>
+                </a:tc>
+                <a:tc>
+                  <a:txBody>
+                    <a:bodyPr/>
+                    <a:lstStyle/>
+                    <a:p>
+                      <a:pPr algn="ctr" latinLnBrk="0"/>
+                      <a:r>
+                        <a:rPr lang="ko-KR" altLang="en-US" sz="1200" b="1" dirty="0" smtClean="0">
+                          <a:latin typeface="나눔바른고딕" panose="020B0603020101020101" pitchFamily="50" charset="-127"/>
+                          <a:ea typeface="나눔바른고딕" panose="020B0603020101020101" pitchFamily="50" charset="-127"/>
+                        </a:rPr>
+                        <a:t>기능</a:t>
+                      </a:r>
+                      <a:endParaRPr lang="ko-KR" altLang="en-US" sz="1200" b="1" dirty="0">
+                        <a:latin typeface="나눔바른고딕" panose="020B0603020101020101" pitchFamily="50" charset="-127"/>
+                        <a:ea typeface="나눔바른고딕" panose="020B0603020101020101" pitchFamily="50" charset="-127"/>
+                      </a:endParaRPr>
+                    </a:p>
+                  </a:txBody>
+                  <a:tcPr marL="121920" marR="121920" marT="60960" marB="60960" anchor="ctr">
+                    <a:solidFill>
+                      <a:srgbClr val="FF9E00"/>
+                    </a:solidFill>
+                  </a:tcPr>
+                </a:tc>
+              </a:tr>
+              <a:tr h="620107">
+                <a:tc>
+                  <a:txBody>
+                    <a:bodyPr/>
+                    <a:lstStyle/>
+                    <a:p>
+                      <a:pPr algn="ctr" latinLnBrk="0"/>
+                      <a:r>
+                        <a:rPr lang="en-US" altLang="ko-KR" sz="1300" dirty="0" smtClean="0">
+                          <a:latin typeface="나눔바른고딕" panose="020B0603020101020101" pitchFamily="50" charset="-127"/>
+                          <a:ea typeface="나눔바른고딕" panose="020B0603020101020101" pitchFamily="50" charset="-127"/>
+                        </a:rPr>
+                        <a:t>1</a:t>
+                      </a:r>
+                      <a:endParaRPr lang="ko-KR" altLang="en-US" sz="1300" dirty="0">
+                        <a:latin typeface="나눔바른고딕" panose="020B0603020101020101" pitchFamily="50" charset="-127"/>
+                        <a:ea typeface="나눔바른고딕" panose="020B0603020101020101" pitchFamily="50" charset="-127"/>
+                      </a:endParaRPr>
+                    </a:p>
+                  </a:txBody>
+                  <a:tcPr marL="121920" marR="121920" marT="60960" marB="60960" anchor="ctr"/>
+                </a:tc>
+                <a:tc>
+                  <a:txBody>
+                    <a:bodyPr/>
+                    <a:lstStyle/>
+                    <a:p>
+                      <a:pPr algn="l" latinLnBrk="0">
+                        <a:lnSpc>
+                          <a:spcPts val="1300"/>
+                        </a:lnSpc>
+                      </a:pPr>
+                      <a:r>
+                        <a:rPr lang="ko-KR" altLang="en-US" sz="1200" smtClean="0">
+                          <a:latin typeface="나눔바른고딕" panose="020B0603020101020101" pitchFamily="50" charset="-127"/>
+                          <a:ea typeface="나눔바른고딕" panose="020B0603020101020101" pitchFamily="50" charset="-127"/>
+                        </a:rPr>
+                        <a:t>등록된</a:t>
+                      </a:r>
+                      <a:r>
+                        <a:rPr lang="ko-KR" altLang="en-US" sz="1200" baseline="0" smtClean="0">
+                          <a:latin typeface="나눔바른고딕" panose="020B0603020101020101" pitchFamily="50" charset="-127"/>
+                          <a:ea typeface="나눔바른고딕" panose="020B0603020101020101" pitchFamily="50" charset="-127"/>
+                        </a:rPr>
+                        <a:t> 스토어 내용 보여짐</a:t>
+                      </a:r>
+                      <a:endParaRPr lang="ko-KR" altLang="en-US" sz="1200" dirty="0">
+                        <a:latin typeface="나눔바른고딕" panose="020B0603020101020101" pitchFamily="50" charset="-127"/>
+                        <a:ea typeface="나눔바른고딕" panose="020B0603020101020101" pitchFamily="50" charset="-127"/>
+                      </a:endParaRPr>
+                    </a:p>
+                  </a:txBody>
+                  <a:tcPr marL="121920" marR="121920" marT="60960" marB="60960"/>
+                </a:tc>
+              </a:tr>
+              <a:tr h="620107">
+                <a:tc>
+                  <a:txBody>
+                    <a:bodyPr/>
+                    <a:lstStyle/>
+                    <a:p>
+                      <a:pPr algn="ctr" latinLnBrk="0"/>
+                      <a:r>
+                        <a:rPr lang="en-US" altLang="ko-KR" sz="1300" dirty="0" smtClean="0">
+                          <a:latin typeface="나눔바른고딕" panose="020B0603020101020101" pitchFamily="50" charset="-127"/>
+                          <a:ea typeface="나눔바른고딕" panose="020B0603020101020101" pitchFamily="50" charset="-127"/>
+                        </a:rPr>
+                        <a:t>2</a:t>
+                      </a:r>
+                      <a:endParaRPr lang="ko-KR" altLang="en-US" sz="1300" dirty="0">
+                        <a:latin typeface="나눔바른고딕" panose="020B0603020101020101" pitchFamily="50" charset="-127"/>
+                        <a:ea typeface="나눔바른고딕" panose="020B0603020101020101" pitchFamily="50" charset="-127"/>
+                      </a:endParaRPr>
+                    </a:p>
+                  </a:txBody>
+                  <a:tcPr marL="121920" marR="121920" marT="60960" marB="60960" anchor="ctr"/>
+                </a:tc>
+                <a:tc>
+                  <a:txBody>
+                    <a:bodyPr/>
+                    <a:lstStyle/>
+                    <a:p>
+                      <a:pPr algn="l" latinLnBrk="0">
+                        <a:lnSpc>
+                          <a:spcPts val="1300"/>
+                        </a:lnSpc>
+                      </a:pPr>
+                      <a:r>
+                        <a:rPr lang="ko-KR" altLang="en-US" sz="1200" b="1" i="0" u="none" strike="noStrike" cap="none" smtClean="0">
+                          <a:solidFill>
+                            <a:srgbClr val="000000"/>
+                          </a:solidFill>
+                          <a:latin typeface="나눔바른고딕" panose="020B0603020101020101" pitchFamily="50" charset="-127"/>
+                          <a:ea typeface="나눔바른고딕" panose="020B0603020101020101" pitchFamily="50" charset="-127"/>
+                          <a:cs typeface="Arial"/>
+                          <a:sym typeface="Arial"/>
+                        </a:rPr>
+                        <a:t>수정 버튼을 누르면 수정됨</a:t>
+                      </a:r>
+                      <a:endParaRPr lang="ko-KR" altLang="en-US" sz="1200" b="0" i="0" u="none" strike="noStrike" cap="none" dirty="0" smtClean="0">
+                        <a:solidFill>
+                          <a:srgbClr val="000000"/>
+                        </a:solidFill>
+                        <a:latin typeface="나눔바른고딕" panose="020B0603020101020101" pitchFamily="50" charset="-127"/>
+                        <a:ea typeface="나눔바른고딕" panose="020B0603020101020101" pitchFamily="50" charset="-127"/>
+                        <a:cs typeface="Arial"/>
+                        <a:sym typeface="Arial"/>
+                      </a:endParaRPr>
+                    </a:p>
+                  </a:txBody>
+                  <a:tcPr marL="121920" marR="121920" marT="60960" marB="60960"/>
+                </a:tc>
+              </a:tr>
+              <a:tr h="620107">
+                <a:tc>
+                  <a:txBody>
+                    <a:bodyPr/>
+                    <a:lstStyle/>
+                    <a:p>
+                      <a:pPr algn="ctr" latinLnBrk="0"/>
+                      <a:r>
+                        <a:rPr lang="en-US" altLang="ko-KR" sz="1300" dirty="0" smtClean="0">
+                          <a:latin typeface="나눔바른고딕" panose="020B0603020101020101" pitchFamily="50" charset="-127"/>
+                          <a:ea typeface="나눔바른고딕" panose="020B0603020101020101" pitchFamily="50" charset="-127"/>
+                        </a:rPr>
+                        <a:t>3</a:t>
+                      </a:r>
+                      <a:endParaRPr lang="ko-KR" altLang="en-US" sz="1300" dirty="0">
+                        <a:latin typeface="나눔바른고딕" panose="020B0603020101020101" pitchFamily="50" charset="-127"/>
+                        <a:ea typeface="나눔바른고딕" panose="020B0603020101020101" pitchFamily="50" charset="-127"/>
+                      </a:endParaRPr>
+                    </a:p>
+                  </a:txBody>
+                  <a:tcPr marL="121920" marR="121920" marT="60960" marB="60960" anchor="ctr"/>
+                </a:tc>
+                <a:tc>
+                  <a:txBody>
+                    <a:bodyPr/>
+                    <a:lstStyle/>
+                    <a:p>
+                      <a:pPr algn="l" latinLnBrk="0">
+                        <a:lnSpc>
+                          <a:spcPts val="1300"/>
+                        </a:lnSpc>
+                      </a:pPr>
+                      <a:r>
+                        <a:rPr lang="ko-KR" altLang="en-US" sz="1200" smtClean="0">
+                          <a:latin typeface="나눔바른고딕" panose="020B0603020101020101" pitchFamily="50" charset="-127"/>
+                          <a:ea typeface="나눔바른고딕" panose="020B0603020101020101" pitchFamily="50" charset="-127"/>
+                        </a:rPr>
+                        <a:t>승인여부 클릭하면 승인여부 모달창이 뜨고 승인이 되면 해당 스토어가 보여지게 됨</a:t>
+                      </a:r>
+                      <a:endParaRPr lang="ko-KR" altLang="en-US" sz="1200" dirty="0">
+                        <a:latin typeface="나눔바른고딕" panose="020B0603020101020101" pitchFamily="50" charset="-127"/>
+                        <a:ea typeface="나눔바른고딕" panose="020B0603020101020101" pitchFamily="50" charset="-127"/>
+                      </a:endParaRPr>
+                    </a:p>
+                  </a:txBody>
+                  <a:tcPr marL="121920" marR="121920" marT="60960" marB="60960"/>
+                </a:tc>
+              </a:tr>
+              <a:tr h="620107">
+                <a:tc>
+                  <a:txBody>
+                    <a:bodyPr/>
+                    <a:lstStyle/>
+                    <a:p>
+                      <a:pPr algn="ctr" latinLnBrk="0"/>
+                      <a:r>
+                        <a:rPr lang="en-US" altLang="ko-KR" sz="1300" dirty="0" smtClean="0">
+                          <a:latin typeface="나눔바른고딕" panose="020B0603020101020101" pitchFamily="50" charset="-127"/>
+                          <a:ea typeface="나눔바른고딕" panose="020B0603020101020101" pitchFamily="50" charset="-127"/>
+                        </a:rPr>
+                        <a:t>4</a:t>
+                      </a:r>
+                      <a:endParaRPr lang="ko-KR" altLang="en-US" sz="1300" dirty="0">
+                        <a:latin typeface="나눔바른고딕" panose="020B0603020101020101" pitchFamily="50" charset="-127"/>
+                        <a:ea typeface="나눔바른고딕" panose="020B0603020101020101" pitchFamily="50" charset="-127"/>
+                      </a:endParaRPr>
+                    </a:p>
+                  </a:txBody>
+                  <a:tcPr marL="121920" marR="121920" marT="60960" marB="60960" anchor="ctr"/>
+                </a:tc>
+                <a:tc>
+                  <a:txBody>
+                    <a:bodyPr/>
+                    <a:lstStyle/>
+                    <a:p>
+                      <a:pPr algn="l" latinLnBrk="0">
+                        <a:lnSpc>
+                          <a:spcPts val="1300"/>
+                        </a:lnSpc>
+                      </a:pPr>
+                      <a:endParaRPr lang="ko-KR" altLang="en-US" sz="1200" dirty="0">
+                        <a:latin typeface="나눔바른고딕" panose="020B0603020101020101" pitchFamily="50" charset="-127"/>
+                        <a:ea typeface="나눔바른고딕" panose="020B0603020101020101" pitchFamily="50" charset="-127"/>
+                      </a:endParaRPr>
+                    </a:p>
+                  </a:txBody>
+                  <a:tcPr marL="121920" marR="121920" marT="60960" marB="60960"/>
+                </a:tc>
+              </a:tr>
+              <a:tr h="620107">
+                <a:tc>
+                  <a:txBody>
+                    <a:bodyPr/>
+                    <a:lstStyle/>
+                    <a:p>
+                      <a:pPr algn="ctr" latinLnBrk="0"/>
+                      <a:r>
+                        <a:rPr lang="en-US" altLang="ko-KR" sz="1300" dirty="0" smtClean="0">
+                          <a:latin typeface="나눔바른고딕" panose="020B0603020101020101" pitchFamily="50" charset="-127"/>
+                          <a:ea typeface="나눔바른고딕" panose="020B0603020101020101" pitchFamily="50" charset="-127"/>
+                        </a:rPr>
+                        <a:t>5</a:t>
+                      </a:r>
+                      <a:endParaRPr lang="ko-KR" altLang="en-US" sz="1300" dirty="0">
+                        <a:latin typeface="나눔바른고딕" panose="020B0603020101020101" pitchFamily="50" charset="-127"/>
+                        <a:ea typeface="나눔바른고딕" panose="020B0603020101020101" pitchFamily="50" charset="-127"/>
+                      </a:endParaRPr>
+                    </a:p>
+                  </a:txBody>
+                  <a:tcPr marL="121920" marR="121920" marT="60960" marB="60960" anchor="ctr"/>
+                </a:tc>
+                <a:tc>
+                  <a:txBody>
+                    <a:bodyPr/>
+                    <a:lstStyle/>
+                    <a:p>
+                      <a:pPr algn="l" latinLnBrk="0">
+                        <a:lnSpc>
+                          <a:spcPts val="1300"/>
+                        </a:lnSpc>
+                      </a:pPr>
+                      <a:endParaRPr lang="ko-KR" altLang="en-US" sz="1200" dirty="0">
+                        <a:latin typeface="나눔바른고딕" panose="020B0603020101020101" pitchFamily="50" charset="-127"/>
+                        <a:ea typeface="나눔바른고딕" panose="020B0603020101020101" pitchFamily="50" charset="-127"/>
+                      </a:endParaRPr>
+                    </a:p>
+                  </a:txBody>
+                  <a:tcPr marL="121920" marR="121920" marT="60960" marB="60960"/>
+                </a:tc>
+              </a:tr>
+            </a:tbl>
+          </a:graphicData>
+        </a:graphic>
+      </p:graphicFrame>
+      <p:pic>
+        <p:nvPicPr>
+          <p:cNvPr id="8" name="그림 7"/>
+          <p:cNvPicPr>
+            <a:picLocks noChangeAspect="1"/>
+          </p:cNvPicPr>
+          <p:nvPr/>
+        </p:nvPicPr>
+        <p:blipFill>
+          <a:blip r:embed="rId2"/>
+          <a:stretch>
+            <a:fillRect/>
+          </a:stretch>
+        </p:blipFill>
+        <p:spPr>
+          <a:xfrm>
+            <a:off x="1182539" y="1537167"/>
+            <a:ext cx="6874813" cy="4333636"/>
+          </a:xfrm>
+          <a:prstGeom prst="rect">
+            <a:avLst/>
+          </a:prstGeom>
+        </p:spPr>
+      </p:pic>
+      <p:sp>
+        <p:nvSpPr>
+          <p:cNvPr id="14" name="직사각형 13"/>
+          <p:cNvSpPr/>
+          <p:nvPr/>
+        </p:nvSpPr>
+        <p:spPr>
+          <a:xfrm>
+            <a:off x="1653849" y="755560"/>
+            <a:ext cx="6592433" cy="450123"/>
+          </a:xfrm>
+          <a:prstGeom prst="rect">
+            <a:avLst/>
+          </a:prstGeom>
+        </p:spPr>
+        <p:txBody>
+          <a:bodyPr wrap="square" lIns="68580" tIns="34290" rIns="68580" bIns="34290">
+            <a:spAutoFit/>
+          </a:bodyPr>
+          <a:lstStyle/>
+          <a:p>
+            <a:pPr>
+              <a:lnSpc>
+                <a:spcPct val="150000"/>
+              </a:lnSpc>
+            </a:pPr>
+            <a:r>
+              <a:rPr lang="en-US" altLang="ko-KR" sz="1800" b="1" dirty="0">
+                <a:solidFill>
+                  <a:schemeClr val="tx1">
+                    <a:lumMod val="75000"/>
+                    <a:lumOff val="25000"/>
+                  </a:schemeClr>
+                </a:solidFill>
+                <a:latin typeface="나눔바른고딕" panose="020B0603020101020101" pitchFamily="50" charset="-127"/>
+                <a:ea typeface="나눔바른고딕" panose="020B0603020101020101" pitchFamily="50" charset="-127"/>
+              </a:rPr>
+              <a:t>[ </a:t>
+            </a:r>
+            <a:r>
+              <a:rPr lang="ko-KR" altLang="en-US" sz="1800" b="1" dirty="0">
+                <a:solidFill>
+                  <a:schemeClr val="tx1">
+                    <a:lumMod val="75000"/>
+                    <a:lumOff val="25000"/>
+                  </a:schemeClr>
+                </a:solidFill>
+                <a:latin typeface="나눔바른고딕" panose="020B0603020101020101" pitchFamily="50" charset="-127"/>
+                <a:ea typeface="나눔바른고딕" panose="020B0603020101020101" pitchFamily="50" charset="-127"/>
+              </a:rPr>
+              <a:t>화면설계 </a:t>
+            </a:r>
+            <a:r>
+              <a:rPr lang="en-US" altLang="ko-KR" sz="1800" b="1">
+                <a:solidFill>
+                  <a:schemeClr val="tx1">
+                    <a:lumMod val="75000"/>
+                    <a:lumOff val="25000"/>
+                  </a:schemeClr>
+                </a:solidFill>
+                <a:latin typeface="나눔바른고딕" panose="020B0603020101020101" pitchFamily="50" charset="-127"/>
+                <a:ea typeface="나눔바른고딕" panose="020B0603020101020101" pitchFamily="50" charset="-127"/>
+              </a:rPr>
+              <a:t>] </a:t>
+            </a:r>
+            <a:r>
+              <a:rPr lang="ko-KR" altLang="en-US" b="1" smtClean="0">
+                <a:solidFill>
+                  <a:schemeClr val="tx1">
+                    <a:lumMod val="75000"/>
+                    <a:lumOff val="25000"/>
+                  </a:schemeClr>
+                </a:solidFill>
+                <a:latin typeface="나눔바른고딕" panose="020B0603020101020101" pitchFamily="50" charset="-127"/>
+                <a:ea typeface="나눔바른고딕" panose="020B0603020101020101" pitchFamily="50" charset="-127"/>
+              </a:rPr>
+              <a:t>리워드 스토어 상세보기</a:t>
+            </a:r>
+            <a:r>
+              <a:rPr lang="ko-KR" altLang="en-US" sz="1800" b="1" smtClean="0">
+                <a:solidFill>
+                  <a:schemeClr val="tx1">
+                    <a:lumMod val="75000"/>
+                    <a:lumOff val="25000"/>
+                  </a:schemeClr>
+                </a:solidFill>
+                <a:latin typeface="나눔바른고딕" panose="020B0603020101020101" pitchFamily="50" charset="-127"/>
+                <a:ea typeface="나눔바른고딕" panose="020B0603020101020101" pitchFamily="50" charset="-127"/>
+              </a:rPr>
+              <a:t> </a:t>
+            </a:r>
+            <a:r>
+              <a:rPr lang="en-US" altLang="ko-KR" sz="1800" b="1" dirty="0" smtClean="0">
+                <a:solidFill>
+                  <a:schemeClr val="tx1">
+                    <a:lumMod val="75000"/>
+                    <a:lumOff val="25000"/>
+                  </a:schemeClr>
+                </a:solidFill>
+                <a:latin typeface="나눔바른고딕" panose="020B0603020101020101" pitchFamily="50" charset="-127"/>
+                <a:ea typeface="나눔바른고딕" panose="020B0603020101020101" pitchFamily="50" charset="-127"/>
+              </a:rPr>
+              <a:t>– </a:t>
+            </a:r>
+            <a:r>
+              <a:rPr lang="ko-KR" altLang="en-US" sz="1800" b="1" dirty="0" err="1">
+                <a:solidFill>
+                  <a:schemeClr val="tx1">
+                    <a:lumMod val="75000"/>
+                    <a:lumOff val="25000"/>
+                  </a:schemeClr>
+                </a:solidFill>
+                <a:latin typeface="나눔바른고딕" panose="020B0603020101020101" pitchFamily="50" charset="-127"/>
+                <a:ea typeface="나눔바른고딕" panose="020B0603020101020101" pitchFamily="50" charset="-127"/>
+              </a:rPr>
+              <a:t>리워드</a:t>
+            </a:r>
+            <a:r>
+              <a:rPr lang="ko-KR" altLang="en-US" sz="1800" b="1" dirty="0">
+                <a:solidFill>
+                  <a:schemeClr val="tx1">
+                    <a:lumMod val="75000"/>
+                    <a:lumOff val="25000"/>
+                  </a:schemeClr>
+                </a:solidFill>
+                <a:latin typeface="나눔바른고딕" panose="020B0603020101020101" pitchFamily="50" charset="-127"/>
+                <a:ea typeface="나눔바른고딕" panose="020B0603020101020101" pitchFamily="50" charset="-127"/>
+              </a:rPr>
+              <a:t> 스토어 </a:t>
+            </a:r>
+            <a:r>
+              <a:rPr lang="en-US" altLang="ko-KR" sz="1800" b="1">
+                <a:solidFill>
+                  <a:schemeClr val="tx1">
+                    <a:lumMod val="75000"/>
+                    <a:lumOff val="25000"/>
+                  </a:schemeClr>
+                </a:solidFill>
+                <a:latin typeface="나눔바른고딕" panose="020B0603020101020101" pitchFamily="50" charset="-127"/>
+                <a:ea typeface="나눔바른고딕" panose="020B0603020101020101" pitchFamily="50" charset="-127"/>
+              </a:rPr>
+              <a:t>- </a:t>
+            </a:r>
+            <a:r>
+              <a:rPr lang="ko-KR" altLang="en-US" b="1" smtClean="0">
+                <a:solidFill>
+                  <a:schemeClr val="tx1">
+                    <a:lumMod val="75000"/>
+                    <a:lumOff val="25000"/>
+                  </a:schemeClr>
+                </a:solidFill>
+                <a:latin typeface="나눔바른고딕" panose="020B0603020101020101" pitchFamily="50" charset="-127"/>
+                <a:ea typeface="나눔바른고딕" panose="020B0603020101020101" pitchFamily="50" charset="-127"/>
+              </a:rPr>
+              <a:t>관리</a:t>
+            </a:r>
+            <a:r>
+              <a:rPr lang="ko-KR" altLang="en-US" sz="1800" b="1" smtClean="0">
+                <a:solidFill>
+                  <a:schemeClr val="tx1">
+                    <a:lumMod val="75000"/>
+                    <a:lumOff val="25000"/>
+                  </a:schemeClr>
+                </a:solidFill>
+                <a:latin typeface="나눔바른고딕" panose="020B0603020101020101" pitchFamily="50" charset="-127"/>
+                <a:ea typeface="나눔바른고딕" panose="020B0603020101020101" pitchFamily="50" charset="-127"/>
+              </a:rPr>
+              <a:t>자</a:t>
+            </a:r>
+            <a:endParaRPr lang="ko-KR" altLang="en-US" sz="1800" b="1" dirty="0">
+              <a:solidFill>
+                <a:schemeClr val="tx1">
+                  <a:lumMod val="75000"/>
+                  <a:lumOff val="25000"/>
+                </a:schemeClr>
+              </a:solidFill>
+              <a:latin typeface="나눔바른고딕" panose="020B0603020101020101" pitchFamily="50" charset="-127"/>
+              <a:ea typeface="나눔바른고딕" panose="020B0603020101020101" pitchFamily="50" charset="-127"/>
+            </a:endParaRPr>
+          </a:p>
+        </p:txBody>
+      </p:sp>
+      <p:pic>
+        <p:nvPicPr>
+          <p:cNvPr id="15" name="그림 14"/>
+          <p:cNvPicPr>
+            <a:picLocks noChangeAspect="1"/>
+          </p:cNvPicPr>
+          <p:nvPr/>
+        </p:nvPicPr>
+        <p:blipFill>
+          <a:blip r:embed="rId3" cstate="print">
+            <a:extLst>
+              <a:ext uri="{28A0092B-C50C-407E-A947-70E740481C1C}">
+                <a14:useLocalDpi xmlns:a14="http://schemas.microsoft.com/office/drawing/2010/main" val="0"/>
+              </a:ext>
+            </a:extLst>
+          </a:blip>
+          <a:stretch>
+            <a:fillRect/>
+          </a:stretch>
+        </p:blipFill>
+        <p:spPr>
+          <a:xfrm>
+            <a:off x="1081171" y="755560"/>
+            <a:ext cx="500395" cy="500395"/>
+          </a:xfrm>
+          <a:prstGeom prst="rect">
+            <a:avLst/>
+          </a:prstGeom>
+        </p:spPr>
+      </p:pic>
+    </p:spTree>
+    <p:extLst>
+      <p:ext uri="{BB962C8B-B14F-4D97-AF65-F5344CB8AC3E}">
+        <p14:creationId xmlns:p14="http://schemas.microsoft.com/office/powerpoint/2010/main" val="1477055651"/>
+      </p:ext>
+    </p:extLst>
+  </p:cSld>
+  <p:clrMapOvr>
+    <a:masterClrMapping/>
+  </p:clrMapOvr>
+  <p:timing>
+    <p:tnLst>
+      <p:par>
+        <p:cTn id="1" dur="indefinite" restart="never" nodeType="tmRoot"/>
+      </p:par>
+    </p:tnLst>
+  </p:timing>
+</p:sld>
+</file>
+
+<file path=ppt/slides/slide7.xml><?xml version="1.0" encoding="utf-8"?>
+<p:sld xmlns:a="http://schemas.openxmlformats.org/drawingml/2006/main" xmlns:r="http://schemas.openxmlformats.org/officeDocument/2006/relationships" xmlns:p="http://schemas.openxmlformats.org/presentationml/2006/main">
+  <p:cSld>
+    <p:spTree>
+      <p:nvGrpSpPr>
+        <p:cNvPr id="1" name=""/>
+        <p:cNvGrpSpPr/>
+        <p:nvPr/>
+      </p:nvGrpSpPr>
+      <p:grpSpPr>
+        <a:xfrm>
+          <a:off x="0" y="0"/>
+          <a:ext cx="0" cy="0"/>
+          <a:chOff x="0" y="0"/>
+          <a:chExt cx="0" cy="0"/>
+        </a:xfrm>
+      </p:grpSpPr>
+      <p:sp>
+        <p:nvSpPr>
+          <p:cNvPr id="6" name="양쪽 모서리가 둥근 사각형 5"/>
+          <p:cNvSpPr/>
+          <p:nvPr/>
+        </p:nvSpPr>
+        <p:spPr>
+          <a:xfrm>
+            <a:off x="143339" y="548680"/>
+            <a:ext cx="11905323" cy="6144683"/>
+          </a:xfrm>
+          <a:prstGeom prst="round2SameRect">
+            <a:avLst>
+              <a:gd name="adj1" fmla="val 0"/>
+              <a:gd name="adj2" fmla="val 2405"/>
+            </a:avLst>
+          </a:prstGeom>
+          <a:solidFill>
+            <a:schemeClr val="bg1"/>
+          </a:solidFill>
+          <a:ln>
+            <a:noFill/>
+          </a:ln>
+          <a:effectLst>
+            <a:outerShdw dist="254000" dir="5400000" sx="97000" sy="97000" algn="t" rotWithShape="0">
+              <a:prstClr val="black">
+                <a:alpha val="40000"/>
+              </a:prstClr>
+            </a:outerShdw>
+          </a:effectLst>
+        </p:spPr>
+        <p:style>
+          <a:lnRef idx="2">
+            <a:schemeClr val="accent1">
+              <a:shade val="50000"/>
+            </a:schemeClr>
+          </a:lnRef>
+          <a:fillRef idx="1">
+            <a:schemeClr val="accent1"/>
+          </a:fillRef>
+          <a:effectRef idx="0">
+            <a:schemeClr val="accent1"/>
+          </a:effectRef>
+          <a:fontRef idx="minor">
+            <a:schemeClr val="lt1"/>
+          </a:fontRef>
+        </p:style>
+        <p:txBody>
+          <a:bodyPr lIns="91440" tIns="45720" rIns="91440" bIns="45720" rtlCol="0" anchor="ctr"/>
+          <a:lstStyle/>
+          <a:p>
+            <a:pPr algn="ctr"/>
+            <a:endParaRPr lang="ko-KR" altLang="en-US" sz="2400">
+              <a:solidFill>
+                <a:prstClr val="white"/>
+              </a:solidFill>
+            </a:endParaRPr>
+          </a:p>
+        </p:txBody>
+      </p:sp>
+      <p:sp>
+        <p:nvSpPr>
+          <p:cNvPr id="5" name="양쪽 모서리가 둥근 사각형 4"/>
+          <p:cNvSpPr/>
+          <p:nvPr/>
+        </p:nvSpPr>
+        <p:spPr>
+          <a:xfrm>
+            <a:off x="143339" y="243880"/>
+            <a:ext cx="11905323" cy="304800"/>
+          </a:xfrm>
+          <a:prstGeom prst="round2SameRect">
+            <a:avLst>
+              <a:gd name="adj1" fmla="val 44667"/>
+              <a:gd name="adj2" fmla="val 0"/>
+            </a:avLst>
+          </a:prstGeom>
+          <a:solidFill>
+            <a:srgbClr val="411F42"/>
+          </a:solidFill>
+          <a:ln>
+            <a:noFill/>
+          </a:ln>
+          <a:effectLst>
+            <a:outerShdw dist="76200" dir="16200000" sx="97000" sy="97000" rotWithShape="0">
+              <a:prstClr val="black">
+                <a:alpha val="40000"/>
+              </a:prstClr>
+            </a:outerShdw>
+          </a:effectLst>
+        </p:spPr>
+        <p:style>
+          <a:lnRef idx="2">
+            <a:schemeClr val="accent1">
+              <a:shade val="50000"/>
+            </a:schemeClr>
+          </a:lnRef>
+          <a:fillRef idx="1">
+            <a:schemeClr val="accent1"/>
+          </a:fillRef>
+          <a:effectRef idx="0">
+            <a:schemeClr val="accent1"/>
+          </a:effectRef>
+          <a:fontRef idx="minor">
+            <a:schemeClr val="lt1"/>
+          </a:fontRef>
+        </p:style>
+        <p:txBody>
+          <a:bodyPr lIns="91440" tIns="45720" rIns="91440" bIns="45720" rtlCol="0" anchor="ctr"/>
+          <a:lstStyle/>
+          <a:p>
+            <a:pPr algn="ctr"/>
+            <a:endParaRPr lang="ko-KR" altLang="en-US" sz="2400">
+              <a:solidFill>
+                <a:prstClr val="white"/>
+              </a:solidFill>
+            </a:endParaRPr>
+          </a:p>
+        </p:txBody>
+      </p:sp>
+      <p:sp>
+        <p:nvSpPr>
+          <p:cNvPr id="7" name="직사각형 6"/>
+          <p:cNvSpPr/>
+          <p:nvPr/>
+        </p:nvSpPr>
+        <p:spPr>
+          <a:xfrm>
+            <a:off x="935120" y="366664"/>
+            <a:ext cx="10613801" cy="72000"/>
+          </a:xfrm>
+          <a:prstGeom prst="rect">
+            <a:avLst/>
+          </a:prstGeom>
+          <a:solidFill>
+            <a:schemeClr val="bg1"/>
+          </a:solidFill>
+          <a:ln>
+            <a:noFill/>
+          </a:ln>
+        </p:spPr>
+        <p:style>
+          <a:lnRef idx="2">
+            <a:schemeClr val="accent1">
+              <a:shade val="50000"/>
+            </a:schemeClr>
+          </a:lnRef>
+          <a:fillRef idx="1">
+            <a:schemeClr val="accent1"/>
+          </a:fillRef>
+          <a:effectRef idx="0">
+            <a:schemeClr val="accent1"/>
+          </a:effectRef>
+          <a:fontRef idx="minor">
+            <a:schemeClr val="lt1"/>
+          </a:fontRef>
+        </p:style>
+        <p:txBody>
+          <a:bodyPr lIns="91440" tIns="45720" rIns="91440" bIns="45720" rtlCol="0" anchor="ctr"/>
+          <a:lstStyle/>
+          <a:p>
+            <a:pPr algn="ctr"/>
+            <a:endParaRPr lang="ko-KR" altLang="en-US" sz="2400">
+              <a:solidFill>
+                <a:prstClr val="white"/>
+              </a:solidFill>
+            </a:endParaRPr>
+          </a:p>
+        </p:txBody>
+      </p:sp>
+      <p:sp>
+        <p:nvSpPr>
+          <p:cNvPr id="8" name="타원 7"/>
+          <p:cNvSpPr/>
+          <p:nvPr/>
+        </p:nvSpPr>
+        <p:spPr>
+          <a:xfrm>
+            <a:off x="576949" y="366664"/>
+            <a:ext cx="75276" cy="72000"/>
+          </a:xfrm>
+          <a:prstGeom prst="ellipse">
+            <a:avLst/>
+          </a:prstGeom>
+          <a:solidFill>
+            <a:srgbClr val="FF6189"/>
+          </a:solidFill>
+          <a:ln>
+            <a:noFill/>
+          </a:ln>
+        </p:spPr>
+        <p:style>
+          <a:lnRef idx="2">
+            <a:schemeClr val="accent1">
+              <a:shade val="50000"/>
+            </a:schemeClr>
+          </a:lnRef>
+          <a:fillRef idx="1">
+            <a:schemeClr val="accent1"/>
+          </a:fillRef>
+          <a:effectRef idx="0">
+            <a:schemeClr val="accent1"/>
+          </a:effectRef>
+          <a:fontRef idx="minor">
+            <a:schemeClr val="lt1"/>
+          </a:fontRef>
+        </p:style>
+        <p:txBody>
+          <a:bodyPr lIns="91440" tIns="45720" rIns="91440" bIns="45720" rtlCol="0" anchor="ctr"/>
+          <a:lstStyle/>
+          <a:p>
+            <a:pPr algn="ctr"/>
+            <a:endParaRPr lang="ko-KR" altLang="en-US" sz="2400">
+              <a:solidFill>
+                <a:prstClr val="white"/>
+              </a:solidFill>
+            </a:endParaRPr>
+          </a:p>
+        </p:txBody>
+      </p:sp>
+      <p:sp>
+        <p:nvSpPr>
+          <p:cNvPr id="9" name="타원 8"/>
+          <p:cNvSpPr/>
+          <p:nvPr/>
+        </p:nvSpPr>
+        <p:spPr>
+          <a:xfrm>
+            <a:off x="766826" y="366664"/>
+            <a:ext cx="75276" cy="72000"/>
+          </a:xfrm>
+          <a:prstGeom prst="ellipse">
+            <a:avLst/>
+          </a:prstGeom>
+          <a:solidFill>
+            <a:srgbClr val="00B0F0"/>
+          </a:solidFill>
+          <a:ln>
+            <a:noFill/>
+          </a:ln>
+        </p:spPr>
+        <p:style>
+          <a:lnRef idx="2">
+            <a:schemeClr val="accent1">
+              <a:shade val="50000"/>
+            </a:schemeClr>
+          </a:lnRef>
+          <a:fillRef idx="1">
+            <a:schemeClr val="accent1"/>
+          </a:fillRef>
+          <a:effectRef idx="0">
+            <a:schemeClr val="accent1"/>
+          </a:effectRef>
+          <a:fontRef idx="minor">
+            <a:schemeClr val="lt1"/>
+          </a:fontRef>
+        </p:style>
+        <p:txBody>
+          <a:bodyPr lIns="91440" tIns="45720" rIns="91440" bIns="45720" rtlCol="0" anchor="ctr"/>
+          <a:lstStyle/>
+          <a:p>
+            <a:pPr algn="ctr"/>
+            <a:endParaRPr lang="ko-KR" altLang="en-US" sz="2400">
+              <a:solidFill>
+                <a:prstClr val="white"/>
+              </a:solidFill>
+            </a:endParaRPr>
+          </a:p>
+        </p:txBody>
+      </p:sp>
+      <p:sp>
+        <p:nvSpPr>
+          <p:cNvPr id="10" name="타원 9"/>
+          <p:cNvSpPr/>
+          <p:nvPr/>
+        </p:nvSpPr>
+        <p:spPr>
+          <a:xfrm>
+            <a:off x="956703" y="366664"/>
+            <a:ext cx="75276" cy="72000"/>
+          </a:xfrm>
+          <a:prstGeom prst="ellipse">
+            <a:avLst/>
+          </a:prstGeom>
+          <a:solidFill>
+            <a:schemeClr val="accent4"/>
+          </a:solidFill>
+          <a:ln>
+            <a:noFill/>
+          </a:ln>
+        </p:spPr>
+        <p:style>
+          <a:lnRef idx="2">
+            <a:schemeClr val="accent1">
+              <a:shade val="50000"/>
+            </a:schemeClr>
+          </a:lnRef>
+          <a:fillRef idx="1">
+            <a:schemeClr val="accent1"/>
+          </a:fillRef>
+          <a:effectRef idx="0">
+            <a:schemeClr val="accent1"/>
+          </a:effectRef>
+          <a:fontRef idx="minor">
+            <a:schemeClr val="lt1"/>
+          </a:fontRef>
+        </p:style>
+        <p:txBody>
+          <a:bodyPr lIns="91440" tIns="45720" rIns="91440" bIns="45720" rtlCol="0" anchor="ctr"/>
+          <a:lstStyle/>
+          <a:p>
+            <a:pPr algn="ctr"/>
+            <a:endParaRPr lang="ko-KR" altLang="en-US" sz="2400">
+              <a:solidFill>
+                <a:prstClr val="white"/>
+              </a:solidFill>
+            </a:endParaRPr>
+          </a:p>
+        </p:txBody>
+      </p:sp>
+      <p:sp>
+        <p:nvSpPr>
+          <p:cNvPr id="15" name="직사각형 14"/>
+          <p:cNvSpPr/>
+          <p:nvPr/>
+        </p:nvSpPr>
+        <p:spPr>
+          <a:xfrm>
+            <a:off x="935120" y="743464"/>
+            <a:ext cx="6592433" cy="484748"/>
+          </a:xfrm>
+          <a:prstGeom prst="rect">
+            <a:avLst/>
+          </a:prstGeom>
+        </p:spPr>
+        <p:txBody>
+          <a:bodyPr wrap="square" lIns="68580" tIns="34290" rIns="68580" bIns="34290">
+            <a:spAutoFit/>
+          </a:bodyPr>
+          <a:lstStyle/>
+          <a:p>
+            <a:pPr>
+              <a:lnSpc>
+                <a:spcPct val="150000"/>
+              </a:lnSpc>
+            </a:pPr>
+            <a:r>
+              <a:rPr lang="en-US" altLang="ko-KR" sz="1800" b="1">
+                <a:solidFill>
+                  <a:schemeClr val="tx1">
+                    <a:lumMod val="75000"/>
+                    <a:lumOff val="25000"/>
+                  </a:schemeClr>
+                </a:solidFill>
+                <a:latin typeface="나눔고딕" panose="020D0604000000000000" pitchFamily="50" charset="-127"/>
+                <a:ea typeface="나눔고딕" panose="020D0604000000000000" pitchFamily="50" charset="-127"/>
+              </a:rPr>
+              <a:t>[ </a:t>
+            </a:r>
+            <a:r>
+              <a:rPr lang="ko-KR" altLang="en-US" sz="1800" b="1" smtClean="0">
+                <a:solidFill>
+                  <a:schemeClr val="tx1">
+                    <a:lumMod val="75000"/>
+                    <a:lumOff val="25000"/>
+                  </a:schemeClr>
+                </a:solidFill>
+                <a:latin typeface="나눔고딕" panose="020D0604000000000000" pitchFamily="50" charset="-127"/>
+                <a:ea typeface="나눔고딕" panose="020D0604000000000000" pitchFamily="50" charset="-127"/>
+              </a:rPr>
+              <a:t>화면구현 </a:t>
+            </a:r>
+            <a:r>
+              <a:rPr lang="en-US" altLang="ko-KR" sz="1800" b="1">
+                <a:solidFill>
+                  <a:schemeClr val="tx1">
+                    <a:lumMod val="75000"/>
+                    <a:lumOff val="25000"/>
+                  </a:schemeClr>
+                </a:solidFill>
+                <a:latin typeface="나눔고딕" panose="020D0604000000000000" pitchFamily="50" charset="-127"/>
+                <a:ea typeface="나눔고딕" panose="020D0604000000000000" pitchFamily="50" charset="-127"/>
+              </a:rPr>
+              <a:t>] </a:t>
+            </a:r>
+            <a:r>
+              <a:rPr lang="ko-KR" altLang="en-US" sz="1800" b="1" smtClean="0">
+                <a:solidFill>
+                  <a:schemeClr val="tx1">
+                    <a:lumMod val="75000"/>
+                    <a:lumOff val="25000"/>
+                  </a:schemeClr>
+                </a:solidFill>
+                <a:latin typeface="나눔고딕" panose="020D0604000000000000" pitchFamily="50" charset="-127"/>
+                <a:ea typeface="나눔고딕" panose="020D0604000000000000" pitchFamily="50" charset="-127"/>
+              </a:rPr>
+              <a:t>상품상세</a:t>
+            </a:r>
+            <a:r>
+              <a:rPr lang="en-US" altLang="ko-KR" sz="1800" b="1" smtClean="0">
+                <a:solidFill>
+                  <a:schemeClr val="tx1">
+                    <a:lumMod val="75000"/>
+                    <a:lumOff val="25000"/>
+                  </a:schemeClr>
+                </a:solidFill>
+                <a:latin typeface="나눔고딕" panose="020D0604000000000000" pitchFamily="50" charset="-127"/>
+                <a:ea typeface="나눔고딕" panose="020D0604000000000000" pitchFamily="50" charset="-127"/>
+              </a:rPr>
+              <a:t>(</a:t>
+            </a:r>
+            <a:r>
+              <a:rPr lang="ko-KR" altLang="en-US" sz="1800" b="1" smtClean="0">
+                <a:solidFill>
+                  <a:schemeClr val="tx1">
+                    <a:lumMod val="75000"/>
+                    <a:lumOff val="25000"/>
+                  </a:schemeClr>
+                </a:solidFill>
+                <a:latin typeface="나눔고딕" panose="020D0604000000000000" pitchFamily="50" charset="-127"/>
+                <a:ea typeface="나눔고딕" panose="020D0604000000000000" pitchFamily="50" charset="-127"/>
+              </a:rPr>
+              <a:t>승인</a:t>
+            </a:r>
+            <a:r>
+              <a:rPr lang="en-US" altLang="ko-KR" sz="1800" b="1" smtClean="0">
+                <a:solidFill>
+                  <a:schemeClr val="tx1">
+                    <a:lumMod val="75000"/>
+                    <a:lumOff val="25000"/>
+                  </a:schemeClr>
+                </a:solidFill>
+                <a:latin typeface="나눔고딕" panose="020D0604000000000000" pitchFamily="50" charset="-127"/>
+                <a:ea typeface="나눔고딕" panose="020D0604000000000000" pitchFamily="50" charset="-127"/>
+              </a:rPr>
+              <a:t>)</a:t>
+            </a:r>
+            <a:r>
+              <a:rPr lang="ko-KR" altLang="en-US" sz="1800" b="1" smtClean="0">
+                <a:solidFill>
+                  <a:schemeClr val="tx1">
+                    <a:lumMod val="75000"/>
+                    <a:lumOff val="25000"/>
+                  </a:schemeClr>
+                </a:solidFill>
+                <a:latin typeface="나눔고딕" panose="020D0604000000000000" pitchFamily="50" charset="-127"/>
+                <a:ea typeface="나눔고딕" panose="020D0604000000000000" pitchFamily="50" charset="-127"/>
+              </a:rPr>
+              <a:t> </a:t>
+            </a:r>
+            <a:r>
+              <a:rPr lang="en-US" altLang="ko-KR" sz="1800" b="1" dirty="0" smtClean="0">
+                <a:solidFill>
+                  <a:schemeClr val="tx1">
+                    <a:lumMod val="75000"/>
+                    <a:lumOff val="25000"/>
+                  </a:schemeClr>
+                </a:solidFill>
+                <a:latin typeface="나눔고딕" panose="020D0604000000000000" pitchFamily="50" charset="-127"/>
+                <a:ea typeface="나눔고딕" panose="020D0604000000000000" pitchFamily="50" charset="-127"/>
+              </a:rPr>
+              <a:t>– </a:t>
+            </a:r>
+            <a:r>
+              <a:rPr lang="ko-KR" altLang="en-US" sz="1800" b="1" dirty="0" err="1">
+                <a:solidFill>
+                  <a:schemeClr val="tx1">
+                    <a:lumMod val="75000"/>
+                    <a:lumOff val="25000"/>
+                  </a:schemeClr>
+                </a:solidFill>
+                <a:latin typeface="나눔고딕" panose="020D0604000000000000" pitchFamily="50" charset="-127"/>
+                <a:ea typeface="나눔고딕" panose="020D0604000000000000" pitchFamily="50" charset="-127"/>
+              </a:rPr>
+              <a:t>리워드</a:t>
+            </a:r>
+            <a:r>
+              <a:rPr lang="ko-KR" altLang="en-US" sz="1800" b="1" dirty="0">
+                <a:solidFill>
+                  <a:schemeClr val="tx1">
+                    <a:lumMod val="75000"/>
+                    <a:lumOff val="25000"/>
+                  </a:schemeClr>
+                </a:solidFill>
+                <a:latin typeface="나눔고딕" panose="020D0604000000000000" pitchFamily="50" charset="-127"/>
+                <a:ea typeface="나눔고딕" panose="020D0604000000000000" pitchFamily="50" charset="-127"/>
+              </a:rPr>
+              <a:t> 스토어 </a:t>
+            </a:r>
+            <a:r>
+              <a:rPr lang="en-US" altLang="ko-KR" sz="1800" b="1">
+                <a:solidFill>
+                  <a:schemeClr val="tx1">
+                    <a:lumMod val="75000"/>
+                    <a:lumOff val="25000"/>
+                  </a:schemeClr>
+                </a:solidFill>
+                <a:latin typeface="나눔고딕" panose="020D0604000000000000" pitchFamily="50" charset="-127"/>
+                <a:ea typeface="나눔고딕" panose="020D0604000000000000" pitchFamily="50" charset="-127"/>
+              </a:rPr>
+              <a:t>- </a:t>
+            </a:r>
+            <a:r>
+              <a:rPr lang="ko-KR" altLang="en-US" b="1" smtClean="0">
+                <a:solidFill>
+                  <a:schemeClr val="tx1">
+                    <a:lumMod val="75000"/>
+                    <a:lumOff val="25000"/>
+                  </a:schemeClr>
+                </a:solidFill>
+                <a:latin typeface="나눔고딕" panose="020D0604000000000000" pitchFamily="50" charset="-127"/>
+                <a:ea typeface="나눔고딕" panose="020D0604000000000000" pitchFamily="50" charset="-127"/>
+              </a:rPr>
+              <a:t>관리자</a:t>
+            </a:r>
+            <a:endParaRPr lang="ko-KR" altLang="en-US" sz="1800" b="1" dirty="0">
+              <a:solidFill>
+                <a:schemeClr val="tx1">
+                  <a:lumMod val="75000"/>
+                  <a:lumOff val="25000"/>
+                </a:schemeClr>
+              </a:solidFill>
+              <a:latin typeface="나눔고딕" panose="020D0604000000000000" pitchFamily="50" charset="-127"/>
+              <a:ea typeface="나눔고딕" panose="020D0604000000000000" pitchFamily="50" charset="-127"/>
+            </a:endParaRPr>
+          </a:p>
+        </p:txBody>
+      </p:sp>
+      <p:pic>
+        <p:nvPicPr>
+          <p:cNvPr id="16" name="그림 15"/>
+          <p:cNvPicPr>
+            <a:picLocks noChangeAspect="1"/>
+          </p:cNvPicPr>
+          <p:nvPr/>
+        </p:nvPicPr>
+        <p:blipFill>
+          <a:blip r:embed="rId2" cstate="print">
+            <a:extLst>
+              <a:ext uri="{28A0092B-C50C-407E-A947-70E740481C1C}">
+                <a14:useLocalDpi xmlns:a14="http://schemas.microsoft.com/office/drawing/2010/main" val="0"/>
+              </a:ext>
+            </a:extLst>
+          </a:blip>
+          <a:stretch>
+            <a:fillRect/>
+          </a:stretch>
+        </p:blipFill>
+        <p:spPr>
+          <a:xfrm>
+            <a:off x="362442" y="743464"/>
+            <a:ext cx="500395" cy="500395"/>
+          </a:xfrm>
+          <a:prstGeom prst="rect">
+            <a:avLst/>
+          </a:prstGeom>
+        </p:spPr>
+      </p:pic>
+      <p:graphicFrame>
+        <p:nvGraphicFramePr>
+          <p:cNvPr id="14" name="표 13"/>
+          <p:cNvGraphicFramePr>
+            <a:graphicFrameLocks noGrp="1"/>
+          </p:cNvGraphicFramePr>
+          <p:nvPr>
+            <p:extLst>
+              <p:ext uri="{D42A27DB-BD31-4B8C-83A1-F6EECF244321}">
+                <p14:modId xmlns:p14="http://schemas.microsoft.com/office/powerpoint/2010/main" val="1309118602"/>
+              </p:ext>
+            </p:extLst>
+          </p:nvPr>
+        </p:nvGraphicFramePr>
+        <p:xfrm>
+          <a:off x="7183609" y="1919184"/>
+          <a:ext cx="4555856" cy="1460815"/>
+        </p:xfrm>
+        <a:graphic>
+          <a:graphicData uri="http://schemas.openxmlformats.org/drawingml/2006/table">
+            <a:tbl>
+              <a:tblPr firstRow="1" bandRow="1"/>
+              <a:tblGrid>
+                <a:gridCol w="4555856"/>
+              </a:tblGrid>
+              <a:tr h="424495">
+                <a:tc>
+                  <a:txBody>
+                    <a:bodyPr/>
+                    <a:lstStyle/>
+                    <a:p>
+                      <a:pPr algn="ctr" latinLnBrk="1"/>
+                      <a:r>
+                        <a:rPr lang="ko-KR" altLang="en-US" sz="1200" b="1" smtClean="0">
+                          <a:solidFill>
+                            <a:schemeClr val="tx1"/>
+                          </a:solidFill>
+                          <a:latin typeface="나눔바른고딕" panose="020B0603020101020101" pitchFamily="50" charset="-127"/>
+                          <a:ea typeface="나눔바른고딕" panose="020B0603020101020101" pitchFamily="50" charset="-127"/>
+                        </a:rPr>
+                        <a:t>사용 기술</a:t>
+                      </a:r>
+                      <a:endParaRPr lang="ko-KR" altLang="en-US" sz="1200" b="1" dirty="0">
+                        <a:solidFill>
+                          <a:schemeClr val="tx1"/>
+                        </a:solidFill>
+                        <a:latin typeface="나눔바른고딕" panose="020B0603020101020101" pitchFamily="50" charset="-127"/>
+                        <a:ea typeface="나눔바른고딕" panose="020B0603020101020101" pitchFamily="50" charset="-127"/>
+                      </a:endParaRPr>
+                    </a:p>
+                  </a:txBody>
+                  <a:tcPr marL="121920" marR="121920" marT="60960" marB="60960" anchor="ctr">
+                    <a:solidFill>
+                      <a:srgbClr val="FF9E00"/>
+                    </a:solidFill>
+                  </a:tcPr>
+                </a:tc>
+              </a:tr>
+              <a:tr h="490571">
+                <a:tc>
+                  <a:txBody>
+                    <a:bodyPr/>
+                    <a:lstStyle/>
+                    <a:p>
+                      <a:pPr marL="285750" indent="-285750" algn="ctr" latinLnBrk="1">
+                        <a:buFontTx/>
+                        <a:buChar char="-"/>
+                      </a:pPr>
+                      <a:r>
+                        <a:rPr lang="en-US" altLang="ko-KR" sz="1500" smtClean="0">
+                          <a:latin typeface="나눔바른고딕" panose="020B0603020101020101" pitchFamily="50" charset="-127"/>
+                          <a:ea typeface="나눔바른고딕" panose="020B0603020101020101" pitchFamily="50" charset="-127"/>
+                        </a:rPr>
+                        <a:t>Oracle</a:t>
+                      </a:r>
+                      <a:r>
+                        <a:rPr lang="en-US" altLang="ko-KR" sz="1500" baseline="0" smtClean="0">
+                          <a:latin typeface="나눔바른고딕" panose="020B0603020101020101" pitchFamily="50" charset="-127"/>
+                          <a:ea typeface="나눔바른고딕" panose="020B0603020101020101" pitchFamily="50" charset="-127"/>
+                        </a:rPr>
+                        <a:t> DB + Spring Framework</a:t>
+                      </a:r>
+                      <a:r>
+                        <a:rPr lang="ko-KR" altLang="en-US" sz="1500" baseline="0" smtClean="0">
+                          <a:latin typeface="나눔바른고딕" panose="020B0603020101020101" pitchFamily="50" charset="-127"/>
+                          <a:ea typeface="나눔바른고딕" panose="020B0603020101020101" pitchFamily="50" charset="-127"/>
+                        </a:rPr>
+                        <a:t>의 </a:t>
+                      </a:r>
+                      <a:r>
+                        <a:rPr lang="en-US" altLang="ko-KR" sz="1500" baseline="0" smtClean="0">
+                          <a:latin typeface="나눔바른고딕" panose="020B0603020101020101" pitchFamily="50" charset="-127"/>
+                          <a:ea typeface="나눔바른고딕" panose="020B0603020101020101" pitchFamily="50" charset="-127"/>
+                        </a:rPr>
+                        <a:t>CRUD </a:t>
+                      </a:r>
+                      <a:r>
+                        <a:rPr lang="ko-KR" altLang="en-US" sz="1500" baseline="0" smtClean="0">
+                          <a:latin typeface="나눔바른고딕" panose="020B0603020101020101" pitchFamily="50" charset="-127"/>
+                          <a:ea typeface="나눔바른고딕" panose="020B0603020101020101" pitchFamily="50" charset="-127"/>
+                        </a:rPr>
+                        <a:t>구현</a:t>
+                      </a:r>
+                      <a:endParaRPr lang="en-US" altLang="ko-KR" sz="1500" baseline="0" smtClean="0">
+                        <a:latin typeface="나눔바른고딕" panose="020B0603020101020101" pitchFamily="50" charset="-127"/>
+                        <a:ea typeface="나눔바른고딕" panose="020B0603020101020101" pitchFamily="50" charset="-127"/>
+                      </a:endParaRPr>
+                    </a:p>
+                    <a:p>
+                      <a:pPr marL="0" indent="0" algn="ctr" latinLnBrk="1">
+                        <a:buFontTx/>
+                        <a:buNone/>
+                      </a:pPr>
+                      <a:endParaRPr lang="en-US" altLang="ko-KR" sz="1500" baseline="0" smtClean="0">
+                        <a:latin typeface="나눔바른고딕" panose="020B0603020101020101" pitchFamily="50" charset="-127"/>
+                        <a:ea typeface="나눔바른고딕" panose="020B0603020101020101" pitchFamily="50" charset="-127"/>
+                      </a:endParaRPr>
+                    </a:p>
+                    <a:p>
+                      <a:pPr marL="0" indent="0" algn="ctr" latinLnBrk="1">
+                        <a:buFontTx/>
+                        <a:buNone/>
+                      </a:pPr>
+                      <a:r>
+                        <a:rPr lang="en-US" altLang="ko-KR" sz="1500" baseline="0" smtClean="0">
+                          <a:latin typeface="나눔바른고딕" panose="020B0603020101020101" pitchFamily="50" charset="-127"/>
+                          <a:ea typeface="나눔바른고딕" panose="020B0603020101020101" pitchFamily="50" charset="-127"/>
+                        </a:rPr>
+                        <a:t>- Vue.js</a:t>
+                      </a:r>
+                      <a:r>
+                        <a:rPr lang="ko-KR" altLang="en-US" sz="1500" baseline="0" smtClean="0">
+                          <a:latin typeface="나눔바른고딕" panose="020B0603020101020101" pitchFamily="50" charset="-127"/>
+                          <a:ea typeface="나눔바른고딕" panose="020B0603020101020101" pitchFamily="50" charset="-127"/>
+                        </a:rPr>
+                        <a:t>와 </a:t>
+                      </a:r>
+                      <a:r>
+                        <a:rPr lang="en-US" altLang="ko-KR" sz="1500" baseline="0" smtClean="0">
+                          <a:latin typeface="나눔바른고딕" panose="020B0603020101020101" pitchFamily="50" charset="-127"/>
+                          <a:ea typeface="나눔바른고딕" panose="020B0603020101020101" pitchFamily="50" charset="-127"/>
+                        </a:rPr>
+                        <a:t>Fetch API</a:t>
+                      </a:r>
+                      <a:r>
+                        <a:rPr lang="ko-KR" altLang="en-US" sz="1500" baseline="0" smtClean="0">
+                          <a:latin typeface="나눔바른고딕" panose="020B0603020101020101" pitchFamily="50" charset="-127"/>
+                          <a:ea typeface="나눔바른고딕" panose="020B0603020101020101" pitchFamily="50" charset="-127"/>
+                        </a:rPr>
+                        <a:t>를 이용하여 비즈니스 로직 구현</a:t>
+                      </a:r>
+                      <a:endParaRPr lang="en-US" altLang="ko-KR" sz="1500" baseline="0" smtClean="0">
+                        <a:latin typeface="나눔바른고딕" panose="020B0603020101020101" pitchFamily="50" charset="-127"/>
+                        <a:ea typeface="나눔바른고딕" panose="020B0603020101020101" pitchFamily="50" charset="-127"/>
+                      </a:endParaRPr>
+                    </a:p>
+                    <a:p>
+                      <a:pPr marL="285750" indent="-285750" algn="ctr" latinLnBrk="1">
+                        <a:buFontTx/>
+                        <a:buChar char="-"/>
+                      </a:pPr>
+                      <a:endParaRPr lang="en-US" altLang="ko-KR" sz="1500" baseline="0" smtClean="0">
+                        <a:latin typeface="나눔바른고딕" panose="020B0603020101020101" pitchFamily="50" charset="-127"/>
+                        <a:ea typeface="나눔바른고딕" panose="020B0603020101020101" pitchFamily="50" charset="-127"/>
+                      </a:endParaRPr>
+                    </a:p>
+                  </a:txBody>
+                  <a:tcPr marL="121920" marR="121920" marT="60960" marB="60960" anchor="ctr"/>
+                </a:tc>
+              </a:tr>
+            </a:tbl>
+          </a:graphicData>
+        </a:graphic>
+      </p:graphicFrame>
+      <p:graphicFrame>
+        <p:nvGraphicFramePr>
+          <p:cNvPr id="17" name="표 16"/>
+          <p:cNvGraphicFramePr>
+            <a:graphicFrameLocks noGrp="1"/>
+          </p:cNvGraphicFramePr>
+          <p:nvPr>
+            <p:extLst>
+              <p:ext uri="{D42A27DB-BD31-4B8C-83A1-F6EECF244321}">
+                <p14:modId xmlns:p14="http://schemas.microsoft.com/office/powerpoint/2010/main" val="3372279977"/>
+              </p:ext>
+            </p:extLst>
+          </p:nvPr>
+        </p:nvGraphicFramePr>
+        <p:xfrm>
+          <a:off x="7183609" y="3947215"/>
+          <a:ext cx="4555856" cy="1582735"/>
+        </p:xfrm>
+        <a:graphic>
+          <a:graphicData uri="http://schemas.openxmlformats.org/drawingml/2006/table">
+            <a:tbl>
+              <a:tblPr firstRow="1" bandRow="1"/>
+              <a:tblGrid>
+                <a:gridCol w="4555856"/>
+              </a:tblGrid>
+              <a:tr h="424495">
+                <a:tc>
+                  <a:txBody>
+                    <a:bodyPr/>
+                    <a:lstStyle/>
+                    <a:p>
+                      <a:pPr algn="ctr" latinLnBrk="1"/>
+                      <a:r>
+                        <a:rPr lang="ko-KR" altLang="en-US" sz="1200" b="1" smtClean="0">
+                          <a:solidFill>
+                            <a:schemeClr val="tx1"/>
+                          </a:solidFill>
+                          <a:latin typeface="나눔바른고딕" panose="020B0603020101020101" pitchFamily="50" charset="-127"/>
+                          <a:ea typeface="나눔바른고딕" panose="020B0603020101020101" pitchFamily="50" charset="-127"/>
+                        </a:rPr>
+                        <a:t>비즈니스 로직</a:t>
+                      </a:r>
+                      <a:endParaRPr lang="ko-KR" altLang="en-US" sz="1200" b="1" dirty="0">
+                        <a:solidFill>
+                          <a:schemeClr val="tx1"/>
+                        </a:solidFill>
+                        <a:latin typeface="나눔바른고딕" panose="020B0603020101020101" pitchFamily="50" charset="-127"/>
+                        <a:ea typeface="나눔바른고딕" panose="020B0603020101020101" pitchFamily="50" charset="-127"/>
+                      </a:endParaRPr>
+                    </a:p>
+                  </a:txBody>
+                  <a:tcPr marL="121920" marR="121920" marT="60960" marB="60960" anchor="ctr">
+                    <a:solidFill>
+                      <a:srgbClr val="FF9E00"/>
+                    </a:solidFill>
+                  </a:tcPr>
+                </a:tc>
+              </a:tr>
+              <a:tr h="490571">
+                <a:tc>
+                  <a:txBody>
+                    <a:bodyPr/>
+                    <a:lstStyle/>
+                    <a:p>
+                      <a:pPr marL="285750" indent="-285750" algn="ctr" latinLnBrk="1">
+                        <a:buFontTx/>
+                        <a:buChar char="-"/>
+                      </a:pPr>
+                      <a:r>
+                        <a:rPr lang="ko-KR" altLang="en-US" sz="1600" baseline="0" smtClean="0">
+                          <a:latin typeface="나눔바른고딕" panose="020B0603020101020101" pitchFamily="50" charset="-127"/>
+                          <a:ea typeface="나눔바른고딕" panose="020B0603020101020101" pitchFamily="50" charset="-127"/>
+                        </a:rPr>
+                        <a:t>스토어 상품목록 </a:t>
+                      </a:r>
+                      <a:r>
+                        <a:rPr lang="en-US" altLang="ko-KR" sz="1600" baseline="0" smtClean="0">
+                          <a:latin typeface="나눔바른고딕" panose="020B0603020101020101" pitchFamily="50" charset="-127"/>
+                          <a:ea typeface="나눔바른고딕" panose="020B0603020101020101" pitchFamily="50" charset="-127"/>
+                        </a:rPr>
+                        <a:t>-&gt; </a:t>
+                      </a:r>
+                      <a:r>
+                        <a:rPr lang="ko-KR" altLang="en-US" sz="1600" baseline="0" smtClean="0">
+                          <a:latin typeface="나눔바른고딕" panose="020B0603020101020101" pitchFamily="50" charset="-127"/>
+                          <a:ea typeface="나눔바른고딕" panose="020B0603020101020101" pitchFamily="50" charset="-127"/>
+                        </a:rPr>
+                        <a:t>스토어 상품 상세 보기</a:t>
+                      </a:r>
+                      <a:endParaRPr lang="en-US" altLang="ko-KR" sz="1600" baseline="0" smtClean="0">
+                        <a:latin typeface="나눔바른고딕" panose="020B0603020101020101" pitchFamily="50" charset="-127"/>
+                        <a:ea typeface="나눔바른고딕" panose="020B0603020101020101" pitchFamily="50" charset="-127"/>
+                      </a:endParaRPr>
+                    </a:p>
+                    <a:p>
+                      <a:pPr marL="285750" indent="-285750" algn="ctr" latinLnBrk="1">
+                        <a:buFontTx/>
+                        <a:buChar char="-"/>
+                      </a:pPr>
+                      <a:endParaRPr lang="en-US" altLang="ko-KR" sz="1600" baseline="0" smtClean="0">
+                        <a:latin typeface="나눔바른고딕" panose="020B0603020101020101" pitchFamily="50" charset="-127"/>
+                        <a:ea typeface="나눔바른고딕" panose="020B0603020101020101" pitchFamily="50" charset="-127"/>
+                      </a:endParaRPr>
+                    </a:p>
+                    <a:p>
+                      <a:pPr marL="285750" indent="-285750" algn="ctr" latinLnBrk="1">
+                        <a:buFontTx/>
+                        <a:buChar char="-"/>
+                      </a:pPr>
+                      <a:r>
+                        <a:rPr lang="ko-KR" altLang="en-US" sz="1200" baseline="0" smtClean="0">
+                          <a:latin typeface="나눔바른고딕" panose="020B0603020101020101" pitchFamily="50" charset="-127"/>
+                          <a:ea typeface="나눔바른고딕" panose="020B0603020101020101" pitchFamily="50" charset="-127"/>
+                        </a:rPr>
+                        <a:t>해당 상품 클릭하면 상품의 정보가 나타나게 되고</a:t>
+                      </a:r>
+                      <a:endParaRPr lang="en-US" altLang="ko-KR" sz="1200" baseline="0" smtClean="0">
+                        <a:latin typeface="나눔바른고딕" panose="020B0603020101020101" pitchFamily="50" charset="-127"/>
+                        <a:ea typeface="나눔바른고딕" panose="020B0603020101020101" pitchFamily="50" charset="-127"/>
+                      </a:endParaRPr>
+                    </a:p>
+                    <a:p>
+                      <a:pPr marL="285750" indent="-285750" algn="ctr" latinLnBrk="1">
+                        <a:buFontTx/>
+                        <a:buChar char="-"/>
+                      </a:pPr>
+                      <a:r>
+                        <a:rPr lang="ko-KR" altLang="en-US" sz="1200" baseline="0" smtClean="0">
+                          <a:latin typeface="나눔바른고딕" panose="020B0603020101020101" pitchFamily="50" charset="-127"/>
+                          <a:ea typeface="나눔바른고딕" panose="020B0603020101020101" pitchFamily="50" charset="-127"/>
+                        </a:rPr>
+                        <a:t>승인하기 누르면 해당 승인 여부를 물어보는 모달창 노출</a:t>
+                      </a:r>
+                      <a:endParaRPr lang="en-US" altLang="ko-KR" sz="1200" baseline="0" smtClean="0">
+                        <a:latin typeface="나눔바른고딕" panose="020B0603020101020101" pitchFamily="50" charset="-127"/>
+                        <a:ea typeface="나눔바른고딕" panose="020B0603020101020101" pitchFamily="50" charset="-127"/>
+                      </a:endParaRPr>
+                    </a:p>
+                    <a:p>
+                      <a:pPr marL="285750" indent="-285750" algn="ctr" latinLnBrk="1">
+                        <a:buFontTx/>
+                        <a:buChar char="-"/>
+                      </a:pPr>
+                      <a:r>
+                        <a:rPr lang="ko-KR" altLang="en-US" sz="1200" baseline="0" smtClean="0">
+                          <a:latin typeface="나눔바른고딕" panose="020B0603020101020101" pitchFamily="50" charset="-127"/>
+                          <a:ea typeface="나눔바른고딕" panose="020B0603020101020101" pitchFamily="50" charset="-127"/>
+                        </a:rPr>
+                        <a:t>해당 승인 여부 클릭후 승인 버튼 누르면 상품 승인 여부 처리 완료</a:t>
+                      </a:r>
+                      <a:endParaRPr lang="en-US" altLang="ko-KR" sz="1200" baseline="0" smtClean="0">
+                        <a:latin typeface="나눔바른고딕" panose="020B0603020101020101" pitchFamily="50" charset="-127"/>
+                        <a:ea typeface="나눔바른고딕" panose="020B0603020101020101" pitchFamily="50" charset="-127"/>
+                      </a:endParaRPr>
+                    </a:p>
+                  </a:txBody>
+                  <a:tcPr marL="121920" marR="121920" marT="60960" marB="60960" anchor="ctr"/>
+                </a:tc>
+              </a:tr>
+            </a:tbl>
+          </a:graphicData>
+        </a:graphic>
+      </p:graphicFrame>
+      <p:pic>
+        <p:nvPicPr>
+          <p:cNvPr id="3" name="그림 2"/>
+          <p:cNvPicPr>
+            <a:picLocks noChangeAspect="1"/>
+          </p:cNvPicPr>
+          <p:nvPr/>
+        </p:nvPicPr>
+        <p:blipFill>
+          <a:blip r:embed="rId3"/>
+          <a:stretch>
+            <a:fillRect/>
+          </a:stretch>
+        </p:blipFill>
+        <p:spPr>
+          <a:xfrm>
+            <a:off x="362442" y="1438643"/>
+            <a:ext cx="5991225" cy="2797904"/>
+          </a:xfrm>
+          <a:prstGeom prst="rect">
+            <a:avLst/>
+          </a:prstGeom>
+        </p:spPr>
+      </p:pic>
+      <p:pic>
+        <p:nvPicPr>
+          <p:cNvPr id="4" name="그림 3"/>
+          <p:cNvPicPr>
+            <a:picLocks noChangeAspect="1"/>
+          </p:cNvPicPr>
+          <p:nvPr/>
+        </p:nvPicPr>
+        <p:blipFill>
+          <a:blip r:embed="rId4"/>
+          <a:stretch>
+            <a:fillRect/>
+          </a:stretch>
+        </p:blipFill>
+        <p:spPr>
+          <a:xfrm>
+            <a:off x="362442" y="4608650"/>
+            <a:ext cx="4743450" cy="1763463"/>
+          </a:xfrm>
+          <a:prstGeom prst="rect">
+            <a:avLst/>
+          </a:prstGeom>
+        </p:spPr>
+      </p:pic>
+    </p:spTree>
+    <p:extLst>
+      <p:ext uri="{BB962C8B-B14F-4D97-AF65-F5344CB8AC3E}">
+        <p14:creationId xmlns:p14="http://schemas.microsoft.com/office/powerpoint/2010/main" val="3226993177"/>
       </p:ext>
     </p:extLst>
   </p:cSld>
